--- a/Journee-ARC6/cloud-benani-vargas-ghedira-musicante.pptx
+++ b/Journee-ARC6/cloud-benani-vargas-ghedira-musicante.pptx
@@ -5,10 +5,10 @@
     <p:sldMasterId id="2147483819" r:id="rId1"/>
   </p:sldMasterIdLst>
   <p:notesMasterIdLst>
-    <p:notesMasterId r:id="rId13"/>
+    <p:notesMasterId r:id="rId14"/>
   </p:notesMasterIdLst>
   <p:handoutMasterIdLst>
-    <p:handoutMasterId r:id="rId14"/>
+    <p:handoutMasterId r:id="rId15"/>
   </p:handoutMasterIdLst>
   <p:sldIdLst>
     <p:sldId id="256" r:id="rId2"/>
@@ -19,9 +19,10 @@
     <p:sldId id="394" r:id="rId7"/>
     <p:sldId id="395" r:id="rId8"/>
     <p:sldId id="351" r:id="rId9"/>
-    <p:sldId id="385" r:id="rId10"/>
-    <p:sldId id="386" r:id="rId11"/>
-    <p:sldId id="376" r:id="rId12"/>
+    <p:sldId id="396" r:id="rId10"/>
+    <p:sldId id="385" r:id="rId11"/>
+    <p:sldId id="386" r:id="rId12"/>
+    <p:sldId id="376" r:id="rId13"/>
   </p:sldIdLst>
   <p:sldSz cx="9144000" cy="5143500" type="screen16x9"/>
   <p:notesSz cx="6858000" cy="9144000"/>
@@ -843,6 +844,90 @@
       </p:grpSpPr>
       <p:sp>
         <p:nvSpPr>
+          <p:cNvPr id="2" name="Espace réservé de l'image des diapositives 1"/>
+          <p:cNvSpPr>
+            <a:spLocks noGrp="1" noRot="1" noChangeAspect="1"/>
+          </p:cNvSpPr>
+          <p:nvPr>
+            <p:ph type="sldImg"/>
+          </p:nvPr>
+        </p:nvSpPr>
+        <p:spPr/>
+      </p:sp>
+      <p:sp>
+        <p:nvSpPr>
+          <p:cNvPr id="3" name="Espace réservé des commentaires 2"/>
+          <p:cNvSpPr>
+            <a:spLocks noGrp="1"/>
+          </p:cNvSpPr>
+          <p:nvPr>
+            <p:ph type="body" idx="1"/>
+          </p:nvPr>
+        </p:nvSpPr>
+        <p:spPr/>
+        <p:txBody>
+          <a:bodyPr/>
+          <a:lstStyle/>
+          <a:p>
+            <a:endParaRPr lang="en-GB"/>
+          </a:p>
+        </p:txBody>
+      </p:sp>
+      <p:sp>
+        <p:nvSpPr>
+          <p:cNvPr id="4" name="Espace réservé du numéro de diapositive 3"/>
+          <p:cNvSpPr>
+            <a:spLocks noGrp="1"/>
+          </p:cNvSpPr>
+          <p:nvPr>
+            <p:ph type="sldNum" sz="quarter" idx="10"/>
+          </p:nvPr>
+        </p:nvSpPr>
+        <p:spPr/>
+        <p:txBody>
+          <a:bodyPr/>
+          <a:lstStyle/>
+          <a:p>
+            <a:fld id="{57E0BC2A-8237-8C45-84CA-A7F136E6A562}" type="slidenum">
+              <a:rPr lang="es-ES_tradnl" smtClean="0"/>
+              <a:t>3</a:t>
+            </a:fld>
+            <a:endParaRPr lang="es-ES_tradnl"/>
+          </a:p>
+        </p:txBody>
+      </p:sp>
+    </p:spTree>
+    <p:extLst>
+      <p:ext uri="{BB962C8B-B14F-4D97-AF65-F5344CB8AC3E}">
+        <p14:creationId xmlns:p14="http://schemas.microsoft.com/office/powerpoint/2010/main" val="3462683081"/>
+      </p:ext>
+    </p:extLst>
+  </p:cSld>
+  <p:clrMapOvr>
+    <a:masterClrMapping/>
+  </p:clrMapOvr>
+</p:notes>
+</file>
+
+<file path=ppt/notesSlides/notesSlide4.xml><?xml version="1.0" encoding="utf-8"?>
+<p:notes xmlns:a="http://schemas.openxmlformats.org/drawingml/2006/main" xmlns:r="http://schemas.openxmlformats.org/officeDocument/2006/relationships" xmlns:p="http://schemas.openxmlformats.org/presentationml/2006/main">
+  <p:cSld>
+    <p:spTree>
+      <p:nvGrpSpPr>
+        <p:cNvPr id="1" name=""/>
+        <p:cNvGrpSpPr/>
+        <p:nvPr/>
+      </p:nvGrpSpPr>
+      <p:grpSpPr>
+        <a:xfrm>
+          <a:off x="0" y="0"/>
+          <a:ext cx="0" cy="0"/>
+          <a:chOff x="0" y="0"/>
+          <a:chExt cx="0" cy="0"/>
+        </a:xfrm>
+      </p:grpSpPr>
+      <p:sp>
+        <p:nvSpPr>
           <p:cNvPr id="2" name="1 Marcador de imagen de diapositiva"/>
           <p:cNvSpPr>
             <a:spLocks noGrp="1" noRot="1" noChangeAspect="1"/>
@@ -1358,7 +1443,7 @@
 </p:notes>
 </file>
 
-<file path=ppt/notesSlides/notesSlide4.xml><?xml version="1.0" encoding="utf-8"?>
+<file path=ppt/notesSlides/notesSlide5.xml><?xml version="1.0" encoding="utf-8"?>
 <p:notes xmlns:a="http://schemas.openxmlformats.org/drawingml/2006/main" xmlns:r="http://schemas.openxmlformats.org/officeDocument/2006/relationships" xmlns:p="http://schemas.openxmlformats.org/presentationml/2006/main">
   <p:cSld>
     <p:spTree>
@@ -1423,7 +1508,7 @@
           <a:p>
             <a:fld id="{57E0BC2A-8237-8C45-84CA-A7F136E6A562}" type="slidenum">
               <a:rPr lang="es-ES_tradnl" smtClean="0"/>
-              <a:t>11</a:t>
+              <a:t>12</a:t>
             </a:fld>
             <a:endParaRPr lang="es-ES_tradnl"/>
           </a:p>
@@ -7038,6 +7123,1555 @@
       </p:grpSpPr>
       <p:sp>
         <p:nvSpPr>
+          <p:cNvPr id="5" name="Document 4"/>
+          <p:cNvSpPr/>
+          <p:nvPr/>
+        </p:nvSpPr>
+        <p:spPr>
+          <a:xfrm>
+            <a:off x="330199" y="1696164"/>
+            <a:ext cx="3111500" cy="1133831"/>
+          </a:xfrm>
+          <a:prstGeom prst="flowChartDocument">
+            <a:avLst/>
+          </a:prstGeom>
+          <a:ln w="38100" cmpd="sng">
+            <a:solidFill>
+              <a:schemeClr val="accent5">
+                <a:lumMod val="75000"/>
+              </a:schemeClr>
+            </a:solidFill>
+          </a:ln>
+        </p:spPr>
+        <p:txBody>
+          <a:bodyPr wrap="square">
+            <a:spAutoFit/>
+          </a:bodyPr>
+          <a:lstStyle/>
+          <a:p>
+            <a:pPr marL="285750" indent="-285750">
+              <a:buFont typeface="Arial"/>
+              <a:buChar char="•"/>
+            </a:pPr>
+            <a:r>
+              <a:rPr lang="fr-FR" sz="1600" baseline="30000" dirty="0" err="1">
+                <a:latin typeface="Consolas"/>
+                <a:cs typeface="Consolas"/>
+              </a:rPr>
+              <a:t>C</a:t>
+            </a:r>
+            <a:r>
+              <a:rPr lang="fr-FR" sz="1600" baseline="30000" dirty="0" err="1" smtClean="0">
+                <a:latin typeface="Consolas"/>
+                <a:cs typeface="Consolas"/>
+              </a:rPr>
+              <a:t>ost</a:t>
+            </a:r>
+            <a:r>
+              <a:rPr lang="fr-FR" sz="1600" baseline="30000" dirty="0" smtClean="0">
+                <a:latin typeface="Consolas"/>
+                <a:cs typeface="Consolas"/>
+              </a:rPr>
+              <a:t> </a:t>
+            </a:r>
+            <a:r>
+              <a:rPr lang="fr-FR" sz="1600" baseline="30000" dirty="0">
+                <a:latin typeface="Consolas"/>
+                <a:cs typeface="Consolas"/>
+              </a:rPr>
+              <a:t>of $0,05 cents per </a:t>
+            </a:r>
+            <a:r>
+              <a:rPr lang="fr-FR" sz="1600" baseline="30000" dirty="0" smtClean="0">
+                <a:latin typeface="Consolas"/>
+                <a:cs typeface="Consolas"/>
+              </a:rPr>
+              <a:t>call </a:t>
+            </a:r>
+          </a:p>
+          <a:p>
+            <a:pPr marL="285750" indent="-285750">
+              <a:buFont typeface="Arial"/>
+              <a:buChar char="•"/>
+            </a:pPr>
+            <a:r>
+              <a:rPr lang="fr-FR" sz="1600" baseline="30000" dirty="0" smtClean="0">
+                <a:latin typeface="Consolas"/>
+                <a:cs typeface="Consolas"/>
+              </a:rPr>
+              <a:t>8 </a:t>
+            </a:r>
+            <a:r>
+              <a:rPr lang="fr-FR" sz="1600" baseline="30000" dirty="0">
+                <a:latin typeface="Consolas"/>
+                <a:cs typeface="Consolas"/>
+              </a:rPr>
+              <a:t>GB of I/O volume/</a:t>
+            </a:r>
+            <a:r>
+              <a:rPr lang="fr-FR" sz="1600" baseline="30000" dirty="0" err="1" smtClean="0">
+                <a:latin typeface="Consolas"/>
+                <a:cs typeface="Consolas"/>
+              </a:rPr>
+              <a:t>month</a:t>
+            </a:r>
+            <a:endParaRPr lang="fr-FR" sz="1600" baseline="30000" dirty="0" smtClean="0">
+              <a:latin typeface="Consolas"/>
+              <a:cs typeface="Consolas"/>
+            </a:endParaRPr>
+          </a:p>
+          <a:p>
+            <a:pPr marL="285750" indent="-285750">
+              <a:buFont typeface="Arial"/>
+              <a:buChar char="•"/>
+            </a:pPr>
+            <a:r>
+              <a:rPr lang="fr-FR" sz="1600" baseline="30000" dirty="0">
+                <a:latin typeface="Consolas"/>
+                <a:cs typeface="Consolas"/>
+              </a:rPr>
+              <a:t>F</a:t>
+            </a:r>
+            <a:r>
+              <a:rPr lang="fr-FR" sz="1600" baseline="30000" dirty="0" smtClean="0">
+                <a:latin typeface="Consolas"/>
+                <a:cs typeface="Consolas"/>
+              </a:rPr>
+              <a:t>ree </a:t>
+            </a:r>
+            <a:r>
+              <a:rPr lang="fr-FR" sz="1600" baseline="30000" dirty="0">
+                <a:latin typeface="Consolas"/>
+                <a:cs typeface="Consolas"/>
+              </a:rPr>
+              <a:t>data </a:t>
+            </a:r>
+            <a:r>
+              <a:rPr lang="fr-FR" sz="1600" baseline="30000" dirty="0" err="1">
+                <a:latin typeface="Consolas"/>
+                <a:cs typeface="Consolas"/>
+              </a:rPr>
+              <a:t>transfer</a:t>
+            </a:r>
+            <a:r>
+              <a:rPr lang="fr-FR" sz="1600" baseline="30000" dirty="0">
+                <a:latin typeface="Consolas"/>
+                <a:cs typeface="Consolas"/>
+              </a:rPr>
+              <a:t> </a:t>
+            </a:r>
+            <a:r>
+              <a:rPr lang="fr-FR" sz="1600" baseline="30000" dirty="0" err="1">
+                <a:latin typeface="Consolas"/>
+                <a:cs typeface="Consolas"/>
+              </a:rPr>
+              <a:t>cost</a:t>
+            </a:r>
+            <a:r>
+              <a:rPr lang="fr-FR" sz="1600" baseline="30000" dirty="0">
+                <a:latin typeface="Consolas"/>
+                <a:cs typeface="Consolas"/>
+              </a:rPr>
+              <a:t> </a:t>
+            </a:r>
+            <a:r>
+              <a:rPr lang="fr-FR" sz="1600" baseline="30000" dirty="0" err="1">
+                <a:latin typeface="Consolas"/>
+                <a:cs typeface="Consolas"/>
+              </a:rPr>
+              <a:t>within</a:t>
+            </a:r>
+            <a:r>
+              <a:rPr lang="fr-FR" sz="1600" baseline="30000" dirty="0">
+                <a:latin typeface="Consolas"/>
+                <a:cs typeface="Consolas"/>
+              </a:rPr>
+              <a:t> the </a:t>
+            </a:r>
+            <a:r>
+              <a:rPr lang="fr-FR" sz="1600" baseline="30000" dirty="0" err="1">
+                <a:latin typeface="Consolas"/>
+                <a:cs typeface="Consolas"/>
+              </a:rPr>
+              <a:t>same</a:t>
+            </a:r>
+            <a:r>
+              <a:rPr lang="fr-FR" sz="1600" baseline="30000" dirty="0">
+                <a:latin typeface="Consolas"/>
+                <a:cs typeface="Consolas"/>
+              </a:rPr>
+              <a:t> </a:t>
+            </a:r>
+            <a:r>
+              <a:rPr lang="fr-FR" sz="1600" baseline="30000" dirty="0" err="1" smtClean="0">
+                <a:latin typeface="Consolas"/>
+                <a:cs typeface="Consolas"/>
+              </a:rPr>
+              <a:t>region</a:t>
+            </a:r>
+            <a:endParaRPr lang="fr-FR" sz="1600" baseline="30000" dirty="0" smtClean="0">
+              <a:latin typeface="Consolas"/>
+              <a:cs typeface="Consolas"/>
+            </a:endParaRPr>
+          </a:p>
+          <a:p>
+            <a:pPr marL="285750" indent="-285750">
+              <a:buFont typeface="Arial"/>
+              <a:buChar char="•"/>
+            </a:pPr>
+            <a:r>
+              <a:rPr lang="fr-FR" sz="1600" baseline="30000" dirty="0" smtClean="0">
+                <a:latin typeface="Consolas"/>
+                <a:cs typeface="Consolas"/>
+              </a:rPr>
+              <a:t>1 </a:t>
+            </a:r>
+            <a:r>
+              <a:rPr lang="fr-FR" sz="1600" baseline="30000" dirty="0">
+                <a:latin typeface="Consolas"/>
+                <a:cs typeface="Consolas"/>
+              </a:rPr>
+              <a:t>GB of </a:t>
+            </a:r>
+            <a:r>
+              <a:rPr lang="fr-FR" sz="1600" baseline="30000" dirty="0" err="1">
+                <a:latin typeface="Consolas"/>
+                <a:cs typeface="Consolas"/>
+              </a:rPr>
+              <a:t>storage</a:t>
+            </a:r>
+            <a:endParaRPr lang="fr-FR" sz="1600" dirty="0">
+              <a:latin typeface="Consolas"/>
+              <a:cs typeface="Consolas"/>
+            </a:endParaRPr>
+          </a:p>
+        </p:txBody>
+      </p:sp>
+      <p:pic>
+        <p:nvPicPr>
+          <p:cNvPr id="6" name="Image 5"/>
+          <p:cNvPicPr>
+            <a:picLocks noChangeAspect="1"/>
+          </p:cNvPicPr>
+          <p:nvPr/>
+        </p:nvPicPr>
+        <p:blipFill>
+          <a:blip r:embed="rId2"/>
+          <a:stretch>
+            <a:fillRect/>
+          </a:stretch>
+        </p:blipFill>
+        <p:spPr>
+          <a:xfrm>
+            <a:off x="2548462" y="2357972"/>
+            <a:ext cx="1051885" cy="463701"/>
+          </a:xfrm>
+          <a:prstGeom prst="rect">
+            <a:avLst/>
+          </a:prstGeom>
+        </p:spPr>
+      </p:pic>
+      <p:sp>
+        <p:nvSpPr>
+          <p:cNvPr id="2" name="Titre 1"/>
+          <p:cNvSpPr>
+            <a:spLocks noGrp="1"/>
+          </p:cNvSpPr>
+          <p:nvPr>
+            <p:ph type="title"/>
+          </p:nvPr>
+        </p:nvSpPr>
+        <p:spPr/>
+        <p:txBody>
+          <a:bodyPr/>
+          <a:lstStyle/>
+          <a:p>
+            <a:r>
+              <a:rPr lang="fr-FR" dirty="0" smtClean="0"/>
+              <a:t>SLA </a:t>
+            </a:r>
+            <a:r>
+              <a:rPr lang="fr-FR" dirty="0" err="1" smtClean="0"/>
+              <a:t>Integration</a:t>
+            </a:r>
+            <a:endParaRPr lang="fr-FR" dirty="0"/>
+          </a:p>
+        </p:txBody>
+      </p:sp>
+      <p:sp>
+        <p:nvSpPr>
+          <p:cNvPr id="3" name="Espace réservé du numéro de diapositive 2"/>
+          <p:cNvSpPr>
+            <a:spLocks noGrp="1"/>
+          </p:cNvSpPr>
+          <p:nvPr>
+            <p:ph type="sldNum" sz="quarter" idx="12"/>
+          </p:nvPr>
+        </p:nvSpPr>
+        <p:spPr/>
+        <p:txBody>
+          <a:bodyPr/>
+          <a:lstStyle/>
+          <a:p>
+            <a:fld id="{503914D5-4C05-48A0-975C-C97C98535A04}" type="slidenum">
+              <a:rPr lang="en-GB" smtClean="0"/>
+              <a:t>10</a:t>
+            </a:fld>
+            <a:endParaRPr lang="en-GB"/>
+          </a:p>
+        </p:txBody>
+      </p:sp>
+      <p:pic>
+        <p:nvPicPr>
+          <p:cNvPr id="4" name="Image 3" descr="SLAextension.jpg"/>
+          <p:cNvPicPr>
+            <a:picLocks noChangeAspect="1"/>
+          </p:cNvPicPr>
+          <p:nvPr/>
+        </p:nvPicPr>
+        <p:blipFill>
+          <a:blip r:embed="rId3">
+            <a:extLst>
+              <a:ext uri="{28A0092B-C50C-407E-A947-70E740481C1C}">
+                <a14:useLocalDpi xmlns:a14="http://schemas.microsoft.com/office/drawing/2010/main" val="0"/>
+              </a:ext>
+            </a:extLst>
+          </a:blip>
+          <a:stretch>
+            <a:fillRect/>
+          </a:stretch>
+        </p:blipFill>
+        <p:spPr>
+          <a:xfrm>
+            <a:off x="4749815" y="1079501"/>
+            <a:ext cx="4064000" cy="2380986"/>
+          </a:xfrm>
+          <a:prstGeom prst="rect">
+            <a:avLst/>
+          </a:prstGeom>
+        </p:spPr>
+      </p:pic>
+      <p:grpSp>
+        <p:nvGrpSpPr>
+          <p:cNvPr id="7" name="Grouper 6"/>
+          <p:cNvGrpSpPr/>
+          <p:nvPr/>
+        </p:nvGrpSpPr>
+        <p:grpSpPr>
+          <a:xfrm>
+            <a:off x="2424437" y="2216012"/>
+            <a:ext cx="1199213" cy="772726"/>
+            <a:chOff x="1857254" y="1775741"/>
+            <a:chExt cx="2985679" cy="1700064"/>
+          </a:xfrm>
+        </p:grpSpPr>
+        <p:sp>
+          <p:nvSpPr>
+            <p:cNvPr id="8" name="Arc 7"/>
+            <p:cNvSpPr/>
+            <p:nvPr/>
+          </p:nvSpPr>
+          <p:spPr>
+            <a:xfrm rot="16492063">
+              <a:off x="2064987" y="2209791"/>
+              <a:ext cx="919931" cy="1335398"/>
+            </a:xfrm>
+            <a:prstGeom prst="arc">
+              <a:avLst>
+                <a:gd name="adj1" fmla="val 10488337"/>
+                <a:gd name="adj2" fmla="val 984161"/>
+              </a:avLst>
+            </a:prstGeom>
+            <a:ln w="28575" cmpd="sng"/>
+          </p:spPr>
+          <p:style>
+            <a:lnRef idx="2">
+              <a:schemeClr val="accent1"/>
+            </a:lnRef>
+            <a:fillRef idx="0">
+              <a:schemeClr val="accent1"/>
+            </a:fillRef>
+            <a:effectRef idx="1">
+              <a:schemeClr val="accent1"/>
+            </a:effectRef>
+            <a:fontRef idx="minor">
+              <a:schemeClr val="tx1"/>
+            </a:fontRef>
+          </p:style>
+          <p:txBody>
+            <a:bodyPr rtlCol="0" anchor="ctr"/>
+            <a:lstStyle/>
+            <a:p>
+              <a:pPr algn="ctr"/>
+              <a:endParaRPr lang="fr-FR"/>
+            </a:p>
+          </p:txBody>
+        </p:sp>
+        <p:sp>
+          <p:nvSpPr>
+            <p:cNvPr id="9" name="Arc 8"/>
+            <p:cNvSpPr/>
+            <p:nvPr/>
+          </p:nvSpPr>
+          <p:spPr>
+            <a:xfrm rot="656295">
+              <a:off x="2698111" y="1775741"/>
+              <a:ext cx="1571555" cy="1700064"/>
+            </a:xfrm>
+            <a:prstGeom prst="arc">
+              <a:avLst>
+                <a:gd name="adj1" fmla="val 10430236"/>
+                <a:gd name="adj2" fmla="val 20928275"/>
+              </a:avLst>
+            </a:prstGeom>
+            <a:ln w="28575" cmpd="sng"/>
+          </p:spPr>
+          <p:style>
+            <a:lnRef idx="2">
+              <a:schemeClr val="accent1"/>
+            </a:lnRef>
+            <a:fillRef idx="0">
+              <a:schemeClr val="accent1"/>
+            </a:fillRef>
+            <a:effectRef idx="1">
+              <a:schemeClr val="accent1"/>
+            </a:effectRef>
+            <a:fontRef idx="minor">
+              <a:schemeClr val="tx1"/>
+            </a:fontRef>
+          </p:style>
+          <p:txBody>
+            <a:bodyPr rtlCol="0" anchor="ctr"/>
+            <a:lstStyle/>
+            <a:p>
+              <a:pPr algn="ctr"/>
+              <a:endParaRPr lang="fr-FR"/>
+            </a:p>
+          </p:txBody>
+        </p:sp>
+        <p:sp>
+          <p:nvSpPr>
+            <p:cNvPr id="10" name="Arc 9"/>
+            <p:cNvSpPr/>
+            <p:nvPr/>
+          </p:nvSpPr>
+          <p:spPr>
+            <a:xfrm rot="5400000">
+              <a:off x="3907366" y="2374901"/>
+              <a:ext cx="905933" cy="965200"/>
+            </a:xfrm>
+            <a:prstGeom prst="arc">
+              <a:avLst>
+                <a:gd name="adj1" fmla="val 9926378"/>
+                <a:gd name="adj2" fmla="val 0"/>
+              </a:avLst>
+            </a:prstGeom>
+            <a:ln w="28575" cmpd="sng"/>
+          </p:spPr>
+          <p:style>
+            <a:lnRef idx="2">
+              <a:schemeClr val="accent1"/>
+            </a:lnRef>
+            <a:fillRef idx="0">
+              <a:schemeClr val="accent1"/>
+            </a:fillRef>
+            <a:effectRef idx="1">
+              <a:schemeClr val="accent1"/>
+            </a:effectRef>
+            <a:fontRef idx="minor">
+              <a:schemeClr val="tx1"/>
+            </a:fontRef>
+          </p:style>
+          <p:txBody>
+            <a:bodyPr rtlCol="0" anchor="ctr"/>
+            <a:lstStyle/>
+            <a:p>
+              <a:pPr algn="ctr"/>
+              <a:endParaRPr lang="fr-FR"/>
+            </a:p>
+          </p:txBody>
+        </p:sp>
+        <p:cxnSp>
+          <p:nvCxnSpPr>
+            <p:cNvPr id="11" name="Connecteur droit 10"/>
+            <p:cNvCxnSpPr>
+              <a:stCxn id="8" idx="0"/>
+              <a:endCxn id="10" idx="2"/>
+            </p:cNvCxnSpPr>
+            <p:nvPr/>
+          </p:nvCxnSpPr>
+          <p:spPr>
+            <a:xfrm flipV="1">
+              <a:off x="2527581" y="3310468"/>
+              <a:ext cx="1832752" cy="27974"/>
+            </a:xfrm>
+            <a:prstGeom prst="line">
+              <a:avLst/>
+            </a:prstGeom>
+            <a:ln w="28575" cmpd="sng"/>
+          </p:spPr>
+          <p:style>
+            <a:lnRef idx="2">
+              <a:schemeClr val="accent1"/>
+            </a:lnRef>
+            <a:fillRef idx="0">
+              <a:schemeClr val="accent1"/>
+            </a:fillRef>
+            <a:effectRef idx="1">
+              <a:schemeClr val="accent1"/>
+            </a:effectRef>
+            <a:fontRef idx="minor">
+              <a:schemeClr val="tx1"/>
+            </a:fontRef>
+          </p:style>
+        </p:cxnSp>
+      </p:grpSp>
+      <p:sp>
+        <p:nvSpPr>
+          <p:cNvPr id="12" name="Document 11"/>
+          <p:cNvSpPr/>
+          <p:nvPr/>
+        </p:nvSpPr>
+        <p:spPr>
+          <a:xfrm>
+            <a:off x="5118099" y="3427741"/>
+            <a:ext cx="3352800" cy="1643418"/>
+          </a:xfrm>
+          <a:prstGeom prst="flowChartDocument">
+            <a:avLst/>
+          </a:prstGeom>
+          <a:ln w="28575" cmpd="sng">
+            <a:solidFill>
+              <a:srgbClr val="091E24"/>
+            </a:solidFill>
+          </a:ln>
+        </p:spPr>
+        <p:txBody>
+          <a:bodyPr wrap="square">
+            <a:spAutoFit/>
+          </a:bodyPr>
+          <a:lstStyle/>
+          <a:p>
+            <a:pPr marL="285750" indent="-285750">
+              <a:buFont typeface="Arial"/>
+              <a:buChar char="•"/>
+            </a:pPr>
+            <a:r>
+              <a:rPr lang="fr-FR" sz="1600" baseline="30000" dirty="0" smtClean="0">
+                <a:latin typeface="Consolas"/>
+                <a:cs typeface="Consolas"/>
+              </a:rPr>
+              <a:t>Maximum </a:t>
+            </a:r>
+            <a:r>
+              <a:rPr lang="fr-FR" sz="1600" baseline="30000" dirty="0">
+                <a:latin typeface="Consolas"/>
+                <a:cs typeface="Consolas"/>
+              </a:rPr>
+              <a:t>of $5 as total </a:t>
+            </a:r>
+            <a:r>
+              <a:rPr lang="fr-FR" sz="1600" baseline="30000" dirty="0" err="1">
+                <a:latin typeface="Consolas"/>
+                <a:cs typeface="Consolas"/>
+              </a:rPr>
+              <a:t>query</a:t>
+            </a:r>
+            <a:r>
+              <a:rPr lang="fr-FR" sz="1600" baseline="30000" dirty="0">
+                <a:latin typeface="Consolas"/>
+                <a:cs typeface="Consolas"/>
+              </a:rPr>
+              <a:t> </a:t>
+            </a:r>
+            <a:r>
+              <a:rPr lang="fr-FR" sz="1600" baseline="30000" dirty="0" err="1" smtClean="0">
+                <a:latin typeface="Consolas"/>
+                <a:cs typeface="Consolas"/>
+              </a:rPr>
+              <a:t>cost</a:t>
+            </a:r>
+            <a:endParaRPr lang="fr-FR" sz="1600" baseline="30000" dirty="0" smtClean="0">
+              <a:latin typeface="Consolas"/>
+              <a:cs typeface="Consolas"/>
+            </a:endParaRPr>
+          </a:p>
+          <a:p>
+            <a:pPr marL="285750" indent="-285750">
+              <a:buFont typeface="Arial"/>
+              <a:buChar char="•"/>
+            </a:pPr>
+            <a:r>
+              <a:rPr lang="fr-FR" sz="1600" baseline="30000" dirty="0" err="1">
+                <a:latin typeface="Consolas"/>
+                <a:cs typeface="Consolas"/>
+              </a:rPr>
+              <a:t>O</a:t>
+            </a:r>
+            <a:r>
+              <a:rPr lang="fr-FR" sz="1600" baseline="30000" dirty="0" err="1" smtClean="0">
+                <a:latin typeface="Consolas"/>
+                <a:cs typeface="Consolas"/>
+              </a:rPr>
+              <a:t>nly</a:t>
+            </a:r>
+            <a:r>
+              <a:rPr lang="fr-FR" sz="1600" baseline="30000" dirty="0" smtClean="0">
+                <a:latin typeface="Consolas"/>
+                <a:cs typeface="Consolas"/>
+              </a:rPr>
+              <a:t> </a:t>
+            </a:r>
+            <a:r>
+              <a:rPr lang="fr-FR" sz="1600" baseline="30000" dirty="0">
+                <a:latin typeface="Consolas"/>
+                <a:cs typeface="Consolas"/>
+              </a:rPr>
+              <a:t>green </a:t>
+            </a:r>
+            <a:r>
+              <a:rPr lang="fr-FR" sz="1600" baseline="30000" dirty="0" err="1">
+                <a:latin typeface="Consolas"/>
+                <a:cs typeface="Consolas"/>
+              </a:rPr>
+              <a:t>energy</a:t>
+            </a:r>
+            <a:r>
+              <a:rPr lang="fr-FR" sz="1600" baseline="30000" dirty="0">
+                <a:latin typeface="Consolas"/>
+                <a:cs typeface="Consolas"/>
+              </a:rPr>
+              <a:t> </a:t>
+            </a:r>
+            <a:r>
+              <a:rPr lang="fr-FR" sz="1600" baseline="30000" dirty="0" smtClean="0">
+                <a:latin typeface="Consolas"/>
+                <a:cs typeface="Consolas"/>
+              </a:rPr>
+              <a:t>providers (</a:t>
+            </a:r>
+            <a:r>
+              <a:rPr lang="fr-FR" sz="1600" baseline="30000" dirty="0">
+                <a:latin typeface="Consolas"/>
+                <a:cs typeface="Consolas"/>
+              </a:rPr>
+              <a:t>provenance</a:t>
+            </a:r>
+            <a:r>
+              <a:rPr lang="fr-FR" sz="1600" baseline="30000" dirty="0" smtClean="0">
+                <a:latin typeface="Consolas"/>
+                <a:cs typeface="Consolas"/>
+              </a:rPr>
+              <a:t>) </a:t>
+            </a:r>
+          </a:p>
+          <a:p>
+            <a:pPr marL="285750" indent="-285750">
+              <a:buFont typeface="Arial"/>
+              <a:buChar char="•"/>
+            </a:pPr>
+            <a:r>
+              <a:rPr lang="fr-FR" sz="1600" baseline="30000" dirty="0" err="1">
+                <a:latin typeface="Consolas"/>
+                <a:cs typeface="Consolas"/>
+              </a:rPr>
+              <a:t>A</a:t>
+            </a:r>
+            <a:r>
+              <a:rPr lang="fr-FR" sz="1600" baseline="30000" dirty="0" err="1" smtClean="0">
+                <a:latin typeface="Consolas"/>
+                <a:cs typeface="Consolas"/>
+              </a:rPr>
+              <a:t>t</a:t>
+            </a:r>
+            <a:r>
+              <a:rPr lang="fr-FR" sz="1600" baseline="30000" dirty="0" smtClean="0">
+                <a:latin typeface="Consolas"/>
+                <a:cs typeface="Consolas"/>
+              </a:rPr>
+              <a:t> </a:t>
+            </a:r>
+            <a:r>
+              <a:rPr lang="fr-FR" sz="1600" baseline="30000" dirty="0">
+                <a:latin typeface="Consolas"/>
+                <a:cs typeface="Consolas"/>
+              </a:rPr>
+              <a:t>least 85% of </a:t>
+            </a:r>
+            <a:r>
+              <a:rPr lang="fr-FR" sz="1600" baseline="30000" dirty="0" err="1">
+                <a:latin typeface="Consolas"/>
+                <a:cs typeface="Consolas"/>
+              </a:rPr>
+              <a:t>precision</a:t>
+            </a:r>
+            <a:r>
+              <a:rPr lang="fr-FR" sz="1600" baseline="30000" dirty="0">
+                <a:latin typeface="Consolas"/>
+                <a:cs typeface="Consolas"/>
+              </a:rPr>
+              <a:t> of </a:t>
+            </a:r>
+            <a:r>
+              <a:rPr lang="fr-FR" sz="1600" baseline="30000" dirty="0" err="1">
+                <a:latin typeface="Consolas"/>
+                <a:cs typeface="Consolas"/>
+              </a:rPr>
+              <a:t>provided</a:t>
+            </a:r>
+            <a:r>
+              <a:rPr lang="fr-FR" sz="1600" baseline="30000" dirty="0">
+                <a:latin typeface="Consolas"/>
+                <a:cs typeface="Consolas"/>
+              </a:rPr>
+              <a:t> data</a:t>
+            </a:r>
+            <a:r>
+              <a:rPr lang="fr-FR" sz="1600" baseline="30000" dirty="0" smtClean="0">
+                <a:latin typeface="Consolas"/>
+                <a:cs typeface="Consolas"/>
+              </a:rPr>
+              <a:t>,</a:t>
+            </a:r>
+            <a:r>
+              <a:rPr lang="fr-FR" sz="1600" dirty="0" smtClean="0">
+                <a:latin typeface="Consolas"/>
+                <a:cs typeface="Consolas"/>
+              </a:rPr>
+              <a:t> </a:t>
+            </a:r>
+            <a:r>
+              <a:rPr lang="fr-FR" sz="1600" baseline="30000" dirty="0" err="1" smtClean="0">
+                <a:latin typeface="Consolas"/>
+                <a:cs typeface="Consolas"/>
+              </a:rPr>
+              <a:t>even</a:t>
+            </a:r>
+            <a:r>
+              <a:rPr lang="fr-FR" sz="1600" baseline="30000" dirty="0" smtClean="0">
+                <a:latin typeface="Consolas"/>
+                <a:cs typeface="Consolas"/>
+              </a:rPr>
+              <a:t> </a:t>
+            </a:r>
+            <a:r>
+              <a:rPr lang="fr-FR" sz="1600" baseline="30000" dirty="0">
+                <a:latin typeface="Consolas"/>
+                <a:cs typeface="Consolas"/>
+              </a:rPr>
+              <a:t>if </a:t>
+            </a:r>
+            <a:r>
+              <a:rPr lang="fr-FR" sz="1600" baseline="30000" dirty="0" err="1">
+                <a:latin typeface="Consolas"/>
+                <a:cs typeface="Consolas"/>
+              </a:rPr>
+              <a:t>they</a:t>
+            </a:r>
+            <a:r>
+              <a:rPr lang="fr-FR" sz="1600" baseline="30000" dirty="0">
+                <a:latin typeface="Consolas"/>
+                <a:cs typeface="Consolas"/>
+              </a:rPr>
+              <a:t> are not </a:t>
+            </a:r>
+            <a:r>
+              <a:rPr lang="fr-FR" sz="1600" baseline="30000" dirty="0" err="1" smtClean="0">
+                <a:latin typeface="Consolas"/>
+                <a:cs typeface="Consolas"/>
+              </a:rPr>
+              <a:t>fresh</a:t>
+            </a:r>
+            <a:r>
+              <a:rPr lang="fr-FR" sz="1600" baseline="30000" dirty="0" smtClean="0">
+                <a:latin typeface="Consolas"/>
+                <a:cs typeface="Consolas"/>
+              </a:rPr>
+              <a:t> </a:t>
+            </a:r>
+            <a:endParaRPr lang="fr-FR" sz="1600" baseline="30000" dirty="0">
+              <a:latin typeface="Consolas"/>
+              <a:cs typeface="Consolas"/>
+            </a:endParaRPr>
+          </a:p>
+          <a:p>
+            <a:pPr marL="285750" indent="-285750">
+              <a:buFont typeface="Arial"/>
+              <a:buChar char="•"/>
+            </a:pPr>
+            <a:r>
+              <a:rPr lang="fr-FR" sz="1600" baseline="30000" dirty="0" err="1">
+                <a:latin typeface="Consolas"/>
+                <a:cs typeface="Consolas"/>
+              </a:rPr>
+              <a:t>A</a:t>
+            </a:r>
+            <a:r>
+              <a:rPr lang="fr-FR" sz="1600" baseline="30000" dirty="0" err="1" smtClean="0">
+                <a:latin typeface="Consolas"/>
+                <a:cs typeface="Consolas"/>
+              </a:rPr>
+              <a:t>vailability</a:t>
+            </a:r>
+            <a:r>
+              <a:rPr lang="fr-FR" sz="1600" baseline="30000" dirty="0" smtClean="0">
+                <a:latin typeface="Consolas"/>
+                <a:cs typeface="Consolas"/>
+              </a:rPr>
+              <a:t> </a:t>
+            </a:r>
+            <a:r>
+              <a:rPr lang="fr-FR" sz="1600" baseline="30000" dirty="0">
+                <a:latin typeface="Consolas"/>
+                <a:cs typeface="Consolas"/>
+              </a:rPr>
+              <a:t>rate of </a:t>
+            </a:r>
+            <a:r>
+              <a:rPr lang="fr-FR" sz="1600" baseline="30000" dirty="0" err="1">
+                <a:latin typeface="Consolas"/>
+                <a:cs typeface="Consolas"/>
+              </a:rPr>
+              <a:t>at</a:t>
+            </a:r>
+            <a:r>
+              <a:rPr lang="fr-FR" sz="1600" baseline="30000" dirty="0">
+                <a:latin typeface="Consolas"/>
+                <a:cs typeface="Consolas"/>
+              </a:rPr>
+              <a:t> least 90</a:t>
+            </a:r>
+            <a:r>
+              <a:rPr lang="fr-FR" sz="1600" baseline="30000" dirty="0" smtClean="0">
+                <a:latin typeface="Consolas"/>
+                <a:cs typeface="Consolas"/>
+              </a:rPr>
+              <a:t>%</a:t>
+            </a:r>
+          </a:p>
+          <a:p>
+            <a:pPr marL="285750" indent="-285750">
+              <a:buFont typeface="Arial"/>
+              <a:buChar char="•"/>
+            </a:pPr>
+            <a:r>
+              <a:rPr lang="fr-FR" sz="1600" baseline="30000" dirty="0" err="1">
+                <a:latin typeface="Consolas"/>
+                <a:cs typeface="Consolas"/>
+              </a:rPr>
+              <a:t>R</a:t>
+            </a:r>
+            <a:r>
+              <a:rPr lang="fr-FR" sz="1600" baseline="30000" dirty="0" err="1" smtClean="0">
+                <a:latin typeface="Consolas"/>
+                <a:cs typeface="Consolas"/>
+              </a:rPr>
+              <a:t>esponse</a:t>
+            </a:r>
+            <a:r>
+              <a:rPr lang="fr-FR" sz="1600" baseline="30000" dirty="0" smtClean="0">
+                <a:latin typeface="Consolas"/>
+                <a:cs typeface="Consolas"/>
+              </a:rPr>
+              <a:t> </a:t>
+            </a:r>
+            <a:r>
+              <a:rPr lang="fr-FR" sz="1600" baseline="30000" dirty="0">
+                <a:latin typeface="Consolas"/>
+                <a:cs typeface="Consolas"/>
+              </a:rPr>
+              <a:t>time of 0,01 </a:t>
+            </a:r>
+            <a:r>
+              <a:rPr lang="fr-FR" sz="1600" baseline="30000" dirty="0" smtClean="0">
+                <a:latin typeface="Consolas"/>
+                <a:cs typeface="Consolas"/>
+              </a:rPr>
+              <a:t>sec.</a:t>
+            </a:r>
+            <a:endParaRPr lang="fr-FR" sz="1600" dirty="0">
+              <a:latin typeface="Consolas"/>
+              <a:cs typeface="Consolas"/>
+            </a:endParaRPr>
+          </a:p>
+        </p:txBody>
+      </p:sp>
+      <p:pic>
+        <p:nvPicPr>
+          <p:cNvPr id="13" name="Image 12" descr="user-icon.png"/>
+          <p:cNvPicPr>
+            <a:picLocks noChangeAspect="1"/>
+          </p:cNvPicPr>
+          <p:nvPr/>
+        </p:nvPicPr>
+        <p:blipFill>
+          <a:blip r:embed="rId4">
+            <a:extLst>
+              <a:ext uri="{28A0092B-C50C-407E-A947-70E740481C1C}">
+                <a14:useLocalDpi xmlns:a14="http://schemas.microsoft.com/office/drawing/2010/main" val="0"/>
+              </a:ext>
+            </a:extLst>
+          </a:blip>
+          <a:stretch>
+            <a:fillRect/>
+          </a:stretch>
+        </p:blipFill>
+        <p:spPr>
+          <a:xfrm>
+            <a:off x="8043332" y="4258732"/>
+            <a:ext cx="560369" cy="580542"/>
+          </a:xfrm>
+          <a:prstGeom prst="rect">
+            <a:avLst/>
+          </a:prstGeom>
+        </p:spPr>
+      </p:pic>
+      <p:sp>
+        <p:nvSpPr>
+          <p:cNvPr id="14" name="Document 13"/>
+          <p:cNvSpPr/>
+          <p:nvPr/>
+        </p:nvSpPr>
+        <p:spPr>
+          <a:xfrm>
+            <a:off x="618057" y="3035395"/>
+            <a:ext cx="4064010" cy="2097749"/>
+          </a:xfrm>
+          <a:prstGeom prst="flowChartDocument">
+            <a:avLst/>
+          </a:prstGeom>
+          <a:ln w="38100" cmpd="sng">
+            <a:solidFill>
+              <a:schemeClr val="accent4"/>
+            </a:solidFill>
+          </a:ln>
+        </p:spPr>
+        <p:txBody>
+          <a:bodyPr wrap="square">
+            <a:spAutoFit/>
+          </a:bodyPr>
+          <a:lstStyle/>
+          <a:p>
+            <a:pPr marL="171450" indent="-171450">
+              <a:lnSpc>
+                <a:spcPct val="110000"/>
+              </a:lnSpc>
+              <a:buFont typeface="Arial"/>
+              <a:buChar char="•"/>
+            </a:pPr>
+            <a:r>
+              <a:rPr lang="fr-FR" sz="1050" b="1" dirty="0" smtClean="0">
+                <a:latin typeface="Consolas"/>
+                <a:cs typeface="Consolas"/>
+              </a:rPr>
+              <a:t>Q total </a:t>
+            </a:r>
+            <a:r>
+              <a:rPr lang="fr-FR" sz="1050" b="1" dirty="0" err="1" smtClean="0">
+                <a:latin typeface="Consolas"/>
+                <a:cs typeface="Consolas"/>
+              </a:rPr>
+              <a:t>cost</a:t>
+            </a:r>
+            <a:r>
+              <a:rPr lang="fr-FR" sz="1050" dirty="0" err="1" smtClean="0">
+                <a:latin typeface="Consolas"/>
+                <a:cs typeface="Consolas"/>
+              </a:rPr>
+              <a:t>:</a:t>
+            </a:r>
+            <a:r>
+              <a:rPr lang="fr-FR" sz="1050" dirty="0" err="1" smtClean="0">
+                <a:latin typeface="Symbol" charset="2"/>
+                <a:cs typeface="Symbol" charset="2"/>
+              </a:rPr>
+              <a:t>S</a:t>
+            </a:r>
+            <a:r>
+              <a:rPr lang="fr-FR" sz="1050" baseline="-25000" dirty="0" err="1" smtClean="0">
+                <a:latin typeface="Consolas"/>
+                <a:cs typeface="Consolas"/>
+              </a:rPr>
+              <a:t>i</a:t>
+            </a:r>
+            <a:r>
+              <a:rPr lang="fr-FR" sz="1050" baseline="-25000" dirty="0" smtClean="0">
+                <a:latin typeface="Consolas"/>
+                <a:cs typeface="Consolas"/>
+              </a:rPr>
+              <a:t>=1…n</a:t>
+            </a:r>
+            <a:r>
+              <a:rPr lang="fr-FR" sz="1050" dirty="0" smtClean="0">
+                <a:latin typeface="Consolas"/>
+                <a:cs typeface="Consolas"/>
+              </a:rPr>
+              <a:t> </a:t>
+            </a:r>
+            <a:r>
+              <a:rPr lang="fr-FR" sz="1050" dirty="0" err="1" smtClean="0">
+                <a:latin typeface="Consolas"/>
+                <a:cs typeface="Consolas"/>
+              </a:rPr>
+              <a:t>cost</a:t>
+            </a:r>
+            <a:r>
+              <a:rPr lang="fr-FR" sz="1050" dirty="0" smtClean="0">
+                <a:latin typeface="Consolas"/>
+                <a:cs typeface="Consolas"/>
+              </a:rPr>
+              <a:t>(s</a:t>
+            </a:r>
+            <a:r>
+              <a:rPr lang="fr-FR" sz="1050" baseline="-25000" dirty="0" smtClean="0">
+                <a:latin typeface="Consolas"/>
+                <a:cs typeface="Consolas"/>
+              </a:rPr>
+              <a:t>i</a:t>
+            </a:r>
+            <a:r>
+              <a:rPr lang="fr-FR" sz="1050" dirty="0" smtClean="0">
+                <a:latin typeface="Consolas"/>
+                <a:cs typeface="Consolas"/>
+              </a:rPr>
+              <a:t>) + </a:t>
+            </a:r>
+            <a:r>
+              <a:rPr lang="fr-FR" sz="1050" dirty="0">
+                <a:latin typeface="Consolas"/>
+                <a:cs typeface="Consolas"/>
+              </a:rPr>
+              <a:t>data </a:t>
+            </a:r>
+            <a:r>
+              <a:rPr lang="fr-FR" sz="1050" dirty="0" err="1" smtClean="0">
+                <a:latin typeface="Consolas"/>
+                <a:cs typeface="Consolas"/>
+              </a:rPr>
+              <a:t>transfer</a:t>
+            </a:r>
+            <a:r>
+              <a:rPr lang="fr-FR" sz="1050" dirty="0" smtClean="0">
+                <a:latin typeface="Consolas"/>
+                <a:cs typeface="Consolas"/>
+              </a:rPr>
+              <a:t> ≦ </a:t>
+            </a:r>
+            <a:r>
+              <a:rPr lang="fr-FR" sz="1050" dirty="0">
+                <a:latin typeface="Consolas"/>
+                <a:cs typeface="Consolas"/>
+              </a:rPr>
+              <a:t>$5</a:t>
+            </a:r>
+            <a:endParaRPr lang="fr-FR" sz="1050" dirty="0" smtClean="0">
+              <a:latin typeface="Consolas"/>
+              <a:cs typeface="Consolas"/>
+            </a:endParaRPr>
+          </a:p>
+          <a:p>
+            <a:pPr marL="171450" indent="-171450">
+              <a:lnSpc>
+                <a:spcPct val="110000"/>
+              </a:lnSpc>
+              <a:buFont typeface="Arial"/>
+              <a:buChar char="•"/>
+            </a:pPr>
+            <a:r>
+              <a:rPr lang="fr-FR" sz="1050" b="1" dirty="0" smtClean="0">
+                <a:latin typeface="Consolas"/>
+                <a:cs typeface="Consolas"/>
+              </a:rPr>
+              <a:t>Total </a:t>
+            </a:r>
+            <a:r>
+              <a:rPr lang="fr-FR" sz="1050" b="1" dirty="0" err="1" smtClean="0">
+                <a:latin typeface="Consolas"/>
+                <a:cs typeface="Consolas"/>
+              </a:rPr>
+              <a:t>response</a:t>
+            </a:r>
+            <a:r>
+              <a:rPr lang="fr-FR" sz="1050" b="1" dirty="0" smtClean="0">
+                <a:latin typeface="Consolas"/>
+                <a:cs typeface="Consolas"/>
+              </a:rPr>
+              <a:t> time</a:t>
+            </a:r>
+            <a:r>
+              <a:rPr lang="fr-FR" sz="1050" dirty="0" smtClean="0">
+                <a:latin typeface="Consolas"/>
+                <a:cs typeface="Consolas"/>
+              </a:rPr>
+              <a:t>: </a:t>
+            </a:r>
+            <a:r>
+              <a:rPr lang="fr-FR" sz="1050" dirty="0" smtClean="0">
+                <a:latin typeface="Symbol" charset="2"/>
+                <a:cs typeface="Symbol" charset="2"/>
+              </a:rPr>
+              <a:t>S</a:t>
+            </a:r>
+            <a:r>
+              <a:rPr lang="fr-FR" sz="1050" baseline="-25000" dirty="0" smtClean="0">
+                <a:latin typeface="Consolas"/>
+                <a:cs typeface="Consolas"/>
+              </a:rPr>
+              <a:t>i</a:t>
+            </a:r>
+            <a:r>
+              <a:rPr lang="fr-FR" sz="1050" baseline="-25000" dirty="0">
+                <a:latin typeface="Consolas"/>
+                <a:cs typeface="Consolas"/>
+              </a:rPr>
+              <a:t>=1…n</a:t>
+            </a:r>
+            <a:r>
+              <a:rPr lang="fr-FR" sz="1050" dirty="0">
+                <a:latin typeface="Consolas"/>
+                <a:cs typeface="Consolas"/>
+              </a:rPr>
+              <a:t> </a:t>
+            </a:r>
+            <a:r>
+              <a:rPr lang="fr-FR" sz="1050" dirty="0" err="1" smtClean="0">
+                <a:latin typeface="Consolas"/>
+                <a:cs typeface="Consolas"/>
+              </a:rPr>
+              <a:t>respTime</a:t>
+            </a:r>
+            <a:r>
+              <a:rPr lang="fr-FR" sz="1050" dirty="0" smtClean="0">
+                <a:latin typeface="Consolas"/>
+                <a:cs typeface="Consolas"/>
+              </a:rPr>
+              <a:t>(</a:t>
+            </a:r>
+            <a:r>
+              <a:rPr lang="fr-FR" sz="1050" dirty="0">
+                <a:latin typeface="Consolas"/>
+                <a:cs typeface="Consolas"/>
+              </a:rPr>
+              <a:t>s</a:t>
+            </a:r>
+            <a:r>
+              <a:rPr lang="fr-FR" sz="1050" baseline="-25000" dirty="0">
+                <a:latin typeface="Consolas"/>
+                <a:cs typeface="Consolas"/>
+              </a:rPr>
+              <a:t>i</a:t>
+            </a:r>
+            <a:r>
+              <a:rPr lang="fr-FR" sz="1050" dirty="0">
+                <a:latin typeface="Consolas"/>
+                <a:cs typeface="Consolas"/>
+              </a:rPr>
+              <a:t>) + data </a:t>
+            </a:r>
+            <a:r>
+              <a:rPr lang="fr-FR" sz="1050" dirty="0" err="1">
+                <a:latin typeface="Consolas"/>
+                <a:cs typeface="Consolas"/>
+              </a:rPr>
+              <a:t>transfer</a:t>
+            </a:r>
+            <a:r>
+              <a:rPr lang="fr-FR" sz="1050" dirty="0">
+                <a:latin typeface="Consolas"/>
+                <a:cs typeface="Consolas"/>
+              </a:rPr>
+              <a:t> ≦ $</a:t>
+            </a:r>
+            <a:r>
+              <a:rPr lang="fr-FR" sz="1050" dirty="0" smtClean="0">
+                <a:latin typeface="Consolas"/>
+                <a:cs typeface="Consolas"/>
+              </a:rPr>
+              <a:t>5 0,01 sec.</a:t>
+            </a:r>
+          </a:p>
+          <a:p>
+            <a:pPr marL="171450" indent="-171450">
+              <a:lnSpc>
+                <a:spcPct val="110000"/>
+              </a:lnSpc>
+              <a:buFont typeface="Arial"/>
+              <a:buChar char="•"/>
+            </a:pPr>
+            <a:r>
+              <a:rPr lang="fr-FR" sz="1050" b="1" dirty="0" err="1" smtClean="0">
+                <a:latin typeface="Consolas"/>
+                <a:cs typeface="Consolas"/>
+              </a:rPr>
+              <a:t>Availability</a:t>
+            </a:r>
+            <a:r>
+              <a:rPr lang="fr-FR" sz="1050" dirty="0" smtClean="0">
+                <a:latin typeface="Consolas"/>
+                <a:cs typeface="Consolas"/>
+              </a:rPr>
+              <a:t>: (of services </a:t>
+            </a:r>
+            <a:r>
+              <a:rPr lang="fr-FR" sz="1050" dirty="0" err="1" smtClean="0">
+                <a:latin typeface="Consolas"/>
+                <a:cs typeface="Consolas"/>
+              </a:rPr>
+              <a:t>involved</a:t>
+            </a:r>
+            <a:r>
+              <a:rPr lang="fr-FR" sz="1050" dirty="0">
+                <a:latin typeface="Consolas"/>
+                <a:cs typeface="Consolas"/>
+              </a:rPr>
+              <a:t>) ≦ </a:t>
+            </a:r>
+            <a:r>
+              <a:rPr lang="fr-FR" sz="1050" dirty="0" smtClean="0">
+                <a:latin typeface="Consolas"/>
+                <a:cs typeface="Consolas"/>
+              </a:rPr>
+              <a:t>90%</a:t>
+            </a:r>
+          </a:p>
+          <a:p>
+            <a:pPr marL="171450" indent="-171450">
+              <a:lnSpc>
+                <a:spcPct val="110000"/>
+              </a:lnSpc>
+              <a:buFont typeface="Arial"/>
+              <a:buChar char="•"/>
+            </a:pPr>
+            <a:r>
+              <a:rPr lang="fr-FR" sz="1050" b="1" dirty="0" err="1" smtClean="0">
+                <a:latin typeface="Consolas"/>
+                <a:cs typeface="Consolas"/>
+              </a:rPr>
+              <a:t>Freshness</a:t>
+            </a:r>
+            <a:r>
+              <a:rPr lang="fr-FR" sz="1050" dirty="0" smtClean="0">
+                <a:latin typeface="Consolas"/>
+                <a:cs typeface="Consolas"/>
+              </a:rPr>
+              <a:t>: non</a:t>
+            </a:r>
+          </a:p>
+          <a:p>
+            <a:pPr marL="171450" indent="-171450">
+              <a:lnSpc>
+                <a:spcPct val="110000"/>
+              </a:lnSpc>
+              <a:buFont typeface="Arial"/>
+              <a:buChar char="•"/>
+            </a:pPr>
+            <a:r>
+              <a:rPr lang="fr-FR" sz="1050" b="1" dirty="0" err="1" smtClean="0">
+                <a:latin typeface="Consolas"/>
+                <a:cs typeface="Consolas"/>
+              </a:rPr>
+              <a:t>Precision</a:t>
+            </a:r>
+            <a:r>
+              <a:rPr lang="fr-FR" sz="1050" dirty="0" smtClean="0">
+                <a:latin typeface="Consolas"/>
+                <a:cs typeface="Consolas"/>
+              </a:rPr>
+              <a:t>: </a:t>
+            </a:r>
+            <a:r>
+              <a:rPr lang="fr-FR" sz="1050" dirty="0" err="1" smtClean="0">
+                <a:latin typeface="Consolas"/>
+                <a:cs typeface="Consolas"/>
+              </a:rPr>
+              <a:t>avg</a:t>
+            </a:r>
+            <a:r>
+              <a:rPr lang="fr-FR" sz="1050" dirty="0" smtClean="0">
+                <a:latin typeface="Consolas"/>
+                <a:cs typeface="Consolas"/>
+              </a:rPr>
+              <a:t> </a:t>
+            </a:r>
+            <a:r>
+              <a:rPr lang="fr-FR" sz="1050" dirty="0" err="1" smtClean="0">
+                <a:latin typeface="Consolas"/>
+                <a:cs typeface="Consolas"/>
+              </a:rPr>
+              <a:t>precision</a:t>
+            </a:r>
+            <a:r>
+              <a:rPr lang="fr-FR" sz="1050" dirty="0" smtClean="0">
+                <a:latin typeface="Consolas"/>
+                <a:cs typeface="Consolas"/>
+              </a:rPr>
+              <a:t> of services </a:t>
+            </a:r>
+            <a:r>
+              <a:rPr lang="fr-FR" sz="1050" dirty="0" err="1" smtClean="0">
+                <a:latin typeface="Consolas"/>
+                <a:cs typeface="Consolas"/>
+              </a:rPr>
+              <a:t>involved</a:t>
+            </a:r>
+            <a:r>
+              <a:rPr lang="fr-FR" sz="1050" dirty="0">
+                <a:latin typeface="Consolas"/>
+                <a:cs typeface="Consolas"/>
+              </a:rPr>
+              <a:t> ≦ </a:t>
+            </a:r>
+            <a:r>
+              <a:rPr lang="fr-FR" sz="1050" dirty="0" smtClean="0">
+                <a:latin typeface="Consolas"/>
+                <a:cs typeface="Consolas"/>
+              </a:rPr>
+              <a:t>85%</a:t>
+            </a:r>
+          </a:p>
+          <a:p>
+            <a:pPr marL="171450" indent="-171450">
+              <a:lnSpc>
+                <a:spcPct val="110000"/>
+              </a:lnSpc>
+              <a:buFont typeface="Arial"/>
+              <a:buChar char="•"/>
+            </a:pPr>
+            <a:r>
+              <a:rPr lang="fr-FR" sz="1050" b="1" dirty="0" smtClean="0">
+                <a:latin typeface="Consolas"/>
+                <a:cs typeface="Consolas"/>
+              </a:rPr>
+              <a:t>Provenance</a:t>
+            </a:r>
+            <a:r>
+              <a:rPr lang="fr-FR" sz="1050" dirty="0" smtClean="0">
+                <a:latin typeface="Consolas"/>
+                <a:cs typeface="Consolas"/>
+              </a:rPr>
+              <a:t>: green services</a:t>
+            </a:r>
+          </a:p>
+          <a:p>
+            <a:pPr marL="171450" indent="-171450">
+              <a:lnSpc>
+                <a:spcPct val="110000"/>
+              </a:lnSpc>
+              <a:buFont typeface="Arial"/>
+              <a:buChar char="•"/>
+            </a:pPr>
+            <a:r>
+              <a:rPr lang="fr-FR" sz="1050" b="1" dirty="0" smtClean="0">
+                <a:latin typeface="Consolas"/>
+                <a:cs typeface="Consolas"/>
+              </a:rPr>
+              <a:t>Storage</a:t>
+            </a:r>
+            <a:r>
+              <a:rPr lang="fr-FR" sz="1050" dirty="0" smtClean="0">
+                <a:latin typeface="Consolas"/>
+                <a:cs typeface="Consolas"/>
+              </a:rPr>
+              <a:t>: partial </a:t>
+            </a:r>
+            <a:r>
+              <a:rPr lang="fr-FR" sz="1050" dirty="0" err="1" smtClean="0">
+                <a:latin typeface="Consolas"/>
+                <a:cs typeface="Consolas"/>
+              </a:rPr>
+              <a:t>results</a:t>
+            </a:r>
+            <a:r>
+              <a:rPr lang="fr-FR" sz="1050" dirty="0" smtClean="0">
+                <a:latin typeface="Consolas"/>
+                <a:cs typeface="Consolas"/>
+              </a:rPr>
+              <a:t> </a:t>
+            </a:r>
+            <a:r>
+              <a:rPr lang="fr-FR" sz="1050" dirty="0">
+                <a:latin typeface="Consolas"/>
+                <a:cs typeface="Consolas"/>
+              </a:rPr>
+              <a:t>size </a:t>
+            </a:r>
+            <a:r>
+              <a:rPr lang="fr-FR" sz="1050" dirty="0" smtClean="0">
+                <a:latin typeface="Consolas"/>
+                <a:cs typeface="Consolas"/>
+              </a:rPr>
+              <a:t>≦ 1 Giga</a:t>
+            </a:r>
+            <a:endParaRPr lang="fr-FR" sz="1050" dirty="0">
+              <a:latin typeface="Consolas"/>
+              <a:cs typeface="Consolas"/>
+            </a:endParaRPr>
+          </a:p>
+        </p:txBody>
+      </p:sp>
+    </p:spTree>
+    <p:extLst>
+      <p:ext uri="{BB962C8B-B14F-4D97-AF65-F5344CB8AC3E}">
+        <p14:creationId xmlns:p14="http://schemas.microsoft.com/office/powerpoint/2010/main" val="2160535605"/>
+      </p:ext>
+    </p:extLst>
+  </p:cSld>
+  <p:clrMapOvr>
+    <a:masterClrMapping/>
+  </p:clrMapOvr>
+  <p:timing>
+    <p:tnLst>
+      <p:par>
+        <p:cTn xmlns:p14="http://schemas.microsoft.com/office/powerpoint/2010/main" id="1" dur="indefinite" restart="never" nodeType="tmRoot">
+          <p:childTnLst>
+            <p:seq concurrent="1" nextAc="seek">
+              <p:cTn id="2" dur="indefinite" nodeType="mainSeq">
+                <p:childTnLst>
+                  <p:par>
+                    <p:cTn id="3" fill="hold">
+                      <p:stCondLst>
+                        <p:cond delay="indefinite"/>
+                      </p:stCondLst>
+                      <p:childTnLst>
+                        <p:par>
+                          <p:cTn id="4" fill="hold">
+                            <p:stCondLst>
+                              <p:cond delay="0"/>
+                            </p:stCondLst>
+                            <p:childTnLst>
+                              <p:par>
+                                <p:cTn id="5" presetID="5" presetClass="entr" presetSubtype="10" fill="hold" nodeType="clickEffect">
+                                  <p:stCondLst>
+                                    <p:cond delay="0"/>
+                                  </p:stCondLst>
+                                  <p:childTnLst>
+                                    <p:set>
+                                      <p:cBhvr>
+                                        <p:cTn id="6" dur="1" fill="hold">
+                                          <p:stCondLst>
+                                            <p:cond delay="0"/>
+                                          </p:stCondLst>
+                                        </p:cTn>
+                                        <p:tgtEl>
+                                          <p:spTgt spid="4"/>
+                                        </p:tgtEl>
+                                        <p:attrNameLst>
+                                          <p:attrName>style.visibility</p:attrName>
+                                        </p:attrNameLst>
+                                      </p:cBhvr>
+                                      <p:to>
+                                        <p:strVal val="visible"/>
+                                      </p:to>
+                                    </p:set>
+                                    <p:animEffect transition="in" filter="checkerboard(across)">
+                                      <p:cBhvr>
+                                        <p:cTn id="7" dur="500"/>
+                                        <p:tgtEl>
+                                          <p:spTgt spid="4"/>
+                                        </p:tgtEl>
+                                      </p:cBhvr>
+                                    </p:animEffect>
+                                  </p:childTnLst>
+                                </p:cTn>
+                              </p:par>
+                            </p:childTnLst>
+                          </p:cTn>
+                        </p:par>
+                      </p:childTnLst>
+                    </p:cTn>
+                  </p:par>
+                  <p:par>
+                    <p:cTn id="8" fill="hold">
+                      <p:stCondLst>
+                        <p:cond delay="indefinite"/>
+                      </p:stCondLst>
+                      <p:childTnLst>
+                        <p:par>
+                          <p:cTn id="9" fill="hold">
+                            <p:stCondLst>
+                              <p:cond delay="0"/>
+                            </p:stCondLst>
+                            <p:childTnLst>
+                              <p:par>
+                                <p:cTn id="10" presetID="1" presetClass="entr" presetSubtype="0" fill="hold" grpId="0" nodeType="clickEffect">
+                                  <p:stCondLst>
+                                    <p:cond delay="0"/>
+                                  </p:stCondLst>
+                                  <p:childTnLst>
+                                    <p:set>
+                                      <p:cBhvr>
+                                        <p:cTn id="11" dur="1" fill="hold">
+                                          <p:stCondLst>
+                                            <p:cond delay="0"/>
+                                          </p:stCondLst>
+                                        </p:cTn>
+                                        <p:tgtEl>
+                                          <p:spTgt spid="14"/>
+                                        </p:tgtEl>
+                                        <p:attrNameLst>
+                                          <p:attrName>style.visibility</p:attrName>
+                                        </p:attrNameLst>
+                                      </p:cBhvr>
+                                      <p:to>
+                                        <p:strVal val="visible"/>
+                                      </p:to>
+                                    </p:set>
+                                  </p:childTnLst>
+                                </p:cTn>
+                              </p:par>
+                            </p:childTnLst>
+                          </p:cTn>
+                        </p:par>
+                      </p:childTnLst>
+                    </p:cTn>
+                  </p:par>
+                </p:childTnLst>
+              </p:cTn>
+              <p:prevCondLst>
+                <p:cond evt="onPrev" delay="0">
+                  <p:tgtEl>
+                    <p:sldTgt/>
+                  </p:tgtEl>
+                </p:cond>
+              </p:prevCondLst>
+              <p:nextCondLst>
+                <p:cond evt="onNext" delay="0">
+                  <p:tgtEl>
+                    <p:sldTgt/>
+                  </p:tgtEl>
+                </p:cond>
+              </p:nextCondLst>
+            </p:seq>
+          </p:childTnLst>
+        </p:cTn>
+      </p:par>
+    </p:tnLst>
+    <p:bldLst>
+      <p:bldP spid="14" grpId="0" animBg="1"/>
+    </p:bldLst>
+  </p:timing>
+</p:sld>
+</file>
+
+<file path=ppt/slides/slide11.xml><?xml version="1.0" encoding="utf-8"?>
+<p:sld xmlns:a="http://schemas.openxmlformats.org/drawingml/2006/main" xmlns:r="http://schemas.openxmlformats.org/officeDocument/2006/relationships" xmlns:p="http://schemas.openxmlformats.org/presentationml/2006/main">
+  <p:cSld>
+    <p:spTree>
+      <p:nvGrpSpPr>
+        <p:cNvPr id="1" name=""/>
+        <p:cNvGrpSpPr/>
+        <p:nvPr/>
+      </p:nvGrpSpPr>
+      <p:grpSpPr>
+        <a:xfrm>
+          <a:off x="0" y="0"/>
+          <a:ext cx="0" cy="0"/>
+          <a:chOff x="0" y="0"/>
+          <a:chExt cx="0" cy="0"/>
+        </a:xfrm>
+      </p:grpSpPr>
+      <p:sp>
+        <p:nvSpPr>
           <p:cNvPr id="2" name="Titre 1"/>
           <p:cNvSpPr>
             <a:spLocks noGrp="1"/>
@@ -7457,7 +9091,7 @@
           <a:p>
             <a:fld id="{503914D5-4C05-48A0-975C-C97C98535A04}" type="slidenum">
               <a:rPr lang="en-GB" smtClean="0"/>
-              <a:t>10</a:t>
+              <a:t>11</a:t>
             </a:fld>
             <a:endParaRPr lang="en-GB"/>
           </a:p>
@@ -7483,7 +9117,7 @@
 </p:sld>
 </file>
 
-<file path=ppt/slides/slide11.xml><?xml version="1.0" encoding="utf-8"?>
+<file path=ppt/slides/slide12.xml><?xml version="1.0" encoding="utf-8"?>
 <p:sld xmlns:a="http://schemas.openxmlformats.org/drawingml/2006/main" xmlns:r="http://schemas.openxmlformats.org/officeDocument/2006/relationships" xmlns:p="http://schemas.openxmlformats.org/presentationml/2006/main">
   <p:cSld>
     <p:spTree>
@@ -7517,7 +9151,7 @@
           <a:p>
             <a:fld id="{503914D5-4C05-48A0-975C-C97C98535A04}" type="slidenum">
               <a:rPr lang="en-GB" smtClean="0"/>
-              <a:t>11</a:t>
+              <a:t>12</a:t>
             </a:fld>
             <a:endParaRPr lang="en-GB"/>
           </a:p>
@@ -12751,7 +14385,7 @@
           <p:nvPr/>
         </p:nvPicPr>
         <p:blipFill>
-          <a:blip r:embed="rId2" cstate="print">
+          <a:blip r:embed="rId3" cstate="print">
             <a:extLst>
               <a:ext uri="{28A0092B-C50C-407E-A947-70E740481C1C}">
                 <a14:useLocalDpi xmlns:a14="http://schemas.microsoft.com/office/drawing/2010/main" val="0"/>
@@ -12837,7 +14471,7 @@
           <p:nvPr/>
         </p:nvPicPr>
         <p:blipFill>
-          <a:blip r:embed="rId2" cstate="print">
+          <a:blip r:embed="rId3" cstate="print">
             <a:extLst>
               <a:ext uri="{28A0092B-C50C-407E-A947-70E740481C1C}">
                 <a14:useLocalDpi xmlns:a14="http://schemas.microsoft.com/office/drawing/2010/main" val="0"/>
@@ -12867,7 +14501,7 @@
           <p:nvPr/>
         </p:nvPicPr>
         <p:blipFill>
-          <a:blip r:embed="rId2" cstate="print">
+          <a:blip r:embed="rId3" cstate="print">
             <a:extLst>
               <a:ext uri="{28A0092B-C50C-407E-A947-70E740481C1C}">
                 <a14:useLocalDpi xmlns:a14="http://schemas.microsoft.com/office/drawing/2010/main" val="0"/>
@@ -12897,7 +14531,7 @@
           <p:nvPr/>
         </p:nvPicPr>
         <p:blipFill>
-          <a:blip r:embed="rId2" cstate="print">
+          <a:blip r:embed="rId3" cstate="print">
             <a:extLst>
               <a:ext uri="{28A0092B-C50C-407E-A947-70E740481C1C}">
                 <a14:useLocalDpi xmlns:a14="http://schemas.microsoft.com/office/drawing/2010/main" val="0"/>
@@ -13006,7 +14640,7 @@
           <p:nvPr/>
         </p:nvPicPr>
         <p:blipFill>
-          <a:blip r:embed="rId2" cstate="print">
+          <a:blip r:embed="rId3" cstate="print">
             <a:extLst>
               <a:ext uri="{28A0092B-C50C-407E-A947-70E740481C1C}">
                 <a14:useLocalDpi xmlns:a14="http://schemas.microsoft.com/office/drawing/2010/main" val="0"/>
@@ -13071,7 +14705,7 @@
           <p:nvPr/>
         </p:nvPicPr>
         <p:blipFill>
-          <a:blip r:embed="rId2" cstate="print">
+          <a:blip r:embed="rId3" cstate="print">
             <a:extLst>
               <a:ext uri="{28A0092B-C50C-407E-A947-70E740481C1C}">
                 <a14:useLocalDpi xmlns:a14="http://schemas.microsoft.com/office/drawing/2010/main" val="0"/>
@@ -13718,7 +15352,7 @@
           <p:nvPr/>
         </p:nvPicPr>
         <p:blipFill>
-          <a:blip r:embed="rId2" cstate="print">
+          <a:blip r:embed="rId3" cstate="print">
             <a:extLst>
               <a:ext uri="{28A0092B-C50C-407E-A947-70E740481C1C}">
                 <a14:useLocalDpi xmlns:a14="http://schemas.microsoft.com/office/drawing/2010/main" val="0"/>
@@ -13906,7 +15540,7 @@
           <p:nvPr/>
         </p:nvPicPr>
         <p:blipFill>
-          <a:blip r:embed="rId2" cstate="print">
+          <a:blip r:embed="rId3" cstate="print">
             <a:extLst>
               <a:ext uri="{28A0092B-C50C-407E-A947-70E740481C1C}">
                 <a14:useLocalDpi xmlns:a14="http://schemas.microsoft.com/office/drawing/2010/main" val="0"/>
@@ -22545,256 +24179,6 @@
       </p:grpSpPr>
       <p:sp>
         <p:nvSpPr>
-          <p:cNvPr id="5" name="Document 4"/>
-          <p:cNvSpPr/>
-          <p:nvPr/>
-        </p:nvSpPr>
-        <p:spPr>
-          <a:xfrm>
-            <a:off x="330199" y="1696164"/>
-            <a:ext cx="3111500" cy="1133831"/>
-          </a:xfrm>
-          <a:prstGeom prst="flowChartDocument">
-            <a:avLst/>
-          </a:prstGeom>
-          <a:ln w="38100" cmpd="sng">
-            <a:solidFill>
-              <a:schemeClr val="accent5">
-                <a:lumMod val="75000"/>
-              </a:schemeClr>
-            </a:solidFill>
-          </a:ln>
-        </p:spPr>
-        <p:txBody>
-          <a:bodyPr wrap="square">
-            <a:spAutoFit/>
-          </a:bodyPr>
-          <a:lstStyle/>
-          <a:p>
-            <a:pPr marL="285750" indent="-285750">
-              <a:buFont typeface="Arial"/>
-              <a:buChar char="•"/>
-            </a:pPr>
-            <a:r>
-              <a:rPr lang="fr-FR" sz="1600" baseline="30000" dirty="0" err="1">
-                <a:latin typeface="Consolas"/>
-                <a:cs typeface="Consolas"/>
-              </a:rPr>
-              <a:t>C</a:t>
-            </a:r>
-            <a:r>
-              <a:rPr lang="fr-FR" sz="1600" baseline="30000" dirty="0" err="1" smtClean="0">
-                <a:latin typeface="Consolas"/>
-                <a:cs typeface="Consolas"/>
-              </a:rPr>
-              <a:t>ost</a:t>
-            </a:r>
-            <a:r>
-              <a:rPr lang="fr-FR" sz="1600" baseline="30000" dirty="0" smtClean="0">
-                <a:latin typeface="Consolas"/>
-                <a:cs typeface="Consolas"/>
-              </a:rPr>
-              <a:t> </a:t>
-            </a:r>
-            <a:r>
-              <a:rPr lang="fr-FR" sz="1600" baseline="30000" dirty="0">
-                <a:latin typeface="Consolas"/>
-                <a:cs typeface="Consolas"/>
-              </a:rPr>
-              <a:t>of $0,05 cents per </a:t>
-            </a:r>
-            <a:r>
-              <a:rPr lang="fr-FR" sz="1600" baseline="30000" dirty="0" smtClean="0">
-                <a:latin typeface="Consolas"/>
-                <a:cs typeface="Consolas"/>
-              </a:rPr>
-              <a:t>call </a:t>
-            </a:r>
-          </a:p>
-          <a:p>
-            <a:pPr marL="285750" indent="-285750">
-              <a:buFont typeface="Arial"/>
-              <a:buChar char="•"/>
-            </a:pPr>
-            <a:r>
-              <a:rPr lang="fr-FR" sz="1600" baseline="30000" dirty="0" smtClean="0">
-                <a:latin typeface="Consolas"/>
-                <a:cs typeface="Consolas"/>
-              </a:rPr>
-              <a:t>8 </a:t>
-            </a:r>
-            <a:r>
-              <a:rPr lang="fr-FR" sz="1600" baseline="30000" dirty="0">
-                <a:latin typeface="Consolas"/>
-                <a:cs typeface="Consolas"/>
-              </a:rPr>
-              <a:t>GB of I/O volume/</a:t>
-            </a:r>
-            <a:r>
-              <a:rPr lang="fr-FR" sz="1600" baseline="30000" dirty="0" err="1" smtClean="0">
-                <a:latin typeface="Consolas"/>
-                <a:cs typeface="Consolas"/>
-              </a:rPr>
-              <a:t>month</a:t>
-            </a:r>
-            <a:endParaRPr lang="fr-FR" sz="1600" baseline="30000" dirty="0" smtClean="0">
-              <a:latin typeface="Consolas"/>
-              <a:cs typeface="Consolas"/>
-            </a:endParaRPr>
-          </a:p>
-          <a:p>
-            <a:pPr marL="285750" indent="-285750">
-              <a:buFont typeface="Arial"/>
-              <a:buChar char="•"/>
-            </a:pPr>
-            <a:r>
-              <a:rPr lang="fr-FR" sz="1600" baseline="30000" dirty="0">
-                <a:latin typeface="Consolas"/>
-                <a:cs typeface="Consolas"/>
-              </a:rPr>
-              <a:t>F</a:t>
-            </a:r>
-            <a:r>
-              <a:rPr lang="fr-FR" sz="1600" baseline="30000" dirty="0" smtClean="0">
-                <a:latin typeface="Consolas"/>
-                <a:cs typeface="Consolas"/>
-              </a:rPr>
-              <a:t>ree </a:t>
-            </a:r>
-            <a:r>
-              <a:rPr lang="fr-FR" sz="1600" baseline="30000" dirty="0">
-                <a:latin typeface="Consolas"/>
-                <a:cs typeface="Consolas"/>
-              </a:rPr>
-              <a:t>data </a:t>
-            </a:r>
-            <a:r>
-              <a:rPr lang="fr-FR" sz="1600" baseline="30000" dirty="0" err="1">
-                <a:latin typeface="Consolas"/>
-                <a:cs typeface="Consolas"/>
-              </a:rPr>
-              <a:t>transfer</a:t>
-            </a:r>
-            <a:r>
-              <a:rPr lang="fr-FR" sz="1600" baseline="30000" dirty="0">
-                <a:latin typeface="Consolas"/>
-                <a:cs typeface="Consolas"/>
-              </a:rPr>
-              <a:t> </a:t>
-            </a:r>
-            <a:r>
-              <a:rPr lang="fr-FR" sz="1600" baseline="30000" dirty="0" err="1">
-                <a:latin typeface="Consolas"/>
-                <a:cs typeface="Consolas"/>
-              </a:rPr>
-              <a:t>cost</a:t>
-            </a:r>
-            <a:r>
-              <a:rPr lang="fr-FR" sz="1600" baseline="30000" dirty="0">
-                <a:latin typeface="Consolas"/>
-                <a:cs typeface="Consolas"/>
-              </a:rPr>
-              <a:t> </a:t>
-            </a:r>
-            <a:r>
-              <a:rPr lang="fr-FR" sz="1600" baseline="30000" dirty="0" err="1">
-                <a:latin typeface="Consolas"/>
-                <a:cs typeface="Consolas"/>
-              </a:rPr>
-              <a:t>within</a:t>
-            </a:r>
-            <a:r>
-              <a:rPr lang="fr-FR" sz="1600" baseline="30000" dirty="0">
-                <a:latin typeface="Consolas"/>
-                <a:cs typeface="Consolas"/>
-              </a:rPr>
-              <a:t> the </a:t>
-            </a:r>
-            <a:r>
-              <a:rPr lang="fr-FR" sz="1600" baseline="30000" dirty="0" err="1">
-                <a:latin typeface="Consolas"/>
-                <a:cs typeface="Consolas"/>
-              </a:rPr>
-              <a:t>same</a:t>
-            </a:r>
-            <a:r>
-              <a:rPr lang="fr-FR" sz="1600" baseline="30000" dirty="0">
-                <a:latin typeface="Consolas"/>
-                <a:cs typeface="Consolas"/>
-              </a:rPr>
-              <a:t> </a:t>
-            </a:r>
-            <a:r>
-              <a:rPr lang="fr-FR" sz="1600" baseline="30000" dirty="0" err="1" smtClean="0">
-                <a:latin typeface="Consolas"/>
-                <a:cs typeface="Consolas"/>
-              </a:rPr>
-              <a:t>region</a:t>
-            </a:r>
-            <a:endParaRPr lang="fr-FR" sz="1600" baseline="30000" dirty="0" smtClean="0">
-              <a:latin typeface="Consolas"/>
-              <a:cs typeface="Consolas"/>
-            </a:endParaRPr>
-          </a:p>
-          <a:p>
-            <a:pPr marL="285750" indent="-285750">
-              <a:buFont typeface="Arial"/>
-              <a:buChar char="•"/>
-            </a:pPr>
-            <a:r>
-              <a:rPr lang="fr-FR" sz="1600" baseline="30000" dirty="0" smtClean="0">
-                <a:latin typeface="Consolas"/>
-                <a:cs typeface="Consolas"/>
-              </a:rPr>
-              <a:t>1 </a:t>
-            </a:r>
-            <a:r>
-              <a:rPr lang="fr-FR" sz="1600" baseline="30000" dirty="0">
-                <a:latin typeface="Consolas"/>
-                <a:cs typeface="Consolas"/>
-              </a:rPr>
-              <a:t>GB of </a:t>
-            </a:r>
-            <a:r>
-              <a:rPr lang="fr-FR" sz="1600" baseline="30000" dirty="0" err="1">
-                <a:latin typeface="Consolas"/>
-                <a:cs typeface="Consolas"/>
-              </a:rPr>
-              <a:t>storage</a:t>
-            </a:r>
-            <a:endParaRPr lang="fr-FR" sz="1600" dirty="0">
-              <a:latin typeface="Consolas"/>
-              <a:cs typeface="Consolas"/>
-            </a:endParaRPr>
-          </a:p>
-        </p:txBody>
-      </p:sp>
-      <p:pic>
-        <p:nvPicPr>
-          <p:cNvPr id="6" name="Image 5"/>
-          <p:cNvPicPr>
-            <a:picLocks noChangeAspect="1"/>
-          </p:cNvPicPr>
-          <p:nvPr/>
-        </p:nvPicPr>
-        <p:blipFill>
-          <a:blip r:embed="rId2"/>
-          <a:stretch>
-            <a:fillRect/>
-          </a:stretch>
-        </p:blipFill>
-        <p:spPr>
-          <a:xfrm>
-            <a:off x="2548462" y="2357972"/>
-            <a:ext cx="1051885" cy="463701"/>
-          </a:xfrm>
-          <a:prstGeom prst="rect">
-            <a:avLst/>
-          </a:prstGeom>
-        </p:spPr>
-      </p:pic>
-      <p:sp>
-        <p:nvSpPr>
           <p:cNvPr id="2" name="Titre 1"/>
           <p:cNvSpPr>
             <a:spLocks noGrp="1"/>
@@ -22810,11 +24194,11 @@
           <a:p>
             <a:r>
               <a:rPr lang="fr-FR" dirty="0" smtClean="0"/>
-              <a:t>SLA </a:t>
+              <a:t>General </a:t>
             </a:r>
             <a:r>
               <a:rPr lang="fr-FR" dirty="0" err="1" smtClean="0"/>
-              <a:t>Integration</a:t>
+              <a:t>approach</a:t>
             </a:r>
             <a:endParaRPr lang="fr-FR" dirty="0"/>
           </a:p>
@@ -22843,1234 +24227,1299 @@
           </a:p>
         </p:txBody>
       </p:sp>
-      <p:pic>
-        <p:nvPicPr>
-          <p:cNvPr id="4" name="Image 3" descr="SLAextension.jpg"/>
-          <p:cNvPicPr>
-            <a:picLocks noChangeAspect="1"/>
-          </p:cNvPicPr>
-          <p:nvPr/>
-        </p:nvPicPr>
-        <p:blipFill>
-          <a:blip r:embed="rId3">
-            <a:extLst>
-              <a:ext uri="{28A0092B-C50C-407E-A947-70E740481C1C}">
-                <a14:useLocalDpi xmlns:a14="http://schemas.microsoft.com/office/drawing/2010/main" val="0"/>
-              </a:ext>
-            </a:extLst>
-          </a:blip>
-          <a:stretch>
-            <a:fillRect/>
-          </a:stretch>
-        </p:blipFill>
-        <p:spPr>
-          <a:xfrm>
-            <a:off x="4749815" y="1079501"/>
-            <a:ext cx="4064000" cy="2380986"/>
-          </a:xfrm>
-          <a:prstGeom prst="rect">
-            <a:avLst/>
-          </a:prstGeom>
-        </p:spPr>
-      </p:pic>
-      <p:grpSp>
-        <p:nvGrpSpPr>
-          <p:cNvPr id="7" name="Grouper 6"/>
-          <p:cNvGrpSpPr/>
-          <p:nvPr/>
-        </p:nvGrpSpPr>
-        <p:grpSpPr>
-          <a:xfrm>
-            <a:off x="2424437" y="2216012"/>
-            <a:ext cx="1199213" cy="772726"/>
-            <a:chOff x="1857254" y="1775741"/>
-            <a:chExt cx="2985679" cy="1700064"/>
-          </a:xfrm>
-        </p:grpSpPr>
-        <p:sp>
-          <p:nvSpPr>
-            <p:cNvPr id="8" name="Arc 7"/>
-            <p:cNvSpPr/>
-            <p:nvPr/>
-          </p:nvSpPr>
-          <p:spPr>
-            <a:xfrm rot="16492063">
-              <a:off x="2064987" y="2209791"/>
-              <a:ext cx="919931" cy="1335398"/>
-            </a:xfrm>
-            <a:prstGeom prst="arc">
-              <a:avLst>
-                <a:gd name="adj1" fmla="val 10488337"/>
-                <a:gd name="adj2" fmla="val 984161"/>
-              </a:avLst>
-            </a:prstGeom>
-            <a:ln w="28575" cmpd="sng"/>
-          </p:spPr>
-          <p:style>
-            <a:lnRef idx="2">
-              <a:schemeClr val="accent1"/>
-            </a:lnRef>
-            <a:fillRef idx="0">
-              <a:schemeClr val="accent1"/>
-            </a:fillRef>
-            <a:effectRef idx="1">
-              <a:schemeClr val="accent1"/>
-            </a:effectRef>
-            <a:fontRef idx="minor">
-              <a:schemeClr val="tx1"/>
-            </a:fontRef>
-          </p:style>
-          <p:txBody>
-            <a:bodyPr rtlCol="0" anchor="ctr"/>
-            <a:lstStyle/>
-            <a:p>
-              <a:pPr algn="ctr"/>
-              <a:endParaRPr lang="fr-FR"/>
-            </a:p>
-          </p:txBody>
-        </p:sp>
-        <p:sp>
-          <p:nvSpPr>
-            <p:cNvPr id="9" name="Arc 8"/>
-            <p:cNvSpPr/>
-            <p:nvPr/>
-          </p:nvSpPr>
-          <p:spPr>
-            <a:xfrm rot="656295">
-              <a:off x="2698111" y="1775741"/>
-              <a:ext cx="1571555" cy="1700064"/>
-            </a:xfrm>
-            <a:prstGeom prst="arc">
-              <a:avLst>
-                <a:gd name="adj1" fmla="val 10430236"/>
-                <a:gd name="adj2" fmla="val 20928275"/>
-              </a:avLst>
-            </a:prstGeom>
-            <a:ln w="28575" cmpd="sng"/>
-          </p:spPr>
-          <p:style>
-            <a:lnRef idx="2">
-              <a:schemeClr val="accent1"/>
-            </a:lnRef>
-            <a:fillRef idx="0">
-              <a:schemeClr val="accent1"/>
-            </a:fillRef>
-            <a:effectRef idx="1">
-              <a:schemeClr val="accent1"/>
-            </a:effectRef>
-            <a:fontRef idx="minor">
-              <a:schemeClr val="tx1"/>
-            </a:fontRef>
-          </p:style>
-          <p:txBody>
-            <a:bodyPr rtlCol="0" anchor="ctr"/>
-            <a:lstStyle/>
-            <a:p>
-              <a:pPr algn="ctr"/>
-              <a:endParaRPr lang="fr-FR"/>
-            </a:p>
-          </p:txBody>
-        </p:sp>
-        <p:sp>
-          <p:nvSpPr>
-            <p:cNvPr id="10" name="Arc 9"/>
-            <p:cNvSpPr/>
-            <p:nvPr/>
-          </p:nvSpPr>
-          <p:spPr>
-            <a:xfrm rot="5400000">
-              <a:off x="3907366" y="2374901"/>
-              <a:ext cx="905933" cy="965200"/>
-            </a:xfrm>
-            <a:prstGeom prst="arc">
-              <a:avLst>
-                <a:gd name="adj1" fmla="val 9926378"/>
-                <a:gd name="adj2" fmla="val 0"/>
-              </a:avLst>
-            </a:prstGeom>
-            <a:ln w="28575" cmpd="sng"/>
-          </p:spPr>
-          <p:style>
-            <a:lnRef idx="2">
-              <a:schemeClr val="accent1"/>
-            </a:lnRef>
-            <a:fillRef idx="0">
-              <a:schemeClr val="accent1"/>
-            </a:fillRef>
-            <a:effectRef idx="1">
-              <a:schemeClr val="accent1"/>
-            </a:effectRef>
-            <a:fontRef idx="minor">
-              <a:schemeClr val="tx1"/>
-            </a:fontRef>
-          </p:style>
-          <p:txBody>
-            <a:bodyPr rtlCol="0" anchor="ctr"/>
-            <a:lstStyle/>
-            <a:p>
-              <a:pPr algn="ctr"/>
-              <a:endParaRPr lang="fr-FR"/>
-            </a:p>
-          </p:txBody>
-        </p:sp>
-        <p:cxnSp>
-          <p:nvCxnSpPr>
-            <p:cNvPr id="11" name="Connecteur droit 10"/>
-            <p:cNvCxnSpPr>
-              <a:stCxn id="8" idx="0"/>
-              <a:endCxn id="10" idx="2"/>
-            </p:cNvCxnSpPr>
-            <p:nvPr/>
-          </p:nvCxnSpPr>
-          <p:spPr>
-            <a:xfrm flipV="1">
-              <a:off x="2527581" y="3310468"/>
-              <a:ext cx="1832752" cy="27974"/>
-            </a:xfrm>
-            <a:prstGeom prst="line">
-              <a:avLst/>
-            </a:prstGeom>
-            <a:ln w="28575" cmpd="sng"/>
-          </p:spPr>
-          <p:style>
-            <a:lnRef idx="2">
-              <a:schemeClr val="accent1"/>
-            </a:lnRef>
-            <a:fillRef idx="0">
-              <a:schemeClr val="accent1"/>
-            </a:fillRef>
-            <a:effectRef idx="1">
-              <a:schemeClr val="accent1"/>
-            </a:effectRef>
-            <a:fontRef idx="minor">
-              <a:schemeClr val="tx1"/>
-            </a:fontRef>
-          </p:style>
-        </p:cxnSp>
-      </p:grpSp>
       <p:sp>
         <p:nvSpPr>
-          <p:cNvPr id="12" name="Document 11"/>
+          <p:cNvPr id="4" name="Signalisation droite 3"/>
           <p:cNvSpPr/>
           <p:nvPr/>
         </p:nvSpPr>
         <p:spPr>
           <a:xfrm>
-            <a:off x="5118099" y="3427741"/>
-            <a:ext cx="3352800" cy="1643418"/>
+            <a:off x="1230931" y="1905000"/>
+            <a:ext cx="1423370" cy="419100"/>
           </a:xfrm>
-          <a:prstGeom prst="flowChartDocument">
+          <a:prstGeom prst="homePlate">
             <a:avLst/>
           </a:prstGeom>
-          <a:ln w="28575" cmpd="sng">
-            <a:solidFill>
-              <a:srgbClr val="091E24"/>
-            </a:solidFill>
-          </a:ln>
         </p:spPr>
+        <p:style>
+          <a:lnRef idx="1">
+            <a:schemeClr val="accent1"/>
+          </a:lnRef>
+          <a:fillRef idx="3">
+            <a:schemeClr val="accent1"/>
+          </a:fillRef>
+          <a:effectRef idx="2">
+            <a:schemeClr val="accent1"/>
+          </a:effectRef>
+          <a:fontRef idx="minor">
+            <a:schemeClr val="lt1"/>
+          </a:fontRef>
+        </p:style>
         <p:txBody>
-          <a:bodyPr wrap="square">
-            <a:spAutoFit/>
-          </a:bodyPr>
+          <a:bodyPr rtlCol="0" anchor="ctr"/>
           <a:lstStyle/>
           <a:p>
-            <a:pPr marL="285750" indent="-285750">
-              <a:buFont typeface="Arial"/>
-              <a:buChar char="•"/>
-            </a:pPr>
-            <a:r>
-              <a:rPr lang="fr-FR" sz="1600" baseline="30000" dirty="0" smtClean="0">
+            <a:pPr algn="ctr"/>
+            <a:r>
+              <a:rPr lang="fr-FR" dirty="0" smtClean="0">
                 <a:latin typeface="Consolas"/>
                 <a:cs typeface="Consolas"/>
               </a:rPr>
-              <a:t>Maximum </a:t>
-            </a:r>
-            <a:r>
-              <a:rPr lang="fr-FR" sz="1600" baseline="30000" dirty="0">
+              <a:t>SLA </a:t>
+            </a:r>
+            <a:r>
+              <a:rPr lang="fr-FR" dirty="0" err="1" smtClean="0">
                 <a:latin typeface="Consolas"/>
                 <a:cs typeface="Consolas"/>
               </a:rPr>
-              <a:t>of $5 as total </a:t>
-            </a:r>
-            <a:r>
-              <a:rPr lang="fr-FR" sz="1600" baseline="30000" dirty="0" err="1">
-                <a:latin typeface="Consolas"/>
-                <a:cs typeface="Consolas"/>
-              </a:rPr>
-              <a:t>query</a:t>
-            </a:r>
-            <a:r>
-              <a:rPr lang="fr-FR" sz="1600" baseline="30000" dirty="0">
-                <a:latin typeface="Consolas"/>
-                <a:cs typeface="Consolas"/>
-              </a:rPr>
-              <a:t> </a:t>
-            </a:r>
-            <a:r>
-              <a:rPr lang="fr-FR" sz="1600" baseline="30000" dirty="0" err="1" smtClean="0">
-                <a:latin typeface="Consolas"/>
-                <a:cs typeface="Consolas"/>
-              </a:rPr>
-              <a:t>cost</a:t>
-            </a:r>
-            <a:endParaRPr lang="fr-FR" sz="1600" baseline="30000" dirty="0" smtClean="0">
+              <a:t>derivation</a:t>
+            </a:r>
+            <a:endParaRPr lang="fr-FR" dirty="0">
               <a:latin typeface="Consolas"/>
               <a:cs typeface="Consolas"/>
             </a:endParaRPr>
           </a:p>
-          <a:p>
-            <a:pPr marL="285750" indent="-285750">
-              <a:buFont typeface="Arial"/>
-              <a:buChar char="•"/>
-            </a:pPr>
-            <a:r>
-              <a:rPr lang="fr-FR" sz="1600" baseline="30000" dirty="0" err="1">
-                <a:latin typeface="Consolas"/>
-                <a:cs typeface="Consolas"/>
-              </a:rPr>
-              <a:t>O</a:t>
-            </a:r>
-            <a:r>
-              <a:rPr lang="fr-FR" sz="1600" baseline="30000" dirty="0" err="1" smtClean="0">
-                <a:latin typeface="Consolas"/>
-                <a:cs typeface="Consolas"/>
-              </a:rPr>
-              <a:t>nly</a:t>
-            </a:r>
-            <a:r>
-              <a:rPr lang="fr-FR" sz="1600" baseline="30000" dirty="0" smtClean="0">
-                <a:latin typeface="Consolas"/>
-                <a:cs typeface="Consolas"/>
-              </a:rPr>
-              <a:t> </a:t>
-            </a:r>
-            <a:r>
-              <a:rPr lang="fr-FR" sz="1600" baseline="30000" dirty="0">
-                <a:latin typeface="Consolas"/>
-                <a:cs typeface="Consolas"/>
-              </a:rPr>
-              <a:t>green </a:t>
-            </a:r>
-            <a:r>
-              <a:rPr lang="fr-FR" sz="1600" baseline="30000" dirty="0" err="1">
-                <a:latin typeface="Consolas"/>
-                <a:cs typeface="Consolas"/>
-              </a:rPr>
-              <a:t>energy</a:t>
-            </a:r>
-            <a:r>
-              <a:rPr lang="fr-FR" sz="1600" baseline="30000" dirty="0">
-                <a:latin typeface="Consolas"/>
-                <a:cs typeface="Consolas"/>
-              </a:rPr>
-              <a:t> </a:t>
-            </a:r>
-            <a:r>
-              <a:rPr lang="fr-FR" sz="1600" baseline="30000" dirty="0" smtClean="0">
-                <a:latin typeface="Consolas"/>
-                <a:cs typeface="Consolas"/>
-              </a:rPr>
-              <a:t>providers (</a:t>
-            </a:r>
-            <a:r>
-              <a:rPr lang="fr-FR" sz="1600" baseline="30000" dirty="0">
-                <a:latin typeface="Consolas"/>
-                <a:cs typeface="Consolas"/>
-              </a:rPr>
-              <a:t>provenance</a:t>
-            </a:r>
-            <a:r>
-              <a:rPr lang="fr-FR" sz="1600" baseline="30000" dirty="0" smtClean="0">
-                <a:latin typeface="Consolas"/>
-                <a:cs typeface="Consolas"/>
-              </a:rPr>
-              <a:t>) </a:t>
-            </a:r>
-          </a:p>
-          <a:p>
-            <a:pPr marL="285750" indent="-285750">
-              <a:buFont typeface="Arial"/>
-              <a:buChar char="•"/>
-            </a:pPr>
-            <a:r>
-              <a:rPr lang="fr-FR" sz="1600" baseline="30000" dirty="0" err="1">
-                <a:latin typeface="Consolas"/>
-                <a:cs typeface="Consolas"/>
-              </a:rPr>
-              <a:t>A</a:t>
-            </a:r>
-            <a:r>
-              <a:rPr lang="fr-FR" sz="1600" baseline="30000" dirty="0" err="1" smtClean="0">
-                <a:latin typeface="Consolas"/>
-                <a:cs typeface="Consolas"/>
-              </a:rPr>
-              <a:t>t</a:t>
-            </a:r>
-            <a:r>
-              <a:rPr lang="fr-FR" sz="1600" baseline="30000" dirty="0" smtClean="0">
-                <a:latin typeface="Consolas"/>
-                <a:cs typeface="Consolas"/>
-              </a:rPr>
-              <a:t> </a:t>
-            </a:r>
-            <a:r>
-              <a:rPr lang="fr-FR" sz="1600" baseline="30000" dirty="0">
-                <a:latin typeface="Consolas"/>
-                <a:cs typeface="Consolas"/>
-              </a:rPr>
-              <a:t>least 85% of </a:t>
-            </a:r>
-            <a:r>
-              <a:rPr lang="fr-FR" sz="1600" baseline="30000" dirty="0" err="1">
-                <a:latin typeface="Consolas"/>
-                <a:cs typeface="Consolas"/>
-              </a:rPr>
-              <a:t>precision</a:t>
-            </a:r>
-            <a:r>
-              <a:rPr lang="fr-FR" sz="1600" baseline="30000" dirty="0">
-                <a:latin typeface="Consolas"/>
-                <a:cs typeface="Consolas"/>
-              </a:rPr>
-              <a:t> of </a:t>
-            </a:r>
-            <a:r>
-              <a:rPr lang="fr-FR" sz="1600" baseline="30000" dirty="0" err="1">
-                <a:latin typeface="Consolas"/>
-                <a:cs typeface="Consolas"/>
-              </a:rPr>
-              <a:t>provided</a:t>
-            </a:r>
-            <a:r>
-              <a:rPr lang="fr-FR" sz="1600" baseline="30000" dirty="0">
-                <a:latin typeface="Consolas"/>
-                <a:cs typeface="Consolas"/>
-              </a:rPr>
-              <a:t> data</a:t>
-            </a:r>
-            <a:r>
-              <a:rPr lang="fr-FR" sz="1600" baseline="30000" dirty="0" smtClean="0">
-                <a:latin typeface="Consolas"/>
-                <a:cs typeface="Consolas"/>
-              </a:rPr>
-              <a:t>,</a:t>
-            </a:r>
-            <a:r>
-              <a:rPr lang="fr-FR" sz="1600" dirty="0" smtClean="0">
-                <a:latin typeface="Consolas"/>
-                <a:cs typeface="Consolas"/>
-              </a:rPr>
-              <a:t> </a:t>
-            </a:r>
-            <a:r>
-              <a:rPr lang="fr-FR" sz="1600" baseline="30000" dirty="0" err="1" smtClean="0">
-                <a:latin typeface="Consolas"/>
-                <a:cs typeface="Consolas"/>
-              </a:rPr>
-              <a:t>even</a:t>
-            </a:r>
-            <a:r>
-              <a:rPr lang="fr-FR" sz="1600" baseline="30000" dirty="0" smtClean="0">
-                <a:latin typeface="Consolas"/>
-                <a:cs typeface="Consolas"/>
-              </a:rPr>
-              <a:t> </a:t>
-            </a:r>
-            <a:r>
-              <a:rPr lang="fr-FR" sz="1600" baseline="30000" dirty="0">
-                <a:latin typeface="Consolas"/>
-                <a:cs typeface="Consolas"/>
-              </a:rPr>
-              <a:t>if </a:t>
-            </a:r>
-            <a:r>
-              <a:rPr lang="fr-FR" sz="1600" baseline="30000" dirty="0" err="1">
-                <a:latin typeface="Consolas"/>
-                <a:cs typeface="Consolas"/>
-              </a:rPr>
-              <a:t>they</a:t>
-            </a:r>
-            <a:r>
-              <a:rPr lang="fr-FR" sz="1600" baseline="30000" dirty="0">
-                <a:latin typeface="Consolas"/>
-                <a:cs typeface="Consolas"/>
-              </a:rPr>
-              <a:t> are not </a:t>
-            </a:r>
-            <a:r>
-              <a:rPr lang="fr-FR" sz="1600" baseline="30000" dirty="0" err="1" smtClean="0">
-                <a:latin typeface="Consolas"/>
-                <a:cs typeface="Consolas"/>
-              </a:rPr>
-              <a:t>fresh</a:t>
-            </a:r>
-            <a:r>
-              <a:rPr lang="fr-FR" sz="1600" baseline="30000" dirty="0" smtClean="0">
-                <a:latin typeface="Consolas"/>
-                <a:cs typeface="Consolas"/>
-              </a:rPr>
-              <a:t> </a:t>
-            </a:r>
-            <a:endParaRPr lang="fr-FR" sz="1600" baseline="30000" dirty="0">
-              <a:latin typeface="Consolas"/>
-              <a:cs typeface="Consolas"/>
-            </a:endParaRPr>
-          </a:p>
-          <a:p>
-            <a:pPr marL="285750" indent="-285750">
-              <a:buFont typeface="Arial"/>
-              <a:buChar char="•"/>
-            </a:pPr>
-            <a:r>
-              <a:rPr lang="fr-FR" sz="1600" baseline="30000" dirty="0" err="1">
-                <a:latin typeface="Consolas"/>
-                <a:cs typeface="Consolas"/>
-              </a:rPr>
-              <a:t>A</a:t>
-            </a:r>
-            <a:r>
-              <a:rPr lang="fr-FR" sz="1600" baseline="30000" dirty="0" err="1" smtClean="0">
-                <a:latin typeface="Consolas"/>
-                <a:cs typeface="Consolas"/>
-              </a:rPr>
-              <a:t>vailability</a:t>
-            </a:r>
-            <a:r>
-              <a:rPr lang="fr-FR" sz="1600" baseline="30000" dirty="0" smtClean="0">
-                <a:latin typeface="Consolas"/>
-                <a:cs typeface="Consolas"/>
-              </a:rPr>
-              <a:t> </a:t>
-            </a:r>
-            <a:r>
-              <a:rPr lang="fr-FR" sz="1600" baseline="30000" dirty="0">
-                <a:latin typeface="Consolas"/>
-                <a:cs typeface="Consolas"/>
-              </a:rPr>
-              <a:t>rate of </a:t>
-            </a:r>
-            <a:r>
-              <a:rPr lang="fr-FR" sz="1600" baseline="30000" dirty="0" err="1">
-                <a:latin typeface="Consolas"/>
-                <a:cs typeface="Consolas"/>
-              </a:rPr>
-              <a:t>at</a:t>
-            </a:r>
-            <a:r>
-              <a:rPr lang="fr-FR" sz="1600" baseline="30000" dirty="0">
-                <a:latin typeface="Consolas"/>
-                <a:cs typeface="Consolas"/>
-              </a:rPr>
-              <a:t> least 90</a:t>
-            </a:r>
-            <a:r>
-              <a:rPr lang="fr-FR" sz="1600" baseline="30000" dirty="0" smtClean="0">
-                <a:latin typeface="Consolas"/>
-                <a:cs typeface="Consolas"/>
-              </a:rPr>
-              <a:t>%</a:t>
-            </a:r>
-          </a:p>
-          <a:p>
-            <a:pPr marL="285750" indent="-285750">
-              <a:buFont typeface="Arial"/>
-              <a:buChar char="•"/>
-            </a:pPr>
-            <a:r>
-              <a:rPr lang="fr-FR" sz="1600" baseline="30000" dirty="0" err="1">
-                <a:latin typeface="Consolas"/>
-                <a:cs typeface="Consolas"/>
-              </a:rPr>
-              <a:t>R</a:t>
-            </a:r>
-            <a:r>
-              <a:rPr lang="fr-FR" sz="1600" baseline="30000" dirty="0" err="1" smtClean="0">
-                <a:latin typeface="Consolas"/>
-                <a:cs typeface="Consolas"/>
-              </a:rPr>
-              <a:t>esponse</a:t>
-            </a:r>
-            <a:r>
-              <a:rPr lang="fr-FR" sz="1600" baseline="30000" dirty="0" smtClean="0">
-                <a:latin typeface="Consolas"/>
-                <a:cs typeface="Consolas"/>
-              </a:rPr>
-              <a:t> </a:t>
-            </a:r>
-            <a:r>
-              <a:rPr lang="fr-FR" sz="1600" baseline="30000" dirty="0">
-                <a:latin typeface="Consolas"/>
-                <a:cs typeface="Consolas"/>
-              </a:rPr>
-              <a:t>time of 0,01 </a:t>
-            </a:r>
-            <a:r>
-              <a:rPr lang="fr-FR" sz="1600" baseline="30000" dirty="0" smtClean="0">
-                <a:latin typeface="Consolas"/>
-                <a:cs typeface="Consolas"/>
-              </a:rPr>
-              <a:t>sec.</a:t>
-            </a:r>
-            <a:endParaRPr lang="fr-FR" sz="1600" dirty="0">
-              <a:latin typeface="Consolas"/>
-              <a:cs typeface="Consolas"/>
-            </a:endParaRPr>
-          </a:p>
         </p:txBody>
       </p:sp>
-      <p:pic>
-        <p:nvPicPr>
-          <p:cNvPr id="13" name="Image 12" descr="user-icon.png"/>
-          <p:cNvPicPr>
-            <a:picLocks noChangeAspect="1"/>
-          </p:cNvPicPr>
-          <p:nvPr/>
-        </p:nvPicPr>
-        <p:blipFill>
-          <a:blip r:embed="rId4">
-            <a:extLst>
-              <a:ext uri="{28A0092B-C50C-407E-A947-70E740481C1C}">
-                <a14:useLocalDpi xmlns:a14="http://schemas.microsoft.com/office/drawing/2010/main" val="0"/>
-              </a:ext>
-            </a:extLst>
-          </a:blip>
-          <a:stretch>
-            <a:fillRect/>
-          </a:stretch>
-        </p:blipFill>
-        <p:spPr>
-          <a:xfrm>
-            <a:off x="8043332" y="4258732"/>
-            <a:ext cx="560369" cy="580542"/>
-          </a:xfrm>
-          <a:prstGeom prst="rect">
-            <a:avLst/>
-          </a:prstGeom>
-        </p:spPr>
-      </p:pic>
       <p:sp>
         <p:nvSpPr>
-          <p:cNvPr id="14" name="Document 13"/>
+          <p:cNvPr id="5" name="Signalisation droite 4"/>
           <p:cNvSpPr/>
           <p:nvPr/>
         </p:nvSpPr>
         <p:spPr>
           <a:xfrm>
-            <a:off x="618057" y="3035395"/>
-            <a:ext cx="4064010" cy="2097749"/>
+            <a:off x="3513612" y="1917700"/>
+            <a:ext cx="1718788" cy="419100"/>
           </a:xfrm>
-          <a:prstGeom prst="flowChartDocument">
+          <a:prstGeom prst="homePlate">
             <a:avLst/>
           </a:prstGeom>
-          <a:ln w="38100" cmpd="sng">
+        </p:spPr>
+        <p:style>
+          <a:lnRef idx="1">
+            <a:schemeClr val="accent1"/>
+          </a:lnRef>
+          <a:fillRef idx="3">
+            <a:schemeClr val="accent1"/>
+          </a:fillRef>
+          <a:effectRef idx="2">
+            <a:schemeClr val="accent1"/>
+          </a:effectRef>
+          <a:fontRef idx="minor">
+            <a:schemeClr val="lt1"/>
+          </a:fontRef>
+        </p:style>
+        <p:txBody>
+          <a:bodyPr rtlCol="0" anchor="ctr"/>
+          <a:lstStyle/>
+          <a:p>
+            <a:pPr algn="ctr"/>
+            <a:r>
+              <a:rPr lang="fr-FR" dirty="0" smtClean="0">
+                <a:latin typeface="Consolas"/>
+                <a:cs typeface="Consolas"/>
+              </a:rPr>
+              <a:t>Service composition</a:t>
+            </a:r>
+            <a:endParaRPr lang="fr-FR" dirty="0">
+              <a:latin typeface="Consolas"/>
+              <a:cs typeface="Consolas"/>
+            </a:endParaRPr>
+          </a:p>
+        </p:txBody>
+      </p:sp>
+      <p:sp>
+        <p:nvSpPr>
+          <p:cNvPr id="6" name="Signalisation droite 5"/>
+          <p:cNvSpPr/>
+          <p:nvPr/>
+        </p:nvSpPr>
+        <p:spPr>
+          <a:xfrm>
+            <a:off x="5964712" y="1930400"/>
+            <a:ext cx="1718788" cy="419100"/>
+          </a:xfrm>
+          <a:prstGeom prst="homePlate">
+            <a:avLst/>
+          </a:prstGeom>
+        </p:spPr>
+        <p:style>
+          <a:lnRef idx="1">
+            <a:schemeClr val="accent1"/>
+          </a:lnRef>
+          <a:fillRef idx="3">
+            <a:schemeClr val="accent1"/>
+          </a:fillRef>
+          <a:effectRef idx="2">
+            <a:schemeClr val="accent1"/>
+          </a:effectRef>
+          <a:fontRef idx="minor">
+            <a:schemeClr val="lt1"/>
+          </a:fontRef>
+        </p:style>
+        <p:txBody>
+          <a:bodyPr rtlCol="0" anchor="ctr"/>
+          <a:lstStyle/>
+          <a:p>
+            <a:pPr algn="ctr"/>
+            <a:r>
+              <a:rPr lang="fr-FR" dirty="0" err="1" smtClean="0">
+                <a:latin typeface="Consolas"/>
+                <a:cs typeface="Consolas"/>
+              </a:rPr>
+              <a:t>Query</a:t>
+            </a:r>
+            <a:r>
+              <a:rPr lang="fr-FR" dirty="0" smtClean="0">
+                <a:latin typeface="Consolas"/>
+                <a:cs typeface="Consolas"/>
+              </a:rPr>
+              <a:t> </a:t>
+            </a:r>
+            <a:r>
+              <a:rPr lang="fr-FR" dirty="0" err="1" smtClean="0">
+                <a:latin typeface="Consolas"/>
+                <a:cs typeface="Consolas"/>
+              </a:rPr>
+              <a:t>evaluation</a:t>
+            </a:r>
+            <a:endParaRPr lang="fr-FR" dirty="0">
+              <a:latin typeface="Consolas"/>
+              <a:cs typeface="Consolas"/>
+            </a:endParaRPr>
+          </a:p>
+        </p:txBody>
+      </p:sp>
+      <p:sp>
+        <p:nvSpPr>
+          <p:cNvPr id="7" name="Signalisation droite 6"/>
+          <p:cNvSpPr/>
+          <p:nvPr/>
+        </p:nvSpPr>
+        <p:spPr>
+          <a:xfrm>
+            <a:off x="2008137" y="2692400"/>
+            <a:ext cx="1611363" cy="584200"/>
+          </a:xfrm>
+          <a:prstGeom prst="homePlate">
+            <a:avLst/>
+          </a:prstGeom>
+          <a:solidFill>
+            <a:schemeClr val="bg2">
+              <a:lumMod val="90000"/>
+            </a:schemeClr>
+          </a:solidFill>
+        </p:spPr>
+        <p:style>
+          <a:lnRef idx="1">
+            <a:schemeClr val="accent1"/>
+          </a:lnRef>
+          <a:fillRef idx="3">
+            <a:schemeClr val="accent1"/>
+          </a:fillRef>
+          <a:effectRef idx="2">
+            <a:schemeClr val="accent1"/>
+          </a:effectRef>
+          <a:fontRef idx="minor">
+            <a:schemeClr val="lt1"/>
+          </a:fontRef>
+        </p:style>
+        <p:txBody>
+          <a:bodyPr rtlCol="0" anchor="ctr"/>
+          <a:lstStyle/>
+          <a:p>
+            <a:pPr algn="ctr"/>
+            <a:r>
+              <a:rPr lang="fr-FR" sz="1200" dirty="0" err="1" smtClean="0">
+                <a:solidFill>
+                  <a:srgbClr val="000000"/>
+                </a:solidFill>
+                <a:latin typeface="Consolas"/>
+                <a:cs typeface="Consolas"/>
+              </a:rPr>
+              <a:t>Lookup</a:t>
+            </a:r>
+            <a:endParaRPr lang="fr-FR" sz="1200" dirty="0" smtClean="0">
+              <a:solidFill>
+                <a:srgbClr val="000000"/>
+              </a:solidFill>
+              <a:latin typeface="Consolas"/>
+              <a:cs typeface="Consolas"/>
+            </a:endParaRPr>
+          </a:p>
+          <a:p>
+            <a:pPr algn="ctr"/>
+            <a:r>
+              <a:rPr lang="fr-FR" sz="1200" dirty="0" err="1">
+                <a:solidFill>
+                  <a:srgbClr val="000000"/>
+                </a:solidFill>
+                <a:latin typeface="Consolas"/>
+                <a:cs typeface="Consolas"/>
+              </a:rPr>
+              <a:t>p</a:t>
+            </a:r>
+            <a:r>
+              <a:rPr lang="fr-FR" sz="1200" dirty="0" err="1" smtClean="0">
+                <a:solidFill>
+                  <a:srgbClr val="000000"/>
+                </a:solidFill>
+                <a:latin typeface="Consolas"/>
+                <a:cs typeface="Consolas"/>
+              </a:rPr>
+              <a:t>rederived</a:t>
+            </a:r>
+            <a:r>
+              <a:rPr lang="fr-FR" sz="1200" dirty="0" smtClean="0">
+                <a:solidFill>
+                  <a:srgbClr val="000000"/>
+                </a:solidFill>
+                <a:latin typeface="Consolas"/>
+                <a:cs typeface="Consolas"/>
+              </a:rPr>
+              <a:t> SLA</a:t>
+            </a:r>
+            <a:endParaRPr lang="fr-FR" sz="1200" dirty="0">
+              <a:solidFill>
+                <a:srgbClr val="000000"/>
+              </a:solidFill>
+              <a:latin typeface="Consolas"/>
+              <a:cs typeface="Consolas"/>
+            </a:endParaRPr>
+          </a:p>
+        </p:txBody>
+      </p:sp>
+      <p:sp>
+        <p:nvSpPr>
+          <p:cNvPr id="8" name="Signalisation droite 7"/>
+          <p:cNvSpPr/>
+          <p:nvPr/>
+        </p:nvSpPr>
+        <p:spPr>
+          <a:xfrm>
+            <a:off x="3138923" y="1549400"/>
+            <a:ext cx="4976377" cy="952500"/>
+          </a:xfrm>
+          <a:prstGeom prst="homePlate">
+            <a:avLst/>
+          </a:prstGeom>
+          <a:noFill/>
+          <a:ln>
             <a:solidFill>
-              <a:schemeClr val="accent4"/>
+              <a:schemeClr val="tx2">
+                <a:lumMod val="75000"/>
+                <a:lumOff val="25000"/>
+              </a:schemeClr>
+            </a:solidFill>
+            <a:prstDash val="sysDash"/>
+          </a:ln>
+        </p:spPr>
+        <p:style>
+          <a:lnRef idx="1">
+            <a:schemeClr val="accent1"/>
+          </a:lnRef>
+          <a:fillRef idx="3">
+            <a:schemeClr val="accent1"/>
+          </a:fillRef>
+          <a:effectRef idx="2">
+            <a:schemeClr val="accent1"/>
+          </a:effectRef>
+          <a:fontRef idx="minor">
+            <a:schemeClr val="lt1"/>
+          </a:fontRef>
+        </p:style>
+        <p:txBody>
+          <a:bodyPr rtlCol="0" anchor="ctr"/>
+          <a:lstStyle/>
+          <a:p>
+            <a:pPr algn="ctr"/>
+            <a:endParaRPr lang="fr-FR" dirty="0">
+              <a:latin typeface="Consolas"/>
+              <a:cs typeface="Consolas"/>
+            </a:endParaRPr>
+          </a:p>
+        </p:txBody>
+      </p:sp>
+      <p:sp>
+        <p:nvSpPr>
+          <p:cNvPr id="9" name="Signalisation droite 8"/>
+          <p:cNvSpPr/>
+          <p:nvPr/>
+        </p:nvSpPr>
+        <p:spPr>
+          <a:xfrm>
+            <a:off x="1982737" y="3517900"/>
+            <a:ext cx="1611363" cy="584200"/>
+          </a:xfrm>
+          <a:prstGeom prst="homePlate">
+            <a:avLst/>
+          </a:prstGeom>
+          <a:solidFill>
+            <a:schemeClr val="bg2">
+              <a:lumMod val="90000"/>
+            </a:schemeClr>
+          </a:solidFill>
+        </p:spPr>
+        <p:style>
+          <a:lnRef idx="1">
+            <a:schemeClr val="accent1"/>
+          </a:lnRef>
+          <a:fillRef idx="3">
+            <a:schemeClr val="accent1"/>
+          </a:fillRef>
+          <a:effectRef idx="2">
+            <a:schemeClr val="accent1"/>
+          </a:effectRef>
+          <a:fontRef idx="minor">
+            <a:schemeClr val="lt1"/>
+          </a:fontRef>
+        </p:style>
+        <p:txBody>
+          <a:bodyPr rtlCol="0" anchor="ctr"/>
+          <a:lstStyle/>
+          <a:p>
+            <a:pPr algn="ctr"/>
+            <a:r>
+              <a:rPr lang="fr-FR" sz="1200" dirty="0" err="1" smtClean="0">
+                <a:solidFill>
+                  <a:srgbClr val="000000"/>
+                </a:solidFill>
+                <a:latin typeface="Consolas"/>
+                <a:cs typeface="Consolas"/>
+              </a:rPr>
+              <a:t>Integrate</a:t>
+            </a:r>
+            <a:endParaRPr lang="fr-FR" sz="1200" dirty="0" smtClean="0">
+              <a:solidFill>
+                <a:srgbClr val="000000"/>
+              </a:solidFill>
+              <a:latin typeface="Consolas"/>
+              <a:cs typeface="Consolas"/>
+            </a:endParaRPr>
+          </a:p>
+          <a:p>
+            <a:pPr algn="ctr"/>
+            <a:r>
+              <a:rPr lang="fr-FR" sz="1200" dirty="0" smtClean="0">
+                <a:solidFill>
+                  <a:srgbClr val="000000"/>
+                </a:solidFill>
+                <a:latin typeface="Consolas"/>
+                <a:cs typeface="Consolas"/>
+              </a:rPr>
+              <a:t>SLA</a:t>
+            </a:r>
+            <a:endParaRPr lang="fr-FR" sz="1200" dirty="0">
+              <a:solidFill>
+                <a:srgbClr val="000000"/>
+              </a:solidFill>
+              <a:latin typeface="Consolas"/>
+              <a:cs typeface="Consolas"/>
+            </a:endParaRPr>
+          </a:p>
+        </p:txBody>
+      </p:sp>
+      <p:cxnSp>
+        <p:nvCxnSpPr>
+          <p:cNvPr id="11" name="Connecteur en angle 10"/>
+          <p:cNvCxnSpPr>
+            <a:stCxn id="4" idx="2"/>
+            <a:endCxn id="7" idx="1"/>
+          </p:cNvCxnSpPr>
+          <p:nvPr/>
+        </p:nvCxnSpPr>
+        <p:spPr>
+          <a:xfrm rot="16200000" flipH="1">
+            <a:off x="1592789" y="2569152"/>
+            <a:ext cx="660400" cy="170296"/>
+          </a:xfrm>
+          <a:prstGeom prst="bentConnector2">
+            <a:avLst/>
+          </a:prstGeom>
+          <a:ln>
+            <a:tailEnd type="arrow"/>
+          </a:ln>
+        </p:spPr>
+        <p:style>
+          <a:lnRef idx="2">
+            <a:schemeClr val="accent1"/>
+          </a:lnRef>
+          <a:fillRef idx="0">
+            <a:schemeClr val="accent1"/>
+          </a:fillRef>
+          <a:effectRef idx="1">
+            <a:schemeClr val="accent1"/>
+          </a:effectRef>
+          <a:fontRef idx="minor">
+            <a:schemeClr val="tx1"/>
+          </a:fontRef>
+        </p:style>
+      </p:cxnSp>
+      <p:cxnSp>
+        <p:nvCxnSpPr>
+          <p:cNvPr id="13" name="Connecteur en angle 12"/>
+          <p:cNvCxnSpPr>
+            <a:stCxn id="4" idx="2"/>
+            <a:endCxn id="9" idx="1"/>
+          </p:cNvCxnSpPr>
+          <p:nvPr/>
+        </p:nvCxnSpPr>
+        <p:spPr>
+          <a:xfrm rot="16200000" flipH="1">
+            <a:off x="1167339" y="2994602"/>
+            <a:ext cx="1485900" cy="144896"/>
+          </a:xfrm>
+          <a:prstGeom prst="bentConnector2">
+            <a:avLst/>
+          </a:prstGeom>
+          <a:ln>
+            <a:tailEnd type="arrow"/>
+          </a:ln>
+        </p:spPr>
+        <p:style>
+          <a:lnRef idx="2">
+            <a:schemeClr val="accent1"/>
+          </a:lnRef>
+          <a:fillRef idx="0">
+            <a:schemeClr val="accent1"/>
+          </a:fillRef>
+          <a:effectRef idx="1">
+            <a:schemeClr val="accent1"/>
+          </a:effectRef>
+          <a:fontRef idx="minor">
+            <a:schemeClr val="tx1"/>
+          </a:fontRef>
+        </p:style>
+      </p:cxnSp>
+      <p:sp>
+        <p:nvSpPr>
+          <p:cNvPr id="15" name="ZoneTexte 14"/>
+          <p:cNvSpPr txBox="1"/>
+          <p:nvPr/>
+        </p:nvSpPr>
+        <p:spPr>
+          <a:xfrm>
+            <a:off x="1349697" y="3073400"/>
+            <a:ext cx="403989" cy="276999"/>
+          </a:xfrm>
+          <a:prstGeom prst="rect">
+            <a:avLst/>
+          </a:prstGeom>
+          <a:noFill/>
+          <a:ln>
+            <a:solidFill>
+              <a:srgbClr val="18579B"/>
             </a:solidFill>
           </a:ln>
         </p:spPr>
         <p:txBody>
-          <a:bodyPr wrap="square">
+          <a:bodyPr wrap="square" rtlCol="0">
             <a:spAutoFit/>
           </a:bodyPr>
           <a:lstStyle/>
           <a:p>
-            <a:pPr marL="171450" indent="-171450">
-              <a:lnSpc>
-                <a:spcPct val="110000"/>
-              </a:lnSpc>
-              <a:buFont typeface="Arial"/>
-              <a:buChar char="•"/>
-            </a:pPr>
-            <a:r>
-              <a:rPr lang="fr-FR" sz="1050" b="1" dirty="0" smtClean="0">
+            <a:r>
+              <a:rPr lang="fr-FR" sz="1200" dirty="0" smtClean="0">
                 <a:latin typeface="Consolas"/>
                 <a:cs typeface="Consolas"/>
               </a:rPr>
-              <a:t>Q total </a:t>
-            </a:r>
-            <a:r>
-              <a:rPr lang="fr-FR" sz="1050" b="1" dirty="0" err="1" smtClean="0">
-                <a:latin typeface="Consolas"/>
-                <a:cs typeface="Consolas"/>
-              </a:rPr>
-              <a:t>cost</a:t>
-            </a:r>
-            <a:r>
-              <a:rPr lang="fr-FR" sz="1050" dirty="0" err="1" smtClean="0">
-                <a:latin typeface="Consolas"/>
-                <a:cs typeface="Consolas"/>
-              </a:rPr>
-              <a:t>:</a:t>
-            </a:r>
-            <a:r>
-              <a:rPr lang="fr-FR" sz="1050" dirty="0" err="1" smtClean="0">
-                <a:latin typeface="Symbol" charset="2"/>
-                <a:cs typeface="Symbol" charset="2"/>
-              </a:rPr>
-              <a:t>S</a:t>
-            </a:r>
-            <a:r>
-              <a:rPr lang="fr-FR" sz="1050" baseline="-25000" dirty="0" err="1" smtClean="0">
-                <a:latin typeface="Consolas"/>
-                <a:cs typeface="Consolas"/>
-              </a:rPr>
-              <a:t>i</a:t>
-            </a:r>
-            <a:r>
-              <a:rPr lang="fr-FR" sz="1050" baseline="-25000" dirty="0" smtClean="0">
-                <a:latin typeface="Consolas"/>
-                <a:cs typeface="Consolas"/>
-              </a:rPr>
-              <a:t>=1…n</a:t>
-            </a:r>
-            <a:r>
-              <a:rPr lang="fr-FR" sz="1050" dirty="0" smtClean="0">
-                <a:latin typeface="Consolas"/>
-                <a:cs typeface="Consolas"/>
-              </a:rPr>
-              <a:t> </a:t>
-            </a:r>
-            <a:r>
-              <a:rPr lang="fr-FR" sz="1050" dirty="0" err="1" smtClean="0">
-                <a:latin typeface="Consolas"/>
-                <a:cs typeface="Consolas"/>
-              </a:rPr>
-              <a:t>cost</a:t>
-            </a:r>
-            <a:r>
-              <a:rPr lang="fr-FR" sz="1050" dirty="0" smtClean="0">
-                <a:latin typeface="Consolas"/>
-                <a:cs typeface="Consolas"/>
-              </a:rPr>
-              <a:t>(s</a:t>
-            </a:r>
-            <a:r>
-              <a:rPr lang="fr-FR" sz="1050" baseline="-25000" dirty="0" smtClean="0">
-                <a:latin typeface="Consolas"/>
-                <a:cs typeface="Consolas"/>
-              </a:rPr>
-              <a:t>i</a:t>
-            </a:r>
-            <a:r>
-              <a:rPr lang="fr-FR" sz="1050" dirty="0" smtClean="0">
-                <a:latin typeface="Consolas"/>
-                <a:cs typeface="Consolas"/>
-              </a:rPr>
-              <a:t>) + </a:t>
-            </a:r>
-            <a:r>
-              <a:rPr lang="fr-FR" sz="1050" dirty="0">
-                <a:latin typeface="Consolas"/>
-                <a:cs typeface="Consolas"/>
-              </a:rPr>
-              <a:t>data </a:t>
-            </a:r>
-            <a:r>
-              <a:rPr lang="fr-FR" sz="1050" dirty="0" err="1" smtClean="0">
-                <a:latin typeface="Consolas"/>
-                <a:cs typeface="Consolas"/>
-              </a:rPr>
-              <a:t>transfer</a:t>
-            </a:r>
-            <a:r>
-              <a:rPr lang="fr-FR" sz="1050" dirty="0" smtClean="0">
-                <a:latin typeface="Consolas"/>
-                <a:cs typeface="Consolas"/>
-              </a:rPr>
-              <a:t> ≦ </a:t>
-            </a:r>
-            <a:r>
-              <a:rPr lang="fr-FR" sz="1050" dirty="0">
-                <a:latin typeface="Consolas"/>
-                <a:cs typeface="Consolas"/>
-              </a:rPr>
-              <a:t>$5</a:t>
-            </a:r>
-            <a:endParaRPr lang="fr-FR" sz="1050" dirty="0" smtClean="0">
+              <a:t>OR</a:t>
+            </a:r>
+            <a:endParaRPr lang="fr-FR" sz="1200" dirty="0">
               <a:latin typeface="Consolas"/>
               <a:cs typeface="Consolas"/>
             </a:endParaRPr>
           </a:p>
-          <a:p>
-            <a:pPr marL="171450" indent="-171450">
-              <a:lnSpc>
-                <a:spcPct val="110000"/>
-              </a:lnSpc>
-              <a:buFont typeface="Arial"/>
-              <a:buChar char="•"/>
-            </a:pPr>
-            <a:r>
-              <a:rPr lang="fr-FR" sz="1050" b="1" dirty="0" smtClean="0">
+        </p:txBody>
+      </p:sp>
+      <p:sp>
+        <p:nvSpPr>
+          <p:cNvPr id="16" name="Signalisation droite 15"/>
+          <p:cNvSpPr/>
+          <p:nvPr/>
+        </p:nvSpPr>
+        <p:spPr>
+          <a:xfrm>
+            <a:off x="4408437" y="2667000"/>
+            <a:ext cx="1611363" cy="584200"/>
+          </a:xfrm>
+          <a:prstGeom prst="homePlate">
+            <a:avLst/>
+          </a:prstGeom>
+          <a:solidFill>
+            <a:schemeClr val="bg2">
+              <a:lumMod val="90000"/>
+            </a:schemeClr>
+          </a:solidFill>
+        </p:spPr>
+        <p:style>
+          <a:lnRef idx="1">
+            <a:schemeClr val="accent1"/>
+          </a:lnRef>
+          <a:fillRef idx="3">
+            <a:schemeClr val="accent1"/>
+          </a:fillRef>
+          <a:effectRef idx="2">
+            <a:schemeClr val="accent1"/>
+          </a:effectRef>
+          <a:fontRef idx="minor">
+            <a:schemeClr val="lt1"/>
+          </a:fontRef>
+        </p:style>
+        <p:txBody>
+          <a:bodyPr rtlCol="0" anchor="ctr"/>
+          <a:lstStyle/>
+          <a:p>
+            <a:pPr algn="ctr"/>
+            <a:r>
+              <a:rPr lang="fr-FR" sz="1200" dirty="0" smtClean="0">
+                <a:solidFill>
+                  <a:srgbClr val="000000"/>
+                </a:solidFill>
                 <a:latin typeface="Consolas"/>
                 <a:cs typeface="Consolas"/>
               </a:rPr>
-              <a:t>Total </a:t>
-            </a:r>
-            <a:r>
-              <a:rPr lang="fr-FR" sz="1050" b="1" dirty="0" err="1" smtClean="0">
+              <a:t>Rewrite </a:t>
+            </a:r>
+            <a:r>
+              <a:rPr lang="fr-FR" sz="1200" dirty="0" err="1" smtClean="0">
+                <a:solidFill>
+                  <a:srgbClr val="000000"/>
+                </a:solidFill>
                 <a:latin typeface="Consolas"/>
                 <a:cs typeface="Consolas"/>
               </a:rPr>
-              <a:t>response</a:t>
-            </a:r>
-            <a:r>
-              <a:rPr lang="fr-FR" sz="1050" b="1" dirty="0" smtClean="0">
+              <a:t>query</a:t>
+            </a:r>
+            <a:r>
+              <a:rPr lang="fr-FR" sz="1200" dirty="0" smtClean="0">
+                <a:solidFill>
+                  <a:srgbClr val="000000"/>
+                </a:solidFill>
                 <a:latin typeface="Consolas"/>
                 <a:cs typeface="Consolas"/>
               </a:rPr>
-              <a:t> time</a:t>
-            </a:r>
-            <a:r>
-              <a:rPr lang="fr-FR" sz="1050" dirty="0" smtClean="0">
+              <a:t> </a:t>
+            </a:r>
+            <a:r>
+              <a:rPr lang="fr-FR" sz="1200" dirty="0" err="1" smtClean="0">
+                <a:solidFill>
+                  <a:srgbClr val="000000"/>
+                </a:solidFill>
                 <a:latin typeface="Consolas"/>
                 <a:cs typeface="Consolas"/>
               </a:rPr>
-              <a:t>: </a:t>
-            </a:r>
-            <a:r>
-              <a:rPr lang="fr-FR" sz="1050" dirty="0" smtClean="0">
-                <a:latin typeface="Symbol" charset="2"/>
-                <a:cs typeface="Symbol" charset="2"/>
-              </a:rPr>
-              <a:t>S</a:t>
-            </a:r>
-            <a:r>
-              <a:rPr lang="fr-FR" sz="1050" baseline="-25000" dirty="0" smtClean="0">
+              <a:t>with</a:t>
+            </a:r>
+            <a:r>
+              <a:rPr lang="fr-FR" sz="1200" dirty="0" smtClean="0">
+                <a:solidFill>
+                  <a:srgbClr val="000000"/>
+                </a:solidFill>
                 <a:latin typeface="Consolas"/>
                 <a:cs typeface="Consolas"/>
               </a:rPr>
-              <a:t>i</a:t>
-            </a:r>
-            <a:r>
-              <a:rPr lang="fr-FR" sz="1050" baseline="-25000" dirty="0">
+              <a:t> SLA </a:t>
+            </a:r>
+            <a:r>
+              <a:rPr lang="fr-FR" sz="1200" dirty="0" err="1" smtClean="0">
+                <a:solidFill>
+                  <a:srgbClr val="000000"/>
+                </a:solidFill>
                 <a:latin typeface="Consolas"/>
                 <a:cs typeface="Consolas"/>
               </a:rPr>
-              <a:t>=1…n</a:t>
-            </a:r>
-            <a:r>
-              <a:rPr lang="fr-FR" sz="1050" dirty="0">
-                <a:latin typeface="Consolas"/>
-                <a:cs typeface="Consolas"/>
-              </a:rPr>
-              <a:t> </a:t>
-            </a:r>
-            <a:r>
-              <a:rPr lang="fr-FR" sz="1050" dirty="0" err="1" smtClean="0">
-                <a:latin typeface="Consolas"/>
-                <a:cs typeface="Consolas"/>
-              </a:rPr>
-              <a:t>respTime</a:t>
-            </a:r>
-            <a:r>
-              <a:rPr lang="fr-FR" sz="1050" dirty="0" smtClean="0">
-                <a:latin typeface="Consolas"/>
-                <a:cs typeface="Consolas"/>
-              </a:rPr>
-              <a:t>(</a:t>
-            </a:r>
-            <a:r>
-              <a:rPr lang="fr-FR" sz="1050" dirty="0">
-                <a:latin typeface="Consolas"/>
-                <a:cs typeface="Consolas"/>
-              </a:rPr>
-              <a:t>s</a:t>
-            </a:r>
-            <a:r>
-              <a:rPr lang="fr-FR" sz="1050" baseline="-25000" dirty="0">
-                <a:latin typeface="Consolas"/>
-                <a:cs typeface="Consolas"/>
-              </a:rPr>
-              <a:t>i</a:t>
-            </a:r>
-            <a:r>
-              <a:rPr lang="fr-FR" sz="1050" dirty="0">
-                <a:latin typeface="Consolas"/>
-                <a:cs typeface="Consolas"/>
-              </a:rPr>
-              <a:t>) + data </a:t>
-            </a:r>
-            <a:r>
-              <a:rPr lang="fr-FR" sz="1050" dirty="0" err="1">
-                <a:latin typeface="Consolas"/>
-                <a:cs typeface="Consolas"/>
-              </a:rPr>
-              <a:t>transfer</a:t>
-            </a:r>
-            <a:r>
-              <a:rPr lang="fr-FR" sz="1050" dirty="0">
-                <a:latin typeface="Consolas"/>
-                <a:cs typeface="Consolas"/>
-              </a:rPr>
-              <a:t> ≦ $</a:t>
-            </a:r>
-            <a:r>
-              <a:rPr lang="fr-FR" sz="1050" dirty="0" smtClean="0">
-                <a:latin typeface="Consolas"/>
-                <a:cs typeface="Consolas"/>
-              </a:rPr>
-              <a:t>5 0,01 sec.</a:t>
-            </a:r>
-          </a:p>
-          <a:p>
-            <a:pPr marL="171450" indent="-171450">
-              <a:lnSpc>
-                <a:spcPct val="110000"/>
-              </a:lnSpc>
-              <a:buFont typeface="Arial"/>
-              <a:buChar char="•"/>
-            </a:pPr>
-            <a:r>
-              <a:rPr lang="fr-FR" sz="1050" b="1" dirty="0" err="1" smtClean="0">
-                <a:latin typeface="Consolas"/>
-                <a:cs typeface="Consolas"/>
-              </a:rPr>
-              <a:t>Availability</a:t>
-            </a:r>
-            <a:r>
-              <a:rPr lang="fr-FR" sz="1050" dirty="0" smtClean="0">
-                <a:latin typeface="Consolas"/>
-                <a:cs typeface="Consolas"/>
-              </a:rPr>
-              <a:t>: (of services </a:t>
-            </a:r>
-            <a:r>
-              <a:rPr lang="fr-FR" sz="1050" dirty="0" err="1" smtClean="0">
-                <a:latin typeface="Consolas"/>
-                <a:cs typeface="Consolas"/>
-              </a:rPr>
-              <a:t>involved</a:t>
-            </a:r>
-            <a:r>
-              <a:rPr lang="fr-FR" sz="1050" dirty="0">
-                <a:latin typeface="Consolas"/>
-                <a:cs typeface="Consolas"/>
-              </a:rPr>
-              <a:t>) ≦ </a:t>
-            </a:r>
-            <a:r>
-              <a:rPr lang="fr-FR" sz="1050" dirty="0" smtClean="0">
-                <a:latin typeface="Consolas"/>
-                <a:cs typeface="Consolas"/>
-              </a:rPr>
-              <a:t>90%</a:t>
-            </a:r>
-          </a:p>
-          <a:p>
-            <a:pPr marL="171450" indent="-171450">
-              <a:lnSpc>
-                <a:spcPct val="110000"/>
-              </a:lnSpc>
-              <a:buFont typeface="Arial"/>
-              <a:buChar char="•"/>
-            </a:pPr>
-            <a:r>
-              <a:rPr lang="fr-FR" sz="1050" b="1" dirty="0" err="1" smtClean="0">
-                <a:latin typeface="Consolas"/>
-                <a:cs typeface="Consolas"/>
-              </a:rPr>
-              <a:t>Freshness</a:t>
-            </a:r>
-            <a:r>
-              <a:rPr lang="fr-FR" sz="1050" dirty="0" smtClean="0">
-                <a:latin typeface="Consolas"/>
-                <a:cs typeface="Consolas"/>
-              </a:rPr>
-              <a:t>: non</a:t>
-            </a:r>
-          </a:p>
-          <a:p>
-            <a:pPr marL="171450" indent="-171450">
-              <a:lnSpc>
-                <a:spcPct val="110000"/>
-              </a:lnSpc>
-              <a:buFont typeface="Arial"/>
-              <a:buChar char="•"/>
-            </a:pPr>
-            <a:r>
-              <a:rPr lang="fr-FR" sz="1050" b="1" dirty="0" err="1" smtClean="0">
-                <a:latin typeface="Consolas"/>
-                <a:cs typeface="Consolas"/>
-              </a:rPr>
-              <a:t>Precision</a:t>
-            </a:r>
-            <a:r>
-              <a:rPr lang="fr-FR" sz="1050" dirty="0" smtClean="0">
-                <a:latin typeface="Consolas"/>
-                <a:cs typeface="Consolas"/>
-              </a:rPr>
-              <a:t>: </a:t>
-            </a:r>
-            <a:r>
-              <a:rPr lang="fr-FR" sz="1050" dirty="0" err="1" smtClean="0">
-                <a:latin typeface="Consolas"/>
-                <a:cs typeface="Consolas"/>
-              </a:rPr>
-              <a:t>avg</a:t>
-            </a:r>
-            <a:r>
-              <a:rPr lang="fr-FR" sz="1050" dirty="0" smtClean="0">
-                <a:latin typeface="Consolas"/>
-                <a:cs typeface="Consolas"/>
-              </a:rPr>
-              <a:t> </a:t>
-            </a:r>
-            <a:r>
-              <a:rPr lang="fr-FR" sz="1050" dirty="0" err="1" smtClean="0">
-                <a:latin typeface="Consolas"/>
-                <a:cs typeface="Consolas"/>
-              </a:rPr>
-              <a:t>precision</a:t>
-            </a:r>
-            <a:r>
-              <a:rPr lang="fr-FR" sz="1050" dirty="0" smtClean="0">
-                <a:latin typeface="Consolas"/>
-                <a:cs typeface="Consolas"/>
-              </a:rPr>
-              <a:t> of services </a:t>
-            </a:r>
-            <a:r>
-              <a:rPr lang="fr-FR" sz="1050" dirty="0" err="1" smtClean="0">
-                <a:latin typeface="Consolas"/>
-                <a:cs typeface="Consolas"/>
-              </a:rPr>
-              <a:t>involved</a:t>
-            </a:r>
-            <a:r>
-              <a:rPr lang="fr-FR" sz="1050" dirty="0">
-                <a:latin typeface="Consolas"/>
-                <a:cs typeface="Consolas"/>
-              </a:rPr>
-              <a:t> ≦ </a:t>
-            </a:r>
-            <a:r>
-              <a:rPr lang="fr-FR" sz="1050" dirty="0" smtClean="0">
-                <a:latin typeface="Consolas"/>
-                <a:cs typeface="Consolas"/>
-              </a:rPr>
-              <a:t>85%</a:t>
-            </a:r>
-          </a:p>
-          <a:p>
-            <a:pPr marL="171450" indent="-171450">
-              <a:lnSpc>
-                <a:spcPct val="110000"/>
-              </a:lnSpc>
-              <a:buFont typeface="Arial"/>
-              <a:buChar char="•"/>
-            </a:pPr>
-            <a:r>
-              <a:rPr lang="fr-FR" sz="1050" b="1" dirty="0" smtClean="0">
-                <a:latin typeface="Consolas"/>
-                <a:cs typeface="Consolas"/>
-              </a:rPr>
-              <a:t>Provenance</a:t>
-            </a:r>
-            <a:r>
-              <a:rPr lang="fr-FR" sz="1050" dirty="0" smtClean="0">
-                <a:latin typeface="Consolas"/>
-                <a:cs typeface="Consolas"/>
-              </a:rPr>
-              <a:t>: green services</a:t>
-            </a:r>
-          </a:p>
-          <a:p>
-            <a:pPr marL="171450" indent="-171450">
-              <a:lnSpc>
-                <a:spcPct val="110000"/>
-              </a:lnSpc>
-              <a:buFont typeface="Arial"/>
-              <a:buChar char="•"/>
-            </a:pPr>
-            <a:r>
-              <a:rPr lang="fr-FR" sz="1050" b="1" dirty="0" smtClean="0">
-                <a:latin typeface="Consolas"/>
-                <a:cs typeface="Consolas"/>
-              </a:rPr>
-              <a:t>Storage</a:t>
-            </a:r>
-            <a:r>
-              <a:rPr lang="fr-FR" sz="1050" dirty="0" smtClean="0">
-                <a:latin typeface="Consolas"/>
-                <a:cs typeface="Consolas"/>
-              </a:rPr>
-              <a:t>: partial </a:t>
-            </a:r>
-            <a:r>
-              <a:rPr lang="fr-FR" sz="1050" dirty="0" err="1" smtClean="0">
-                <a:latin typeface="Consolas"/>
-                <a:cs typeface="Consolas"/>
-              </a:rPr>
-              <a:t>results</a:t>
-            </a:r>
-            <a:r>
-              <a:rPr lang="fr-FR" sz="1050" dirty="0" smtClean="0">
-                <a:latin typeface="Consolas"/>
-                <a:cs typeface="Consolas"/>
-              </a:rPr>
-              <a:t> </a:t>
-            </a:r>
-            <a:r>
-              <a:rPr lang="fr-FR" sz="1050" dirty="0">
-                <a:latin typeface="Consolas"/>
-                <a:cs typeface="Consolas"/>
-              </a:rPr>
-              <a:t>size </a:t>
-            </a:r>
-            <a:r>
-              <a:rPr lang="fr-FR" sz="1050" dirty="0" smtClean="0">
-                <a:latin typeface="Consolas"/>
-                <a:cs typeface="Consolas"/>
-              </a:rPr>
-              <a:t>≦ 1 Giga</a:t>
-            </a:r>
-            <a:endParaRPr lang="fr-FR" sz="1050" dirty="0">
+              <a:t>constraints</a:t>
+            </a:r>
+            <a:endParaRPr lang="fr-FR" sz="1200" dirty="0">
+              <a:solidFill>
+                <a:srgbClr val="000000"/>
+              </a:solidFill>
               <a:latin typeface="Consolas"/>
               <a:cs typeface="Consolas"/>
             </a:endParaRPr>
+          </a:p>
+        </p:txBody>
+      </p:sp>
+      <p:cxnSp>
+        <p:nvCxnSpPr>
+          <p:cNvPr id="20" name="Connecteur en angle 19"/>
+          <p:cNvCxnSpPr>
+            <a:stCxn id="5" idx="2"/>
+            <a:endCxn id="16" idx="1"/>
+          </p:cNvCxnSpPr>
+          <p:nvPr/>
+        </p:nvCxnSpPr>
+        <p:spPr>
+          <a:xfrm rot="16200000" flipH="1">
+            <a:off x="4027184" y="2577847"/>
+            <a:ext cx="622300" cy="140206"/>
+          </a:xfrm>
+          <a:prstGeom prst="bentConnector2">
+            <a:avLst/>
+          </a:prstGeom>
+          <a:ln>
+            <a:tailEnd type="arrow"/>
+          </a:ln>
+        </p:spPr>
+        <p:style>
+          <a:lnRef idx="2">
+            <a:schemeClr val="accent1"/>
+          </a:lnRef>
+          <a:fillRef idx="0">
+            <a:schemeClr val="accent1"/>
+          </a:fillRef>
+          <a:effectRef idx="1">
+            <a:schemeClr val="accent1"/>
+          </a:effectRef>
+          <a:fontRef idx="minor">
+            <a:schemeClr val="tx1"/>
+          </a:fontRef>
+        </p:style>
+      </p:cxnSp>
+      <p:sp>
+        <p:nvSpPr>
+          <p:cNvPr id="21" name="Signalisation droite 20"/>
+          <p:cNvSpPr/>
+          <p:nvPr/>
+        </p:nvSpPr>
+        <p:spPr>
+          <a:xfrm>
+            <a:off x="4421137" y="3479800"/>
+            <a:ext cx="1611363" cy="584200"/>
+          </a:xfrm>
+          <a:prstGeom prst="homePlate">
+            <a:avLst/>
+          </a:prstGeom>
+          <a:solidFill>
+            <a:schemeClr val="bg2">
+              <a:lumMod val="90000"/>
+            </a:schemeClr>
+          </a:solidFill>
+        </p:spPr>
+        <p:style>
+          <a:lnRef idx="1">
+            <a:schemeClr val="accent1"/>
+          </a:lnRef>
+          <a:fillRef idx="3">
+            <a:schemeClr val="accent1"/>
+          </a:fillRef>
+          <a:effectRef idx="2">
+            <a:schemeClr val="accent1"/>
+          </a:effectRef>
+          <a:fontRef idx="minor">
+            <a:schemeClr val="lt1"/>
+          </a:fontRef>
+        </p:style>
+        <p:txBody>
+          <a:bodyPr rtlCol="0" anchor="ctr"/>
+          <a:lstStyle/>
+          <a:p>
+            <a:pPr algn="ctr"/>
+            <a:r>
+              <a:rPr lang="fr-FR" sz="1200" dirty="0" smtClean="0">
+                <a:solidFill>
+                  <a:srgbClr val="000000"/>
+                </a:solidFill>
+                <a:latin typeface="Consolas"/>
+                <a:cs typeface="Consolas"/>
+              </a:rPr>
+              <a:t>Store </a:t>
+            </a:r>
+            <a:r>
+              <a:rPr lang="fr-FR" sz="1200" dirty="0" err="1" smtClean="0">
+                <a:solidFill>
+                  <a:srgbClr val="000000"/>
+                </a:solidFill>
+                <a:latin typeface="Consolas"/>
+                <a:cs typeface="Consolas"/>
+              </a:rPr>
+              <a:t>rewriten</a:t>
+            </a:r>
+            <a:r>
+              <a:rPr lang="fr-FR" sz="1200" dirty="0" smtClean="0">
+                <a:solidFill>
+                  <a:srgbClr val="000000"/>
+                </a:solidFill>
+                <a:latin typeface="Consolas"/>
+                <a:cs typeface="Consolas"/>
+              </a:rPr>
+              <a:t> </a:t>
+            </a:r>
+            <a:r>
+              <a:rPr lang="fr-FR" sz="1200" dirty="0" err="1" smtClean="0">
+                <a:solidFill>
+                  <a:srgbClr val="000000"/>
+                </a:solidFill>
+                <a:latin typeface="Consolas"/>
+                <a:cs typeface="Consolas"/>
+              </a:rPr>
+              <a:t>queries</a:t>
+            </a:r>
+            <a:endParaRPr lang="fr-FR" sz="1200" dirty="0">
+              <a:solidFill>
+                <a:srgbClr val="000000"/>
+              </a:solidFill>
+              <a:latin typeface="Consolas"/>
+              <a:cs typeface="Consolas"/>
+            </a:endParaRPr>
+          </a:p>
+        </p:txBody>
+      </p:sp>
+      <p:sp>
+        <p:nvSpPr>
+          <p:cNvPr id="22" name="ZoneTexte 21"/>
+          <p:cNvSpPr txBox="1"/>
+          <p:nvPr/>
+        </p:nvSpPr>
+        <p:spPr>
+          <a:xfrm>
+            <a:off x="3181138" y="1524000"/>
+            <a:ext cx="1760778" cy="307777"/>
+          </a:xfrm>
+          <a:prstGeom prst="rect">
+            <a:avLst/>
+          </a:prstGeom>
+          <a:noFill/>
+        </p:spPr>
+        <p:txBody>
+          <a:bodyPr wrap="square" rtlCol="0">
+            <a:spAutoFit/>
+          </a:bodyPr>
+          <a:lstStyle/>
+          <a:p>
+            <a:r>
+              <a:rPr lang="fr-FR" dirty="0" err="1" smtClean="0">
+                <a:latin typeface="Consolas"/>
+                <a:cs typeface="Consolas"/>
+              </a:rPr>
+              <a:t>Query</a:t>
+            </a:r>
+            <a:r>
+              <a:rPr lang="fr-FR" dirty="0" smtClean="0">
+                <a:latin typeface="Consolas"/>
+                <a:cs typeface="Consolas"/>
+              </a:rPr>
+              <a:t> rewriting</a:t>
+            </a:r>
+            <a:endParaRPr lang="fr-FR" dirty="0">
+              <a:latin typeface="Consolas"/>
+              <a:cs typeface="Consolas"/>
+            </a:endParaRPr>
+          </a:p>
+        </p:txBody>
+      </p:sp>
+      <p:cxnSp>
+        <p:nvCxnSpPr>
+          <p:cNvPr id="23" name="Connecteur en angle 22"/>
+          <p:cNvCxnSpPr>
+            <a:stCxn id="5" idx="2"/>
+            <a:endCxn id="21" idx="1"/>
+          </p:cNvCxnSpPr>
+          <p:nvPr/>
+        </p:nvCxnSpPr>
+        <p:spPr>
+          <a:xfrm rot="16200000" flipH="1">
+            <a:off x="3627134" y="2977897"/>
+            <a:ext cx="1435100" cy="152906"/>
+          </a:xfrm>
+          <a:prstGeom prst="bentConnector2">
+            <a:avLst/>
+          </a:prstGeom>
+          <a:ln>
+            <a:tailEnd type="arrow"/>
+          </a:ln>
+        </p:spPr>
+        <p:style>
+          <a:lnRef idx="2">
+            <a:schemeClr val="accent1"/>
+          </a:lnRef>
+          <a:fillRef idx="0">
+            <a:schemeClr val="accent1"/>
+          </a:fillRef>
+          <a:effectRef idx="1">
+            <a:schemeClr val="accent1"/>
+          </a:effectRef>
+          <a:fontRef idx="minor">
+            <a:schemeClr val="tx1"/>
+          </a:fontRef>
+        </p:style>
+      </p:cxnSp>
+      <p:sp>
+        <p:nvSpPr>
+          <p:cNvPr id="26" name="ZoneTexte 25"/>
+          <p:cNvSpPr txBox="1"/>
+          <p:nvPr/>
+        </p:nvSpPr>
+        <p:spPr>
+          <a:xfrm>
+            <a:off x="3693539" y="3048000"/>
+            <a:ext cx="508357" cy="276999"/>
+          </a:xfrm>
+          <a:prstGeom prst="rect">
+            <a:avLst/>
+          </a:prstGeom>
+          <a:noFill/>
+          <a:ln>
+            <a:solidFill>
+              <a:srgbClr val="18579B"/>
+            </a:solidFill>
+          </a:ln>
+        </p:spPr>
+        <p:txBody>
+          <a:bodyPr wrap="square" rtlCol="0">
+            <a:spAutoFit/>
+          </a:bodyPr>
+          <a:lstStyle/>
+          <a:p>
+            <a:r>
+              <a:rPr lang="fr-FR" sz="1200" dirty="0" smtClean="0">
+                <a:latin typeface="Consolas"/>
+                <a:cs typeface="Consolas"/>
+              </a:rPr>
+              <a:t>SEQ</a:t>
+            </a:r>
+            <a:endParaRPr lang="fr-FR" sz="1200" dirty="0">
+              <a:latin typeface="Consolas"/>
+              <a:cs typeface="Consolas"/>
+            </a:endParaRPr>
+          </a:p>
+        </p:txBody>
+      </p:sp>
+      <p:sp>
+        <p:nvSpPr>
+          <p:cNvPr id="27" name="Signalisation droite 26"/>
+          <p:cNvSpPr/>
+          <p:nvPr/>
+        </p:nvSpPr>
+        <p:spPr>
+          <a:xfrm>
+            <a:off x="6808737" y="2692400"/>
+            <a:ext cx="1611363" cy="584200"/>
+          </a:xfrm>
+          <a:prstGeom prst="homePlate">
+            <a:avLst/>
+          </a:prstGeom>
+          <a:solidFill>
+            <a:schemeClr val="bg2">
+              <a:lumMod val="90000"/>
+            </a:schemeClr>
+          </a:solidFill>
+        </p:spPr>
+        <p:style>
+          <a:lnRef idx="1">
+            <a:schemeClr val="accent1"/>
+          </a:lnRef>
+          <a:fillRef idx="3">
+            <a:schemeClr val="accent1"/>
+          </a:fillRef>
+          <a:effectRef idx="2">
+            <a:schemeClr val="accent1"/>
+          </a:effectRef>
+          <a:fontRef idx="minor">
+            <a:schemeClr val="lt1"/>
+          </a:fontRef>
+        </p:style>
+        <p:txBody>
+          <a:bodyPr rtlCol="0" anchor="ctr"/>
+          <a:lstStyle/>
+          <a:p>
+            <a:pPr algn="ctr"/>
+            <a:r>
+              <a:rPr lang="fr-FR" sz="1200" dirty="0" smtClean="0">
+                <a:solidFill>
+                  <a:srgbClr val="000000"/>
+                </a:solidFill>
+                <a:latin typeface="Consolas"/>
+                <a:cs typeface="Consolas"/>
+              </a:rPr>
+              <a:t>SLA </a:t>
+            </a:r>
+            <a:r>
+              <a:rPr lang="fr-FR" sz="1200" dirty="0" err="1" smtClean="0">
+                <a:solidFill>
+                  <a:srgbClr val="000000"/>
+                </a:solidFill>
+                <a:latin typeface="Consolas"/>
+                <a:cs typeface="Consolas"/>
+              </a:rPr>
+              <a:t>guided</a:t>
+            </a:r>
+            <a:endParaRPr lang="fr-FR" sz="1200" dirty="0" smtClean="0">
+              <a:solidFill>
+                <a:srgbClr val="000000"/>
+              </a:solidFill>
+              <a:latin typeface="Consolas"/>
+              <a:cs typeface="Consolas"/>
+            </a:endParaRPr>
+          </a:p>
+          <a:p>
+            <a:pPr algn="ctr"/>
+            <a:r>
+              <a:rPr lang="fr-FR" sz="1200" dirty="0" err="1">
+                <a:solidFill>
+                  <a:srgbClr val="000000"/>
+                </a:solidFill>
+                <a:latin typeface="Consolas"/>
+                <a:cs typeface="Consolas"/>
+              </a:rPr>
+              <a:t>o</a:t>
+            </a:r>
+            <a:r>
+              <a:rPr lang="fr-FR" sz="1200" dirty="0" err="1" smtClean="0">
+                <a:solidFill>
+                  <a:srgbClr val="000000"/>
+                </a:solidFill>
+                <a:latin typeface="Consolas"/>
+                <a:cs typeface="Consolas"/>
+              </a:rPr>
+              <a:t>ptimization</a:t>
+            </a:r>
+            <a:endParaRPr lang="fr-FR" sz="1200" dirty="0">
+              <a:solidFill>
+                <a:srgbClr val="000000"/>
+              </a:solidFill>
+              <a:latin typeface="Consolas"/>
+              <a:cs typeface="Consolas"/>
+            </a:endParaRPr>
+          </a:p>
+        </p:txBody>
+      </p:sp>
+      <p:sp>
+        <p:nvSpPr>
+          <p:cNvPr id="28" name="Signalisation droite 27"/>
+          <p:cNvSpPr/>
+          <p:nvPr/>
+        </p:nvSpPr>
+        <p:spPr>
+          <a:xfrm>
+            <a:off x="6846837" y="3505200"/>
+            <a:ext cx="1611363" cy="584200"/>
+          </a:xfrm>
+          <a:prstGeom prst="homePlate">
+            <a:avLst/>
+          </a:prstGeom>
+          <a:solidFill>
+            <a:schemeClr val="bg2">
+              <a:lumMod val="90000"/>
+            </a:schemeClr>
+          </a:solidFill>
+        </p:spPr>
+        <p:style>
+          <a:lnRef idx="1">
+            <a:schemeClr val="accent1"/>
+          </a:lnRef>
+          <a:fillRef idx="3">
+            <a:schemeClr val="accent1"/>
+          </a:fillRef>
+          <a:effectRef idx="2">
+            <a:schemeClr val="accent1"/>
+          </a:effectRef>
+          <a:fontRef idx="minor">
+            <a:schemeClr val="lt1"/>
+          </a:fontRef>
+        </p:style>
+        <p:txBody>
+          <a:bodyPr rtlCol="0" anchor="ctr"/>
+          <a:lstStyle/>
+          <a:p>
+            <a:pPr algn="ctr"/>
+            <a:r>
+              <a:rPr lang="fr-FR" sz="1200" dirty="0" err="1" smtClean="0">
+                <a:solidFill>
+                  <a:srgbClr val="000000"/>
+                </a:solidFill>
+                <a:latin typeface="Consolas"/>
+                <a:cs typeface="Consolas"/>
+              </a:rPr>
+              <a:t>Execution</a:t>
+            </a:r>
+            <a:endParaRPr lang="fr-FR" sz="1200" dirty="0">
+              <a:solidFill>
+                <a:srgbClr val="000000"/>
+              </a:solidFill>
+              <a:latin typeface="Consolas"/>
+              <a:cs typeface="Consolas"/>
+            </a:endParaRPr>
+          </a:p>
+        </p:txBody>
+      </p:sp>
+      <p:cxnSp>
+        <p:nvCxnSpPr>
+          <p:cNvPr id="29" name="Connecteur en angle 28"/>
+          <p:cNvCxnSpPr>
+            <a:stCxn id="6" idx="2"/>
+            <a:endCxn id="27" idx="1"/>
+          </p:cNvCxnSpPr>
+          <p:nvPr/>
+        </p:nvCxnSpPr>
+        <p:spPr>
+          <a:xfrm rot="16200000" flipH="1">
+            <a:off x="6446534" y="2622297"/>
+            <a:ext cx="635000" cy="89406"/>
+          </a:xfrm>
+          <a:prstGeom prst="bentConnector2">
+            <a:avLst/>
+          </a:prstGeom>
+          <a:ln>
+            <a:tailEnd type="arrow"/>
+          </a:ln>
+        </p:spPr>
+        <p:style>
+          <a:lnRef idx="2">
+            <a:schemeClr val="accent1"/>
+          </a:lnRef>
+          <a:fillRef idx="0">
+            <a:schemeClr val="accent1"/>
+          </a:fillRef>
+          <a:effectRef idx="1">
+            <a:schemeClr val="accent1"/>
+          </a:effectRef>
+          <a:fontRef idx="minor">
+            <a:schemeClr val="tx1"/>
+          </a:fontRef>
+        </p:style>
+      </p:cxnSp>
+      <p:cxnSp>
+        <p:nvCxnSpPr>
+          <p:cNvPr id="33" name="Connecteur en angle 32"/>
+          <p:cNvCxnSpPr>
+            <a:stCxn id="6" idx="2"/>
+            <a:endCxn id="28" idx="1"/>
+          </p:cNvCxnSpPr>
+          <p:nvPr/>
+        </p:nvCxnSpPr>
+        <p:spPr>
+          <a:xfrm rot="16200000" flipH="1">
+            <a:off x="6059184" y="3009647"/>
+            <a:ext cx="1447800" cy="127506"/>
+          </a:xfrm>
+          <a:prstGeom prst="bentConnector2">
+            <a:avLst/>
+          </a:prstGeom>
+          <a:ln>
+            <a:tailEnd type="arrow"/>
+          </a:ln>
+        </p:spPr>
+        <p:style>
+          <a:lnRef idx="2">
+            <a:schemeClr val="accent1"/>
+          </a:lnRef>
+          <a:fillRef idx="0">
+            <a:schemeClr val="accent1"/>
+          </a:fillRef>
+          <a:effectRef idx="1">
+            <a:schemeClr val="accent1"/>
+          </a:effectRef>
+          <a:fontRef idx="minor">
+            <a:schemeClr val="tx1"/>
+          </a:fontRef>
+        </p:style>
+      </p:cxnSp>
+      <p:sp>
+        <p:nvSpPr>
+          <p:cNvPr id="36" name="ZoneTexte 35"/>
+          <p:cNvSpPr txBox="1"/>
+          <p:nvPr/>
+        </p:nvSpPr>
+        <p:spPr>
+          <a:xfrm>
+            <a:off x="6157339" y="3048000"/>
+            <a:ext cx="508357" cy="276999"/>
+          </a:xfrm>
+          <a:prstGeom prst="rect">
+            <a:avLst/>
+          </a:prstGeom>
+          <a:noFill/>
+          <a:ln>
+            <a:solidFill>
+              <a:srgbClr val="18579B"/>
+            </a:solidFill>
+          </a:ln>
+        </p:spPr>
+        <p:txBody>
+          <a:bodyPr wrap="square" rtlCol="0">
+            <a:spAutoFit/>
+          </a:bodyPr>
+          <a:lstStyle/>
+          <a:p>
+            <a:r>
+              <a:rPr lang="fr-FR" sz="1200" dirty="0" smtClean="0">
+                <a:latin typeface="Consolas"/>
+                <a:cs typeface="Consolas"/>
+              </a:rPr>
+              <a:t>SEQ</a:t>
+            </a:r>
+            <a:endParaRPr lang="fr-FR" sz="1200" dirty="0">
+              <a:latin typeface="Consolas"/>
+              <a:cs typeface="Consolas"/>
+            </a:endParaRPr>
+          </a:p>
+        </p:txBody>
+      </p:sp>
+      <p:sp>
+        <p:nvSpPr>
+          <p:cNvPr id="37" name="Signalisation droite 36"/>
+          <p:cNvSpPr/>
+          <p:nvPr/>
+        </p:nvSpPr>
+        <p:spPr>
+          <a:xfrm>
+            <a:off x="330200" y="4445000"/>
+            <a:ext cx="8432800" cy="444500"/>
+          </a:xfrm>
+          <a:prstGeom prst="homePlate">
+            <a:avLst/>
+          </a:prstGeom>
+          <a:noFill/>
+          <a:ln>
+            <a:solidFill>
+              <a:schemeClr val="tx1">
+                <a:lumMod val="65000"/>
+                <a:lumOff val="35000"/>
+              </a:schemeClr>
+            </a:solidFill>
+            <a:prstDash val="solid"/>
+          </a:ln>
+          <a:effectLst/>
+        </p:spPr>
+        <p:style>
+          <a:lnRef idx="1">
+            <a:schemeClr val="accent1"/>
+          </a:lnRef>
+          <a:fillRef idx="3">
+            <a:schemeClr val="accent1"/>
+          </a:fillRef>
+          <a:effectRef idx="2">
+            <a:schemeClr val="accent1"/>
+          </a:effectRef>
+          <a:fontRef idx="minor">
+            <a:schemeClr val="lt1"/>
+          </a:fontRef>
+        </p:style>
+        <p:txBody>
+          <a:bodyPr rtlCol="0" anchor="ctr"/>
+          <a:lstStyle/>
+          <a:p>
+            <a:pPr algn="ctr"/>
+            <a:r>
+              <a:rPr lang="fr-FR" dirty="0" smtClean="0">
+                <a:solidFill>
+                  <a:srgbClr val="000000"/>
+                </a:solidFill>
+                <a:latin typeface="Consolas"/>
+                <a:cs typeface="Consolas"/>
+              </a:rPr>
+              <a:t>Monitoring</a:t>
+            </a:r>
+            <a:endParaRPr lang="fr-FR" dirty="0">
+              <a:solidFill>
+                <a:srgbClr val="000000"/>
+              </a:solidFill>
+              <a:latin typeface="Consolas"/>
+              <a:cs typeface="Consolas"/>
+            </a:endParaRPr>
+          </a:p>
+        </p:txBody>
+      </p:sp>
+      <p:sp>
+        <p:nvSpPr>
+          <p:cNvPr id="38" name="Signalisation droite 37"/>
+          <p:cNvSpPr/>
+          <p:nvPr/>
+        </p:nvSpPr>
+        <p:spPr>
+          <a:xfrm>
+            <a:off x="325912" y="3949700"/>
+            <a:ext cx="1401288" cy="419100"/>
+          </a:xfrm>
+          <a:prstGeom prst="homePlate">
+            <a:avLst/>
+          </a:prstGeom>
+          <a:solidFill>
+            <a:schemeClr val="bg1">
+              <a:lumMod val="85000"/>
+            </a:schemeClr>
+          </a:solidFill>
+          <a:ln>
+            <a:solidFill>
+              <a:schemeClr val="bg1">
+                <a:lumMod val="75000"/>
+              </a:schemeClr>
+            </a:solidFill>
+          </a:ln>
+        </p:spPr>
+        <p:style>
+          <a:lnRef idx="1">
+            <a:schemeClr val="accent1"/>
+          </a:lnRef>
+          <a:fillRef idx="3">
+            <a:schemeClr val="accent1"/>
+          </a:fillRef>
+          <a:effectRef idx="2">
+            <a:schemeClr val="accent1"/>
+          </a:effectRef>
+          <a:fontRef idx="minor">
+            <a:schemeClr val="lt1"/>
+          </a:fontRef>
+        </p:style>
+        <p:txBody>
+          <a:bodyPr rtlCol="0" anchor="ctr"/>
+          <a:lstStyle/>
+          <a:p>
+            <a:pPr algn="ctr"/>
+            <a:r>
+              <a:rPr lang="fr-FR" dirty="0" smtClean="0">
+                <a:solidFill>
+                  <a:srgbClr val="000000"/>
+                </a:solidFill>
+                <a:latin typeface="Consolas"/>
+                <a:cs typeface="Consolas"/>
+              </a:rPr>
+              <a:t>SLA</a:t>
+            </a:r>
+          </a:p>
+          <a:p>
+            <a:pPr algn="ctr"/>
+            <a:r>
+              <a:rPr lang="fr-FR" dirty="0" smtClean="0">
+                <a:solidFill>
+                  <a:srgbClr val="000000"/>
+                </a:solidFill>
+                <a:latin typeface="Consolas"/>
+                <a:cs typeface="Consolas"/>
+              </a:rPr>
+              <a:t>management</a:t>
+            </a:r>
           </a:p>
         </p:txBody>
       </p:sp>
     </p:spTree>
     <p:extLst>
       <p:ext uri="{BB962C8B-B14F-4D97-AF65-F5344CB8AC3E}">
-        <p14:creationId xmlns:p14="http://schemas.microsoft.com/office/powerpoint/2010/main" val="2160535605"/>
+        <p14:creationId xmlns:p14="http://schemas.microsoft.com/office/powerpoint/2010/main" val="3907670752"/>
       </p:ext>
     </p:extLst>
   </p:cSld>
   <p:clrMapOvr>
     <a:masterClrMapping/>
   </p:clrMapOvr>
+  <mc:AlternateContent xmlns:mc="http://schemas.openxmlformats.org/markup-compatibility/2006">
+    <mc:Choice xmlns:p14="http://schemas.microsoft.com/office/powerpoint/2010/main" Requires="p14">
+      <p:transition spd="slow" p14:dur="2000"/>
+    </mc:Choice>
+    <mc:Fallback>
+      <p:transition xmlns:p14="http://schemas.microsoft.com/office/powerpoint/2010/main" spd="slow"/>
+    </mc:Fallback>
+  </mc:AlternateContent>
   <p:timing>
     <p:tnLst>
       <p:par>
-        <p:cTn xmlns:p14="http://schemas.microsoft.com/office/powerpoint/2010/main" id="1" dur="indefinite" restart="never" nodeType="tmRoot">
-          <p:childTnLst>
-            <p:seq concurrent="1" nextAc="seek">
-              <p:cTn id="2" dur="indefinite" nodeType="mainSeq">
-                <p:childTnLst>
-                  <p:par>
-                    <p:cTn id="3" fill="hold">
-                      <p:stCondLst>
-                        <p:cond delay="indefinite"/>
-                      </p:stCondLst>
-                      <p:childTnLst>
-                        <p:par>
-                          <p:cTn id="4" fill="hold">
-                            <p:stCondLst>
-                              <p:cond delay="0"/>
-                            </p:stCondLst>
-                            <p:childTnLst>
-                              <p:par>
-                                <p:cTn id="5" presetID="5" presetClass="entr" presetSubtype="10" fill="hold" nodeType="clickEffect">
-                                  <p:stCondLst>
-                                    <p:cond delay="0"/>
-                                  </p:stCondLst>
-                                  <p:childTnLst>
-                                    <p:set>
-                                      <p:cBhvr>
-                                        <p:cTn id="6" dur="1" fill="hold">
-                                          <p:stCondLst>
-                                            <p:cond delay="0"/>
-                                          </p:stCondLst>
-                                        </p:cTn>
-                                        <p:tgtEl>
-                                          <p:spTgt spid="4"/>
-                                        </p:tgtEl>
-                                        <p:attrNameLst>
-                                          <p:attrName>style.visibility</p:attrName>
-                                        </p:attrNameLst>
-                                      </p:cBhvr>
-                                      <p:to>
-                                        <p:strVal val="visible"/>
-                                      </p:to>
-                                    </p:set>
-                                    <p:animEffect transition="in" filter="checkerboard(across)">
-                                      <p:cBhvr>
-                                        <p:cTn id="7" dur="500"/>
-                                        <p:tgtEl>
-                                          <p:spTgt spid="4"/>
-                                        </p:tgtEl>
-                                      </p:cBhvr>
-                                    </p:animEffect>
-                                  </p:childTnLst>
-                                </p:cTn>
-                              </p:par>
-                            </p:childTnLst>
-                          </p:cTn>
-                        </p:par>
-                      </p:childTnLst>
-                    </p:cTn>
-                  </p:par>
-                  <p:par>
-                    <p:cTn id="8" fill="hold">
-                      <p:stCondLst>
-                        <p:cond delay="indefinite"/>
-                      </p:stCondLst>
-                      <p:childTnLst>
-                        <p:par>
-                          <p:cTn id="9" fill="hold">
-                            <p:stCondLst>
-                              <p:cond delay="0"/>
-                            </p:stCondLst>
-                            <p:childTnLst>
-                              <p:par>
-                                <p:cTn id="10" presetID="1" presetClass="entr" presetSubtype="0" fill="hold" grpId="0" nodeType="clickEffect">
-                                  <p:stCondLst>
-                                    <p:cond delay="0"/>
-                                  </p:stCondLst>
-                                  <p:childTnLst>
-                                    <p:set>
-                                      <p:cBhvr>
-                                        <p:cTn id="11" dur="1" fill="hold">
-                                          <p:stCondLst>
-                                            <p:cond delay="0"/>
-                                          </p:stCondLst>
-                                        </p:cTn>
-                                        <p:tgtEl>
-                                          <p:spTgt spid="14"/>
-                                        </p:tgtEl>
-                                        <p:attrNameLst>
-                                          <p:attrName>style.visibility</p:attrName>
-                                        </p:attrNameLst>
-                                      </p:cBhvr>
-                                      <p:to>
-                                        <p:strVal val="visible"/>
-                                      </p:to>
-                                    </p:set>
-                                  </p:childTnLst>
-                                </p:cTn>
-                              </p:par>
-                            </p:childTnLst>
-                          </p:cTn>
-                        </p:par>
-                      </p:childTnLst>
-                    </p:cTn>
-                  </p:par>
-                </p:childTnLst>
-              </p:cTn>
-              <p:prevCondLst>
-                <p:cond evt="onPrev" delay="0">
-                  <p:tgtEl>
-                    <p:sldTgt/>
-                  </p:tgtEl>
-                </p:cond>
-              </p:prevCondLst>
-              <p:nextCondLst>
-                <p:cond evt="onNext" delay="0">
-                  <p:tgtEl>
-                    <p:sldTgt/>
-                  </p:tgtEl>
-                </p:cond>
-              </p:nextCondLst>
-            </p:seq>
-          </p:childTnLst>
-        </p:cTn>
+        <p:cTn xmlns:p14="http://schemas.microsoft.com/office/powerpoint/2010/main" id="1" dur="indefinite" restart="never" nodeType="tmRoot"/>
       </p:par>
     </p:tnLst>
-    <p:bldLst>
-      <p:bldP spid="14" grpId="0" animBg="1"/>
-    </p:bldLst>
   </p:timing>
 </p:sld>
 </file>

--- a/Journee-ARC6/cloud-benani-vargas-ghedira-musicante.pptx
+++ b/Journee-ARC6/cloud-benani-vargas-ghedira-musicante.pptx
@@ -869,7 +869,7 @@
           <a:bodyPr/>
           <a:lstStyle/>
           <a:p>
-            <a:endParaRPr lang="en-GB"/>
+            <a:endParaRPr lang="en-GB" dirty="0"/>
           </a:p>
         </p:txBody>
       </p:sp>

--- a/Journee-ARC6/cloud-benani-vargas-ghedira-musicante.pptx
+++ b/Journee-ARC6/cloud-benani-vargas-ghedira-musicante.pptx
@@ -5,10 +5,10 @@
     <p:sldMasterId id="2147483819" r:id="rId1"/>
   </p:sldMasterIdLst>
   <p:notesMasterIdLst>
-    <p:notesMasterId r:id="rId14"/>
+    <p:notesMasterId r:id="rId15"/>
   </p:notesMasterIdLst>
   <p:handoutMasterIdLst>
-    <p:handoutMasterId r:id="rId15"/>
+    <p:handoutMasterId r:id="rId16"/>
   </p:handoutMasterIdLst>
   <p:sldIdLst>
     <p:sldId id="256" r:id="rId2"/>
@@ -20,9 +20,10 @@
     <p:sldId id="395" r:id="rId8"/>
     <p:sldId id="351" r:id="rId9"/>
     <p:sldId id="396" r:id="rId10"/>
-    <p:sldId id="385" r:id="rId11"/>
-    <p:sldId id="386" r:id="rId12"/>
-    <p:sldId id="376" r:id="rId13"/>
+    <p:sldId id="398" r:id="rId11"/>
+    <p:sldId id="397" r:id="rId12"/>
+    <p:sldId id="386" r:id="rId13"/>
+    <p:sldId id="376" r:id="rId14"/>
   </p:sldIdLst>
   <p:sldSz cx="9144000" cy="5143500" type="screen16x9"/>
   <p:notesSz cx="6858000" cy="9144000"/>
@@ -222,7 +223,7 @@
           <a:p>
             <a:fld id="{A77E57C5-5813-5747-A65D-14904BC3B28A}" type="datetimeFigureOut">
               <a:rPr lang="fr-FR" smtClean="0"/>
-              <a:t>05/06/2014</a:t>
+              <a:t>13/06/2014</a:t>
             </a:fld>
             <a:endParaRPr lang="es-ES_tradnl"/>
           </a:p>
@@ -388,7 +389,7 @@
           <a:p>
             <a:fld id="{80840C0A-9A0E-6F48-97E1-1968C32D5906}" type="datetimeFigureOut">
               <a:rPr lang="fr-FR" smtClean="0"/>
-              <a:t>05/06/2014</a:t>
+              <a:t>13/06/2014</a:t>
             </a:fld>
             <a:endParaRPr lang="es-ES_tradnl"/>
           </a:p>
@@ -701,7 +702,21 @@
           <a:bodyPr/>
           <a:lstStyle/>
           <a:p>
-            <a:endParaRPr lang="en-US"/>
+            <a:r>
+              <a:rPr lang="en-US" dirty="0" smtClean="0"/>
+              <a:t>Good afternoon.</a:t>
+            </a:r>
+            <a:r>
+              <a:rPr lang="en-US" baseline="0" dirty="0" smtClean="0"/>
+              <a:t> It is my pleasure to present our work concerning data integration on cloud environments guided by service level agreements.</a:t>
+            </a:r>
+          </a:p>
+          <a:p>
+            <a:r>
+              <a:rPr lang="en-US" baseline="0" dirty="0" smtClean="0"/>
+              <a:t>To illustrate our ideas I will use throughout the presentation the following example.</a:t>
+            </a:r>
+            <a:endParaRPr lang="en-US" dirty="0"/>
           </a:p>
         </p:txBody>
       </p:sp>
@@ -732,6 +747,174 @@
     <p:extLst>
       <p:ext uri="{BB962C8B-B14F-4D97-AF65-F5344CB8AC3E}">
         <p14:creationId xmlns:p14="http://schemas.microsoft.com/office/powerpoint/2010/main" val="3708121212"/>
+      </p:ext>
+    </p:extLst>
+  </p:cSld>
+  <p:clrMapOvr>
+    <a:masterClrMapping/>
+  </p:clrMapOvr>
+</p:notes>
+</file>
+
+<file path=ppt/notesSlides/notesSlide10.xml><?xml version="1.0" encoding="utf-8"?>
+<p:notes xmlns:a="http://schemas.openxmlformats.org/drawingml/2006/main" xmlns:r="http://schemas.openxmlformats.org/officeDocument/2006/relationships" xmlns:p="http://schemas.openxmlformats.org/presentationml/2006/main">
+  <p:cSld>
+    <p:spTree>
+      <p:nvGrpSpPr>
+        <p:cNvPr id="1" name=""/>
+        <p:cNvGrpSpPr/>
+        <p:nvPr/>
+      </p:nvGrpSpPr>
+      <p:grpSpPr>
+        <a:xfrm>
+          <a:off x="0" y="0"/>
+          <a:ext cx="0" cy="0"/>
+          <a:chOff x="0" y="0"/>
+          <a:chExt cx="0" cy="0"/>
+        </a:xfrm>
+      </p:grpSpPr>
+      <p:sp>
+        <p:nvSpPr>
+          <p:cNvPr id="2" name="Espace réservé de l'image des diapositives 1"/>
+          <p:cNvSpPr>
+            <a:spLocks noGrp="1" noRot="1" noChangeAspect="1"/>
+          </p:cNvSpPr>
+          <p:nvPr>
+            <p:ph type="sldImg"/>
+          </p:nvPr>
+        </p:nvSpPr>
+        <p:spPr/>
+      </p:sp>
+      <p:sp>
+        <p:nvSpPr>
+          <p:cNvPr id="3" name="Espace réservé des commentaires 2"/>
+          <p:cNvSpPr>
+            <a:spLocks noGrp="1"/>
+          </p:cNvSpPr>
+          <p:nvPr>
+            <p:ph type="body" idx="1"/>
+          </p:nvPr>
+        </p:nvSpPr>
+        <p:spPr/>
+        <p:txBody>
+          <a:bodyPr/>
+          <a:lstStyle/>
+          <a:p>
+            <a:endParaRPr lang="en-GB" dirty="0"/>
+          </a:p>
+        </p:txBody>
+      </p:sp>
+      <p:sp>
+        <p:nvSpPr>
+          <p:cNvPr id="4" name="Espace réservé du numéro de diapositive 3"/>
+          <p:cNvSpPr>
+            <a:spLocks noGrp="1"/>
+          </p:cNvSpPr>
+          <p:nvPr>
+            <p:ph type="sldNum" sz="quarter" idx="10"/>
+          </p:nvPr>
+        </p:nvSpPr>
+        <p:spPr/>
+        <p:txBody>
+          <a:bodyPr/>
+          <a:lstStyle/>
+          <a:p>
+            <a:fld id="{57E0BC2A-8237-8C45-84CA-A7F136E6A562}" type="slidenum">
+              <a:rPr lang="es-ES_tradnl" smtClean="0"/>
+              <a:t>11</a:t>
+            </a:fld>
+            <a:endParaRPr lang="es-ES_tradnl"/>
+          </a:p>
+        </p:txBody>
+      </p:sp>
+    </p:spTree>
+    <p:extLst>
+      <p:ext uri="{BB962C8B-B14F-4D97-AF65-F5344CB8AC3E}">
+        <p14:creationId xmlns:p14="http://schemas.microsoft.com/office/powerpoint/2010/main" val="2915009542"/>
+      </p:ext>
+    </p:extLst>
+  </p:cSld>
+  <p:clrMapOvr>
+    <a:masterClrMapping/>
+  </p:clrMapOvr>
+</p:notes>
+</file>
+
+<file path=ppt/notesSlides/notesSlide11.xml><?xml version="1.0" encoding="utf-8"?>
+<p:notes xmlns:a="http://schemas.openxmlformats.org/drawingml/2006/main" xmlns:r="http://schemas.openxmlformats.org/officeDocument/2006/relationships" xmlns:p="http://schemas.openxmlformats.org/presentationml/2006/main">
+  <p:cSld>
+    <p:spTree>
+      <p:nvGrpSpPr>
+        <p:cNvPr id="1" name=""/>
+        <p:cNvGrpSpPr/>
+        <p:nvPr/>
+      </p:nvGrpSpPr>
+      <p:grpSpPr>
+        <a:xfrm>
+          <a:off x="0" y="0"/>
+          <a:ext cx="0" cy="0"/>
+          <a:chOff x="0" y="0"/>
+          <a:chExt cx="0" cy="0"/>
+        </a:xfrm>
+      </p:grpSpPr>
+      <p:sp>
+        <p:nvSpPr>
+          <p:cNvPr id="2" name="Slide Image Placeholder 1"/>
+          <p:cNvSpPr>
+            <a:spLocks noGrp="1" noRot="1" noChangeAspect="1"/>
+          </p:cNvSpPr>
+          <p:nvPr>
+            <p:ph type="sldImg"/>
+          </p:nvPr>
+        </p:nvSpPr>
+        <p:spPr/>
+      </p:sp>
+      <p:sp>
+        <p:nvSpPr>
+          <p:cNvPr id="3" name="Notes Placeholder 2"/>
+          <p:cNvSpPr>
+            <a:spLocks noGrp="1"/>
+          </p:cNvSpPr>
+          <p:nvPr>
+            <p:ph type="body" idx="1"/>
+          </p:nvPr>
+        </p:nvSpPr>
+        <p:spPr/>
+        <p:txBody>
+          <a:bodyPr/>
+          <a:lstStyle/>
+          <a:p>
+            <a:endParaRPr lang="en-US"/>
+          </a:p>
+        </p:txBody>
+      </p:sp>
+      <p:sp>
+        <p:nvSpPr>
+          <p:cNvPr id="4" name="Slide Number Placeholder 3"/>
+          <p:cNvSpPr>
+            <a:spLocks noGrp="1"/>
+          </p:cNvSpPr>
+          <p:nvPr>
+            <p:ph type="sldNum" sz="quarter" idx="10"/>
+          </p:nvPr>
+        </p:nvSpPr>
+        <p:spPr/>
+        <p:txBody>
+          <a:bodyPr/>
+          <a:lstStyle/>
+          <a:p>
+            <a:fld id="{57E0BC2A-8237-8C45-84CA-A7F136E6A562}" type="slidenum">
+              <a:rPr lang="es-ES_tradnl" smtClean="0"/>
+              <a:t>13</a:t>
+            </a:fld>
+            <a:endParaRPr lang="es-ES_tradnl"/>
+          </a:p>
+        </p:txBody>
+      </p:sp>
+    </p:spTree>
+    <p:extLst>
+      <p:ext uri="{BB962C8B-B14F-4D97-AF65-F5344CB8AC3E}">
+        <p14:creationId xmlns:p14="http://schemas.microsoft.com/office/powerpoint/2010/main" val="1834173080"/>
       </p:ext>
     </p:extLst>
   </p:cSld>
@@ -785,7 +968,63 @@
           <a:bodyPr/>
           <a:lstStyle/>
           <a:p>
-            <a:endParaRPr lang="en-US"/>
+            <a:r>
+              <a:rPr lang="en-US" dirty="0" smtClean="0"/>
+              <a:t>Consider</a:t>
+            </a:r>
+            <a:r>
+              <a:rPr lang="en-US" baseline="0" dirty="0" smtClean="0"/>
+              <a:t> a self sustainable smart city wishing to guide an energy stock exchange mechanism for enabling timely provision of energy form consumers and producers located in a given region.</a:t>
+            </a:r>
+          </a:p>
+          <a:p>
+            <a:r>
+              <a:rPr lang="en-US" baseline="0" dirty="0" smtClean="0"/>
+              <a:t>Producers export their service level agreements stating the amount of </a:t>
+            </a:r>
+            <a:r>
+              <a:rPr lang="en-US" baseline="0" dirty="0" err="1" smtClean="0"/>
+              <a:t>Kwatts</a:t>
+            </a:r>
+            <a:r>
+              <a:rPr lang="en-US" baseline="0" dirty="0" smtClean="0"/>
+              <a:t> they can provide during a given interval of time at a given prices. </a:t>
+            </a:r>
+          </a:p>
+          <a:p>
+            <a:r>
+              <a:rPr lang="en-US" baseline="0" dirty="0" smtClean="0"/>
+              <a:t>Consumers express criteria for filtering providers, like proximity, the maximum price per </a:t>
+            </a:r>
+            <a:r>
+              <a:rPr lang="en-US" baseline="0" dirty="0" err="1" smtClean="0"/>
+              <a:t>Kwat</a:t>
+            </a:r>
+            <a:r>
+              <a:rPr lang="en-US" baseline="0" dirty="0" smtClean="0"/>
+              <a:t> they are ready to pay. </a:t>
+            </a:r>
+          </a:p>
+          <a:p>
+            <a:r>
+              <a:rPr lang="en-US" baseline="0" dirty="0" smtClean="0"/>
+              <a:t>The objective is to choose the producers according to their SLA and </a:t>
+            </a:r>
+          </a:p>
+          <a:p>
+            <a:r>
+              <a:rPr lang="en-US" baseline="0" dirty="0" smtClean="0"/>
+              <a:t>Determine whether one or several providers </a:t>
+            </a:r>
+            <a:r>
+              <a:rPr lang="en-US" baseline="0" dirty="0" err="1" smtClean="0"/>
+              <a:t>fullfil</a:t>
+            </a:r>
+            <a:r>
+              <a:rPr lang="en-US" baseline="0" dirty="0" smtClean="0"/>
+              <a:t> energy requirements according to given consumers preferences</a:t>
+            </a:r>
+            <a:endParaRPr lang="en-US" dirty="0"/>
           </a:p>
         </p:txBody>
       </p:sp>
@@ -869,6 +1108,541 @@
           <a:bodyPr/>
           <a:lstStyle/>
           <a:p>
+            <a:r>
+              <a:rPr lang="en-GB" dirty="0" smtClean="0"/>
+              <a:t>For example, a</a:t>
+            </a:r>
+            <a:r>
+              <a:rPr lang="en-GB" baseline="0" dirty="0" smtClean="0"/>
+              <a:t> consumer can state the following requirement:</a:t>
+            </a:r>
+          </a:p>
+          <a:p>
+            <a:r>
+              <a:rPr lang="en-GB" dirty="0" smtClean="0"/>
+              <a:t>List of green energy providers that can provision 1000 kWh, in the next 10 seconds, that are close to my city with a cost of 0,15 USD/kWh?</a:t>
+            </a:r>
+          </a:p>
+          <a:p>
+            <a:endParaRPr lang="en-GB" dirty="0" smtClean="0"/>
+          </a:p>
+          <a:p>
+            <a:r>
+              <a:rPr lang="en-GB" dirty="0" smtClean="0"/>
+              <a:t>If we read this requirement as a query on available</a:t>
+            </a:r>
+            <a:r>
+              <a:rPr lang="en-GB" baseline="0" dirty="0" smtClean="0"/>
+              <a:t> services deployed on a service infrastructure:</a:t>
+            </a:r>
+          </a:p>
+          <a:p>
+            <a:pPr marL="171450" indent="-171450">
+              <a:buFontTx/>
+              <a:buChar char="-"/>
+            </a:pPr>
+            <a:r>
+              <a:rPr lang="en-GB" dirty="0" smtClean="0"/>
+              <a:t>The challenge is to rewrite it</a:t>
+            </a:r>
+            <a:r>
+              <a:rPr lang="en-GB" baseline="0" dirty="0" smtClean="0"/>
+              <a:t> coordinating the services that can participate to answer it (click)</a:t>
+            </a:r>
+          </a:p>
+          <a:p>
+            <a:pPr marL="171450" indent="-171450">
+              <a:buFontTx/>
+              <a:buChar char="-"/>
+            </a:pPr>
+            <a:r>
+              <a:rPr lang="en-GB" baseline="0" dirty="0" smtClean="0"/>
+              <a:t>Such coordination could look like a recurrent workflow consisting of 4 sequential activities :</a:t>
+            </a:r>
+          </a:p>
+          <a:p>
+            <a:pPr marL="171450" indent="-171450">
+              <a:buFontTx/>
+              <a:buChar char="-"/>
+            </a:pPr>
+            <a:r>
+              <a:rPr lang="en-GB" baseline="0" dirty="0" smtClean="0"/>
+              <a:t>One for looking up for hubs that will put in contact with energy services</a:t>
+            </a:r>
+          </a:p>
+          <a:p>
+            <a:pPr marL="171450" indent="-171450">
+              <a:buFontTx/>
+              <a:buChar char="-"/>
+            </a:pPr>
+            <a:r>
+              <a:rPr lang="en-GB" baseline="0" dirty="0" smtClean="0"/>
+              <a:t>The next activities for locating the services and filtering the k closest to her city as stated by the request</a:t>
+            </a:r>
+          </a:p>
+          <a:p>
+            <a:pPr marL="171450" indent="-171450">
+              <a:buFontTx/>
+              <a:buChar char="-"/>
+            </a:pPr>
+            <a:r>
+              <a:rPr lang="en-GB" baseline="0" dirty="0" smtClean="0"/>
+              <a:t>The last one for computing the total cost</a:t>
+            </a:r>
+          </a:p>
+          <a:p>
+            <a:pPr marL="171450" indent="-171450">
+              <a:buFontTx/>
+              <a:buChar char="-"/>
+            </a:pPr>
+            <a:r>
+              <a:rPr lang="en-GB" baseline="0" dirty="0" smtClean="0"/>
+              <a:t>And since energy is constantly required, the request is </a:t>
+            </a:r>
+            <a:r>
+              <a:rPr lang="en-GB" baseline="0" dirty="0" err="1" smtClean="0"/>
+              <a:t>conitnuous</a:t>
+            </a:r>
+            <a:r>
+              <a:rPr lang="en-GB" baseline="0" dirty="0" smtClean="0"/>
+              <a:t> and it starts over again</a:t>
+            </a:r>
+          </a:p>
+          <a:p>
+            <a:pPr marL="0" indent="0">
+              <a:buFontTx/>
+              <a:buNone/>
+            </a:pPr>
+            <a:endParaRPr lang="en-GB" baseline="0" dirty="0" smtClean="0"/>
+          </a:p>
+          <a:p>
+            <a:pPr marL="0" marR="0" indent="0" algn="l" defTabSz="342900" rtl="0" eaLnBrk="1" fontAlgn="auto" latinLnBrk="0" hangingPunct="1">
+              <a:lnSpc>
+                <a:spcPct val="100000"/>
+              </a:lnSpc>
+              <a:spcBef>
+                <a:spcPts val="0"/>
+              </a:spcBef>
+              <a:spcAft>
+                <a:spcPts val="0"/>
+              </a:spcAft>
+              <a:buClrTx/>
+              <a:buSzTx/>
+              <a:buFontTx/>
+              <a:buNone/>
+              <a:tabLst/>
+              <a:defRPr/>
+            </a:pPr>
+            <a:r>
+              <a:rPr lang="en-GB" baseline="0" dirty="0" smtClean="0"/>
+              <a:t>Query rewriting is a well known problem in databases, the challenge in this case is to rewrite the query </a:t>
+            </a:r>
+            <a:r>
+              <a:rPr lang="fr-FR" dirty="0" err="1" smtClean="0">
+                <a:solidFill>
+                  <a:schemeClr val="tx1"/>
+                </a:solidFill>
+              </a:rPr>
+              <a:t>such</a:t>
+            </a:r>
+            <a:r>
+              <a:rPr lang="fr-FR" dirty="0" smtClean="0">
+                <a:solidFill>
+                  <a:schemeClr val="tx1"/>
+                </a:solidFill>
+              </a:rPr>
+              <a:t> </a:t>
+            </a:r>
+            <a:r>
+              <a:rPr lang="fr-FR" dirty="0" err="1" smtClean="0">
+                <a:solidFill>
+                  <a:schemeClr val="tx1"/>
+                </a:solidFill>
+              </a:rPr>
+              <a:t>that</a:t>
+            </a:r>
+            <a:r>
+              <a:rPr lang="fr-FR" dirty="0" smtClean="0">
+                <a:solidFill>
+                  <a:schemeClr val="tx1"/>
+                </a:solidFill>
+              </a:rPr>
+              <a:t> </a:t>
+            </a:r>
+            <a:r>
+              <a:rPr lang="fr-FR" dirty="0" err="1" smtClean="0">
+                <a:solidFill>
+                  <a:schemeClr val="tx1"/>
+                </a:solidFill>
+              </a:rPr>
+              <a:t>it</a:t>
+            </a:r>
+            <a:r>
+              <a:rPr lang="fr-FR" dirty="0" smtClean="0">
+                <a:solidFill>
+                  <a:schemeClr val="tx1"/>
+                </a:solidFill>
+              </a:rPr>
+              <a:t> matches the services </a:t>
+            </a:r>
+            <a:r>
+              <a:rPr lang="fr-FR" dirty="0" err="1" smtClean="0">
+                <a:solidFill>
+                  <a:schemeClr val="tx1"/>
+                </a:solidFill>
+              </a:rPr>
+              <a:t>that</a:t>
+            </a:r>
+            <a:r>
+              <a:rPr lang="fr-FR" dirty="0" smtClean="0">
+                <a:solidFill>
+                  <a:schemeClr val="tx1"/>
+                </a:solidFill>
+              </a:rPr>
+              <a:t> </a:t>
+            </a:r>
+            <a:r>
+              <a:rPr lang="fr-FR" dirty="0" err="1" smtClean="0">
+                <a:solidFill>
+                  <a:schemeClr val="tx1"/>
+                </a:solidFill>
+              </a:rPr>
+              <a:t>can</a:t>
+            </a:r>
+            <a:r>
+              <a:rPr lang="fr-FR" dirty="0" smtClean="0">
+                <a:solidFill>
+                  <a:schemeClr val="tx1"/>
+                </a:solidFill>
+              </a:rPr>
+              <a:t> </a:t>
+            </a:r>
+            <a:r>
+              <a:rPr lang="fr-FR" dirty="0" err="1" smtClean="0">
+                <a:solidFill>
+                  <a:schemeClr val="tx1"/>
+                </a:solidFill>
+              </a:rPr>
+              <a:t>provide</a:t>
+            </a:r>
+            <a:r>
+              <a:rPr lang="fr-FR" dirty="0" smtClean="0">
+                <a:solidFill>
+                  <a:schemeClr val="tx1"/>
+                </a:solidFill>
+              </a:rPr>
+              <a:t> data to </a:t>
+            </a:r>
+            <a:r>
+              <a:rPr lang="fr-FR" dirty="0" err="1" smtClean="0">
+                <a:solidFill>
+                  <a:schemeClr val="tx1"/>
+                </a:solidFill>
+              </a:rPr>
+              <a:t>build</a:t>
+            </a:r>
+            <a:r>
+              <a:rPr lang="fr-FR" dirty="0" smtClean="0">
+                <a:solidFill>
+                  <a:schemeClr val="tx1"/>
+                </a:solidFill>
+              </a:rPr>
+              <a:t> final </a:t>
+            </a:r>
+            <a:r>
+              <a:rPr lang="fr-FR" dirty="0" err="1" smtClean="0">
+                <a:solidFill>
+                  <a:schemeClr val="tx1"/>
+                </a:solidFill>
+              </a:rPr>
+              <a:t>results</a:t>
+            </a:r>
+            <a:endParaRPr lang="fr-FR" dirty="0" smtClean="0">
+              <a:solidFill>
+                <a:schemeClr val="tx1"/>
+              </a:solidFill>
+            </a:endParaRPr>
+          </a:p>
+          <a:p>
+            <a:pPr marL="0" marR="0" indent="0" algn="l" defTabSz="342900" rtl="0" eaLnBrk="1" fontAlgn="auto" latinLnBrk="0" hangingPunct="1">
+              <a:lnSpc>
+                <a:spcPct val="100000"/>
+              </a:lnSpc>
+              <a:spcBef>
+                <a:spcPts val="0"/>
+              </a:spcBef>
+              <a:spcAft>
+                <a:spcPts val="0"/>
+              </a:spcAft>
+              <a:buClrTx/>
+              <a:buSzTx/>
+              <a:buFontTx/>
+              <a:buNone/>
+              <a:tabLst/>
+              <a:defRPr/>
+            </a:pPr>
+            <a:r>
+              <a:rPr lang="fr-FR" dirty="0" smtClean="0">
+                <a:solidFill>
+                  <a:schemeClr val="tx1"/>
+                </a:solidFill>
+              </a:rPr>
+              <a:t>There</a:t>
+            </a:r>
+            <a:r>
+              <a:rPr lang="fr-FR" baseline="0" dirty="0" smtClean="0">
+                <a:solidFill>
+                  <a:schemeClr val="tx1"/>
+                </a:solidFill>
+              </a:rPr>
+              <a:t> are </a:t>
+            </a:r>
+            <a:r>
+              <a:rPr lang="fr-FR" baseline="0" dirty="0" err="1" smtClean="0">
+                <a:solidFill>
+                  <a:schemeClr val="tx1"/>
+                </a:solidFill>
+              </a:rPr>
+              <a:t>works</a:t>
+            </a:r>
+            <a:r>
+              <a:rPr lang="fr-FR" baseline="0" dirty="0" smtClean="0">
+                <a:solidFill>
+                  <a:schemeClr val="tx1"/>
+                </a:solidFill>
+              </a:rPr>
+              <a:t> </a:t>
+            </a:r>
+            <a:r>
+              <a:rPr lang="fr-FR" baseline="0" dirty="0" err="1" smtClean="0">
+                <a:solidFill>
+                  <a:schemeClr val="tx1"/>
+                </a:solidFill>
+              </a:rPr>
+              <a:t>addressing</a:t>
+            </a:r>
+            <a:r>
+              <a:rPr lang="fr-FR" baseline="0" dirty="0" smtClean="0">
+                <a:solidFill>
+                  <a:schemeClr val="tx1"/>
+                </a:solidFill>
+              </a:rPr>
+              <a:t> the </a:t>
+            </a:r>
+            <a:r>
+              <a:rPr lang="fr-FR" baseline="0" dirty="0" err="1" smtClean="0">
+                <a:solidFill>
+                  <a:schemeClr val="tx1"/>
+                </a:solidFill>
+              </a:rPr>
+              <a:t>problem</a:t>
+            </a:r>
+            <a:r>
+              <a:rPr lang="fr-FR" baseline="0" dirty="0" smtClean="0">
+                <a:solidFill>
+                  <a:schemeClr val="tx1"/>
+                </a:solidFill>
+              </a:rPr>
+              <a:t> by</a:t>
+            </a:r>
+          </a:p>
+          <a:p>
+            <a:pPr marL="228600" marR="0" indent="-228600" algn="l" defTabSz="342900" rtl="0" eaLnBrk="1" fontAlgn="auto" latinLnBrk="0" hangingPunct="1">
+              <a:lnSpc>
+                <a:spcPct val="100000"/>
+              </a:lnSpc>
+              <a:spcBef>
+                <a:spcPts val="0"/>
+              </a:spcBef>
+              <a:spcAft>
+                <a:spcPts val="0"/>
+              </a:spcAft>
+              <a:buClrTx/>
+              <a:buSzTx/>
+              <a:buFontTx/>
+              <a:buAutoNum type="arabicPeriod"/>
+              <a:tabLst/>
+              <a:defRPr/>
+            </a:pPr>
+            <a:r>
+              <a:rPr lang="fr-FR" baseline="0" dirty="0" err="1" smtClean="0">
+                <a:solidFill>
+                  <a:schemeClr val="tx1"/>
+                </a:solidFill>
+              </a:rPr>
+              <a:t>revisting</a:t>
+            </a:r>
+            <a:r>
+              <a:rPr lang="fr-FR" baseline="0" dirty="0" smtClean="0">
+                <a:solidFill>
+                  <a:schemeClr val="tx1"/>
+                </a:solidFill>
+              </a:rPr>
+              <a:t> </a:t>
+            </a:r>
+            <a:r>
+              <a:rPr lang="fr-FR" baseline="0" dirty="0" err="1" smtClean="0">
+                <a:solidFill>
+                  <a:schemeClr val="tx1"/>
+                </a:solidFill>
+              </a:rPr>
+              <a:t>well</a:t>
+            </a:r>
+            <a:r>
+              <a:rPr lang="fr-FR" baseline="0" dirty="0" smtClean="0">
+                <a:solidFill>
+                  <a:schemeClr val="tx1"/>
+                </a:solidFill>
+              </a:rPr>
+              <a:t> </a:t>
+            </a:r>
+            <a:r>
+              <a:rPr lang="fr-FR" baseline="0" dirty="0" err="1" smtClean="0">
+                <a:solidFill>
+                  <a:schemeClr val="tx1"/>
+                </a:solidFill>
+              </a:rPr>
+              <a:t>known</a:t>
+            </a:r>
+            <a:r>
+              <a:rPr lang="fr-FR" baseline="0" dirty="0" smtClean="0">
+                <a:solidFill>
+                  <a:schemeClr val="tx1"/>
+                </a:solidFill>
+              </a:rPr>
+              <a:t> </a:t>
+            </a:r>
+            <a:r>
+              <a:rPr lang="fr-FR" baseline="0" dirty="0" err="1" smtClean="0">
+                <a:solidFill>
+                  <a:schemeClr val="tx1"/>
+                </a:solidFill>
+              </a:rPr>
+              <a:t>algorithms</a:t>
+            </a:r>
+            <a:r>
+              <a:rPr lang="fr-FR" baseline="0" dirty="0" smtClean="0">
+                <a:solidFill>
+                  <a:schemeClr val="tx1"/>
+                </a:solidFill>
+              </a:rPr>
+              <a:t> </a:t>
+            </a:r>
+            <a:r>
+              <a:rPr lang="fr-FR" baseline="0" dirty="0" err="1" smtClean="0">
+                <a:solidFill>
+                  <a:schemeClr val="tx1"/>
+                </a:solidFill>
+              </a:rPr>
+              <a:t>such</a:t>
+            </a:r>
+            <a:r>
+              <a:rPr lang="fr-FR" baseline="0" dirty="0" smtClean="0">
+                <a:solidFill>
+                  <a:schemeClr val="tx1"/>
+                </a:solidFill>
+              </a:rPr>
+              <a:t> as </a:t>
+            </a:r>
+            <a:r>
+              <a:rPr lang="fr-FR" baseline="0" dirty="0" err="1" smtClean="0">
+                <a:solidFill>
+                  <a:schemeClr val="tx1"/>
+                </a:solidFill>
+              </a:rPr>
+              <a:t>MiniCon</a:t>
+            </a:r>
+            <a:r>
+              <a:rPr lang="fr-FR" baseline="0" dirty="0" smtClean="0">
+                <a:solidFill>
+                  <a:schemeClr val="tx1"/>
+                </a:solidFill>
+              </a:rPr>
+              <a:t> and</a:t>
+            </a:r>
+          </a:p>
+          <a:p>
+            <a:pPr marL="228600" marR="0" indent="-228600" algn="l" defTabSz="342900" rtl="0" eaLnBrk="1" fontAlgn="auto" latinLnBrk="0" hangingPunct="1">
+              <a:lnSpc>
+                <a:spcPct val="100000"/>
+              </a:lnSpc>
+              <a:spcBef>
+                <a:spcPts val="0"/>
+              </a:spcBef>
+              <a:spcAft>
+                <a:spcPts val="0"/>
+              </a:spcAft>
+              <a:buClrTx/>
+              <a:buSzTx/>
+              <a:buFontTx/>
+              <a:buAutoNum type="arabicPeriod"/>
+              <a:tabLst/>
+              <a:defRPr/>
+            </a:pPr>
+            <a:r>
+              <a:rPr lang="fr-FR" baseline="0" dirty="0" smtClean="0">
+                <a:solidFill>
+                  <a:schemeClr val="tx1"/>
+                </a:solidFill>
+              </a:rPr>
+              <a:t> for </a:t>
+            </a:r>
+            <a:r>
+              <a:rPr lang="fr-FR" baseline="0" dirty="0" err="1" smtClean="0">
+                <a:solidFill>
+                  <a:schemeClr val="tx1"/>
+                </a:solidFill>
+              </a:rPr>
+              <a:t>query</a:t>
+            </a:r>
+            <a:r>
+              <a:rPr lang="fr-FR" baseline="0" dirty="0" smtClean="0">
+                <a:solidFill>
+                  <a:schemeClr val="tx1"/>
+                </a:solidFill>
+              </a:rPr>
+              <a:t> rewriting </a:t>
+            </a:r>
+            <a:r>
+              <a:rPr lang="fr-FR" baseline="0" dirty="0" err="1" smtClean="0">
+                <a:solidFill>
+                  <a:schemeClr val="tx1"/>
+                </a:solidFill>
+              </a:rPr>
+              <a:t>adapted</a:t>
+            </a:r>
+            <a:r>
+              <a:rPr lang="fr-FR" baseline="0" dirty="0" smtClean="0">
+                <a:solidFill>
+                  <a:schemeClr val="tx1"/>
+                </a:solidFill>
+              </a:rPr>
+              <a:t> to services composition.</a:t>
+            </a:r>
+            <a:endParaRPr lang="fr-FR" dirty="0" smtClean="0">
+              <a:solidFill>
+                <a:schemeClr val="tx1"/>
+              </a:solidFill>
+            </a:endParaRPr>
+          </a:p>
+          <a:p>
+            <a:pPr marL="0" indent="0">
+              <a:buFontTx/>
+              <a:buNone/>
+            </a:pPr>
+            <a:endParaRPr lang="en-GB" baseline="0" dirty="0" smtClean="0"/>
+          </a:p>
+          <a:p>
+            <a:pPr marL="171450" indent="-171450">
+              <a:buFontTx/>
+              <a:buChar char="-"/>
+            </a:pPr>
+            <a:endParaRPr lang="en-GB" dirty="0" smtClean="0"/>
+          </a:p>
+          <a:p>
+            <a:endParaRPr lang="en-GB" dirty="0" smtClean="0"/>
+          </a:p>
+          <a:p>
             <a:endParaRPr lang="en-GB" dirty="0"/>
           </a:p>
         </p:txBody>
@@ -910,6 +1684,1102 @@
 </file>
 
 <file path=ppt/notesSlides/notesSlide4.xml><?xml version="1.0" encoding="utf-8"?>
+<p:notes xmlns:a="http://schemas.openxmlformats.org/drawingml/2006/main" xmlns:r="http://schemas.openxmlformats.org/officeDocument/2006/relationships" xmlns:p="http://schemas.openxmlformats.org/presentationml/2006/main">
+  <p:cSld>
+    <p:spTree>
+      <p:nvGrpSpPr>
+        <p:cNvPr id="1" name=""/>
+        <p:cNvGrpSpPr/>
+        <p:nvPr/>
+      </p:nvGrpSpPr>
+      <p:grpSpPr>
+        <a:xfrm>
+          <a:off x="0" y="0"/>
+          <a:ext cx="0" cy="0"/>
+          <a:chOff x="0" y="0"/>
+          <a:chExt cx="0" cy="0"/>
+        </a:xfrm>
+      </p:grpSpPr>
+      <p:sp>
+        <p:nvSpPr>
+          <p:cNvPr id="2" name="Espace réservé de l'image des diapositives 1"/>
+          <p:cNvSpPr>
+            <a:spLocks noGrp="1" noRot="1" noChangeAspect="1"/>
+          </p:cNvSpPr>
+          <p:nvPr>
+            <p:ph type="sldImg"/>
+          </p:nvPr>
+        </p:nvSpPr>
+        <p:spPr/>
+      </p:sp>
+      <p:sp>
+        <p:nvSpPr>
+          <p:cNvPr id="3" name="Espace réservé des commentaires 2"/>
+          <p:cNvSpPr>
+            <a:spLocks noGrp="1"/>
+          </p:cNvSpPr>
+          <p:nvPr>
+            <p:ph type="body" idx="1"/>
+          </p:nvPr>
+        </p:nvSpPr>
+        <p:spPr/>
+        <p:txBody>
+          <a:bodyPr/>
+          <a:lstStyle/>
+          <a:p>
+            <a:r>
+              <a:rPr lang="en-GB" dirty="0" smtClean="0"/>
+              <a:t>Yet in</a:t>
+            </a:r>
+            <a:r>
+              <a:rPr lang="en-GB" baseline="0" dirty="0" smtClean="0"/>
+              <a:t> our work we want the query evaluation to be guided by service level agreements. For example, the user asks that the query will not cost more than 5 USD</a:t>
+            </a:r>
+          </a:p>
+          <a:p>
+            <a:r>
+              <a:rPr lang="en-GB" baseline="0" dirty="0" smtClean="0"/>
+              <a:t>That only green energy providers are contacted (this is a provenance requirement) At least 85% of precision of provided data, even if they are not fresh </a:t>
+            </a:r>
+          </a:p>
+          <a:p>
+            <a:r>
+              <a:rPr lang="en-GB" baseline="0" dirty="0" smtClean="0"/>
+              <a:t>Availability rate of at least 90%</a:t>
+            </a:r>
+          </a:p>
+          <a:p>
+            <a:r>
+              <a:rPr lang="en-GB" baseline="0" dirty="0" smtClean="0"/>
+              <a:t>Response time of 0,01 sec</a:t>
+            </a:r>
+          </a:p>
+          <a:p>
+            <a:endParaRPr lang="en-GB" baseline="0" dirty="0" smtClean="0"/>
+          </a:p>
+          <a:p>
+            <a:pPr marL="0" marR="0" indent="0" algn="l" defTabSz="342900" rtl="0" eaLnBrk="1" fontAlgn="auto" latinLnBrk="0" hangingPunct="1">
+              <a:lnSpc>
+                <a:spcPct val="100000"/>
+              </a:lnSpc>
+              <a:spcBef>
+                <a:spcPts val="0"/>
+              </a:spcBef>
+              <a:spcAft>
+                <a:spcPts val="0"/>
+              </a:spcAft>
+              <a:buClrTx/>
+              <a:buSzTx/>
+              <a:buFontTx/>
+              <a:buNone/>
+              <a:tabLst/>
+              <a:defRPr/>
+            </a:pPr>
+            <a:r>
+              <a:rPr lang="en-GB" baseline="0" dirty="0" smtClean="0"/>
+              <a:t>The challenge is to </a:t>
+            </a:r>
+            <a:r>
+              <a:rPr lang="fr-FR" dirty="0" err="1" smtClean="0">
+                <a:solidFill>
+                  <a:schemeClr val="tx1"/>
+                </a:solidFill>
+              </a:rPr>
+              <a:t>Integrate</a:t>
+            </a:r>
+            <a:r>
+              <a:rPr lang="fr-FR" dirty="0" smtClean="0">
+                <a:solidFill>
+                  <a:schemeClr val="tx1"/>
+                </a:solidFill>
+              </a:rPr>
+              <a:t> the </a:t>
+            </a:r>
+            <a:r>
+              <a:rPr lang="fr-FR" dirty="0" err="1" smtClean="0">
+                <a:solidFill>
+                  <a:schemeClr val="tx1"/>
+                </a:solidFill>
+              </a:rPr>
+              <a:t>agreed</a:t>
+            </a:r>
+            <a:r>
+              <a:rPr lang="fr-FR" dirty="0" smtClean="0">
+                <a:solidFill>
+                  <a:schemeClr val="tx1"/>
+                </a:solidFill>
+              </a:rPr>
+              <a:t> </a:t>
+            </a:r>
+            <a:r>
+              <a:rPr lang="fr-FR" dirty="0" err="1" smtClean="0">
+                <a:solidFill>
+                  <a:schemeClr val="tx1"/>
+                </a:solidFill>
+              </a:rPr>
+              <a:t>SLAs</a:t>
+            </a:r>
+            <a:r>
+              <a:rPr lang="fr-FR" dirty="0" smtClean="0">
+                <a:solidFill>
+                  <a:schemeClr val="tx1"/>
+                </a:solidFill>
+              </a:rPr>
+              <a:t> </a:t>
+            </a:r>
+            <a:r>
+              <a:rPr lang="fr-FR" dirty="0" err="1" smtClean="0">
+                <a:solidFill>
+                  <a:schemeClr val="tx1"/>
+                </a:solidFill>
+              </a:rPr>
+              <a:t>with</a:t>
+            </a:r>
+            <a:r>
+              <a:rPr lang="fr-FR" dirty="0" smtClean="0">
+                <a:solidFill>
+                  <a:schemeClr val="tx1"/>
+                </a:solidFill>
+              </a:rPr>
+              <a:t> the </a:t>
+            </a:r>
+            <a:r>
+              <a:rPr lang="fr-FR" dirty="0" err="1" smtClean="0">
+                <a:solidFill>
+                  <a:schemeClr val="tx1"/>
+                </a:solidFill>
+              </a:rPr>
+              <a:t>QoS</a:t>
+            </a:r>
+            <a:r>
+              <a:rPr lang="fr-FR" dirty="0" smtClean="0">
+                <a:solidFill>
+                  <a:schemeClr val="tx1"/>
+                </a:solidFill>
+              </a:rPr>
+              <a:t> </a:t>
+            </a:r>
+            <a:r>
+              <a:rPr lang="fr-FR" dirty="0" err="1" smtClean="0">
+                <a:solidFill>
+                  <a:schemeClr val="tx1"/>
+                </a:solidFill>
+              </a:rPr>
+              <a:t>requirements</a:t>
+            </a:r>
+            <a:r>
+              <a:rPr lang="fr-FR" dirty="0" smtClean="0">
+                <a:solidFill>
+                  <a:schemeClr val="tx1"/>
+                </a:solidFill>
+              </a:rPr>
+              <a:t> </a:t>
+            </a:r>
+            <a:r>
+              <a:rPr lang="fr-FR" dirty="0" err="1" smtClean="0">
+                <a:solidFill>
+                  <a:schemeClr val="tx1"/>
+                </a:solidFill>
+              </a:rPr>
+              <a:t>expressed</a:t>
+            </a:r>
+            <a:r>
+              <a:rPr lang="fr-FR" dirty="0" smtClean="0">
+                <a:solidFill>
+                  <a:schemeClr val="tx1"/>
+                </a:solidFill>
+              </a:rPr>
+              <a:t> by the user </a:t>
+            </a:r>
+            <a:r>
+              <a:rPr lang="fr-FR" dirty="0" smtClean="0">
+                <a:solidFill>
+                  <a:schemeClr val="tx1"/>
+                </a:solidFill>
+                <a:sym typeface="Wingdings"/>
+              </a:rPr>
+              <a:t></a:t>
+            </a:r>
+            <a:r>
+              <a:rPr lang="fr-FR" dirty="0" smtClean="0">
+                <a:solidFill>
+                  <a:schemeClr val="tx1"/>
+                </a:solidFill>
+              </a:rPr>
+              <a:t> </a:t>
+            </a:r>
+            <a:r>
+              <a:rPr lang="fr-FR" b="1" i="1" dirty="0" err="1" smtClean="0">
+                <a:solidFill>
+                  <a:schemeClr val="tx1"/>
+                </a:solidFill>
+              </a:rPr>
+              <a:t>Derived</a:t>
+            </a:r>
+            <a:r>
+              <a:rPr lang="fr-FR" b="1" i="1" dirty="0" smtClean="0">
+                <a:solidFill>
+                  <a:schemeClr val="tx1"/>
+                </a:solidFill>
+              </a:rPr>
+              <a:t> SLA</a:t>
+            </a:r>
+          </a:p>
+          <a:p>
+            <a:pPr marL="0" marR="0" indent="0" algn="l" defTabSz="342900" rtl="0" eaLnBrk="1" fontAlgn="auto" latinLnBrk="0" hangingPunct="1">
+              <a:lnSpc>
+                <a:spcPct val="100000"/>
+              </a:lnSpc>
+              <a:spcBef>
+                <a:spcPts val="0"/>
+              </a:spcBef>
+              <a:spcAft>
+                <a:spcPts val="0"/>
+              </a:spcAft>
+              <a:buClrTx/>
+              <a:buSzTx/>
+              <a:buFontTx/>
+              <a:buNone/>
+              <a:tabLst/>
+              <a:defRPr/>
+            </a:pPr>
+            <a:r>
+              <a:rPr lang="fr-FR" b="1" i="1" dirty="0" err="1" smtClean="0">
+                <a:solidFill>
+                  <a:schemeClr val="tx1"/>
+                </a:solidFill>
+              </a:rPr>
+              <a:t>Existing</a:t>
+            </a:r>
+            <a:r>
+              <a:rPr lang="fr-FR" b="1" i="1" dirty="0" smtClean="0">
+                <a:solidFill>
+                  <a:schemeClr val="tx1"/>
+                </a:solidFill>
+              </a:rPr>
+              <a:t> </a:t>
+            </a:r>
+            <a:r>
+              <a:rPr lang="fr-FR" b="1" i="1" dirty="0" err="1" smtClean="0">
+                <a:solidFill>
+                  <a:schemeClr val="tx1"/>
+                </a:solidFill>
+              </a:rPr>
+              <a:t>works</a:t>
+            </a:r>
+            <a:r>
+              <a:rPr lang="fr-FR" b="1" i="1" baseline="0" dirty="0" smtClean="0">
+                <a:solidFill>
+                  <a:schemeClr val="tx1"/>
+                </a:solidFill>
+              </a:rPr>
+              <a:t> </a:t>
+            </a:r>
+            <a:r>
+              <a:rPr lang="fr-FR" b="1" i="1" baseline="0" dirty="0" err="1" smtClean="0">
+                <a:solidFill>
+                  <a:schemeClr val="tx1"/>
+                </a:solidFill>
+              </a:rPr>
+              <a:t>addressing</a:t>
+            </a:r>
+            <a:r>
+              <a:rPr lang="fr-FR" b="1" i="1" baseline="0" dirty="0" smtClean="0">
+                <a:solidFill>
+                  <a:schemeClr val="tx1"/>
+                </a:solidFill>
+              </a:rPr>
+              <a:t> the </a:t>
+            </a:r>
+            <a:r>
+              <a:rPr lang="fr-FR" b="1" i="1" baseline="0" dirty="0" err="1" smtClean="0">
+                <a:solidFill>
+                  <a:schemeClr val="tx1"/>
+                </a:solidFill>
+              </a:rPr>
+              <a:t>problem</a:t>
+            </a:r>
+            <a:r>
+              <a:rPr lang="fr-FR" b="1" i="1" baseline="0" dirty="0" smtClean="0">
+                <a:solidFill>
+                  <a:schemeClr val="tx1"/>
+                </a:solidFill>
+              </a:rPr>
+              <a:t> </a:t>
+            </a:r>
+            <a:r>
+              <a:rPr lang="fr-FR" b="1" i="1" baseline="0" dirty="0" err="1" smtClean="0">
+                <a:solidFill>
+                  <a:schemeClr val="tx1"/>
+                </a:solidFill>
+              </a:rPr>
+              <a:t>can</a:t>
+            </a:r>
+            <a:r>
+              <a:rPr lang="fr-FR" b="1" i="1" baseline="0" dirty="0" smtClean="0">
+                <a:solidFill>
+                  <a:schemeClr val="tx1"/>
+                </a:solidFill>
+              </a:rPr>
+              <a:t> </a:t>
+            </a:r>
+            <a:r>
+              <a:rPr lang="fr-FR" b="1" i="1" baseline="0" dirty="0" err="1" smtClean="0">
+                <a:solidFill>
+                  <a:schemeClr val="tx1"/>
+                </a:solidFill>
+              </a:rPr>
+              <a:t>be</a:t>
+            </a:r>
+            <a:r>
+              <a:rPr lang="fr-FR" b="1" i="1" baseline="0" dirty="0" smtClean="0">
+                <a:solidFill>
+                  <a:schemeClr val="tx1"/>
+                </a:solidFill>
+              </a:rPr>
+              <a:t> </a:t>
+            </a:r>
+            <a:r>
+              <a:rPr lang="fr-FR" b="1" i="1" baseline="0" dirty="0" err="1" smtClean="0">
+                <a:solidFill>
+                  <a:schemeClr val="tx1"/>
+                </a:solidFill>
+              </a:rPr>
+              <a:t>classified</a:t>
+            </a:r>
+            <a:r>
+              <a:rPr lang="fr-FR" b="1" i="1" baseline="0" dirty="0" smtClean="0">
+                <a:solidFill>
+                  <a:schemeClr val="tx1"/>
+                </a:solidFill>
+              </a:rPr>
+              <a:t> </a:t>
+            </a:r>
+            <a:r>
+              <a:rPr lang="fr-FR" b="1" i="1" baseline="0" dirty="0" err="1" smtClean="0">
+                <a:solidFill>
+                  <a:schemeClr val="tx1"/>
+                </a:solidFill>
+              </a:rPr>
+              <a:t>into</a:t>
+            </a:r>
+            <a:r>
+              <a:rPr lang="fr-FR" b="1" i="1" baseline="0" dirty="0" smtClean="0">
+                <a:solidFill>
+                  <a:schemeClr val="tx1"/>
+                </a:solidFill>
+              </a:rPr>
+              <a:t> </a:t>
+            </a:r>
+            <a:r>
+              <a:rPr lang="fr-FR" b="1" i="1" baseline="0" dirty="0" err="1" smtClean="0">
+                <a:solidFill>
+                  <a:schemeClr val="tx1"/>
+                </a:solidFill>
+              </a:rPr>
+              <a:t>two</a:t>
+            </a:r>
+            <a:r>
+              <a:rPr lang="fr-FR" b="1" i="1" baseline="0" dirty="0" smtClean="0">
+                <a:solidFill>
+                  <a:schemeClr val="tx1"/>
+                </a:solidFill>
+              </a:rPr>
+              <a:t> groups:</a:t>
+            </a:r>
+          </a:p>
+          <a:p>
+            <a:pPr marL="0" marR="0" indent="0" algn="l" defTabSz="342900" rtl="0" eaLnBrk="1" fontAlgn="auto" latinLnBrk="0" hangingPunct="1">
+              <a:lnSpc>
+                <a:spcPct val="100000"/>
+              </a:lnSpc>
+              <a:spcBef>
+                <a:spcPts val="0"/>
+              </a:spcBef>
+              <a:spcAft>
+                <a:spcPts val="0"/>
+              </a:spcAft>
+              <a:buClrTx/>
+              <a:buSzTx/>
+              <a:buFontTx/>
+              <a:buNone/>
+              <a:tabLst/>
+              <a:defRPr/>
+            </a:pPr>
+            <a:r>
+              <a:rPr lang="fr-FR" b="1" i="1" baseline="0" dirty="0" err="1" smtClean="0">
+                <a:solidFill>
+                  <a:schemeClr val="tx1"/>
+                </a:solidFill>
+              </a:rPr>
+              <a:t>Those</a:t>
+            </a:r>
+            <a:r>
+              <a:rPr lang="fr-FR" b="1" i="1" baseline="0" dirty="0" smtClean="0">
+                <a:solidFill>
+                  <a:schemeClr val="tx1"/>
+                </a:solidFill>
+              </a:rPr>
+              <a:t> </a:t>
+            </a:r>
+            <a:r>
+              <a:rPr lang="fr-FR" b="1" i="1" baseline="0" dirty="0" err="1" smtClean="0">
+                <a:solidFill>
+                  <a:schemeClr val="tx1"/>
+                </a:solidFill>
+              </a:rPr>
+              <a:t>addressing</a:t>
+            </a:r>
+            <a:r>
+              <a:rPr lang="fr-FR" b="1" i="1" baseline="0" dirty="0" smtClean="0">
+                <a:solidFill>
+                  <a:schemeClr val="tx1"/>
+                </a:solidFill>
+              </a:rPr>
+              <a:t> </a:t>
+            </a:r>
+            <a:r>
+              <a:rPr lang="fr-FR" b="1" i="1" baseline="0" dirty="0" err="1" smtClean="0">
+                <a:solidFill>
+                  <a:schemeClr val="tx1"/>
+                </a:solidFill>
+              </a:rPr>
+              <a:t>negociation</a:t>
+            </a:r>
+            <a:r>
+              <a:rPr lang="fr-FR" b="1" i="1" baseline="0" dirty="0" smtClean="0">
+                <a:solidFill>
+                  <a:schemeClr val="tx1"/>
+                </a:solidFill>
+              </a:rPr>
+              <a:t> of use condition </a:t>
+            </a:r>
+            <a:r>
+              <a:rPr lang="fr-FR" b="1" i="1" baseline="0" dirty="0" err="1" smtClean="0">
+                <a:solidFill>
+                  <a:schemeClr val="tx1"/>
+                </a:solidFill>
+              </a:rPr>
+              <a:t>which</a:t>
+            </a:r>
+            <a:r>
+              <a:rPr lang="fr-FR" b="1" i="1" baseline="0" dirty="0" smtClean="0">
+                <a:solidFill>
+                  <a:schemeClr val="tx1"/>
+                </a:solidFill>
+              </a:rPr>
+              <a:t> are </a:t>
+            </a:r>
+            <a:r>
+              <a:rPr lang="fr-FR" b="1" i="1" baseline="0" dirty="0" err="1" smtClean="0">
+                <a:solidFill>
+                  <a:schemeClr val="tx1"/>
+                </a:solidFill>
+              </a:rPr>
+              <a:t>statically</a:t>
+            </a:r>
+            <a:r>
+              <a:rPr lang="fr-FR" b="1" i="1" baseline="0" dirty="0" smtClean="0">
+                <a:solidFill>
+                  <a:schemeClr val="tx1"/>
+                </a:solidFill>
+              </a:rPr>
+              <a:t> </a:t>
+            </a:r>
+            <a:r>
+              <a:rPr lang="fr-FR" b="1" i="1" baseline="0" dirty="0" err="1" smtClean="0">
+                <a:solidFill>
+                  <a:schemeClr val="tx1"/>
+                </a:solidFill>
+              </a:rPr>
+              <a:t>agreed</a:t>
+            </a:r>
+            <a:r>
+              <a:rPr lang="fr-FR" b="1" i="1" baseline="0" dirty="0" smtClean="0">
+                <a:solidFill>
+                  <a:schemeClr val="tx1"/>
+                </a:solidFill>
+              </a:rPr>
+              <a:t> </a:t>
+            </a:r>
+            <a:r>
+              <a:rPr lang="fr-FR" b="1" i="1" baseline="0" dirty="0" err="1" smtClean="0">
+                <a:solidFill>
+                  <a:schemeClr val="tx1"/>
+                </a:solidFill>
+              </a:rPr>
+              <a:t>between</a:t>
+            </a:r>
+            <a:r>
+              <a:rPr lang="fr-FR" b="1" i="1" baseline="0" dirty="0" smtClean="0">
+                <a:solidFill>
+                  <a:schemeClr val="tx1"/>
+                </a:solidFill>
+              </a:rPr>
+              <a:t> the parts and </a:t>
+            </a:r>
+            <a:r>
+              <a:rPr lang="fr-FR" b="1" i="1" baseline="0" dirty="0" err="1" smtClean="0">
+                <a:solidFill>
+                  <a:schemeClr val="tx1"/>
+                </a:solidFill>
+              </a:rPr>
+              <a:t>those</a:t>
+            </a:r>
+            <a:r>
+              <a:rPr lang="fr-FR" b="1" i="1" baseline="0" dirty="0" smtClean="0">
+                <a:solidFill>
+                  <a:schemeClr val="tx1"/>
+                </a:solidFill>
+              </a:rPr>
+              <a:t> monitoring of use conditions as</a:t>
+            </a:r>
+          </a:p>
+          <a:p>
+            <a:pPr marL="0" marR="0" indent="0" algn="l" defTabSz="342900" rtl="0" eaLnBrk="1" fontAlgn="auto" latinLnBrk="0" hangingPunct="1">
+              <a:lnSpc>
+                <a:spcPct val="100000"/>
+              </a:lnSpc>
+              <a:spcBef>
+                <a:spcPts val="0"/>
+              </a:spcBef>
+              <a:spcAft>
+                <a:spcPts val="0"/>
+              </a:spcAft>
+              <a:buClrTx/>
+              <a:buSzTx/>
+              <a:buFontTx/>
+              <a:buNone/>
+              <a:tabLst/>
+              <a:defRPr/>
+            </a:pPr>
+            <a:r>
+              <a:rPr lang="fr-FR" b="1" i="1" baseline="0" dirty="0" smtClean="0">
+                <a:solidFill>
+                  <a:schemeClr val="tx1"/>
+                </a:solidFill>
+              </a:rPr>
+              <a:t>Cloud </a:t>
+            </a:r>
+            <a:r>
+              <a:rPr lang="fr-FR" b="1" i="1" baseline="0" dirty="0" err="1" smtClean="0">
+                <a:solidFill>
+                  <a:schemeClr val="tx1"/>
+                </a:solidFill>
+              </a:rPr>
+              <a:t>resources</a:t>
+            </a:r>
+            <a:r>
+              <a:rPr lang="fr-FR" b="1" i="1" baseline="0" dirty="0" smtClean="0">
+                <a:solidFill>
+                  <a:schemeClr val="tx1"/>
+                </a:solidFill>
+              </a:rPr>
+              <a:t> to </a:t>
+            </a:r>
+            <a:r>
+              <a:rPr lang="fr-FR" b="1" i="1" baseline="0" dirty="0" err="1" smtClean="0">
+                <a:solidFill>
+                  <a:schemeClr val="tx1"/>
+                </a:solidFill>
+              </a:rPr>
+              <a:t>detect</a:t>
+            </a:r>
+            <a:r>
+              <a:rPr lang="fr-FR" b="1" i="1" baseline="0" dirty="0" smtClean="0">
+                <a:solidFill>
+                  <a:schemeClr val="tx1"/>
+                </a:solidFill>
+              </a:rPr>
+              <a:t> SLA </a:t>
+            </a:r>
+            <a:r>
+              <a:rPr lang="fr-FR" b="1" i="1" baseline="0" dirty="0" err="1" smtClean="0">
+                <a:solidFill>
+                  <a:schemeClr val="tx1"/>
+                </a:solidFill>
+              </a:rPr>
+              <a:t>contract</a:t>
+            </a:r>
+            <a:r>
+              <a:rPr lang="fr-FR" b="1" i="1" baseline="0" dirty="0" smtClean="0">
+                <a:solidFill>
+                  <a:schemeClr val="tx1"/>
+                </a:solidFill>
+              </a:rPr>
+              <a:t> violation</a:t>
+            </a:r>
+            <a:endParaRPr lang="fr-FR" b="1" i="1" dirty="0" smtClean="0">
+              <a:solidFill>
+                <a:schemeClr val="tx1"/>
+              </a:solidFill>
+            </a:endParaRPr>
+          </a:p>
+          <a:p>
+            <a:endParaRPr lang="en-GB" baseline="0" dirty="0" smtClean="0"/>
+          </a:p>
+          <a:p>
+            <a:endParaRPr lang="en-GB" baseline="0" dirty="0" smtClean="0"/>
+          </a:p>
+        </p:txBody>
+      </p:sp>
+      <p:sp>
+        <p:nvSpPr>
+          <p:cNvPr id="4" name="Espace réservé du numéro de diapositive 3"/>
+          <p:cNvSpPr>
+            <a:spLocks noGrp="1"/>
+          </p:cNvSpPr>
+          <p:nvPr>
+            <p:ph type="sldNum" sz="quarter" idx="10"/>
+          </p:nvPr>
+        </p:nvSpPr>
+        <p:spPr/>
+        <p:txBody>
+          <a:bodyPr/>
+          <a:lstStyle/>
+          <a:p>
+            <a:fld id="{57E0BC2A-8237-8C45-84CA-A7F136E6A562}" type="slidenum">
+              <a:rPr lang="es-ES_tradnl" smtClean="0"/>
+              <a:t>4</a:t>
+            </a:fld>
+            <a:endParaRPr lang="es-ES_tradnl"/>
+          </a:p>
+        </p:txBody>
+      </p:sp>
+    </p:spTree>
+    <p:extLst>
+      <p:ext uri="{BB962C8B-B14F-4D97-AF65-F5344CB8AC3E}">
+        <p14:creationId xmlns:p14="http://schemas.microsoft.com/office/powerpoint/2010/main" val="3869439033"/>
+      </p:ext>
+    </p:extLst>
+  </p:cSld>
+  <p:clrMapOvr>
+    <a:masterClrMapping/>
+  </p:clrMapOvr>
+</p:notes>
+</file>
+
+<file path=ppt/notesSlides/notesSlide5.xml><?xml version="1.0" encoding="utf-8"?>
+<p:notes xmlns:a="http://schemas.openxmlformats.org/drawingml/2006/main" xmlns:r="http://schemas.openxmlformats.org/officeDocument/2006/relationships" xmlns:p="http://schemas.openxmlformats.org/presentationml/2006/main">
+  <p:cSld>
+    <p:spTree>
+      <p:nvGrpSpPr>
+        <p:cNvPr id="1" name=""/>
+        <p:cNvGrpSpPr/>
+        <p:nvPr/>
+      </p:nvGrpSpPr>
+      <p:grpSpPr>
+        <a:xfrm>
+          <a:off x="0" y="0"/>
+          <a:ext cx="0" cy="0"/>
+          <a:chOff x="0" y="0"/>
+          <a:chExt cx="0" cy="0"/>
+        </a:xfrm>
+      </p:grpSpPr>
+      <p:sp>
+        <p:nvSpPr>
+          <p:cNvPr id="2" name="Espace réservé de l'image des diapositives 1"/>
+          <p:cNvSpPr>
+            <a:spLocks noGrp="1" noRot="1" noChangeAspect="1"/>
+          </p:cNvSpPr>
+          <p:nvPr>
+            <p:ph type="sldImg"/>
+          </p:nvPr>
+        </p:nvSpPr>
+        <p:spPr/>
+      </p:sp>
+      <p:sp>
+        <p:nvSpPr>
+          <p:cNvPr id="3" name="Espace réservé des commentaires 2"/>
+          <p:cNvSpPr>
+            <a:spLocks noGrp="1"/>
+          </p:cNvSpPr>
+          <p:nvPr>
+            <p:ph type="body" idx="1"/>
+          </p:nvPr>
+        </p:nvSpPr>
+        <p:spPr/>
+        <p:txBody>
+          <a:bodyPr/>
+          <a:lstStyle/>
+          <a:p>
+            <a:pPr marL="0" marR="0" indent="0" algn="l" defTabSz="342900" rtl="0" eaLnBrk="1" fontAlgn="auto" latinLnBrk="0" hangingPunct="1">
+              <a:lnSpc>
+                <a:spcPct val="100000"/>
+              </a:lnSpc>
+              <a:spcBef>
+                <a:spcPts val="0"/>
+              </a:spcBef>
+              <a:spcAft>
+                <a:spcPts val="0"/>
+              </a:spcAft>
+              <a:buClrTx/>
+              <a:buSzTx/>
+              <a:buFontTx/>
+              <a:buNone/>
+              <a:tabLst/>
+              <a:defRPr/>
+            </a:pPr>
+            <a:r>
+              <a:rPr lang="en-GB" dirty="0" smtClean="0"/>
+              <a:t>We in contrast want</a:t>
+            </a:r>
+            <a:r>
+              <a:rPr lang="en-GB" baseline="0" dirty="0" smtClean="0"/>
+              <a:t> to determine </a:t>
+            </a:r>
+            <a:r>
+              <a:rPr lang="en-GB" sz="900" dirty="0" smtClean="0"/>
+              <a:t>How can the user efficiently obtain results for her queries such that they meet her </a:t>
+            </a:r>
+            <a:r>
+              <a:rPr lang="en-GB" sz="900" dirty="0" err="1" smtClean="0"/>
+              <a:t>QoS</a:t>
+            </a:r>
+            <a:r>
+              <a:rPr lang="en-GB" sz="900" dirty="0" smtClean="0"/>
+              <a:t> requirements that include</a:t>
+            </a:r>
+          </a:p>
+          <a:p>
+            <a:pPr marL="171450" marR="0" indent="-171450" algn="l" defTabSz="342900" rtl="0" eaLnBrk="1" fontAlgn="auto" latinLnBrk="0" hangingPunct="1">
+              <a:lnSpc>
+                <a:spcPct val="100000"/>
+              </a:lnSpc>
+              <a:spcBef>
+                <a:spcPts val="0"/>
+              </a:spcBef>
+              <a:spcAft>
+                <a:spcPts val="0"/>
+              </a:spcAft>
+              <a:buClrTx/>
+              <a:buSzTx/>
+              <a:buFontTx/>
+              <a:buChar char="-"/>
+              <a:tabLst/>
+              <a:defRPr/>
+            </a:pPr>
+            <a:r>
+              <a:rPr lang="en-GB" sz="900" dirty="0" smtClean="0"/>
+              <a:t>Her</a:t>
+            </a:r>
+            <a:r>
+              <a:rPr lang="en-GB" sz="900" baseline="0" dirty="0" smtClean="0"/>
+              <a:t> subscribed contracts with the involved cloud providers</a:t>
+            </a:r>
+          </a:p>
+          <a:p>
+            <a:pPr marL="171450" marR="0" indent="-171450" algn="l" defTabSz="342900" rtl="0" eaLnBrk="1" fontAlgn="auto" latinLnBrk="0" hangingPunct="1">
+              <a:lnSpc>
+                <a:spcPct val="100000"/>
+              </a:lnSpc>
+              <a:spcBef>
+                <a:spcPts val="0"/>
+              </a:spcBef>
+              <a:spcAft>
+                <a:spcPts val="0"/>
+              </a:spcAft>
+              <a:buClrTx/>
+              <a:buSzTx/>
+              <a:buFontTx/>
+              <a:buChar char="-"/>
+              <a:tabLst/>
+              <a:defRPr/>
+            </a:pPr>
+            <a:r>
+              <a:rPr lang="en-GB" sz="900" baseline="0" dirty="0" smtClean="0"/>
+              <a:t>The results do not neglect services contracts</a:t>
+            </a:r>
+          </a:p>
+          <a:p>
+            <a:pPr marL="171450" marR="0" indent="-171450" algn="l" defTabSz="342900" rtl="0" eaLnBrk="1" fontAlgn="auto" latinLnBrk="0" hangingPunct="1">
+              <a:lnSpc>
+                <a:spcPct val="100000"/>
+              </a:lnSpc>
+              <a:spcBef>
+                <a:spcPts val="0"/>
+              </a:spcBef>
+              <a:spcAft>
+                <a:spcPts val="0"/>
+              </a:spcAft>
+              <a:buClrTx/>
+              <a:buSzTx/>
+              <a:buFontTx/>
+              <a:buChar char="-"/>
+              <a:tabLst/>
+              <a:defRPr/>
+            </a:pPr>
+            <a:r>
+              <a:rPr lang="en-GB" sz="900" baseline="0" dirty="0" smtClean="0"/>
+              <a:t>Particularly for queries that call several services deployed on different clouds</a:t>
+            </a:r>
+            <a:r>
+              <a:rPr lang="en-GB" sz="900" dirty="0" smtClean="0"/>
+              <a:t> </a:t>
+            </a:r>
+          </a:p>
+          <a:p>
+            <a:endParaRPr lang="en-GB" dirty="0"/>
+          </a:p>
+        </p:txBody>
+      </p:sp>
+      <p:sp>
+        <p:nvSpPr>
+          <p:cNvPr id="4" name="Espace réservé du numéro de diapositive 3"/>
+          <p:cNvSpPr>
+            <a:spLocks noGrp="1"/>
+          </p:cNvSpPr>
+          <p:nvPr>
+            <p:ph type="sldNum" sz="quarter" idx="10"/>
+          </p:nvPr>
+        </p:nvSpPr>
+        <p:spPr/>
+        <p:txBody>
+          <a:bodyPr/>
+          <a:lstStyle/>
+          <a:p>
+            <a:fld id="{57E0BC2A-8237-8C45-84CA-A7F136E6A562}" type="slidenum">
+              <a:rPr lang="es-ES_tradnl" smtClean="0"/>
+              <a:t>5</a:t>
+            </a:fld>
+            <a:endParaRPr lang="es-ES_tradnl"/>
+          </a:p>
+        </p:txBody>
+      </p:sp>
+    </p:spTree>
+    <p:extLst>
+      <p:ext uri="{BB962C8B-B14F-4D97-AF65-F5344CB8AC3E}">
+        <p14:creationId xmlns:p14="http://schemas.microsoft.com/office/powerpoint/2010/main" val="1846921972"/>
+      </p:ext>
+    </p:extLst>
+  </p:cSld>
+  <p:clrMapOvr>
+    <a:masterClrMapping/>
+  </p:clrMapOvr>
+</p:notes>
+</file>
+
+<file path=ppt/notesSlides/notesSlide6.xml><?xml version="1.0" encoding="utf-8"?>
+<p:notes xmlns:a="http://schemas.openxmlformats.org/drawingml/2006/main" xmlns:r="http://schemas.openxmlformats.org/officeDocument/2006/relationships" xmlns:p="http://schemas.openxmlformats.org/presentationml/2006/main">
+  <p:cSld>
+    <p:spTree>
+      <p:nvGrpSpPr>
+        <p:cNvPr id="1" name=""/>
+        <p:cNvGrpSpPr/>
+        <p:nvPr/>
+      </p:nvGrpSpPr>
+      <p:grpSpPr>
+        <a:xfrm>
+          <a:off x="0" y="0"/>
+          <a:ext cx="0" cy="0"/>
+          <a:chOff x="0" y="0"/>
+          <a:chExt cx="0" cy="0"/>
+        </a:xfrm>
+      </p:grpSpPr>
+      <p:sp>
+        <p:nvSpPr>
+          <p:cNvPr id="2" name="Espace réservé de l'image des diapositives 1"/>
+          <p:cNvSpPr>
+            <a:spLocks noGrp="1" noRot="1" noChangeAspect="1"/>
+          </p:cNvSpPr>
+          <p:nvPr>
+            <p:ph type="sldImg"/>
+          </p:nvPr>
+        </p:nvSpPr>
+        <p:spPr/>
+      </p:sp>
+      <p:sp>
+        <p:nvSpPr>
+          <p:cNvPr id="3" name="Espace réservé des commentaires 2"/>
+          <p:cNvSpPr>
+            <a:spLocks noGrp="1"/>
+          </p:cNvSpPr>
+          <p:nvPr>
+            <p:ph type="body" idx="1"/>
+          </p:nvPr>
+        </p:nvSpPr>
+        <p:spPr/>
+        <p:txBody>
+          <a:bodyPr/>
+          <a:lstStyle/>
+          <a:p>
+            <a:r>
+              <a:rPr lang="en-GB" dirty="0" smtClean="0"/>
+              <a:t>Two important challenges must be considered. In the case of accessing one cloud provider where</a:t>
+            </a:r>
+            <a:r>
+              <a:rPr lang="en-GB" baseline="0" dirty="0" smtClean="0"/>
+              <a:t> services have associated agreed SLA and there is a SLA established between the cloud provider the challenge is :</a:t>
+            </a:r>
+          </a:p>
+          <a:p>
+            <a:r>
+              <a:rPr lang="en-GB" baseline="0" dirty="0" smtClean="0"/>
+              <a:t>- How to be sure that all the agreed SLAs are respected while satisfying the user?</a:t>
+            </a:r>
+            <a:endParaRPr lang="en-GB" dirty="0"/>
+          </a:p>
+        </p:txBody>
+      </p:sp>
+      <p:sp>
+        <p:nvSpPr>
+          <p:cNvPr id="4" name="Espace réservé du numéro de diapositive 3"/>
+          <p:cNvSpPr>
+            <a:spLocks noGrp="1"/>
+          </p:cNvSpPr>
+          <p:nvPr>
+            <p:ph type="sldNum" sz="quarter" idx="10"/>
+          </p:nvPr>
+        </p:nvSpPr>
+        <p:spPr/>
+        <p:txBody>
+          <a:bodyPr/>
+          <a:lstStyle/>
+          <a:p>
+            <a:fld id="{57E0BC2A-8237-8C45-84CA-A7F136E6A562}" type="slidenum">
+              <a:rPr lang="es-ES_tradnl" smtClean="0"/>
+              <a:t>6</a:t>
+            </a:fld>
+            <a:endParaRPr lang="es-ES_tradnl"/>
+          </a:p>
+        </p:txBody>
+      </p:sp>
+    </p:spTree>
+    <p:extLst>
+      <p:ext uri="{BB962C8B-B14F-4D97-AF65-F5344CB8AC3E}">
+        <p14:creationId xmlns:p14="http://schemas.microsoft.com/office/powerpoint/2010/main" val="1511929022"/>
+      </p:ext>
+    </p:extLst>
+  </p:cSld>
+  <p:clrMapOvr>
+    <a:masterClrMapping/>
+  </p:clrMapOvr>
+</p:notes>
+</file>
+
+<file path=ppt/notesSlides/notesSlide7.xml><?xml version="1.0" encoding="utf-8"?>
+<p:notes xmlns:a="http://schemas.openxmlformats.org/drawingml/2006/main" xmlns:r="http://schemas.openxmlformats.org/officeDocument/2006/relationships" xmlns:p="http://schemas.openxmlformats.org/presentationml/2006/main">
+  <p:cSld>
+    <p:spTree>
+      <p:nvGrpSpPr>
+        <p:cNvPr id="1" name=""/>
+        <p:cNvGrpSpPr/>
+        <p:nvPr/>
+      </p:nvGrpSpPr>
+      <p:grpSpPr>
+        <a:xfrm>
+          <a:off x="0" y="0"/>
+          <a:ext cx="0" cy="0"/>
+          <a:chOff x="0" y="0"/>
+          <a:chExt cx="0" cy="0"/>
+        </a:xfrm>
+      </p:grpSpPr>
+      <p:sp>
+        <p:nvSpPr>
+          <p:cNvPr id="2" name="Espace réservé de l'image des diapositives 1"/>
+          <p:cNvSpPr>
+            <a:spLocks noGrp="1" noRot="1" noChangeAspect="1"/>
+          </p:cNvSpPr>
+          <p:nvPr>
+            <p:ph type="sldImg"/>
+          </p:nvPr>
+        </p:nvSpPr>
+        <p:spPr/>
+      </p:sp>
+      <p:sp>
+        <p:nvSpPr>
+          <p:cNvPr id="3" name="Espace réservé des commentaires 2"/>
+          <p:cNvSpPr>
+            <a:spLocks noGrp="1"/>
+          </p:cNvSpPr>
+          <p:nvPr>
+            <p:ph type="body" idx="1"/>
+          </p:nvPr>
+        </p:nvSpPr>
+        <p:spPr/>
+        <p:txBody>
+          <a:bodyPr/>
+          <a:lstStyle/>
+          <a:p>
+            <a:r>
+              <a:rPr lang="en-GB" dirty="0" smtClean="0"/>
+              <a:t>An in the</a:t>
+            </a:r>
+            <a:r>
+              <a:rPr lang="en-GB" baseline="0" dirty="0" smtClean="0"/>
+              <a:t> case of multiple clouds: </a:t>
+            </a:r>
+          </a:p>
+          <a:p>
+            <a:r>
+              <a:rPr lang="en-GB" dirty="0" smtClean="0"/>
+              <a:t>Can my constraints be </a:t>
+            </a:r>
+            <a:r>
+              <a:rPr lang="en-GB" dirty="0" err="1" smtClean="0"/>
+              <a:t>satisfyed</a:t>
+            </a:r>
+            <a:r>
+              <a:rPr lang="en-GB" dirty="0" smtClean="0"/>
+              <a:t>? Which services shall I ask for?  </a:t>
+            </a:r>
+          </a:p>
+          <a:p>
+            <a:r>
+              <a:rPr lang="en-GB" dirty="0" smtClean="0"/>
+              <a:t>How can </a:t>
+            </a:r>
+            <a:r>
+              <a:rPr lang="en-GB" dirty="0" err="1" smtClean="0"/>
+              <a:t>ressources</a:t>
+            </a:r>
+            <a:r>
+              <a:rPr lang="en-GB" dirty="0" smtClean="0"/>
+              <a:t> be saved for next query?</a:t>
+            </a:r>
+          </a:p>
+          <a:p>
+            <a:endParaRPr lang="en-GB" dirty="0"/>
+          </a:p>
+        </p:txBody>
+      </p:sp>
+      <p:sp>
+        <p:nvSpPr>
+          <p:cNvPr id="4" name="Espace réservé du numéro de diapositive 3"/>
+          <p:cNvSpPr>
+            <a:spLocks noGrp="1"/>
+          </p:cNvSpPr>
+          <p:nvPr>
+            <p:ph type="sldNum" sz="quarter" idx="10"/>
+          </p:nvPr>
+        </p:nvSpPr>
+        <p:spPr/>
+        <p:txBody>
+          <a:bodyPr/>
+          <a:lstStyle/>
+          <a:p>
+            <a:fld id="{57E0BC2A-8237-8C45-84CA-A7F136E6A562}" type="slidenum">
+              <a:rPr lang="es-ES_tradnl" smtClean="0"/>
+              <a:t>7</a:t>
+            </a:fld>
+            <a:endParaRPr lang="es-ES_tradnl"/>
+          </a:p>
+        </p:txBody>
+      </p:sp>
+    </p:spTree>
+    <p:extLst>
+      <p:ext uri="{BB962C8B-B14F-4D97-AF65-F5344CB8AC3E}">
+        <p14:creationId xmlns:p14="http://schemas.microsoft.com/office/powerpoint/2010/main" val="2566938646"/>
+      </p:ext>
+    </p:extLst>
+  </p:cSld>
+  <p:clrMapOvr>
+    <a:masterClrMapping/>
+  </p:clrMapOvr>
+</p:notes>
+</file>
+
+<file path=ppt/notesSlides/notesSlide8.xml><?xml version="1.0" encoding="utf-8"?>
 <p:notes xmlns:a="http://schemas.openxmlformats.org/drawingml/2006/main" xmlns:r="http://schemas.openxmlformats.org/officeDocument/2006/relationships" xmlns:p="http://schemas.openxmlformats.org/presentationml/2006/main">
   <p:cSld>
     <p:spTree>
@@ -954,455 +2824,39 @@
           <a:lstStyle/>
           <a:p>
             <a:r>
-              <a:rPr lang="es-MX" sz="1200" u="sng" kern="1200" dirty="0" smtClean="0">
-                <a:solidFill>
-                  <a:schemeClr val="tx1"/>
-                </a:solidFill>
-                <a:effectLst/>
-                <a:latin typeface="+mn-lt"/>
-                <a:ea typeface="+mn-ea"/>
-                <a:cs typeface="+mn-cs"/>
-              </a:rPr>
-              <a:t>Objetivo general</a:t>
-            </a:r>
-            <a:endParaRPr lang="es-MX" sz="1200" kern="1200" dirty="0" smtClean="0">
-              <a:solidFill>
-                <a:schemeClr val="tx1"/>
-              </a:solidFill>
-              <a:effectLst/>
-              <a:latin typeface="+mn-lt"/>
-              <a:ea typeface="+mn-ea"/>
-              <a:cs typeface="+mn-cs"/>
-            </a:endParaRPr>
-          </a:p>
-          <a:p>
-            <a:r>
-              <a:rPr lang="es-MX" sz="1200" kern="1200" dirty="0" smtClean="0">
-                <a:solidFill>
-                  <a:schemeClr val="tx1"/>
-                </a:solidFill>
-                <a:effectLst/>
-                <a:latin typeface="+mn-lt"/>
-                <a:ea typeface="+mn-ea"/>
-                <a:cs typeface="+mn-cs"/>
-              </a:rPr>
-              <a:t> </a:t>
-            </a:r>
-          </a:p>
-          <a:p>
-            <a:pPr lvl="0"/>
-            <a:r>
-              <a:rPr lang="es-MX" sz="1200" kern="1200" dirty="0" smtClean="0">
-                <a:solidFill>
-                  <a:schemeClr val="tx1"/>
-                </a:solidFill>
-                <a:effectLst/>
-                <a:latin typeface="+mn-lt"/>
-                <a:ea typeface="+mn-ea"/>
-                <a:cs typeface="+mn-cs"/>
-              </a:rPr>
-              <a:t>Proponer una herramienta de ayuda a la toma de decisiones para componer servicios de procesamiento de datos adaptados a contratos de preferencias (</a:t>
-            </a:r>
-            <a:r>
-              <a:rPr lang="es-MX" sz="1200" i="1" kern="1200" dirty="0" err="1" smtClean="0">
-                <a:solidFill>
-                  <a:schemeClr val="tx1"/>
-                </a:solidFill>
-                <a:effectLst/>
-                <a:latin typeface="+mn-lt"/>
-                <a:ea typeface="+mn-ea"/>
-                <a:cs typeface="+mn-cs"/>
-              </a:rPr>
-              <a:t>Service</a:t>
-            </a:r>
-            <a:r>
-              <a:rPr lang="es-MX" sz="1200" i="1" kern="1200" dirty="0" smtClean="0">
-                <a:solidFill>
-                  <a:schemeClr val="tx1"/>
-                </a:solidFill>
-                <a:effectLst/>
-                <a:latin typeface="+mn-lt"/>
-                <a:ea typeface="+mn-ea"/>
-                <a:cs typeface="+mn-cs"/>
-              </a:rPr>
-              <a:t> </a:t>
-            </a:r>
-            <a:r>
-              <a:rPr lang="es-MX" sz="1200" i="1" kern="1200" dirty="0" err="1" smtClean="0">
-                <a:solidFill>
-                  <a:schemeClr val="tx1"/>
-                </a:solidFill>
-                <a:effectLst/>
-                <a:latin typeface="+mn-lt"/>
-                <a:ea typeface="+mn-ea"/>
-                <a:cs typeface="+mn-cs"/>
-              </a:rPr>
-              <a:t>Level</a:t>
-            </a:r>
-            <a:r>
-              <a:rPr lang="es-MX" sz="1200" i="1" kern="1200" dirty="0" smtClean="0">
-                <a:solidFill>
-                  <a:schemeClr val="tx1"/>
-                </a:solidFill>
-                <a:effectLst/>
-                <a:latin typeface="+mn-lt"/>
-                <a:ea typeface="+mn-ea"/>
-                <a:cs typeface="+mn-cs"/>
-              </a:rPr>
-              <a:t> </a:t>
-            </a:r>
-            <a:r>
-              <a:rPr lang="es-MX" sz="1200" i="1" kern="1200" dirty="0" err="1" smtClean="0">
-                <a:solidFill>
-                  <a:schemeClr val="tx1"/>
-                </a:solidFill>
-                <a:effectLst/>
-                <a:latin typeface="+mn-lt"/>
-                <a:ea typeface="+mn-ea"/>
-                <a:cs typeface="+mn-cs"/>
-              </a:rPr>
-              <a:t>Agreement</a:t>
-            </a:r>
-            <a:r>
-              <a:rPr lang="es-MX" sz="1200" kern="1200" dirty="0" smtClean="0">
-                <a:solidFill>
-                  <a:schemeClr val="tx1"/>
-                </a:solidFill>
-                <a:effectLst/>
-                <a:latin typeface="+mn-lt"/>
-                <a:ea typeface="+mn-ea"/>
-                <a:cs typeface="+mn-cs"/>
-              </a:rPr>
-              <a:t>). </a:t>
-            </a:r>
-          </a:p>
-          <a:p>
-            <a:r>
-              <a:rPr lang="es-MX" sz="1200" kern="1200" dirty="0" smtClean="0">
-                <a:solidFill>
-                  <a:schemeClr val="tx1"/>
-                </a:solidFill>
-                <a:effectLst/>
-                <a:latin typeface="+mn-lt"/>
-                <a:ea typeface="+mn-ea"/>
-                <a:cs typeface="+mn-cs"/>
-              </a:rPr>
-              <a:t> </a:t>
-            </a:r>
-          </a:p>
-          <a:p>
-            <a:pPr lvl="0"/>
-            <a:r>
-              <a:rPr lang="es-MX" sz="1200" kern="1200" dirty="0" smtClean="0">
-                <a:solidFill>
-                  <a:schemeClr val="tx1"/>
-                </a:solidFill>
-                <a:effectLst/>
-                <a:latin typeface="+mn-lt"/>
-                <a:ea typeface="+mn-ea"/>
-                <a:cs typeface="+mn-cs"/>
-              </a:rPr>
-              <a:t>Aplicar la solución al contexto de </a:t>
-            </a:r>
-            <a:r>
-              <a:rPr lang="es-MX" sz="1200" b="1" kern="1200" dirty="0" smtClean="0">
-                <a:solidFill>
-                  <a:schemeClr val="tx1"/>
-                </a:solidFill>
-                <a:effectLst/>
-                <a:latin typeface="+mn-lt"/>
-                <a:ea typeface="+mn-ea"/>
-                <a:cs typeface="+mn-cs"/>
-              </a:rPr>
-              <a:t>Smart </a:t>
-            </a:r>
-            <a:r>
-              <a:rPr lang="es-MX" sz="1200" b="1" kern="1200" dirty="0" err="1" smtClean="0">
-                <a:solidFill>
-                  <a:schemeClr val="tx1"/>
-                </a:solidFill>
-                <a:effectLst/>
-                <a:latin typeface="+mn-lt"/>
-                <a:ea typeface="+mn-ea"/>
-                <a:cs typeface="+mn-cs"/>
-              </a:rPr>
-              <a:t>Grid</a:t>
-            </a:r>
-            <a:r>
-              <a:rPr lang="es-MX" sz="1200" kern="1200" dirty="0" smtClean="0">
-                <a:solidFill>
-                  <a:schemeClr val="tx1"/>
-                </a:solidFill>
-                <a:effectLst/>
-                <a:latin typeface="+mn-lt"/>
-                <a:ea typeface="+mn-ea"/>
-                <a:cs typeface="+mn-cs"/>
-              </a:rPr>
-              <a:t> en particular al tratamiento de datos asociados a la optimización del consumo de energía en las casas habitación.</a:t>
-            </a:r>
-          </a:p>
-          <a:p>
-            <a:r>
-              <a:rPr lang="es-MX" sz="1200" kern="1200" dirty="0" smtClean="0">
-                <a:solidFill>
-                  <a:schemeClr val="tx1"/>
-                </a:solidFill>
-                <a:effectLst/>
-                <a:latin typeface="+mn-lt"/>
-                <a:ea typeface="+mn-ea"/>
-                <a:cs typeface="+mn-cs"/>
-              </a:rPr>
-              <a:t> </a:t>
-            </a:r>
-          </a:p>
-          <a:p>
-            <a:r>
-              <a:rPr lang="es-MX" sz="1200" u="sng" kern="1200" dirty="0" smtClean="0">
-                <a:solidFill>
-                  <a:schemeClr val="tx1"/>
-                </a:solidFill>
-                <a:effectLst/>
-                <a:latin typeface="+mn-lt"/>
-                <a:ea typeface="+mn-ea"/>
-                <a:cs typeface="+mn-cs"/>
-              </a:rPr>
-              <a:t>Objetivos específicos:</a:t>
-            </a:r>
-            <a:endParaRPr lang="es-MX" sz="1200" kern="1200" dirty="0" smtClean="0">
-              <a:solidFill>
-                <a:schemeClr val="tx1"/>
-              </a:solidFill>
-              <a:effectLst/>
-              <a:latin typeface="+mn-lt"/>
-              <a:ea typeface="+mn-ea"/>
-              <a:cs typeface="+mn-cs"/>
-            </a:endParaRPr>
-          </a:p>
-          <a:p>
-            <a:r>
-              <a:rPr lang="es-MX" sz="1200" kern="1200" dirty="0" smtClean="0">
-                <a:solidFill>
-                  <a:schemeClr val="tx1"/>
-                </a:solidFill>
-                <a:effectLst/>
-                <a:latin typeface="+mn-lt"/>
-                <a:ea typeface="+mn-ea"/>
-                <a:cs typeface="+mn-cs"/>
-              </a:rPr>
-              <a:t> </a:t>
-            </a:r>
-          </a:p>
-          <a:p>
-            <a:pPr lvl="0"/>
-            <a:r>
-              <a:rPr lang="es-MX" sz="1200" kern="1200" dirty="0" smtClean="0">
-                <a:solidFill>
-                  <a:schemeClr val="tx1"/>
-                </a:solidFill>
-                <a:effectLst/>
-                <a:latin typeface="+mn-lt"/>
-                <a:ea typeface="+mn-ea"/>
-                <a:cs typeface="+mn-cs"/>
-              </a:rPr>
-              <a:t>Estudiar los diferentes modelos </a:t>
-            </a:r>
-            <a:r>
-              <a:rPr lang="es-MX" sz="1200" kern="1200" dirty="0" err="1" smtClean="0">
-                <a:solidFill>
-                  <a:schemeClr val="tx1"/>
-                </a:solidFill>
-                <a:effectLst/>
-                <a:latin typeface="+mn-lt"/>
-                <a:ea typeface="+mn-ea"/>
-                <a:cs typeface="+mn-cs"/>
-              </a:rPr>
-              <a:t>map</a:t>
-            </a:r>
-            <a:r>
-              <a:rPr lang="es-MX" sz="1200" kern="1200" dirty="0" smtClean="0">
-                <a:solidFill>
-                  <a:schemeClr val="tx1"/>
-                </a:solidFill>
-                <a:effectLst/>
-                <a:latin typeface="+mn-lt"/>
-                <a:ea typeface="+mn-ea"/>
-                <a:cs typeface="+mn-cs"/>
-              </a:rPr>
-              <a:t>  reduce y probar sus implementaciones en particular </a:t>
-            </a:r>
-            <a:r>
-              <a:rPr lang="es-MX" sz="1200" kern="1200" dirty="0" err="1" smtClean="0">
-                <a:solidFill>
-                  <a:schemeClr val="tx1"/>
-                </a:solidFill>
-                <a:effectLst/>
-                <a:latin typeface="+mn-lt"/>
-                <a:ea typeface="+mn-ea"/>
-                <a:cs typeface="+mn-cs"/>
-              </a:rPr>
-              <a:t>Hadoop</a:t>
-            </a:r>
-            <a:r>
-              <a:rPr lang="es-MX" sz="1200" kern="1200" dirty="0" smtClean="0">
-                <a:solidFill>
-                  <a:schemeClr val="tx1"/>
-                </a:solidFill>
-                <a:effectLst/>
-                <a:latin typeface="+mn-lt"/>
-                <a:ea typeface="+mn-ea"/>
-                <a:cs typeface="+mn-cs"/>
-              </a:rPr>
-              <a:t> y </a:t>
-            </a:r>
-            <a:r>
-              <a:rPr lang="es-MX" sz="1200" kern="1200" dirty="0" err="1" smtClean="0">
-                <a:solidFill>
-                  <a:schemeClr val="tx1"/>
-                </a:solidFill>
-                <a:effectLst/>
-                <a:latin typeface="+mn-lt"/>
-                <a:ea typeface="+mn-ea"/>
-                <a:cs typeface="+mn-cs"/>
-              </a:rPr>
-              <a:t>Dryad</a:t>
-            </a:r>
-            <a:r>
-              <a:rPr lang="es-MX" sz="1200" kern="1200" dirty="0" smtClean="0">
-                <a:solidFill>
-                  <a:schemeClr val="tx1"/>
-                </a:solidFill>
-                <a:effectLst/>
-                <a:latin typeface="+mn-lt"/>
-                <a:ea typeface="+mn-ea"/>
-                <a:cs typeface="+mn-cs"/>
-              </a:rPr>
-              <a:t>;</a:t>
-            </a:r>
-          </a:p>
-          <a:p>
-            <a:pPr lvl="0"/>
-            <a:r>
-              <a:rPr lang="es-MX" sz="1200" kern="1200" dirty="0" smtClean="0">
-                <a:solidFill>
-                  <a:schemeClr val="tx1"/>
-                </a:solidFill>
-                <a:effectLst/>
-                <a:latin typeface="+mn-lt"/>
-                <a:ea typeface="+mn-ea"/>
-                <a:cs typeface="+mn-cs"/>
-              </a:rPr>
-              <a:t>Hacer un estado del arte de operadores de procesamiento de datos definidos usando modelos </a:t>
-            </a:r>
-            <a:r>
-              <a:rPr lang="es-MX" sz="1200" kern="1200" dirty="0" err="1" smtClean="0">
-                <a:solidFill>
-                  <a:schemeClr val="tx1"/>
-                </a:solidFill>
-                <a:effectLst/>
-                <a:latin typeface="+mn-lt"/>
-                <a:ea typeface="+mn-ea"/>
-                <a:cs typeface="+mn-cs"/>
-              </a:rPr>
-              <a:t>map</a:t>
-            </a:r>
-            <a:r>
-              <a:rPr lang="es-MX" sz="1200" kern="1200" dirty="0" smtClean="0">
-                <a:solidFill>
-                  <a:schemeClr val="tx1"/>
-                </a:solidFill>
-                <a:effectLst/>
-                <a:latin typeface="+mn-lt"/>
-                <a:ea typeface="+mn-ea"/>
-                <a:cs typeface="+mn-cs"/>
-              </a:rPr>
-              <a:t>-reduce</a:t>
-            </a:r>
-          </a:p>
-          <a:p>
-            <a:pPr lvl="0"/>
-            <a:r>
-              <a:rPr lang="es-MX" sz="1200" kern="1200" dirty="0" smtClean="0">
-                <a:solidFill>
-                  <a:schemeClr val="tx1"/>
-                </a:solidFill>
-                <a:effectLst/>
-                <a:latin typeface="+mn-lt"/>
-                <a:ea typeface="+mn-ea"/>
-                <a:cs typeface="+mn-cs"/>
-              </a:rPr>
-              <a:t>Implementación de operadores bajo modelos </a:t>
-            </a:r>
-            <a:r>
-              <a:rPr lang="es-MX" sz="1200" kern="1200" dirty="0" err="1" smtClean="0">
-                <a:solidFill>
-                  <a:schemeClr val="tx1"/>
-                </a:solidFill>
-                <a:effectLst/>
-                <a:latin typeface="+mn-lt"/>
-                <a:ea typeface="+mn-ea"/>
-                <a:cs typeface="+mn-cs"/>
-              </a:rPr>
-              <a:t>map</a:t>
-            </a:r>
-            <a:r>
-              <a:rPr lang="es-MX" sz="1200" kern="1200" dirty="0" smtClean="0">
-                <a:solidFill>
-                  <a:schemeClr val="tx1"/>
-                </a:solidFill>
-                <a:effectLst/>
-                <a:latin typeface="+mn-lt"/>
-                <a:ea typeface="+mn-ea"/>
-                <a:cs typeface="+mn-cs"/>
-              </a:rPr>
-              <a:t>-reduce en una plataforma </a:t>
-            </a:r>
-            <a:r>
-              <a:rPr lang="es-MX" sz="1200" kern="1200" dirty="0" err="1" smtClean="0">
-                <a:solidFill>
-                  <a:schemeClr val="tx1"/>
-                </a:solidFill>
-                <a:effectLst/>
-                <a:latin typeface="+mn-lt"/>
-                <a:ea typeface="+mn-ea"/>
-                <a:cs typeface="+mn-cs"/>
-              </a:rPr>
-              <a:t>cloud</a:t>
-            </a:r>
-            <a:endParaRPr lang="es-MX" sz="1200" kern="1200" dirty="0" smtClean="0">
-              <a:solidFill>
-                <a:schemeClr val="tx1"/>
-              </a:solidFill>
-              <a:effectLst/>
-              <a:latin typeface="+mn-lt"/>
-              <a:ea typeface="+mn-ea"/>
-              <a:cs typeface="+mn-cs"/>
-            </a:endParaRPr>
-          </a:p>
-          <a:p>
-            <a:r>
-              <a:rPr lang="es-MX" sz="1200" kern="1200" dirty="0" smtClean="0">
-                <a:solidFill>
-                  <a:schemeClr val="tx1"/>
-                </a:solidFill>
-                <a:effectLst/>
-                <a:latin typeface="+mn-lt"/>
-                <a:ea typeface="+mn-ea"/>
-                <a:cs typeface="+mn-cs"/>
-              </a:rPr>
-              <a:t>Proponer estrategias de evaluación de consumo de recursos de los operadores analizados dentro del marco de un escenario Smart </a:t>
-            </a:r>
-            <a:r>
-              <a:rPr lang="es-MX" sz="1200" kern="1200" dirty="0" err="1" smtClean="0">
-                <a:solidFill>
-                  <a:schemeClr val="tx1"/>
-                </a:solidFill>
-                <a:effectLst/>
-                <a:latin typeface="+mn-lt"/>
-                <a:ea typeface="+mn-ea"/>
-                <a:cs typeface="+mn-cs"/>
-              </a:rPr>
-              <a:t>Grid</a:t>
-            </a:r>
+              <a:rPr lang="es-MX" dirty="0" smtClean="0"/>
+              <a:t>In this context:,</a:t>
+            </a:r>
+            <a:r>
+              <a:rPr lang="es-MX" baseline="0" dirty="0" smtClean="0"/>
+              <a:t> our objective are:</a:t>
+            </a:r>
+          </a:p>
+          <a:p>
+            <a:r>
+              <a:rPr lang="es-MX" dirty="0" smtClean="0"/>
+              <a:t>Propose an SLA guided continuous data integration and provision system as a DaaS  </a:t>
+            </a:r>
+          </a:p>
+          <a:p>
+            <a:r>
+              <a:rPr lang="es-MX" dirty="0" smtClean="0"/>
+              <a:t>- Integrated SLA computation out of the Data agreed SLA</a:t>
+            </a:r>
+          </a:p>
+          <a:p>
+            <a:r>
+              <a:rPr lang="es-MX" dirty="0" smtClean="0"/>
+              <a:t>- Optimized and adaptable data collection, query rewriting and integration according to user preferences</a:t>
+            </a:r>
+          </a:p>
+          <a:p>
+            <a:r>
+              <a:rPr lang="es-MX" dirty="0" smtClean="0"/>
+              <a:t>- Learning based data integration mechanisms</a:t>
+            </a:r>
+          </a:p>
+          <a:p>
             <a:endParaRPr lang="es-MX" dirty="0"/>
           </a:p>
         </p:txBody>
@@ -1443,7 +2897,7 @@
 </p:notes>
 </file>
 
-<file path=ppt/notesSlides/notesSlide5.xml><?xml version="1.0" encoding="utf-8"?>
+<file path=ppt/notesSlides/notesSlide9.xml><?xml version="1.0" encoding="utf-8"?>
 <p:notes xmlns:a="http://schemas.openxmlformats.org/drawingml/2006/main" xmlns:r="http://schemas.openxmlformats.org/officeDocument/2006/relationships" xmlns:p="http://schemas.openxmlformats.org/presentationml/2006/main">
   <p:cSld>
     <p:spTree>
@@ -1462,7 +2916,7 @@
       </p:grpSpPr>
       <p:sp>
         <p:nvSpPr>
-          <p:cNvPr id="2" name="Slide Image Placeholder 1"/>
+          <p:cNvPr id="2" name="Espace réservé de l'image des diapositives 1"/>
           <p:cNvSpPr>
             <a:spLocks noGrp="1" noRot="1" noChangeAspect="1"/>
           </p:cNvSpPr>
@@ -1474,7 +2928,7 @@
       </p:sp>
       <p:sp>
         <p:nvSpPr>
-          <p:cNvPr id="3" name="Notes Placeholder 2"/>
+          <p:cNvPr id="3" name="Espace réservé des commentaires 2"/>
           <p:cNvSpPr>
             <a:spLocks noGrp="1"/>
           </p:cNvSpPr>
@@ -1487,13 +2941,65 @@
           <a:bodyPr/>
           <a:lstStyle/>
           <a:p>
-            <a:endParaRPr lang="en-US"/>
+            <a:r>
+              <a:rPr lang="en-GB" dirty="0" smtClean="0"/>
+              <a:t>Our general</a:t>
+            </a:r>
+            <a:r>
+              <a:rPr lang="en-GB" baseline="0" dirty="0" smtClean="0"/>
+              <a:t> approach looks as follows:</a:t>
+            </a:r>
+          </a:p>
+          <a:p>
+            <a:r>
+              <a:rPr lang="en-GB" baseline="0" dirty="0" smtClean="0"/>
+              <a:t>Given that a query has associated preferences, the query evaluation process is divided in 3 phases</a:t>
+            </a:r>
+          </a:p>
+          <a:p>
+            <a:r>
+              <a:rPr lang="en-GB" baseline="0" dirty="0" smtClean="0"/>
+              <a:t>Phase one: SLA derivation, that consists in looking up whether a similar SLA has been already derived for a similar request, if not we compute an integrated SLA</a:t>
+            </a:r>
+          </a:p>
+          <a:p>
+            <a:r>
+              <a:rPr lang="en-GB" baseline="0" dirty="0" smtClean="0"/>
+              <a:t>Phase two: Service composition, the query is expressed as a workflow with associated SLA constraints specified in the derived SLA. The rewriting result is stored for further uses</a:t>
+            </a:r>
+          </a:p>
+          <a:p>
+            <a:r>
+              <a:rPr lang="en-GB" baseline="0" dirty="0" smtClean="0"/>
+              <a:t>Phase three: the query is optimized in terms to other elements of SLA requirements that have more to do with the consumed resources and the economic</a:t>
+            </a:r>
+          </a:p>
+          <a:p>
+            <a:r>
+              <a:rPr lang="en-GB" baseline="0" dirty="0" smtClean="0"/>
+              <a:t>Cost of the query. Once optimized the query is enacted by a workflow engine.</a:t>
+            </a:r>
+          </a:p>
+          <a:p>
+            <a:endParaRPr lang="en-GB" baseline="0" dirty="0" smtClean="0"/>
+          </a:p>
+          <a:p>
+            <a:r>
+              <a:rPr lang="en-GB" baseline="0" dirty="0" smtClean="0"/>
+              <a:t>Since SLA are contracts, there is a monitoring mechanism and an SLA management module devoted to observing whether the SLAs are honoured</a:t>
+            </a:r>
+          </a:p>
+          <a:p>
+            <a:r>
+              <a:rPr lang="en-GB" baseline="0" dirty="0" smtClean="0"/>
+              <a:t>The paper we present focuses mainly on the SLA derivation approach. So let us zoom on this aspect:</a:t>
+            </a:r>
           </a:p>
         </p:txBody>
       </p:sp>
       <p:sp>
         <p:nvSpPr>
-          <p:cNvPr id="4" name="Slide Number Placeholder 3"/>
+          <p:cNvPr id="4" name="Espace réservé du numéro de diapositive 3"/>
           <p:cNvSpPr>
             <a:spLocks noGrp="1"/>
           </p:cNvSpPr>
@@ -1508,7 +3014,7 @@
           <a:p>
             <a:fld id="{57E0BC2A-8237-8C45-84CA-A7F136E6A562}" type="slidenum">
               <a:rPr lang="es-ES_tradnl" smtClean="0"/>
-              <a:t>12</a:t>
+              <a:t>9</a:t>
             </a:fld>
             <a:endParaRPr lang="es-ES_tradnl"/>
           </a:p>
@@ -1517,7 +3023,7 @@
     </p:spTree>
     <p:extLst>
       <p:ext uri="{BB962C8B-B14F-4D97-AF65-F5344CB8AC3E}">
-        <p14:creationId xmlns:p14="http://schemas.microsoft.com/office/powerpoint/2010/main" val="1834173080"/>
+        <p14:creationId xmlns:p14="http://schemas.microsoft.com/office/powerpoint/2010/main" val="2124198808"/>
       </p:ext>
     </p:extLst>
   </p:cSld>
@@ -1772,7 +3278,7 @@
           <a:p>
             <a:fld id="{08173A4C-CE70-0842-955E-7836C9977CD0}" type="datetime1">
               <a:rPr lang="fr-FR" smtClean="0"/>
-              <a:t>05/06/2014</a:t>
+              <a:t>13/06/2014</a:t>
             </a:fld>
             <a:endParaRPr lang="en-GB"/>
           </a:p>
@@ -2034,7 +3540,7 @@
           <a:p>
             <a:fld id="{FFCC69C8-B675-1649-A9BD-41EBD27C87D2}" type="datetime1">
               <a:rPr lang="fr-FR" smtClean="0"/>
-              <a:t>05/06/2014</a:t>
+              <a:t>13/06/2014</a:t>
             </a:fld>
             <a:endParaRPr lang="en-GB"/>
           </a:p>
@@ -2269,7 +3775,7 @@
           <a:p>
             <a:fld id="{4BAE475C-31E1-764F-AEF6-3694F06675D0}" type="datetime1">
               <a:rPr lang="fr-FR" smtClean="0"/>
-              <a:t>05/06/2014</a:t>
+              <a:t>13/06/2014</a:t>
             </a:fld>
             <a:endParaRPr lang="en-GB"/>
           </a:p>
@@ -2734,7 +4240,7 @@
             </a:pPr>
             <a:fld id="{D302CF7C-A13E-A345-84DA-F5AB6E7DF0E9}" type="datetime1">
               <a:rPr lang="fr-FR" smtClean="0"/>
-              <a:t>05/06/2014</a:t>
+              <a:t>13/06/2014</a:t>
             </a:fld>
             <a:endParaRPr lang="en-GB"/>
           </a:p>
@@ -2951,7 +4457,7 @@
           <a:p>
             <a:fld id="{825AAD87-5DB6-FD45-9B91-4F6BC3D3F595}" type="datetime1">
               <a:rPr lang="fr-FR" smtClean="0"/>
-              <a:t>05/06/2014</a:t>
+              <a:t>13/06/2014</a:t>
             </a:fld>
             <a:endParaRPr lang="en-US"/>
           </a:p>
@@ -3329,7 +4835,7 @@
           <a:p>
             <a:fld id="{A730A38C-46F8-1741-9A21-08C25CCF77B8}" type="datetime1">
               <a:rPr lang="fr-FR" smtClean="0"/>
-              <a:t>05/06/2014</a:t>
+              <a:t>13/06/2014</a:t>
             </a:fld>
             <a:endParaRPr lang="en-US"/>
           </a:p>
@@ -3912,7 +5418,7 @@
           <a:p>
             <a:fld id="{07A11159-4733-984B-82E6-F506241142AC}" type="datetime1">
               <a:rPr lang="fr-FR" smtClean="0"/>
-              <a:t>05/06/2014</a:t>
+              <a:t>13/06/2014</a:t>
             </a:fld>
             <a:endParaRPr lang="en-US"/>
           </a:p>
@@ -4131,7 +5637,7 @@
           <a:p>
             <a:fld id="{EDA3E0B9-CC88-8645-9C27-FEB189175B0D}" type="datetime1">
               <a:rPr lang="fr-FR" smtClean="0"/>
-              <a:t>05/06/2014</a:t>
+              <a:t>13/06/2014</a:t>
             </a:fld>
             <a:endParaRPr lang="en-GB"/>
           </a:p>
@@ -4438,7 +5944,7 @@
           <a:p>
             <a:fld id="{7DE04ABD-EA59-D340-8A4B-D382B3BF6F0B}" type="datetime1">
               <a:rPr lang="fr-FR" smtClean="0"/>
-              <a:t>05/06/2014</a:t>
+              <a:t>13/06/2014</a:t>
             </a:fld>
             <a:endParaRPr lang="en-GB"/>
           </a:p>
@@ -4740,7 +6246,7 @@
           <a:p>
             <a:fld id="{D5501940-797B-154C-B283-2D29903CC2BA}" type="datetime1">
               <a:rPr lang="fr-FR" smtClean="0"/>
-              <a:t>05/06/2014</a:t>
+              <a:t>13/06/2014</a:t>
             </a:fld>
             <a:endParaRPr lang="en-GB"/>
           </a:p>
@@ -5162,7 +6668,7 @@
           <a:p>
             <a:fld id="{2D40B61E-7161-8349-B1B0-1706419BC512}" type="datetime1">
               <a:rPr lang="fr-FR" smtClean="0"/>
-              <a:t>05/06/2014</a:t>
+              <a:t>13/06/2014</a:t>
             </a:fld>
             <a:endParaRPr lang="en-GB"/>
           </a:p>
@@ -5324,7 +6830,7 @@
           <a:p>
             <a:fld id="{F1F996EE-AEA5-7247-84F6-5653F10EA78E}" type="datetime1">
               <a:rPr lang="fr-FR" smtClean="0"/>
-              <a:t>05/06/2014</a:t>
+              <a:t>13/06/2014</a:t>
             </a:fld>
             <a:endParaRPr lang="en-GB"/>
           </a:p>
@@ -5419,7 +6925,7 @@
           <a:p>
             <a:fld id="{970A5426-907C-B84D-976B-85288A8ADDB1}" type="datetime1">
               <a:rPr lang="fr-FR" smtClean="0"/>
-              <a:t>05/06/2014</a:t>
+              <a:t>13/06/2014</a:t>
             </a:fld>
             <a:endParaRPr lang="en-GB"/>
           </a:p>
@@ -5797,7 +7303,7 @@
           <a:p>
             <a:fld id="{7C8B3765-6DE2-FF46-A407-C716D7CC1B8C}" type="datetime1">
               <a:rPr lang="fr-FR" smtClean="0"/>
-              <a:t>05/06/2014</a:t>
+              <a:t>13/06/2014</a:t>
             </a:fld>
             <a:endParaRPr lang="en-GB"/>
           </a:p>
@@ -6086,7 +7592,7 @@
           <a:p>
             <a:fld id="{44F34D2A-E81D-7F49-85D1-AFDCEF49289D}" type="datetime1">
               <a:rPr lang="fr-FR" smtClean="0"/>
-              <a:t>05/06/2014</a:t>
+              <a:t>13/06/2014</a:t>
             </a:fld>
             <a:endParaRPr lang="en-GB"/>
           </a:p>
@@ -6297,7 +7803,7 @@
           <a:p>
             <a:fld id="{A4430339-9F7B-9E4D-B5EF-3BC3BAD6E4FA}" type="datetime1">
               <a:rPr lang="fr-FR" smtClean="0"/>
-              <a:t>05/06/2014</a:t>
+              <a:t>13/06/2014</a:t>
             </a:fld>
             <a:endParaRPr lang="en-GB"/>
           </a:p>
@@ -6958,19 +8464,23 @@
             </a:r>
             <a:r>
               <a:rPr lang="en-GB" sz="1700" cap="small" dirty="0" smtClean="0"/>
-              <a:t>, C. </a:t>
-            </a:r>
-            <a:r>
-              <a:rPr lang="en-GB" sz="1700" cap="small" dirty="0" err="1"/>
-              <a:t>G</a:t>
-            </a:r>
-            <a:r>
-              <a:rPr lang="en-GB" sz="1700" cap="small" dirty="0" err="1" smtClean="0"/>
-              <a:t>hedira</a:t>
+              <a:t>, </a:t>
+            </a:r>
+            <a:r>
+              <a:rPr lang="en-GB" sz="1700" b="1" cap="small" dirty="0" smtClean="0"/>
+              <a:t>C. </a:t>
+            </a:r>
+            <a:r>
+              <a:rPr lang="en-GB" sz="1700" b="1" cap="small" dirty="0" err="1" smtClean="0"/>
+              <a:t>Ghedira</a:t>
             </a:r>
             <a:r>
               <a:rPr lang="en-GB" sz="1700" cap="small" dirty="0" smtClean="0"/>
-              <a:t>, M. </a:t>
+              <a:t>, </a:t>
+            </a:r>
+            <a:r>
+              <a:rPr lang="en-GB" sz="1700" cap="small" dirty="0" smtClean="0"/>
+              <a:t>M. </a:t>
             </a:r>
             <a:r>
               <a:rPr lang="en-GB" sz="1700" cap="small" dirty="0" err="1" smtClean="0"/>
@@ -7002,10 +8512,16 @@
               <a:rPr lang="en-GB" sz="1800" cap="none" dirty="0">
                 <a:hlinkClick r:id="rId3"/>
               </a:rPr>
-              <a:t>Nadia.Bennani@insa-lyon.fr</a:t>
-            </a:r>
-            <a:r>
-              <a:rPr lang="en-GB" sz="1800" cap="none" dirty="0"/>
+              <a:t>chirine.ghedira-guegan@univ-lyon3.</a:t>
+            </a:r>
+            <a:r>
+              <a:rPr lang="en-GB" sz="1800" cap="none" dirty="0" smtClean="0">
+                <a:hlinkClick r:id="rId3"/>
+              </a:rPr>
+              <a:t>fr</a:t>
+            </a:r>
+            <a:r>
+              <a:rPr lang="en-GB" sz="1800" cap="none" dirty="0" smtClean="0"/>
               <a:t> </a:t>
             </a:r>
             <a:endParaRPr lang="en-GB" sz="1700" cap="none" dirty="0" smtClean="0"/>
@@ -7123,254 +8639,98 @@
       </p:grpSpPr>
       <p:sp>
         <p:nvSpPr>
-          <p:cNvPr id="5" name="Document 4"/>
-          <p:cNvSpPr/>
-          <p:nvPr/>
+          <p:cNvPr id="2" name="Titre 1"/>
+          <p:cNvSpPr>
+            <a:spLocks noGrp="1"/>
+          </p:cNvSpPr>
+          <p:nvPr>
+            <p:ph type="title"/>
+          </p:nvPr>
         </p:nvSpPr>
-        <p:spPr>
-          <a:xfrm>
-            <a:off x="330199" y="1696164"/>
-            <a:ext cx="3111500" cy="1133831"/>
-          </a:xfrm>
-          <a:prstGeom prst="flowChartDocument">
-            <a:avLst/>
-          </a:prstGeom>
-          <a:ln w="38100" cmpd="sng">
-            <a:solidFill>
-              <a:schemeClr val="accent5">
-                <a:lumMod val="75000"/>
-              </a:schemeClr>
-            </a:solidFill>
-          </a:ln>
-        </p:spPr>
+        <p:spPr/>
         <p:txBody>
-          <a:bodyPr wrap="square">
-            <a:spAutoFit/>
-          </a:bodyPr>
+          <a:bodyPr/>
           <a:lstStyle/>
           <a:p>
-            <a:pPr marL="285750" indent="-285750">
-              <a:buFont typeface="Arial"/>
-              <a:buChar char="•"/>
-            </a:pPr>
-            <a:r>
-              <a:rPr lang="fr-FR" sz="1600" baseline="30000" dirty="0" err="1">
-                <a:latin typeface="Consolas"/>
-                <a:cs typeface="Consolas"/>
-              </a:rPr>
-              <a:t>C</a:t>
-            </a:r>
-            <a:r>
-              <a:rPr lang="fr-FR" sz="1600" baseline="30000" dirty="0" err="1" smtClean="0">
-                <a:latin typeface="Consolas"/>
-                <a:cs typeface="Consolas"/>
-              </a:rPr>
-              <a:t>ost</a:t>
-            </a:r>
-            <a:r>
-              <a:rPr lang="fr-FR" sz="1600" baseline="30000" dirty="0" smtClean="0">
-                <a:latin typeface="Consolas"/>
-                <a:cs typeface="Consolas"/>
-              </a:rPr>
-              <a:t> </a:t>
-            </a:r>
-            <a:r>
-              <a:rPr lang="fr-FR" sz="1600" baseline="30000" dirty="0">
-                <a:latin typeface="Consolas"/>
-                <a:cs typeface="Consolas"/>
-              </a:rPr>
-              <a:t>of $0,05 cents per </a:t>
-            </a:r>
-            <a:r>
-              <a:rPr lang="fr-FR" sz="1600" baseline="30000" dirty="0" smtClean="0">
-                <a:latin typeface="Consolas"/>
-                <a:cs typeface="Consolas"/>
-              </a:rPr>
-              <a:t>call </a:t>
-            </a:r>
-          </a:p>
-          <a:p>
-            <a:pPr marL="285750" indent="-285750">
-              <a:buFont typeface="Arial"/>
-              <a:buChar char="•"/>
-            </a:pPr>
-            <a:r>
-              <a:rPr lang="fr-FR" sz="1600" baseline="30000" dirty="0" smtClean="0">
-                <a:latin typeface="Consolas"/>
-                <a:cs typeface="Consolas"/>
-              </a:rPr>
-              <a:t>8 </a:t>
-            </a:r>
-            <a:r>
-              <a:rPr lang="fr-FR" sz="1600" baseline="30000" dirty="0">
-                <a:latin typeface="Consolas"/>
-                <a:cs typeface="Consolas"/>
-              </a:rPr>
-              <a:t>GB of I/O volume/</a:t>
-            </a:r>
-            <a:r>
-              <a:rPr lang="fr-FR" sz="1600" baseline="30000" dirty="0" err="1" smtClean="0">
-                <a:latin typeface="Consolas"/>
-                <a:cs typeface="Consolas"/>
-              </a:rPr>
-              <a:t>month</a:t>
-            </a:r>
-            <a:endParaRPr lang="fr-FR" sz="1600" baseline="30000" dirty="0" smtClean="0">
-              <a:latin typeface="Consolas"/>
-              <a:cs typeface="Consolas"/>
-            </a:endParaRPr>
-          </a:p>
-          <a:p>
-            <a:pPr marL="285750" indent="-285750">
-              <a:buFont typeface="Arial"/>
-              <a:buChar char="•"/>
-            </a:pPr>
-            <a:r>
-              <a:rPr lang="fr-FR" sz="1600" baseline="30000" dirty="0">
-                <a:latin typeface="Consolas"/>
-                <a:cs typeface="Consolas"/>
-              </a:rPr>
-              <a:t>F</a:t>
-            </a:r>
-            <a:r>
-              <a:rPr lang="fr-FR" sz="1600" baseline="30000" dirty="0" smtClean="0">
-                <a:latin typeface="Consolas"/>
-                <a:cs typeface="Consolas"/>
-              </a:rPr>
-              <a:t>ree </a:t>
-            </a:r>
-            <a:r>
-              <a:rPr lang="fr-FR" sz="1600" baseline="30000" dirty="0">
-                <a:latin typeface="Consolas"/>
-                <a:cs typeface="Consolas"/>
-              </a:rPr>
-              <a:t>data </a:t>
-            </a:r>
-            <a:r>
-              <a:rPr lang="fr-FR" sz="1600" baseline="30000" dirty="0" err="1">
-                <a:latin typeface="Consolas"/>
-                <a:cs typeface="Consolas"/>
-              </a:rPr>
-              <a:t>transfer</a:t>
-            </a:r>
-            <a:r>
-              <a:rPr lang="fr-FR" sz="1600" baseline="30000" dirty="0">
-                <a:latin typeface="Consolas"/>
-                <a:cs typeface="Consolas"/>
-              </a:rPr>
-              <a:t> </a:t>
-            </a:r>
-            <a:r>
-              <a:rPr lang="fr-FR" sz="1600" baseline="30000" dirty="0" err="1">
-                <a:latin typeface="Consolas"/>
-                <a:cs typeface="Consolas"/>
-              </a:rPr>
-              <a:t>cost</a:t>
-            </a:r>
-            <a:r>
-              <a:rPr lang="fr-FR" sz="1600" baseline="30000" dirty="0">
-                <a:latin typeface="Consolas"/>
-                <a:cs typeface="Consolas"/>
-              </a:rPr>
-              <a:t> </a:t>
-            </a:r>
-            <a:r>
-              <a:rPr lang="fr-FR" sz="1600" baseline="30000" dirty="0" err="1">
-                <a:latin typeface="Consolas"/>
-                <a:cs typeface="Consolas"/>
-              </a:rPr>
-              <a:t>within</a:t>
-            </a:r>
-            <a:r>
-              <a:rPr lang="fr-FR" sz="1600" baseline="30000" dirty="0">
-                <a:latin typeface="Consolas"/>
-                <a:cs typeface="Consolas"/>
-              </a:rPr>
-              <a:t> the </a:t>
-            </a:r>
-            <a:r>
-              <a:rPr lang="fr-FR" sz="1600" baseline="30000" dirty="0" err="1">
-                <a:latin typeface="Consolas"/>
-                <a:cs typeface="Consolas"/>
-              </a:rPr>
-              <a:t>same</a:t>
-            </a:r>
-            <a:r>
-              <a:rPr lang="fr-FR" sz="1600" baseline="30000" dirty="0">
-                <a:latin typeface="Consolas"/>
-                <a:cs typeface="Consolas"/>
-              </a:rPr>
-              <a:t> </a:t>
-            </a:r>
-            <a:r>
-              <a:rPr lang="fr-FR" sz="1600" baseline="30000" dirty="0" err="1" smtClean="0">
-                <a:latin typeface="Consolas"/>
-                <a:cs typeface="Consolas"/>
-              </a:rPr>
-              <a:t>region</a:t>
-            </a:r>
-            <a:endParaRPr lang="fr-FR" sz="1600" baseline="30000" dirty="0" smtClean="0">
-              <a:latin typeface="Consolas"/>
-              <a:cs typeface="Consolas"/>
-            </a:endParaRPr>
-          </a:p>
-          <a:p>
-            <a:pPr marL="285750" indent="-285750">
-              <a:buFont typeface="Arial"/>
-              <a:buChar char="•"/>
-            </a:pPr>
-            <a:r>
-              <a:rPr lang="fr-FR" sz="1600" baseline="30000" dirty="0" smtClean="0">
-                <a:latin typeface="Consolas"/>
-                <a:cs typeface="Consolas"/>
-              </a:rPr>
-              <a:t>1 </a:t>
-            </a:r>
-            <a:r>
-              <a:rPr lang="fr-FR" sz="1600" baseline="30000" dirty="0">
-                <a:latin typeface="Consolas"/>
-                <a:cs typeface="Consolas"/>
-              </a:rPr>
-              <a:t>GB of </a:t>
-            </a:r>
-            <a:r>
-              <a:rPr lang="fr-FR" sz="1600" baseline="30000" dirty="0" err="1">
-                <a:latin typeface="Consolas"/>
-                <a:cs typeface="Consolas"/>
-              </a:rPr>
-              <a:t>storage</a:t>
-            </a:r>
-            <a:endParaRPr lang="fr-FR" sz="1600" dirty="0">
-              <a:latin typeface="Consolas"/>
-              <a:cs typeface="Consolas"/>
-            </a:endParaRPr>
+            <a:r>
+              <a:rPr lang="fr-FR" dirty="0" smtClean="0"/>
+              <a:t>SLA </a:t>
+            </a:r>
+            <a:r>
+              <a:rPr lang="fr-FR" dirty="0" err="1" smtClean="0"/>
+              <a:t>Integration</a:t>
+            </a:r>
+            <a:endParaRPr lang="fr-FR" dirty="0"/>
           </a:p>
         </p:txBody>
       </p:sp>
       <p:pic>
         <p:nvPicPr>
-          <p:cNvPr id="6" name="Image 5"/>
+          <p:cNvPr id="4" name="Image 3" descr="SLAextension.jpg"/>
           <p:cNvPicPr>
             <a:picLocks noChangeAspect="1"/>
           </p:cNvPicPr>
           <p:nvPr/>
         </p:nvPicPr>
         <p:blipFill>
-          <a:blip r:embed="rId2"/>
+          <a:blip r:embed="rId2">
+            <a:extLst>
+              <a:ext uri="{28A0092B-C50C-407E-A947-70E740481C1C}">
+                <a14:useLocalDpi xmlns:a14="http://schemas.microsoft.com/office/drawing/2010/main" val="0"/>
+              </a:ext>
+            </a:extLst>
+          </a:blip>
           <a:stretch>
             <a:fillRect/>
           </a:stretch>
         </p:blipFill>
         <p:spPr>
           <a:xfrm>
-            <a:off x="2548462" y="2357972"/>
-            <a:ext cx="1051885" cy="463701"/>
+            <a:off x="1270014" y="1317967"/>
+            <a:ext cx="6349986" cy="3720283"/>
           </a:xfrm>
           <a:prstGeom prst="rect">
             <a:avLst/>
           </a:prstGeom>
         </p:spPr>
       </p:pic>
+    </p:spTree>
+    <p:extLst>
+      <p:ext uri="{BB962C8B-B14F-4D97-AF65-F5344CB8AC3E}">
+        <p14:creationId xmlns:p14="http://schemas.microsoft.com/office/powerpoint/2010/main" val="3102848819"/>
+      </p:ext>
+    </p:extLst>
+  </p:cSld>
+  <p:clrMapOvr>
+    <a:masterClrMapping/>
+  </p:clrMapOvr>
+  <p:timing>
+    <p:tnLst>
+      <p:par>
+        <p:cTn xmlns:p14="http://schemas.microsoft.com/office/powerpoint/2010/main" id="1" dur="indefinite" restart="never" nodeType="tmRoot"/>
+      </p:par>
+    </p:tnLst>
+  </p:timing>
+</p:sld>
+</file>
+
+<file path=ppt/slides/slide11.xml><?xml version="1.0" encoding="utf-8"?>
+<p:sld xmlns:a="http://schemas.openxmlformats.org/drawingml/2006/main" xmlns:r="http://schemas.openxmlformats.org/officeDocument/2006/relationships" xmlns:p="http://schemas.openxmlformats.org/presentationml/2006/main">
+  <p:cSld>
+    <p:spTree>
+      <p:nvGrpSpPr>
+        <p:cNvPr id="1" name=""/>
+        <p:cNvGrpSpPr/>
+        <p:nvPr/>
+      </p:nvGrpSpPr>
+      <p:grpSpPr>
+        <a:xfrm>
+          <a:off x="0" y="0"/>
+          <a:ext cx="0" cy="0"/>
+          <a:chOff x="0" y="0"/>
+          <a:chExt cx="0" cy="0"/>
+        </a:xfrm>
+      </p:grpSpPr>
       <p:sp>
         <p:nvSpPr>
           <p:cNvPr id="2" name="Titre 1"/>
@@ -7415,7 +8775,7 @@
           <a:p>
             <a:fld id="{503914D5-4C05-48A0-975C-C97C98535A04}" type="slidenum">
               <a:rPr lang="en-GB" smtClean="0"/>
-              <a:t>10</a:t>
+              <a:t>11</a:t>
             </a:fld>
             <a:endParaRPr lang="en-GB"/>
           </a:p>
@@ -7443,583 +8803,8 @@
         </p:blipFill>
         <p:spPr>
           <a:xfrm>
-            <a:off x="4749815" y="1079501"/>
-            <a:ext cx="4064000" cy="2380986"/>
-          </a:xfrm>
-          <a:prstGeom prst="rect">
-            <a:avLst/>
-          </a:prstGeom>
-        </p:spPr>
-      </p:pic>
-      <p:grpSp>
-        <p:nvGrpSpPr>
-          <p:cNvPr id="7" name="Grouper 6"/>
-          <p:cNvGrpSpPr/>
-          <p:nvPr/>
-        </p:nvGrpSpPr>
-        <p:grpSpPr>
-          <a:xfrm>
-            <a:off x="2424437" y="2216012"/>
-            <a:ext cx="1199213" cy="772726"/>
-            <a:chOff x="1857254" y="1775741"/>
-            <a:chExt cx="2985679" cy="1700064"/>
-          </a:xfrm>
-        </p:grpSpPr>
-        <p:sp>
-          <p:nvSpPr>
-            <p:cNvPr id="8" name="Arc 7"/>
-            <p:cNvSpPr/>
-            <p:nvPr/>
-          </p:nvSpPr>
-          <p:spPr>
-            <a:xfrm rot="16492063">
-              <a:off x="2064987" y="2209791"/>
-              <a:ext cx="919931" cy="1335398"/>
-            </a:xfrm>
-            <a:prstGeom prst="arc">
-              <a:avLst>
-                <a:gd name="adj1" fmla="val 10488337"/>
-                <a:gd name="adj2" fmla="val 984161"/>
-              </a:avLst>
-            </a:prstGeom>
-            <a:ln w="28575" cmpd="sng"/>
-          </p:spPr>
-          <p:style>
-            <a:lnRef idx="2">
-              <a:schemeClr val="accent1"/>
-            </a:lnRef>
-            <a:fillRef idx="0">
-              <a:schemeClr val="accent1"/>
-            </a:fillRef>
-            <a:effectRef idx="1">
-              <a:schemeClr val="accent1"/>
-            </a:effectRef>
-            <a:fontRef idx="minor">
-              <a:schemeClr val="tx1"/>
-            </a:fontRef>
-          </p:style>
-          <p:txBody>
-            <a:bodyPr rtlCol="0" anchor="ctr"/>
-            <a:lstStyle/>
-            <a:p>
-              <a:pPr algn="ctr"/>
-              <a:endParaRPr lang="fr-FR"/>
-            </a:p>
-          </p:txBody>
-        </p:sp>
-        <p:sp>
-          <p:nvSpPr>
-            <p:cNvPr id="9" name="Arc 8"/>
-            <p:cNvSpPr/>
-            <p:nvPr/>
-          </p:nvSpPr>
-          <p:spPr>
-            <a:xfrm rot="656295">
-              <a:off x="2698111" y="1775741"/>
-              <a:ext cx="1571555" cy="1700064"/>
-            </a:xfrm>
-            <a:prstGeom prst="arc">
-              <a:avLst>
-                <a:gd name="adj1" fmla="val 10430236"/>
-                <a:gd name="adj2" fmla="val 20928275"/>
-              </a:avLst>
-            </a:prstGeom>
-            <a:ln w="28575" cmpd="sng"/>
-          </p:spPr>
-          <p:style>
-            <a:lnRef idx="2">
-              <a:schemeClr val="accent1"/>
-            </a:lnRef>
-            <a:fillRef idx="0">
-              <a:schemeClr val="accent1"/>
-            </a:fillRef>
-            <a:effectRef idx="1">
-              <a:schemeClr val="accent1"/>
-            </a:effectRef>
-            <a:fontRef idx="minor">
-              <a:schemeClr val="tx1"/>
-            </a:fontRef>
-          </p:style>
-          <p:txBody>
-            <a:bodyPr rtlCol="0" anchor="ctr"/>
-            <a:lstStyle/>
-            <a:p>
-              <a:pPr algn="ctr"/>
-              <a:endParaRPr lang="fr-FR"/>
-            </a:p>
-          </p:txBody>
-        </p:sp>
-        <p:sp>
-          <p:nvSpPr>
-            <p:cNvPr id="10" name="Arc 9"/>
-            <p:cNvSpPr/>
-            <p:nvPr/>
-          </p:nvSpPr>
-          <p:spPr>
-            <a:xfrm rot="5400000">
-              <a:off x="3907366" y="2374901"/>
-              <a:ext cx="905933" cy="965200"/>
-            </a:xfrm>
-            <a:prstGeom prst="arc">
-              <a:avLst>
-                <a:gd name="adj1" fmla="val 9926378"/>
-                <a:gd name="adj2" fmla="val 0"/>
-              </a:avLst>
-            </a:prstGeom>
-            <a:ln w="28575" cmpd="sng"/>
-          </p:spPr>
-          <p:style>
-            <a:lnRef idx="2">
-              <a:schemeClr val="accent1"/>
-            </a:lnRef>
-            <a:fillRef idx="0">
-              <a:schemeClr val="accent1"/>
-            </a:fillRef>
-            <a:effectRef idx="1">
-              <a:schemeClr val="accent1"/>
-            </a:effectRef>
-            <a:fontRef idx="minor">
-              <a:schemeClr val="tx1"/>
-            </a:fontRef>
-          </p:style>
-          <p:txBody>
-            <a:bodyPr rtlCol="0" anchor="ctr"/>
-            <a:lstStyle/>
-            <a:p>
-              <a:pPr algn="ctr"/>
-              <a:endParaRPr lang="fr-FR"/>
-            </a:p>
-          </p:txBody>
-        </p:sp>
-        <p:cxnSp>
-          <p:nvCxnSpPr>
-            <p:cNvPr id="11" name="Connecteur droit 10"/>
-            <p:cNvCxnSpPr>
-              <a:stCxn id="8" idx="0"/>
-              <a:endCxn id="10" idx="2"/>
-            </p:cNvCxnSpPr>
-            <p:nvPr/>
-          </p:nvCxnSpPr>
-          <p:spPr>
-            <a:xfrm flipV="1">
-              <a:off x="2527581" y="3310468"/>
-              <a:ext cx="1832752" cy="27974"/>
-            </a:xfrm>
-            <a:prstGeom prst="line">
-              <a:avLst/>
-            </a:prstGeom>
-            <a:ln w="28575" cmpd="sng"/>
-          </p:spPr>
-          <p:style>
-            <a:lnRef idx="2">
-              <a:schemeClr val="accent1"/>
-            </a:lnRef>
-            <a:fillRef idx="0">
-              <a:schemeClr val="accent1"/>
-            </a:fillRef>
-            <a:effectRef idx="1">
-              <a:schemeClr val="accent1"/>
-            </a:effectRef>
-            <a:fontRef idx="minor">
-              <a:schemeClr val="tx1"/>
-            </a:fontRef>
-          </p:style>
-        </p:cxnSp>
-      </p:grpSp>
-      <p:sp>
-        <p:nvSpPr>
-          <p:cNvPr id="12" name="Document 11"/>
-          <p:cNvSpPr/>
-          <p:nvPr/>
-        </p:nvSpPr>
-        <p:spPr>
-          <a:xfrm>
-            <a:off x="5118099" y="3427741"/>
-            <a:ext cx="3352800" cy="1643418"/>
-          </a:xfrm>
-          <a:prstGeom prst="flowChartDocument">
-            <a:avLst/>
-          </a:prstGeom>
-          <a:ln w="28575" cmpd="sng">
-            <a:solidFill>
-              <a:srgbClr val="091E24"/>
-            </a:solidFill>
-          </a:ln>
-        </p:spPr>
-        <p:txBody>
-          <a:bodyPr wrap="square">
-            <a:spAutoFit/>
-          </a:bodyPr>
-          <a:lstStyle/>
-          <a:p>
-            <a:pPr marL="285750" indent="-285750">
-              <a:buFont typeface="Arial"/>
-              <a:buChar char="•"/>
-            </a:pPr>
-            <a:r>
-              <a:rPr lang="fr-FR" sz="1600" baseline="30000" dirty="0" smtClean="0">
-                <a:latin typeface="Consolas"/>
-                <a:cs typeface="Consolas"/>
-              </a:rPr>
-              <a:t>Maximum </a:t>
-            </a:r>
-            <a:r>
-              <a:rPr lang="fr-FR" sz="1600" baseline="30000" dirty="0">
-                <a:latin typeface="Consolas"/>
-                <a:cs typeface="Consolas"/>
-              </a:rPr>
-              <a:t>of $5 as total </a:t>
-            </a:r>
-            <a:r>
-              <a:rPr lang="fr-FR" sz="1600" baseline="30000" dirty="0" err="1">
-                <a:latin typeface="Consolas"/>
-                <a:cs typeface="Consolas"/>
-              </a:rPr>
-              <a:t>query</a:t>
-            </a:r>
-            <a:r>
-              <a:rPr lang="fr-FR" sz="1600" baseline="30000" dirty="0">
-                <a:latin typeface="Consolas"/>
-                <a:cs typeface="Consolas"/>
-              </a:rPr>
-              <a:t> </a:t>
-            </a:r>
-            <a:r>
-              <a:rPr lang="fr-FR" sz="1600" baseline="30000" dirty="0" err="1" smtClean="0">
-                <a:latin typeface="Consolas"/>
-                <a:cs typeface="Consolas"/>
-              </a:rPr>
-              <a:t>cost</a:t>
-            </a:r>
-            <a:endParaRPr lang="fr-FR" sz="1600" baseline="30000" dirty="0" smtClean="0">
-              <a:latin typeface="Consolas"/>
-              <a:cs typeface="Consolas"/>
-            </a:endParaRPr>
-          </a:p>
-          <a:p>
-            <a:pPr marL="285750" indent="-285750">
-              <a:buFont typeface="Arial"/>
-              <a:buChar char="•"/>
-            </a:pPr>
-            <a:r>
-              <a:rPr lang="fr-FR" sz="1600" baseline="30000" dirty="0" err="1">
-                <a:latin typeface="Consolas"/>
-                <a:cs typeface="Consolas"/>
-              </a:rPr>
-              <a:t>O</a:t>
-            </a:r>
-            <a:r>
-              <a:rPr lang="fr-FR" sz="1600" baseline="30000" dirty="0" err="1" smtClean="0">
-                <a:latin typeface="Consolas"/>
-                <a:cs typeface="Consolas"/>
-              </a:rPr>
-              <a:t>nly</a:t>
-            </a:r>
-            <a:r>
-              <a:rPr lang="fr-FR" sz="1600" baseline="30000" dirty="0" smtClean="0">
-                <a:latin typeface="Consolas"/>
-                <a:cs typeface="Consolas"/>
-              </a:rPr>
-              <a:t> </a:t>
-            </a:r>
-            <a:r>
-              <a:rPr lang="fr-FR" sz="1600" baseline="30000" dirty="0">
-                <a:latin typeface="Consolas"/>
-                <a:cs typeface="Consolas"/>
-              </a:rPr>
-              <a:t>green </a:t>
-            </a:r>
-            <a:r>
-              <a:rPr lang="fr-FR" sz="1600" baseline="30000" dirty="0" err="1">
-                <a:latin typeface="Consolas"/>
-                <a:cs typeface="Consolas"/>
-              </a:rPr>
-              <a:t>energy</a:t>
-            </a:r>
-            <a:r>
-              <a:rPr lang="fr-FR" sz="1600" baseline="30000" dirty="0">
-                <a:latin typeface="Consolas"/>
-                <a:cs typeface="Consolas"/>
-              </a:rPr>
-              <a:t> </a:t>
-            </a:r>
-            <a:r>
-              <a:rPr lang="fr-FR" sz="1600" baseline="30000" dirty="0" smtClean="0">
-                <a:latin typeface="Consolas"/>
-                <a:cs typeface="Consolas"/>
-              </a:rPr>
-              <a:t>providers (</a:t>
-            </a:r>
-            <a:r>
-              <a:rPr lang="fr-FR" sz="1600" baseline="30000" dirty="0">
-                <a:latin typeface="Consolas"/>
-                <a:cs typeface="Consolas"/>
-              </a:rPr>
-              <a:t>provenance</a:t>
-            </a:r>
-            <a:r>
-              <a:rPr lang="fr-FR" sz="1600" baseline="30000" dirty="0" smtClean="0">
-                <a:latin typeface="Consolas"/>
-                <a:cs typeface="Consolas"/>
-              </a:rPr>
-              <a:t>) </a:t>
-            </a:r>
-          </a:p>
-          <a:p>
-            <a:pPr marL="285750" indent="-285750">
-              <a:buFont typeface="Arial"/>
-              <a:buChar char="•"/>
-            </a:pPr>
-            <a:r>
-              <a:rPr lang="fr-FR" sz="1600" baseline="30000" dirty="0" err="1">
-                <a:latin typeface="Consolas"/>
-                <a:cs typeface="Consolas"/>
-              </a:rPr>
-              <a:t>A</a:t>
-            </a:r>
-            <a:r>
-              <a:rPr lang="fr-FR" sz="1600" baseline="30000" dirty="0" err="1" smtClean="0">
-                <a:latin typeface="Consolas"/>
-                <a:cs typeface="Consolas"/>
-              </a:rPr>
-              <a:t>t</a:t>
-            </a:r>
-            <a:r>
-              <a:rPr lang="fr-FR" sz="1600" baseline="30000" dirty="0" smtClean="0">
-                <a:latin typeface="Consolas"/>
-                <a:cs typeface="Consolas"/>
-              </a:rPr>
-              <a:t> </a:t>
-            </a:r>
-            <a:r>
-              <a:rPr lang="fr-FR" sz="1600" baseline="30000" dirty="0">
-                <a:latin typeface="Consolas"/>
-                <a:cs typeface="Consolas"/>
-              </a:rPr>
-              <a:t>least 85% of </a:t>
-            </a:r>
-            <a:r>
-              <a:rPr lang="fr-FR" sz="1600" baseline="30000" dirty="0" err="1">
-                <a:latin typeface="Consolas"/>
-                <a:cs typeface="Consolas"/>
-              </a:rPr>
-              <a:t>precision</a:t>
-            </a:r>
-            <a:r>
-              <a:rPr lang="fr-FR" sz="1600" baseline="30000" dirty="0">
-                <a:latin typeface="Consolas"/>
-                <a:cs typeface="Consolas"/>
-              </a:rPr>
-              <a:t> of </a:t>
-            </a:r>
-            <a:r>
-              <a:rPr lang="fr-FR" sz="1600" baseline="30000" dirty="0" err="1">
-                <a:latin typeface="Consolas"/>
-                <a:cs typeface="Consolas"/>
-              </a:rPr>
-              <a:t>provided</a:t>
-            </a:r>
-            <a:r>
-              <a:rPr lang="fr-FR" sz="1600" baseline="30000" dirty="0">
-                <a:latin typeface="Consolas"/>
-                <a:cs typeface="Consolas"/>
-              </a:rPr>
-              <a:t> data</a:t>
-            </a:r>
-            <a:r>
-              <a:rPr lang="fr-FR" sz="1600" baseline="30000" dirty="0" smtClean="0">
-                <a:latin typeface="Consolas"/>
-                <a:cs typeface="Consolas"/>
-              </a:rPr>
-              <a:t>,</a:t>
-            </a:r>
-            <a:r>
-              <a:rPr lang="fr-FR" sz="1600" dirty="0" smtClean="0">
-                <a:latin typeface="Consolas"/>
-                <a:cs typeface="Consolas"/>
-              </a:rPr>
-              <a:t> </a:t>
-            </a:r>
-            <a:r>
-              <a:rPr lang="fr-FR" sz="1600" baseline="30000" dirty="0" err="1" smtClean="0">
-                <a:latin typeface="Consolas"/>
-                <a:cs typeface="Consolas"/>
-              </a:rPr>
-              <a:t>even</a:t>
-            </a:r>
-            <a:r>
-              <a:rPr lang="fr-FR" sz="1600" baseline="30000" dirty="0" smtClean="0">
-                <a:latin typeface="Consolas"/>
-                <a:cs typeface="Consolas"/>
-              </a:rPr>
-              <a:t> </a:t>
-            </a:r>
-            <a:r>
-              <a:rPr lang="fr-FR" sz="1600" baseline="30000" dirty="0">
-                <a:latin typeface="Consolas"/>
-                <a:cs typeface="Consolas"/>
-              </a:rPr>
-              <a:t>if </a:t>
-            </a:r>
-            <a:r>
-              <a:rPr lang="fr-FR" sz="1600" baseline="30000" dirty="0" err="1">
-                <a:latin typeface="Consolas"/>
-                <a:cs typeface="Consolas"/>
-              </a:rPr>
-              <a:t>they</a:t>
-            </a:r>
-            <a:r>
-              <a:rPr lang="fr-FR" sz="1600" baseline="30000" dirty="0">
-                <a:latin typeface="Consolas"/>
-                <a:cs typeface="Consolas"/>
-              </a:rPr>
-              <a:t> are not </a:t>
-            </a:r>
-            <a:r>
-              <a:rPr lang="fr-FR" sz="1600" baseline="30000" dirty="0" err="1" smtClean="0">
-                <a:latin typeface="Consolas"/>
-                <a:cs typeface="Consolas"/>
-              </a:rPr>
-              <a:t>fresh</a:t>
-            </a:r>
-            <a:r>
-              <a:rPr lang="fr-FR" sz="1600" baseline="30000" dirty="0" smtClean="0">
-                <a:latin typeface="Consolas"/>
-                <a:cs typeface="Consolas"/>
-              </a:rPr>
-              <a:t> </a:t>
-            </a:r>
-            <a:endParaRPr lang="fr-FR" sz="1600" baseline="30000" dirty="0">
-              <a:latin typeface="Consolas"/>
-              <a:cs typeface="Consolas"/>
-            </a:endParaRPr>
-          </a:p>
-          <a:p>
-            <a:pPr marL="285750" indent="-285750">
-              <a:buFont typeface="Arial"/>
-              <a:buChar char="•"/>
-            </a:pPr>
-            <a:r>
-              <a:rPr lang="fr-FR" sz="1600" baseline="30000" dirty="0" err="1">
-                <a:latin typeface="Consolas"/>
-                <a:cs typeface="Consolas"/>
-              </a:rPr>
-              <a:t>A</a:t>
-            </a:r>
-            <a:r>
-              <a:rPr lang="fr-FR" sz="1600" baseline="30000" dirty="0" err="1" smtClean="0">
-                <a:latin typeface="Consolas"/>
-                <a:cs typeface="Consolas"/>
-              </a:rPr>
-              <a:t>vailability</a:t>
-            </a:r>
-            <a:r>
-              <a:rPr lang="fr-FR" sz="1600" baseline="30000" dirty="0" smtClean="0">
-                <a:latin typeface="Consolas"/>
-                <a:cs typeface="Consolas"/>
-              </a:rPr>
-              <a:t> </a:t>
-            </a:r>
-            <a:r>
-              <a:rPr lang="fr-FR" sz="1600" baseline="30000" dirty="0">
-                <a:latin typeface="Consolas"/>
-                <a:cs typeface="Consolas"/>
-              </a:rPr>
-              <a:t>rate of </a:t>
-            </a:r>
-            <a:r>
-              <a:rPr lang="fr-FR" sz="1600" baseline="30000" dirty="0" err="1">
-                <a:latin typeface="Consolas"/>
-                <a:cs typeface="Consolas"/>
-              </a:rPr>
-              <a:t>at</a:t>
-            </a:r>
-            <a:r>
-              <a:rPr lang="fr-FR" sz="1600" baseline="30000" dirty="0">
-                <a:latin typeface="Consolas"/>
-                <a:cs typeface="Consolas"/>
-              </a:rPr>
-              <a:t> least 90</a:t>
-            </a:r>
-            <a:r>
-              <a:rPr lang="fr-FR" sz="1600" baseline="30000" dirty="0" smtClean="0">
-                <a:latin typeface="Consolas"/>
-                <a:cs typeface="Consolas"/>
-              </a:rPr>
-              <a:t>%</a:t>
-            </a:r>
-          </a:p>
-          <a:p>
-            <a:pPr marL="285750" indent="-285750">
-              <a:buFont typeface="Arial"/>
-              <a:buChar char="•"/>
-            </a:pPr>
-            <a:r>
-              <a:rPr lang="fr-FR" sz="1600" baseline="30000" dirty="0" err="1">
-                <a:latin typeface="Consolas"/>
-                <a:cs typeface="Consolas"/>
-              </a:rPr>
-              <a:t>R</a:t>
-            </a:r>
-            <a:r>
-              <a:rPr lang="fr-FR" sz="1600" baseline="30000" dirty="0" err="1" smtClean="0">
-                <a:latin typeface="Consolas"/>
-                <a:cs typeface="Consolas"/>
-              </a:rPr>
-              <a:t>esponse</a:t>
-            </a:r>
-            <a:r>
-              <a:rPr lang="fr-FR" sz="1600" baseline="30000" dirty="0" smtClean="0">
-                <a:latin typeface="Consolas"/>
-                <a:cs typeface="Consolas"/>
-              </a:rPr>
-              <a:t> </a:t>
-            </a:r>
-            <a:r>
-              <a:rPr lang="fr-FR" sz="1600" baseline="30000" dirty="0">
-                <a:latin typeface="Consolas"/>
-                <a:cs typeface="Consolas"/>
-              </a:rPr>
-              <a:t>time of 0,01 </a:t>
-            </a:r>
-            <a:r>
-              <a:rPr lang="fr-FR" sz="1600" baseline="30000" dirty="0" smtClean="0">
-                <a:latin typeface="Consolas"/>
-                <a:cs typeface="Consolas"/>
-              </a:rPr>
-              <a:t>sec.</a:t>
-            </a:r>
-            <a:endParaRPr lang="fr-FR" sz="1600" dirty="0">
-              <a:latin typeface="Consolas"/>
-              <a:cs typeface="Consolas"/>
-            </a:endParaRPr>
-          </a:p>
-        </p:txBody>
-      </p:sp>
-      <p:pic>
-        <p:nvPicPr>
-          <p:cNvPr id="13" name="Image 12" descr="user-icon.png"/>
-          <p:cNvPicPr>
-            <a:picLocks noChangeAspect="1"/>
-          </p:cNvPicPr>
-          <p:nvPr/>
-        </p:nvPicPr>
-        <p:blipFill>
-          <a:blip r:embed="rId4">
-            <a:extLst>
-              <a:ext uri="{28A0092B-C50C-407E-A947-70E740481C1C}">
-                <a14:useLocalDpi xmlns:a14="http://schemas.microsoft.com/office/drawing/2010/main" val="0"/>
-              </a:ext>
-            </a:extLst>
-          </a:blip>
-          <a:stretch>
-            <a:fillRect/>
-          </a:stretch>
-        </p:blipFill>
-        <p:spPr>
-          <a:xfrm>
-            <a:off x="8043332" y="4258732"/>
-            <a:ext cx="560369" cy="580542"/>
+            <a:off x="3757697" y="101600"/>
+            <a:ext cx="5386303" cy="3155687"/>
           </a:xfrm>
           <a:prstGeom prst="rect">
             <a:avLst/>
@@ -8042,7 +8827,7 @@
           </a:prstGeom>
           <a:ln w="38100" cmpd="sng">
             <a:solidFill>
-              <a:schemeClr val="accent4"/>
+              <a:srgbClr val="400080"/>
             </a:solidFill>
           </a:ln>
         </p:spPr>
@@ -8509,10 +9294,1018 @@
           </a:p>
         </p:txBody>
       </p:sp>
+      <p:grpSp>
+        <p:nvGrpSpPr>
+          <p:cNvPr id="21" name="Grouper 20"/>
+          <p:cNvGrpSpPr/>
+          <p:nvPr/>
+        </p:nvGrpSpPr>
+        <p:grpSpPr>
+          <a:xfrm>
+            <a:off x="330199" y="1696164"/>
+            <a:ext cx="3293451" cy="1292574"/>
+            <a:chOff x="330199" y="1696164"/>
+            <a:chExt cx="3293451" cy="1292574"/>
+          </a:xfrm>
+        </p:grpSpPr>
+        <p:sp>
+          <p:nvSpPr>
+            <p:cNvPr id="5" name="Document 4"/>
+            <p:cNvSpPr/>
+            <p:nvPr/>
+          </p:nvSpPr>
+          <p:spPr>
+            <a:xfrm>
+              <a:off x="330199" y="1696164"/>
+              <a:ext cx="3111500" cy="1133831"/>
+            </a:xfrm>
+            <a:prstGeom prst="flowChartDocument">
+              <a:avLst/>
+            </a:prstGeom>
+            <a:ln w="38100" cmpd="sng">
+              <a:solidFill>
+                <a:schemeClr val="tx1">
+                  <a:lumMod val="65000"/>
+                  <a:lumOff val="35000"/>
+                </a:schemeClr>
+              </a:solidFill>
+            </a:ln>
+          </p:spPr>
+          <p:txBody>
+            <a:bodyPr wrap="square">
+              <a:spAutoFit/>
+            </a:bodyPr>
+            <a:lstStyle/>
+            <a:p>
+              <a:pPr marL="285750" indent="-285750">
+                <a:buFont typeface="Arial"/>
+                <a:buChar char="•"/>
+              </a:pPr>
+              <a:r>
+                <a:rPr lang="fr-FR" sz="1600" baseline="30000" dirty="0" err="1">
+                  <a:latin typeface="Consolas"/>
+                  <a:cs typeface="Consolas"/>
+                </a:rPr>
+                <a:t>C</a:t>
+              </a:r>
+              <a:r>
+                <a:rPr lang="fr-FR" sz="1600" baseline="30000" dirty="0" err="1" smtClean="0">
+                  <a:latin typeface="Consolas"/>
+                  <a:cs typeface="Consolas"/>
+                </a:rPr>
+                <a:t>ost</a:t>
+              </a:r>
+              <a:r>
+                <a:rPr lang="fr-FR" sz="1600" baseline="30000" dirty="0" smtClean="0">
+                  <a:latin typeface="Consolas"/>
+                  <a:cs typeface="Consolas"/>
+                </a:rPr>
+                <a:t> </a:t>
+              </a:r>
+              <a:r>
+                <a:rPr lang="fr-FR" sz="1600" baseline="30000" dirty="0">
+                  <a:latin typeface="Consolas"/>
+                  <a:cs typeface="Consolas"/>
+                </a:rPr>
+                <a:t>of $0,05 cents per </a:t>
+              </a:r>
+              <a:r>
+                <a:rPr lang="fr-FR" sz="1600" baseline="30000" dirty="0" smtClean="0">
+                  <a:latin typeface="Consolas"/>
+                  <a:cs typeface="Consolas"/>
+                </a:rPr>
+                <a:t>call </a:t>
+              </a:r>
+            </a:p>
+            <a:p>
+              <a:pPr marL="285750" indent="-285750">
+                <a:buFont typeface="Arial"/>
+                <a:buChar char="•"/>
+              </a:pPr>
+              <a:r>
+                <a:rPr lang="fr-FR" sz="1600" baseline="30000" dirty="0" smtClean="0">
+                  <a:latin typeface="Consolas"/>
+                  <a:cs typeface="Consolas"/>
+                </a:rPr>
+                <a:t>8 </a:t>
+              </a:r>
+              <a:r>
+                <a:rPr lang="fr-FR" sz="1600" baseline="30000" dirty="0">
+                  <a:latin typeface="Consolas"/>
+                  <a:cs typeface="Consolas"/>
+                </a:rPr>
+                <a:t>GB of I/O volume/</a:t>
+              </a:r>
+              <a:r>
+                <a:rPr lang="fr-FR" sz="1600" baseline="30000" dirty="0" err="1" smtClean="0">
+                  <a:latin typeface="Consolas"/>
+                  <a:cs typeface="Consolas"/>
+                </a:rPr>
+                <a:t>month</a:t>
+              </a:r>
+              <a:endParaRPr lang="fr-FR" sz="1600" baseline="30000" dirty="0" smtClean="0">
+                <a:latin typeface="Consolas"/>
+                <a:cs typeface="Consolas"/>
+              </a:endParaRPr>
+            </a:p>
+            <a:p>
+              <a:pPr marL="285750" indent="-285750">
+                <a:buFont typeface="Arial"/>
+                <a:buChar char="•"/>
+              </a:pPr>
+              <a:r>
+                <a:rPr lang="fr-FR" sz="1600" baseline="30000" dirty="0">
+                  <a:latin typeface="Consolas"/>
+                  <a:cs typeface="Consolas"/>
+                </a:rPr>
+                <a:t>F</a:t>
+              </a:r>
+              <a:r>
+                <a:rPr lang="fr-FR" sz="1600" baseline="30000" dirty="0" smtClean="0">
+                  <a:latin typeface="Consolas"/>
+                  <a:cs typeface="Consolas"/>
+                </a:rPr>
+                <a:t>ree </a:t>
+              </a:r>
+              <a:r>
+                <a:rPr lang="fr-FR" sz="1600" baseline="30000" dirty="0">
+                  <a:latin typeface="Consolas"/>
+                  <a:cs typeface="Consolas"/>
+                </a:rPr>
+                <a:t>data </a:t>
+              </a:r>
+              <a:r>
+                <a:rPr lang="fr-FR" sz="1600" baseline="30000" dirty="0" err="1">
+                  <a:latin typeface="Consolas"/>
+                  <a:cs typeface="Consolas"/>
+                </a:rPr>
+                <a:t>transfer</a:t>
+              </a:r>
+              <a:r>
+                <a:rPr lang="fr-FR" sz="1600" baseline="30000" dirty="0">
+                  <a:latin typeface="Consolas"/>
+                  <a:cs typeface="Consolas"/>
+                </a:rPr>
+                <a:t> </a:t>
+              </a:r>
+              <a:r>
+                <a:rPr lang="fr-FR" sz="1600" baseline="30000" dirty="0" err="1">
+                  <a:latin typeface="Consolas"/>
+                  <a:cs typeface="Consolas"/>
+                </a:rPr>
+                <a:t>cost</a:t>
+              </a:r>
+              <a:r>
+                <a:rPr lang="fr-FR" sz="1600" baseline="30000" dirty="0">
+                  <a:latin typeface="Consolas"/>
+                  <a:cs typeface="Consolas"/>
+                </a:rPr>
+                <a:t> </a:t>
+              </a:r>
+              <a:r>
+                <a:rPr lang="fr-FR" sz="1600" baseline="30000" dirty="0" err="1">
+                  <a:latin typeface="Consolas"/>
+                  <a:cs typeface="Consolas"/>
+                </a:rPr>
+                <a:t>within</a:t>
+              </a:r>
+              <a:r>
+                <a:rPr lang="fr-FR" sz="1600" baseline="30000" dirty="0">
+                  <a:latin typeface="Consolas"/>
+                  <a:cs typeface="Consolas"/>
+                </a:rPr>
+                <a:t> the </a:t>
+              </a:r>
+              <a:r>
+                <a:rPr lang="fr-FR" sz="1600" baseline="30000" dirty="0" err="1">
+                  <a:latin typeface="Consolas"/>
+                  <a:cs typeface="Consolas"/>
+                </a:rPr>
+                <a:t>same</a:t>
+              </a:r>
+              <a:r>
+                <a:rPr lang="fr-FR" sz="1600" baseline="30000" dirty="0">
+                  <a:latin typeface="Consolas"/>
+                  <a:cs typeface="Consolas"/>
+                </a:rPr>
+                <a:t> </a:t>
+              </a:r>
+              <a:r>
+                <a:rPr lang="fr-FR" sz="1600" baseline="30000" dirty="0" err="1" smtClean="0">
+                  <a:latin typeface="Consolas"/>
+                  <a:cs typeface="Consolas"/>
+                </a:rPr>
+                <a:t>region</a:t>
+              </a:r>
+              <a:endParaRPr lang="fr-FR" sz="1600" baseline="30000" dirty="0" smtClean="0">
+                <a:latin typeface="Consolas"/>
+                <a:cs typeface="Consolas"/>
+              </a:endParaRPr>
+            </a:p>
+            <a:p>
+              <a:pPr marL="285750" indent="-285750">
+                <a:buFont typeface="Arial"/>
+                <a:buChar char="•"/>
+              </a:pPr>
+              <a:r>
+                <a:rPr lang="fr-FR" sz="1600" baseline="30000" dirty="0" smtClean="0">
+                  <a:latin typeface="Consolas"/>
+                  <a:cs typeface="Consolas"/>
+                </a:rPr>
+                <a:t>1 </a:t>
+              </a:r>
+              <a:r>
+                <a:rPr lang="fr-FR" sz="1600" baseline="30000" dirty="0">
+                  <a:latin typeface="Consolas"/>
+                  <a:cs typeface="Consolas"/>
+                </a:rPr>
+                <a:t>GB of </a:t>
+              </a:r>
+              <a:r>
+                <a:rPr lang="fr-FR" sz="1600" baseline="30000" dirty="0" err="1">
+                  <a:latin typeface="Consolas"/>
+                  <a:cs typeface="Consolas"/>
+                </a:rPr>
+                <a:t>storage</a:t>
+              </a:r>
+              <a:endParaRPr lang="fr-FR" sz="1600" dirty="0">
+                <a:latin typeface="Consolas"/>
+                <a:cs typeface="Consolas"/>
+              </a:endParaRPr>
+            </a:p>
+          </p:txBody>
+        </p:sp>
+        <p:grpSp>
+          <p:nvGrpSpPr>
+            <p:cNvPr id="20" name="Grouper 19"/>
+            <p:cNvGrpSpPr/>
+            <p:nvPr/>
+          </p:nvGrpSpPr>
+          <p:grpSpPr>
+            <a:xfrm>
+              <a:off x="2424437" y="2216012"/>
+              <a:ext cx="1199213" cy="772726"/>
+              <a:chOff x="2424437" y="2216012"/>
+              <a:chExt cx="1199213" cy="772726"/>
+            </a:xfrm>
+          </p:grpSpPr>
+          <p:pic>
+            <p:nvPicPr>
+              <p:cNvPr id="6" name="Image 5"/>
+              <p:cNvPicPr>
+                <a:picLocks noChangeAspect="1"/>
+              </p:cNvPicPr>
+              <p:nvPr/>
+            </p:nvPicPr>
+            <p:blipFill>
+              <a:blip r:embed="rId4"/>
+              <a:stretch>
+                <a:fillRect/>
+              </a:stretch>
+            </p:blipFill>
+            <p:spPr>
+              <a:xfrm>
+                <a:off x="2548462" y="2357972"/>
+                <a:ext cx="1051885" cy="463701"/>
+              </a:xfrm>
+              <a:prstGeom prst="rect">
+                <a:avLst/>
+              </a:prstGeom>
+            </p:spPr>
+          </p:pic>
+          <p:grpSp>
+            <p:nvGrpSpPr>
+              <p:cNvPr id="7" name="Grouper 6"/>
+              <p:cNvGrpSpPr/>
+              <p:nvPr/>
+            </p:nvGrpSpPr>
+            <p:grpSpPr>
+              <a:xfrm>
+                <a:off x="2424437" y="2216012"/>
+                <a:ext cx="1199213" cy="772726"/>
+                <a:chOff x="1857254" y="1775741"/>
+                <a:chExt cx="2985679" cy="1700064"/>
+              </a:xfrm>
+            </p:grpSpPr>
+            <p:sp>
+              <p:nvSpPr>
+                <p:cNvPr id="8" name="Arc 7"/>
+                <p:cNvSpPr/>
+                <p:nvPr/>
+              </p:nvSpPr>
+              <p:spPr>
+                <a:xfrm rot="16492063">
+                  <a:off x="2064987" y="2209791"/>
+                  <a:ext cx="919931" cy="1335398"/>
+                </a:xfrm>
+                <a:prstGeom prst="arc">
+                  <a:avLst>
+                    <a:gd name="adj1" fmla="val 10488337"/>
+                    <a:gd name="adj2" fmla="val 984161"/>
+                  </a:avLst>
+                </a:prstGeom>
+                <a:ln w="28575" cmpd="sng"/>
+              </p:spPr>
+              <p:style>
+                <a:lnRef idx="2">
+                  <a:schemeClr val="accent1"/>
+                </a:lnRef>
+                <a:fillRef idx="0">
+                  <a:schemeClr val="accent1"/>
+                </a:fillRef>
+                <a:effectRef idx="1">
+                  <a:schemeClr val="accent1"/>
+                </a:effectRef>
+                <a:fontRef idx="minor">
+                  <a:schemeClr val="tx1"/>
+                </a:fontRef>
+              </p:style>
+              <p:txBody>
+                <a:bodyPr rtlCol="0" anchor="ctr"/>
+                <a:lstStyle/>
+                <a:p>
+                  <a:pPr algn="ctr"/>
+                  <a:endParaRPr lang="fr-FR"/>
+                </a:p>
+              </p:txBody>
+            </p:sp>
+            <p:sp>
+              <p:nvSpPr>
+                <p:cNvPr id="9" name="Arc 8"/>
+                <p:cNvSpPr/>
+                <p:nvPr/>
+              </p:nvSpPr>
+              <p:spPr>
+                <a:xfrm rot="656295">
+                  <a:off x="2698111" y="1775741"/>
+                  <a:ext cx="1571555" cy="1700064"/>
+                </a:xfrm>
+                <a:prstGeom prst="arc">
+                  <a:avLst>
+                    <a:gd name="adj1" fmla="val 10430236"/>
+                    <a:gd name="adj2" fmla="val 20928275"/>
+                  </a:avLst>
+                </a:prstGeom>
+                <a:ln w="28575" cmpd="sng"/>
+              </p:spPr>
+              <p:style>
+                <a:lnRef idx="2">
+                  <a:schemeClr val="accent1"/>
+                </a:lnRef>
+                <a:fillRef idx="0">
+                  <a:schemeClr val="accent1"/>
+                </a:fillRef>
+                <a:effectRef idx="1">
+                  <a:schemeClr val="accent1"/>
+                </a:effectRef>
+                <a:fontRef idx="minor">
+                  <a:schemeClr val="tx1"/>
+                </a:fontRef>
+              </p:style>
+              <p:txBody>
+                <a:bodyPr rtlCol="0" anchor="ctr"/>
+                <a:lstStyle/>
+                <a:p>
+                  <a:pPr algn="ctr"/>
+                  <a:endParaRPr lang="fr-FR"/>
+                </a:p>
+              </p:txBody>
+            </p:sp>
+            <p:sp>
+              <p:nvSpPr>
+                <p:cNvPr id="10" name="Arc 9"/>
+                <p:cNvSpPr/>
+                <p:nvPr/>
+              </p:nvSpPr>
+              <p:spPr>
+                <a:xfrm rot="5400000">
+                  <a:off x="3907366" y="2374901"/>
+                  <a:ext cx="905933" cy="965200"/>
+                </a:xfrm>
+                <a:prstGeom prst="arc">
+                  <a:avLst>
+                    <a:gd name="adj1" fmla="val 9926378"/>
+                    <a:gd name="adj2" fmla="val 0"/>
+                  </a:avLst>
+                </a:prstGeom>
+                <a:ln w="28575" cmpd="sng"/>
+              </p:spPr>
+              <p:style>
+                <a:lnRef idx="2">
+                  <a:schemeClr val="accent1"/>
+                </a:lnRef>
+                <a:fillRef idx="0">
+                  <a:schemeClr val="accent1"/>
+                </a:fillRef>
+                <a:effectRef idx="1">
+                  <a:schemeClr val="accent1"/>
+                </a:effectRef>
+                <a:fontRef idx="minor">
+                  <a:schemeClr val="tx1"/>
+                </a:fontRef>
+              </p:style>
+              <p:txBody>
+                <a:bodyPr rtlCol="0" anchor="ctr"/>
+                <a:lstStyle/>
+                <a:p>
+                  <a:pPr algn="ctr"/>
+                  <a:endParaRPr lang="fr-FR"/>
+                </a:p>
+              </p:txBody>
+            </p:sp>
+            <p:cxnSp>
+              <p:nvCxnSpPr>
+                <p:cNvPr id="11" name="Connecteur droit 10"/>
+                <p:cNvCxnSpPr>
+                  <a:stCxn id="8" idx="0"/>
+                  <a:endCxn id="10" idx="2"/>
+                </p:cNvCxnSpPr>
+                <p:nvPr/>
+              </p:nvCxnSpPr>
+              <p:spPr>
+                <a:xfrm flipV="1">
+                  <a:off x="2527581" y="3310468"/>
+                  <a:ext cx="1832752" cy="27974"/>
+                </a:xfrm>
+                <a:prstGeom prst="line">
+                  <a:avLst/>
+                </a:prstGeom>
+                <a:ln w="28575" cmpd="sng"/>
+              </p:spPr>
+              <p:style>
+                <a:lnRef idx="2">
+                  <a:schemeClr val="accent1"/>
+                </a:lnRef>
+                <a:fillRef idx="0">
+                  <a:schemeClr val="accent1"/>
+                </a:fillRef>
+                <a:effectRef idx="1">
+                  <a:schemeClr val="accent1"/>
+                </a:effectRef>
+                <a:fontRef idx="minor">
+                  <a:schemeClr val="tx1"/>
+                </a:fontRef>
+              </p:style>
+            </p:cxnSp>
+          </p:grpSp>
+        </p:grpSp>
+      </p:grpSp>
+      <p:sp>
+        <p:nvSpPr>
+          <p:cNvPr id="15" name="Rectangle 14"/>
+          <p:cNvSpPr/>
+          <p:nvPr/>
+        </p:nvSpPr>
+        <p:spPr>
+          <a:xfrm>
+            <a:off x="6502400" y="431800"/>
+            <a:ext cx="1181100" cy="520700"/>
+          </a:xfrm>
+          <a:prstGeom prst="rect">
+            <a:avLst/>
+          </a:prstGeom>
+          <a:noFill/>
+          <a:ln w="38100" cmpd="sng">
+            <a:solidFill>
+              <a:srgbClr val="595959"/>
+            </a:solidFill>
+          </a:ln>
+          <a:effectLst/>
+        </p:spPr>
+        <p:style>
+          <a:lnRef idx="1">
+            <a:schemeClr val="accent1"/>
+          </a:lnRef>
+          <a:fillRef idx="3">
+            <a:schemeClr val="accent1"/>
+          </a:fillRef>
+          <a:effectRef idx="2">
+            <a:schemeClr val="accent1"/>
+          </a:effectRef>
+          <a:fontRef idx="minor">
+            <a:schemeClr val="lt1"/>
+          </a:fontRef>
+        </p:style>
+        <p:txBody>
+          <a:bodyPr rtlCol="0" anchor="ctr"/>
+          <a:lstStyle/>
+          <a:p>
+            <a:pPr algn="ctr"/>
+            <a:endParaRPr lang="en-GB"/>
+          </a:p>
+        </p:txBody>
+      </p:sp>
+      <p:sp>
+        <p:nvSpPr>
+          <p:cNvPr id="17" name="Rectangle 16"/>
+          <p:cNvSpPr/>
+          <p:nvPr/>
+        </p:nvSpPr>
+        <p:spPr>
+          <a:xfrm>
+            <a:off x="4978400" y="2019300"/>
+            <a:ext cx="2324100" cy="1168400"/>
+          </a:xfrm>
+          <a:prstGeom prst="rect">
+            <a:avLst/>
+          </a:prstGeom>
+          <a:noFill/>
+          <a:ln w="38100" cmpd="sng">
+            <a:solidFill>
+              <a:srgbClr val="BF8700"/>
+            </a:solidFill>
+          </a:ln>
+          <a:effectLst/>
+        </p:spPr>
+        <p:style>
+          <a:lnRef idx="1">
+            <a:schemeClr val="accent1"/>
+          </a:lnRef>
+          <a:fillRef idx="3">
+            <a:schemeClr val="accent1"/>
+          </a:fillRef>
+          <a:effectRef idx="2">
+            <a:schemeClr val="accent1"/>
+          </a:effectRef>
+          <a:fontRef idx="minor">
+            <a:schemeClr val="lt1"/>
+          </a:fontRef>
+        </p:style>
+        <p:txBody>
+          <a:bodyPr rtlCol="0" anchor="ctr"/>
+          <a:lstStyle/>
+          <a:p>
+            <a:pPr algn="ctr"/>
+            <a:endParaRPr lang="en-GB"/>
+          </a:p>
+        </p:txBody>
+      </p:sp>
+      <p:sp>
+        <p:nvSpPr>
+          <p:cNvPr id="19" name="Rectangle 18"/>
+          <p:cNvSpPr/>
+          <p:nvPr/>
+        </p:nvSpPr>
+        <p:spPr>
+          <a:xfrm>
+            <a:off x="3797300" y="1663700"/>
+            <a:ext cx="2387600" cy="520700"/>
+          </a:xfrm>
+          <a:prstGeom prst="rect">
+            <a:avLst/>
+          </a:prstGeom>
+          <a:noFill/>
+          <a:ln w="38100" cmpd="sng">
+            <a:solidFill>
+              <a:srgbClr val="660066"/>
+            </a:solidFill>
+          </a:ln>
+          <a:effectLst/>
+        </p:spPr>
+        <p:style>
+          <a:lnRef idx="1">
+            <a:schemeClr val="accent1"/>
+          </a:lnRef>
+          <a:fillRef idx="3">
+            <a:schemeClr val="accent1"/>
+          </a:fillRef>
+          <a:effectRef idx="2">
+            <a:schemeClr val="accent1"/>
+          </a:effectRef>
+          <a:fontRef idx="minor">
+            <a:schemeClr val="lt1"/>
+          </a:fontRef>
+        </p:style>
+        <p:txBody>
+          <a:bodyPr rtlCol="0" anchor="ctr"/>
+          <a:lstStyle/>
+          <a:p>
+            <a:pPr algn="ctr"/>
+            <a:endParaRPr lang="en-GB"/>
+          </a:p>
+        </p:txBody>
+      </p:sp>
+      <p:grpSp>
+        <p:nvGrpSpPr>
+          <p:cNvPr id="22" name="Grouper 21"/>
+          <p:cNvGrpSpPr/>
+          <p:nvPr/>
+        </p:nvGrpSpPr>
+        <p:grpSpPr>
+          <a:xfrm>
+            <a:off x="5118099" y="3427741"/>
+            <a:ext cx="3485602" cy="1643418"/>
+            <a:chOff x="5118099" y="3427741"/>
+            <a:chExt cx="3485602" cy="1643418"/>
+          </a:xfrm>
+        </p:grpSpPr>
+        <p:sp>
+          <p:nvSpPr>
+            <p:cNvPr id="12" name="Document 11"/>
+            <p:cNvSpPr/>
+            <p:nvPr/>
+          </p:nvSpPr>
+          <p:spPr>
+            <a:xfrm>
+              <a:off x="5118099" y="3427741"/>
+              <a:ext cx="3352800" cy="1643418"/>
+            </a:xfrm>
+            <a:prstGeom prst="flowChartDocument">
+              <a:avLst/>
+            </a:prstGeom>
+            <a:ln w="28575" cmpd="sng">
+              <a:solidFill>
+                <a:schemeClr val="accent4">
+                  <a:lumMod val="75000"/>
+                </a:schemeClr>
+              </a:solidFill>
+            </a:ln>
+          </p:spPr>
+          <p:txBody>
+            <a:bodyPr wrap="square">
+              <a:spAutoFit/>
+            </a:bodyPr>
+            <a:lstStyle/>
+            <a:p>
+              <a:pPr marL="285750" indent="-285750">
+                <a:buFont typeface="Arial"/>
+                <a:buChar char="•"/>
+              </a:pPr>
+              <a:r>
+                <a:rPr lang="fr-FR" sz="1600" baseline="30000" dirty="0" smtClean="0">
+                  <a:latin typeface="Consolas"/>
+                  <a:cs typeface="Consolas"/>
+                </a:rPr>
+                <a:t>Maximum </a:t>
+              </a:r>
+              <a:r>
+                <a:rPr lang="fr-FR" sz="1600" baseline="30000" dirty="0">
+                  <a:latin typeface="Consolas"/>
+                  <a:cs typeface="Consolas"/>
+                </a:rPr>
+                <a:t>of $5 as total </a:t>
+              </a:r>
+              <a:r>
+                <a:rPr lang="fr-FR" sz="1600" baseline="30000" dirty="0" err="1">
+                  <a:latin typeface="Consolas"/>
+                  <a:cs typeface="Consolas"/>
+                </a:rPr>
+                <a:t>query</a:t>
+              </a:r>
+              <a:r>
+                <a:rPr lang="fr-FR" sz="1600" baseline="30000" dirty="0">
+                  <a:latin typeface="Consolas"/>
+                  <a:cs typeface="Consolas"/>
+                </a:rPr>
+                <a:t> </a:t>
+              </a:r>
+              <a:r>
+                <a:rPr lang="fr-FR" sz="1600" baseline="30000" dirty="0" err="1" smtClean="0">
+                  <a:latin typeface="Consolas"/>
+                  <a:cs typeface="Consolas"/>
+                </a:rPr>
+                <a:t>cost</a:t>
+              </a:r>
+              <a:endParaRPr lang="fr-FR" sz="1600" baseline="30000" dirty="0" smtClean="0">
+                <a:latin typeface="Consolas"/>
+                <a:cs typeface="Consolas"/>
+              </a:endParaRPr>
+            </a:p>
+            <a:p>
+              <a:pPr marL="285750" indent="-285750">
+                <a:buFont typeface="Arial"/>
+                <a:buChar char="•"/>
+              </a:pPr>
+              <a:r>
+                <a:rPr lang="fr-FR" sz="1600" baseline="30000" dirty="0" err="1">
+                  <a:latin typeface="Consolas"/>
+                  <a:cs typeface="Consolas"/>
+                </a:rPr>
+                <a:t>O</a:t>
+              </a:r>
+              <a:r>
+                <a:rPr lang="fr-FR" sz="1600" baseline="30000" dirty="0" err="1" smtClean="0">
+                  <a:latin typeface="Consolas"/>
+                  <a:cs typeface="Consolas"/>
+                </a:rPr>
+                <a:t>nly</a:t>
+              </a:r>
+              <a:r>
+                <a:rPr lang="fr-FR" sz="1600" baseline="30000" dirty="0" smtClean="0">
+                  <a:latin typeface="Consolas"/>
+                  <a:cs typeface="Consolas"/>
+                </a:rPr>
+                <a:t> </a:t>
+              </a:r>
+              <a:r>
+                <a:rPr lang="fr-FR" sz="1600" baseline="30000" dirty="0">
+                  <a:latin typeface="Consolas"/>
+                  <a:cs typeface="Consolas"/>
+                </a:rPr>
+                <a:t>green </a:t>
+              </a:r>
+              <a:r>
+                <a:rPr lang="fr-FR" sz="1600" baseline="30000" dirty="0" err="1">
+                  <a:latin typeface="Consolas"/>
+                  <a:cs typeface="Consolas"/>
+                </a:rPr>
+                <a:t>energy</a:t>
+              </a:r>
+              <a:r>
+                <a:rPr lang="fr-FR" sz="1600" baseline="30000" dirty="0">
+                  <a:latin typeface="Consolas"/>
+                  <a:cs typeface="Consolas"/>
+                </a:rPr>
+                <a:t> </a:t>
+              </a:r>
+              <a:r>
+                <a:rPr lang="fr-FR" sz="1600" baseline="30000" dirty="0" smtClean="0">
+                  <a:latin typeface="Consolas"/>
+                  <a:cs typeface="Consolas"/>
+                </a:rPr>
+                <a:t>providers (</a:t>
+              </a:r>
+              <a:r>
+                <a:rPr lang="fr-FR" sz="1600" baseline="30000" dirty="0">
+                  <a:latin typeface="Consolas"/>
+                  <a:cs typeface="Consolas"/>
+                </a:rPr>
+                <a:t>provenance</a:t>
+              </a:r>
+              <a:r>
+                <a:rPr lang="fr-FR" sz="1600" baseline="30000" dirty="0" smtClean="0">
+                  <a:latin typeface="Consolas"/>
+                  <a:cs typeface="Consolas"/>
+                </a:rPr>
+                <a:t>) </a:t>
+              </a:r>
+            </a:p>
+            <a:p>
+              <a:pPr marL="285750" indent="-285750">
+                <a:buFont typeface="Arial"/>
+                <a:buChar char="•"/>
+              </a:pPr>
+              <a:r>
+                <a:rPr lang="fr-FR" sz="1600" baseline="30000" dirty="0" err="1">
+                  <a:latin typeface="Consolas"/>
+                  <a:cs typeface="Consolas"/>
+                </a:rPr>
+                <a:t>A</a:t>
+              </a:r>
+              <a:r>
+                <a:rPr lang="fr-FR" sz="1600" baseline="30000" dirty="0" err="1" smtClean="0">
+                  <a:latin typeface="Consolas"/>
+                  <a:cs typeface="Consolas"/>
+                </a:rPr>
+                <a:t>t</a:t>
+              </a:r>
+              <a:r>
+                <a:rPr lang="fr-FR" sz="1600" baseline="30000" dirty="0" smtClean="0">
+                  <a:latin typeface="Consolas"/>
+                  <a:cs typeface="Consolas"/>
+                </a:rPr>
+                <a:t> </a:t>
+              </a:r>
+              <a:r>
+                <a:rPr lang="fr-FR" sz="1600" baseline="30000" dirty="0">
+                  <a:latin typeface="Consolas"/>
+                  <a:cs typeface="Consolas"/>
+                </a:rPr>
+                <a:t>least 85% of </a:t>
+              </a:r>
+              <a:r>
+                <a:rPr lang="fr-FR" sz="1600" baseline="30000" dirty="0" err="1">
+                  <a:latin typeface="Consolas"/>
+                  <a:cs typeface="Consolas"/>
+                </a:rPr>
+                <a:t>precision</a:t>
+              </a:r>
+              <a:r>
+                <a:rPr lang="fr-FR" sz="1600" baseline="30000" dirty="0">
+                  <a:latin typeface="Consolas"/>
+                  <a:cs typeface="Consolas"/>
+                </a:rPr>
+                <a:t> of </a:t>
+              </a:r>
+              <a:r>
+                <a:rPr lang="fr-FR" sz="1600" baseline="30000" dirty="0" err="1">
+                  <a:latin typeface="Consolas"/>
+                  <a:cs typeface="Consolas"/>
+                </a:rPr>
+                <a:t>provided</a:t>
+              </a:r>
+              <a:r>
+                <a:rPr lang="fr-FR" sz="1600" baseline="30000" dirty="0">
+                  <a:latin typeface="Consolas"/>
+                  <a:cs typeface="Consolas"/>
+                </a:rPr>
+                <a:t> data</a:t>
+              </a:r>
+              <a:r>
+                <a:rPr lang="fr-FR" sz="1600" baseline="30000" dirty="0" smtClean="0">
+                  <a:latin typeface="Consolas"/>
+                  <a:cs typeface="Consolas"/>
+                </a:rPr>
+                <a:t>,</a:t>
+              </a:r>
+              <a:r>
+                <a:rPr lang="fr-FR" sz="1600" dirty="0" smtClean="0">
+                  <a:latin typeface="Consolas"/>
+                  <a:cs typeface="Consolas"/>
+                </a:rPr>
+                <a:t> </a:t>
+              </a:r>
+              <a:r>
+                <a:rPr lang="fr-FR" sz="1600" baseline="30000" dirty="0" err="1" smtClean="0">
+                  <a:latin typeface="Consolas"/>
+                  <a:cs typeface="Consolas"/>
+                </a:rPr>
+                <a:t>even</a:t>
+              </a:r>
+              <a:r>
+                <a:rPr lang="fr-FR" sz="1600" baseline="30000" dirty="0" smtClean="0">
+                  <a:latin typeface="Consolas"/>
+                  <a:cs typeface="Consolas"/>
+                </a:rPr>
+                <a:t> </a:t>
+              </a:r>
+              <a:r>
+                <a:rPr lang="fr-FR" sz="1600" baseline="30000" dirty="0">
+                  <a:latin typeface="Consolas"/>
+                  <a:cs typeface="Consolas"/>
+                </a:rPr>
+                <a:t>if </a:t>
+              </a:r>
+              <a:r>
+                <a:rPr lang="fr-FR" sz="1600" baseline="30000" dirty="0" err="1">
+                  <a:latin typeface="Consolas"/>
+                  <a:cs typeface="Consolas"/>
+                </a:rPr>
+                <a:t>they</a:t>
+              </a:r>
+              <a:r>
+                <a:rPr lang="fr-FR" sz="1600" baseline="30000" dirty="0">
+                  <a:latin typeface="Consolas"/>
+                  <a:cs typeface="Consolas"/>
+                </a:rPr>
+                <a:t> are not </a:t>
+              </a:r>
+              <a:r>
+                <a:rPr lang="fr-FR" sz="1600" baseline="30000" dirty="0" err="1" smtClean="0">
+                  <a:latin typeface="Consolas"/>
+                  <a:cs typeface="Consolas"/>
+                </a:rPr>
+                <a:t>fresh</a:t>
+              </a:r>
+              <a:r>
+                <a:rPr lang="fr-FR" sz="1600" baseline="30000" dirty="0" smtClean="0">
+                  <a:latin typeface="Consolas"/>
+                  <a:cs typeface="Consolas"/>
+                </a:rPr>
+                <a:t> </a:t>
+              </a:r>
+              <a:endParaRPr lang="fr-FR" sz="1600" baseline="30000" dirty="0">
+                <a:latin typeface="Consolas"/>
+                <a:cs typeface="Consolas"/>
+              </a:endParaRPr>
+            </a:p>
+            <a:p>
+              <a:pPr marL="285750" indent="-285750">
+                <a:buFont typeface="Arial"/>
+                <a:buChar char="•"/>
+              </a:pPr>
+              <a:r>
+                <a:rPr lang="fr-FR" sz="1600" baseline="30000" dirty="0" err="1">
+                  <a:latin typeface="Consolas"/>
+                  <a:cs typeface="Consolas"/>
+                </a:rPr>
+                <a:t>A</a:t>
+              </a:r>
+              <a:r>
+                <a:rPr lang="fr-FR" sz="1600" baseline="30000" dirty="0" err="1" smtClean="0">
+                  <a:latin typeface="Consolas"/>
+                  <a:cs typeface="Consolas"/>
+                </a:rPr>
+                <a:t>vailability</a:t>
+              </a:r>
+              <a:r>
+                <a:rPr lang="fr-FR" sz="1600" baseline="30000" dirty="0" smtClean="0">
+                  <a:latin typeface="Consolas"/>
+                  <a:cs typeface="Consolas"/>
+                </a:rPr>
+                <a:t> </a:t>
+              </a:r>
+              <a:r>
+                <a:rPr lang="fr-FR" sz="1600" baseline="30000" dirty="0">
+                  <a:latin typeface="Consolas"/>
+                  <a:cs typeface="Consolas"/>
+                </a:rPr>
+                <a:t>rate of </a:t>
+              </a:r>
+              <a:r>
+                <a:rPr lang="fr-FR" sz="1600" baseline="30000" dirty="0" err="1">
+                  <a:latin typeface="Consolas"/>
+                  <a:cs typeface="Consolas"/>
+                </a:rPr>
+                <a:t>at</a:t>
+              </a:r>
+              <a:r>
+                <a:rPr lang="fr-FR" sz="1600" baseline="30000" dirty="0">
+                  <a:latin typeface="Consolas"/>
+                  <a:cs typeface="Consolas"/>
+                </a:rPr>
+                <a:t> least 90</a:t>
+              </a:r>
+              <a:r>
+                <a:rPr lang="fr-FR" sz="1600" baseline="30000" dirty="0" smtClean="0">
+                  <a:latin typeface="Consolas"/>
+                  <a:cs typeface="Consolas"/>
+                </a:rPr>
+                <a:t>%</a:t>
+              </a:r>
+            </a:p>
+            <a:p>
+              <a:pPr marL="285750" indent="-285750">
+                <a:buFont typeface="Arial"/>
+                <a:buChar char="•"/>
+              </a:pPr>
+              <a:r>
+                <a:rPr lang="fr-FR" sz="1600" baseline="30000" dirty="0" err="1">
+                  <a:latin typeface="Consolas"/>
+                  <a:cs typeface="Consolas"/>
+                </a:rPr>
+                <a:t>R</a:t>
+              </a:r>
+              <a:r>
+                <a:rPr lang="fr-FR" sz="1600" baseline="30000" dirty="0" err="1" smtClean="0">
+                  <a:latin typeface="Consolas"/>
+                  <a:cs typeface="Consolas"/>
+                </a:rPr>
+                <a:t>esponse</a:t>
+              </a:r>
+              <a:r>
+                <a:rPr lang="fr-FR" sz="1600" baseline="30000" dirty="0" smtClean="0">
+                  <a:latin typeface="Consolas"/>
+                  <a:cs typeface="Consolas"/>
+                </a:rPr>
+                <a:t> </a:t>
+              </a:r>
+              <a:r>
+                <a:rPr lang="fr-FR" sz="1600" baseline="30000" dirty="0">
+                  <a:latin typeface="Consolas"/>
+                  <a:cs typeface="Consolas"/>
+                </a:rPr>
+                <a:t>time of 0,01 </a:t>
+              </a:r>
+              <a:r>
+                <a:rPr lang="fr-FR" sz="1600" baseline="30000" dirty="0" smtClean="0">
+                  <a:latin typeface="Consolas"/>
+                  <a:cs typeface="Consolas"/>
+                </a:rPr>
+                <a:t>sec.</a:t>
+              </a:r>
+              <a:endParaRPr lang="fr-FR" sz="1600" dirty="0">
+                <a:latin typeface="Consolas"/>
+                <a:cs typeface="Consolas"/>
+              </a:endParaRPr>
+            </a:p>
+          </p:txBody>
+        </p:sp>
+        <p:pic>
+          <p:nvPicPr>
+            <p:cNvPr id="13" name="Image 12" descr="user-icon.png"/>
+            <p:cNvPicPr>
+              <a:picLocks noChangeAspect="1"/>
+            </p:cNvPicPr>
+            <p:nvPr/>
+          </p:nvPicPr>
+          <p:blipFill>
+            <a:blip r:embed="rId5">
+              <a:extLst>
+                <a:ext uri="{28A0092B-C50C-407E-A947-70E740481C1C}">
+                  <a14:useLocalDpi xmlns:a14="http://schemas.microsoft.com/office/drawing/2010/main" val="0"/>
+                </a:ext>
+              </a:extLst>
+            </a:blip>
+            <a:stretch>
+              <a:fillRect/>
+            </a:stretch>
+          </p:blipFill>
+          <p:spPr>
+            <a:xfrm>
+              <a:off x="8043332" y="4258732"/>
+              <a:ext cx="560369" cy="580542"/>
+            </a:xfrm>
+            <a:prstGeom prst="rect">
+              <a:avLst/>
+            </a:prstGeom>
+          </p:spPr>
+        </p:pic>
+      </p:grpSp>
     </p:spTree>
     <p:extLst>
       <p:ext uri="{BB962C8B-B14F-4D97-AF65-F5344CB8AC3E}">
-        <p14:creationId xmlns:p14="http://schemas.microsoft.com/office/powerpoint/2010/main" val="2160535605"/>
+        <p14:creationId xmlns:p14="http://schemas.microsoft.com/office/powerpoint/2010/main" val="2302597702"/>
       </p:ext>
     </p:extLst>
   </p:cSld>
@@ -8553,7 +10346,7 @@
                                           </p:stCondLst>
                                         </p:cTn>
                                         <p:tgtEl>
-                                          <p:spTgt spid="4"/>
+                                          <p:spTgt spid="21"/>
                                         </p:tgtEl>
                                         <p:attrNameLst>
                                           <p:attrName>style.visibility</p:attrName>
@@ -8567,7 +10360,42 @@
                                       <p:cBhvr>
                                         <p:cTn id="7" dur="500"/>
                                         <p:tgtEl>
-                                          <p:spTgt spid="4"/>
+                                          <p:spTgt spid="21"/>
+                                        </p:tgtEl>
+                                      </p:cBhvr>
+                                    </p:animEffect>
+                                  </p:childTnLst>
+                                </p:cTn>
+                              </p:par>
+                              <p:par>
+                                <p:cTn id="8" presetID="5" presetClass="entr" presetSubtype="10" fill="hold" grpId="0" nodeType="withEffect">
+                                  <p:stCondLst>
+                                    <p:cond delay="0"/>
+                                  </p:stCondLst>
+                                  <p:childTnLst>
+                                    <p:set>
+                                      <p:cBhvr>
+                                        <p:cTn id="9" dur="1" fill="hold">
+                                          <p:stCondLst>
+                                            <p:cond delay="0"/>
+                                          </p:stCondLst>
+                                        </p:cTn>
+                                        <p:tgtEl>
+                                          <p:spTgt spid="15"/>
+                                        </p:tgtEl>
+                                        <p:attrNameLst>
+                                          <p:attrName>style.visibility</p:attrName>
+                                        </p:attrNameLst>
+                                      </p:cBhvr>
+                                      <p:to>
+                                        <p:strVal val="visible"/>
+                                      </p:to>
+                                    </p:set>
+                                    <p:animEffect transition="in" filter="checkerboard(across)">
+                                      <p:cBhvr>
+                                        <p:cTn id="10" dur="500"/>
+                                        <p:tgtEl>
+                                          <p:spTgt spid="15"/>
                                         </p:tgtEl>
                                       </p:cBhvr>
                                     </p:animEffect>
@@ -8581,32 +10409,217 @@
                     </p:cTn>
                   </p:par>
                   <p:par>
-                    <p:cTn id="8" fill="hold">
+                    <p:cTn id="11" fill="hold">
                       <p:stCondLst>
                         <p:cond delay="indefinite"/>
                       </p:stCondLst>
                       <p:childTnLst>
                         <p:par>
-                          <p:cTn id="9" fill="hold">
+                          <p:cTn id="12" fill="hold">
                             <p:stCondLst>
                               <p:cond delay="0"/>
                             </p:stCondLst>
                             <p:childTnLst>
                               <p:par>
-                                <p:cTn id="10" presetID="1" presetClass="entr" presetSubtype="0" fill="hold" grpId="0" nodeType="clickEffect">
+                                <p:cTn id="13" presetID="5" presetClass="exit" presetSubtype="10" fill="hold" grpId="1" nodeType="clickEffect">
+                                  <p:stCondLst>
+                                    <p:cond delay="0"/>
+                                  </p:stCondLst>
+                                  <p:childTnLst>
+                                    <p:animEffect transition="out" filter="checkerboard(across)">
+                                      <p:cBhvr>
+                                        <p:cTn id="14" dur="500"/>
+                                        <p:tgtEl>
+                                          <p:spTgt spid="15"/>
+                                        </p:tgtEl>
+                                      </p:cBhvr>
+                                    </p:animEffect>
+                                    <p:set>
+                                      <p:cBhvr>
+                                        <p:cTn id="15" dur="1" fill="hold">
+                                          <p:stCondLst>
+                                            <p:cond delay="499"/>
+                                          </p:stCondLst>
+                                        </p:cTn>
+                                        <p:tgtEl>
+                                          <p:spTgt spid="15"/>
+                                        </p:tgtEl>
+                                        <p:attrNameLst>
+                                          <p:attrName>style.visibility</p:attrName>
+                                        </p:attrNameLst>
+                                      </p:cBhvr>
+                                      <p:to>
+                                        <p:strVal val="hidden"/>
+                                      </p:to>
+                                    </p:set>
+                                  </p:childTnLst>
+                                </p:cTn>
+                              </p:par>
+                              <p:par>
+                                <p:cTn id="16" presetID="5" presetClass="entr" presetSubtype="10" fill="hold" grpId="0" nodeType="withEffect">
                                   <p:stCondLst>
                                     <p:cond delay="0"/>
                                   </p:stCondLst>
                                   <p:childTnLst>
                                     <p:set>
                                       <p:cBhvr>
-                                        <p:cTn id="11" dur="1" fill="hold">
+                                        <p:cTn id="17" dur="1" fill="hold">
+                                          <p:stCondLst>
+                                            <p:cond delay="0"/>
+                                          </p:stCondLst>
+                                        </p:cTn>
+                                        <p:tgtEl>
+                                          <p:spTgt spid="17"/>
+                                        </p:tgtEl>
+                                        <p:attrNameLst>
+                                          <p:attrName>style.visibility</p:attrName>
+                                        </p:attrNameLst>
+                                      </p:cBhvr>
+                                      <p:to>
+                                        <p:strVal val="visible"/>
+                                      </p:to>
+                                    </p:set>
+                                    <p:animEffect transition="in" filter="checkerboard(across)">
+                                      <p:cBhvr>
+                                        <p:cTn id="18" dur="500"/>
+                                        <p:tgtEl>
+                                          <p:spTgt spid="17"/>
+                                        </p:tgtEl>
+                                      </p:cBhvr>
+                                    </p:animEffect>
+                                  </p:childTnLst>
+                                </p:cTn>
+                              </p:par>
+                              <p:par>
+                                <p:cTn id="19" presetID="5" presetClass="entr" presetSubtype="10" fill="hold" nodeType="withEffect">
+                                  <p:stCondLst>
+                                    <p:cond delay="0"/>
+                                  </p:stCondLst>
+                                  <p:childTnLst>
+                                    <p:set>
+                                      <p:cBhvr>
+                                        <p:cTn id="20" dur="1" fill="hold">
+                                          <p:stCondLst>
+                                            <p:cond delay="0"/>
+                                          </p:stCondLst>
+                                        </p:cTn>
+                                        <p:tgtEl>
+                                          <p:spTgt spid="22"/>
+                                        </p:tgtEl>
+                                        <p:attrNameLst>
+                                          <p:attrName>style.visibility</p:attrName>
+                                        </p:attrNameLst>
+                                      </p:cBhvr>
+                                      <p:to>
+                                        <p:strVal val="visible"/>
+                                      </p:to>
+                                    </p:set>
+                                    <p:animEffect transition="in" filter="checkerboard(across)">
+                                      <p:cBhvr>
+                                        <p:cTn id="21" dur="500"/>
+                                        <p:tgtEl>
+                                          <p:spTgt spid="22"/>
+                                        </p:tgtEl>
+                                      </p:cBhvr>
+                                    </p:animEffect>
+                                  </p:childTnLst>
+                                </p:cTn>
+                              </p:par>
+                            </p:childTnLst>
+                          </p:cTn>
+                        </p:par>
+                      </p:childTnLst>
+                    </p:cTn>
+                  </p:par>
+                  <p:par>
+                    <p:cTn id="22" fill="hold">
+                      <p:stCondLst>
+                        <p:cond delay="indefinite"/>
+                      </p:stCondLst>
+                      <p:childTnLst>
+                        <p:par>
+                          <p:cTn id="23" fill="hold">
+                            <p:stCondLst>
+                              <p:cond delay="0"/>
+                            </p:stCondLst>
+                            <p:childTnLst>
+                              <p:par>
+                                <p:cTn id="24" presetID="5" presetClass="exit" presetSubtype="10" fill="hold" grpId="1" nodeType="clickEffect">
+                                  <p:stCondLst>
+                                    <p:cond delay="0"/>
+                                  </p:stCondLst>
+                                  <p:childTnLst>
+                                    <p:animEffect transition="out" filter="checkerboard(across)">
+                                      <p:cBhvr>
+                                        <p:cTn id="25" dur="500"/>
+                                        <p:tgtEl>
+                                          <p:spTgt spid="17"/>
+                                        </p:tgtEl>
+                                      </p:cBhvr>
+                                    </p:animEffect>
+                                    <p:set>
+                                      <p:cBhvr>
+                                        <p:cTn id="26" dur="1" fill="hold">
+                                          <p:stCondLst>
+                                            <p:cond delay="499"/>
+                                          </p:stCondLst>
+                                        </p:cTn>
+                                        <p:tgtEl>
+                                          <p:spTgt spid="17"/>
+                                        </p:tgtEl>
+                                        <p:attrNameLst>
+                                          <p:attrName>style.visibility</p:attrName>
+                                        </p:attrNameLst>
+                                      </p:cBhvr>
+                                      <p:to>
+                                        <p:strVal val="hidden"/>
+                                      </p:to>
+                                    </p:set>
+                                  </p:childTnLst>
+                                </p:cTn>
+                              </p:par>
+                              <p:par>
+                                <p:cTn id="27" presetID="1" presetClass="entr" presetSubtype="0" fill="hold" grpId="0" nodeType="withEffect">
+                                  <p:stCondLst>
+                                    <p:cond delay="0"/>
+                                  </p:stCondLst>
+                                  <p:childTnLst>
+                                    <p:set>
+                                      <p:cBhvr>
+                                        <p:cTn id="28" dur="1" fill="hold">
                                           <p:stCondLst>
                                             <p:cond delay="0"/>
                                           </p:stCondLst>
                                         </p:cTn>
                                         <p:tgtEl>
                                           <p:spTgt spid="14"/>
+                                        </p:tgtEl>
+                                        <p:attrNameLst>
+                                          <p:attrName>style.visibility</p:attrName>
+                                        </p:attrNameLst>
+                                      </p:cBhvr>
+                                      <p:to>
+                                        <p:strVal val="visible"/>
+                                      </p:to>
+                                    </p:set>
+                                  </p:childTnLst>
+                                </p:cTn>
+                              </p:par>
+                              <p:par>
+                                <p:cTn id="29" presetID="1" presetClass="entr" presetSubtype="0" fill="hold" grpId="0" nodeType="withEffect">
+                                  <p:stCondLst>
+                                    <p:cond delay="0"/>
+                                  </p:stCondLst>
+                                  <p:childTnLst>
+                                    <p:set>
+                                      <p:cBhvr>
+                                        <p:cTn id="30" dur="1" fill="hold">
+                                          <p:stCondLst>
+                                            <p:cond delay="0"/>
+                                          </p:stCondLst>
+                                        </p:cTn>
+                                        <p:tgtEl>
+                                          <p:spTgt spid="19"/>
                                         </p:tgtEl>
                                         <p:attrNameLst>
                                           <p:attrName>style.visibility</p:attrName>
@@ -8648,12 +10661,17 @@
     </p:tnLst>
     <p:bldLst>
       <p:bldP spid="14" grpId="0" animBg="1"/>
+      <p:bldP spid="15" grpId="0" animBg="1"/>
+      <p:bldP spid="15" grpId="1" animBg="1"/>
+      <p:bldP spid="17" grpId="0" animBg="1"/>
+      <p:bldP spid="17" grpId="1" animBg="1"/>
+      <p:bldP spid="19" grpId="0" animBg="1"/>
     </p:bldLst>
   </p:timing>
 </p:sld>
 </file>
 
-<file path=ppt/slides/slide11.xml><?xml version="1.0" encoding="utf-8"?>
+<file path=ppt/slides/slide12.xml><?xml version="1.0" encoding="utf-8"?>
 <p:sld xmlns:a="http://schemas.openxmlformats.org/drawingml/2006/main" xmlns:r="http://schemas.openxmlformats.org/officeDocument/2006/relationships" xmlns:p="http://schemas.openxmlformats.org/presentationml/2006/main">
   <p:cSld>
     <p:spTree>
@@ -9091,7 +11109,7 @@
           <a:p>
             <a:fld id="{503914D5-4C05-48A0-975C-C97C98535A04}" type="slidenum">
               <a:rPr lang="en-GB" smtClean="0"/>
-              <a:t>11</a:t>
+              <a:t>12</a:t>
             </a:fld>
             <a:endParaRPr lang="en-GB"/>
           </a:p>
@@ -9117,7 +11135,7 @@
 </p:sld>
 </file>
 
-<file path=ppt/slides/slide12.xml><?xml version="1.0" encoding="utf-8"?>
+<file path=ppt/slides/slide13.xml><?xml version="1.0" encoding="utf-8"?>
 <p:sld xmlns:a="http://schemas.openxmlformats.org/drawingml/2006/main" xmlns:r="http://schemas.openxmlformats.org/officeDocument/2006/relationships" xmlns:p="http://schemas.openxmlformats.org/presentationml/2006/main">
   <p:cSld>
     <p:spTree>
@@ -9151,7 +11169,7 @@
           <a:p>
             <a:fld id="{503914D5-4C05-48A0-975C-C97C98535A04}" type="slidenum">
               <a:rPr lang="en-GB" smtClean="0"/>
-              <a:t>12</a:t>
+              <a:t>13</a:t>
             </a:fld>
             <a:endParaRPr lang="en-GB"/>
           </a:p>
@@ -13104,10 +15122,14 @@
             </a:r>
             <a:r>
               <a:rPr lang="en-GB" sz="1700" cap="small" dirty="0" smtClean="0"/>
-              <a:t>, C. </a:t>
-            </a:r>
-            <a:r>
-              <a:rPr lang="en-GB" sz="1700" cap="small" dirty="0" err="1" smtClean="0"/>
+              <a:t>, </a:t>
+            </a:r>
+            <a:r>
+              <a:rPr lang="en-GB" sz="1700" b="1" cap="small" dirty="0" smtClean="0"/>
+              <a:t>C. </a:t>
+            </a:r>
+            <a:r>
+              <a:rPr lang="en-GB" sz="1700" b="1" cap="small" dirty="0" err="1" smtClean="0"/>
               <a:t>Ghedira</a:t>
             </a:r>
             <a:r>
@@ -13139,18 +15161,19 @@
               <a:rPr lang="en-GB" sz="1700" dirty="0">
                 <a:hlinkClick r:id="rId3"/>
               </a:rPr>
-              <a:t>Nadia.Bennani@insa-</a:t>
+              <a:t>chirine.ghedira-guegan@univ-lyon3.</a:t>
             </a:r>
             <a:r>
               <a:rPr lang="en-GB" sz="1700" dirty="0" smtClean="0">
                 <a:hlinkClick r:id="rId3"/>
               </a:rPr>
-              <a:t>lyon.fr</a:t>
+              <a:t>fr</a:t>
             </a:r>
             <a:r>
               <a:rPr lang="en-GB" sz="1700" dirty="0" smtClean="0"/>
               <a:t> </a:t>
             </a:r>
+            <a:endParaRPr lang="en-GB" sz="1700" dirty="0" smtClean="0"/>
           </a:p>
         </p:txBody>
       </p:sp>
@@ -13309,7 +15332,15 @@
           <a:p>
             <a:r>
               <a:rPr lang="en-GB" dirty="0" smtClean="0"/>
-              <a:t>Guide energy stock exchange mechanism that enables a timely and costly provision of energy from consumers and producers located in a given region (e.g., the same city) </a:t>
+              <a:t>Guide energy stock exchange mechanism that enables a timely </a:t>
+            </a:r>
+            <a:r>
+              <a:rPr lang="en-GB" dirty="0" smtClean="0"/>
+              <a:t>provision </a:t>
+            </a:r>
+            <a:r>
+              <a:rPr lang="en-GB" dirty="0" smtClean="0"/>
+              <a:t>of energy from consumers and producers located in a given region (e.g., the same city) </a:t>
             </a:r>
           </a:p>
           <a:p>
@@ -17519,7 +19550,7 @@
           <p:nvPr/>
         </p:nvPicPr>
         <p:blipFill>
-          <a:blip r:embed="rId2" cstate="print">
+          <a:blip r:embed="rId3" cstate="print">
             <a:extLst>
               <a:ext uri="{28A0092B-C50C-407E-A947-70E740481C1C}">
                 <a14:useLocalDpi xmlns:a14="http://schemas.microsoft.com/office/drawing/2010/main" val="0"/>
@@ -17549,7 +19580,7 @@
           <p:nvPr/>
         </p:nvPicPr>
         <p:blipFill>
-          <a:blip r:embed="rId2" cstate="print">
+          <a:blip r:embed="rId3" cstate="print">
             <a:extLst>
               <a:ext uri="{28A0092B-C50C-407E-A947-70E740481C1C}">
                 <a14:useLocalDpi xmlns:a14="http://schemas.microsoft.com/office/drawing/2010/main" val="0"/>
@@ -17579,7 +19610,7 @@
           <p:nvPr/>
         </p:nvPicPr>
         <p:blipFill>
-          <a:blip r:embed="rId2" cstate="print">
+          <a:blip r:embed="rId3" cstate="print">
             <a:extLst>
               <a:ext uri="{28A0092B-C50C-407E-A947-70E740481C1C}">
                 <a14:useLocalDpi xmlns:a14="http://schemas.microsoft.com/office/drawing/2010/main" val="0"/>
@@ -17609,7 +19640,7 @@
           <p:nvPr/>
         </p:nvPicPr>
         <p:blipFill>
-          <a:blip r:embed="rId2" cstate="print">
+          <a:blip r:embed="rId3" cstate="print">
             <a:extLst>
               <a:ext uri="{28A0092B-C50C-407E-A947-70E740481C1C}">
                 <a14:useLocalDpi xmlns:a14="http://schemas.microsoft.com/office/drawing/2010/main" val="0"/>
@@ -17718,7 +19749,7 @@
           <p:nvPr/>
         </p:nvPicPr>
         <p:blipFill>
-          <a:blip r:embed="rId2" cstate="print">
+          <a:blip r:embed="rId3" cstate="print">
             <a:extLst>
               <a:ext uri="{28A0092B-C50C-407E-A947-70E740481C1C}">
                 <a14:useLocalDpi xmlns:a14="http://schemas.microsoft.com/office/drawing/2010/main" val="0"/>
@@ -17783,7 +19814,7 @@
           <p:nvPr/>
         </p:nvPicPr>
         <p:blipFill>
-          <a:blip r:embed="rId2" cstate="print">
+          <a:blip r:embed="rId3" cstate="print">
             <a:extLst>
               <a:ext uri="{28A0092B-C50C-407E-A947-70E740481C1C}">
                 <a14:useLocalDpi xmlns:a14="http://schemas.microsoft.com/office/drawing/2010/main" val="0"/>
@@ -17956,7 +19987,7 @@
           <p:nvPr/>
         </p:nvPicPr>
         <p:blipFill>
-          <a:blip r:embed="rId2" cstate="print">
+          <a:blip r:embed="rId3" cstate="print">
             <a:extLst>
               <a:ext uri="{28A0092B-C50C-407E-A947-70E740481C1C}">
                 <a14:useLocalDpi xmlns:a14="http://schemas.microsoft.com/office/drawing/2010/main" val="0"/>
@@ -18689,7 +20720,7 @@
           <p:nvPr/>
         </p:nvPicPr>
         <p:blipFill>
-          <a:blip r:embed="rId2" cstate="print">
+          <a:blip r:embed="rId3" cstate="print">
             <a:extLst>
               <a:ext uri="{28A0092B-C50C-407E-A947-70E740481C1C}">
                 <a14:useLocalDpi xmlns:a14="http://schemas.microsoft.com/office/drawing/2010/main" val="0"/>
@@ -19611,11 +21642,11 @@
               <p:nvPr/>
             </p:nvPicPr>
             <p:blipFill>
-              <a:blip r:embed="rId3">
+              <a:blip r:embed="rId4">
                 <a:extLst>
                   <a:ext uri="{BEBA8EAE-BF5A-486C-A8C5-ECC9F3942E4B}">
                     <a14:imgProps xmlns:a14="http://schemas.microsoft.com/office/drawing/2010/main">
-                      <a14:imgLayer r:embed="rId4">
+                      <a14:imgLayer r:embed="rId5">
                         <a14:imgEffect>
                           <a14:backgroundRemoval t="6186" b="93557" l="20463" r="89575"/>
                         </a14:imgEffect>
@@ -19713,11 +21744,11 @@
               <p:nvPr/>
             </p:nvPicPr>
             <p:blipFill>
-              <a:blip r:embed="rId3">
+              <a:blip r:embed="rId4">
                 <a:extLst>
                   <a:ext uri="{BEBA8EAE-BF5A-486C-A8C5-ECC9F3942E4B}">
                     <a14:imgProps xmlns:a14="http://schemas.microsoft.com/office/drawing/2010/main">
-                      <a14:imgLayer r:embed="rId4">
+                      <a14:imgLayer r:embed="rId5">
                         <a14:imgEffect>
                           <a14:backgroundRemoval t="6186" b="93557" l="20463" r="89575"/>
                         </a14:imgEffect>
@@ -21195,30 +23226,38 @@
           <a:lstStyle/>
           <a:p>
             <a:r>
-              <a:rPr lang="en-GB" sz="1800" smtClean="0"/>
-              <a:t>How can the user efficiently obtain results for her queries such that they meet her QoS requirements </a:t>
+              <a:rPr lang="en-GB" sz="1800" dirty="0" smtClean="0"/>
+              <a:t>How can the user efficiently obtain results for her queries such that they meet her </a:t>
+            </a:r>
+            <a:r>
+              <a:rPr lang="en-GB" sz="1800" dirty="0" err="1" smtClean="0"/>
+              <a:t>QoS</a:t>
+            </a:r>
+            <a:r>
+              <a:rPr lang="en-GB" sz="1800" dirty="0" smtClean="0"/>
+              <a:t> requirements </a:t>
             </a:r>
           </a:p>
           <a:p>
             <a:pPr lvl="1"/>
             <a:r>
-              <a:rPr lang="en-GB" sz="1600" smtClean="0"/>
+              <a:rPr lang="en-GB" sz="1600" dirty="0" smtClean="0"/>
               <a:t>they respect her subscribed contracts with the involved cloud provider(s)</a:t>
             </a:r>
           </a:p>
           <a:p>
             <a:pPr lvl="1"/>
             <a:r>
-              <a:rPr lang="en-GB" sz="1600" smtClean="0"/>
+              <a:rPr lang="en-GB" sz="1600" dirty="0" smtClean="0"/>
               <a:t>they do not neglect services contracts</a:t>
             </a:r>
           </a:p>
           <a:p>
             <a:r>
-              <a:rPr lang="en-GB" sz="1800" smtClean="0"/>
+              <a:rPr lang="en-GB" sz="1800" dirty="0" smtClean="0"/>
               <a:t>Particularly, for queries that call several services deployed on different clouds</a:t>
             </a:r>
-            <a:endParaRPr lang="en-GB" sz="1800"/>
+            <a:endParaRPr lang="en-GB" sz="1800" dirty="0"/>
           </a:p>
         </p:txBody>
       </p:sp>
@@ -21440,7 +23479,7 @@
           <p:nvPr/>
         </p:nvPicPr>
         <p:blipFill>
-          <a:blip r:embed="rId2" cstate="print">
+          <a:blip r:embed="rId3" cstate="print">
             <a:extLst>
               <a:ext uri="{28A0092B-C50C-407E-A947-70E740481C1C}">
                 <a14:useLocalDpi xmlns:a14="http://schemas.microsoft.com/office/drawing/2010/main" val="0"/>
@@ -21704,7 +23743,7 @@
           <p:nvPr/>
         </p:nvPicPr>
         <p:blipFill>
-          <a:blip r:embed="rId2" cstate="print">
+          <a:blip r:embed="rId3" cstate="print">
             <a:extLst>
               <a:ext uri="{28A0092B-C50C-407E-A947-70E740481C1C}">
                 <a14:useLocalDpi xmlns:a14="http://schemas.microsoft.com/office/drawing/2010/main" val="0"/>
@@ -21734,7 +23773,7 @@
           <p:nvPr/>
         </p:nvPicPr>
         <p:blipFill>
-          <a:blip r:embed="rId2" cstate="print">
+          <a:blip r:embed="rId3" cstate="print">
             <a:extLst>
               <a:ext uri="{28A0092B-C50C-407E-A947-70E740481C1C}">
                 <a14:useLocalDpi xmlns:a14="http://schemas.microsoft.com/office/drawing/2010/main" val="0"/>
@@ -21764,7 +23803,7 @@
           <p:nvPr/>
         </p:nvPicPr>
         <p:blipFill>
-          <a:blip r:embed="rId2" cstate="print">
+          <a:blip r:embed="rId3" cstate="print">
             <a:extLst>
               <a:ext uri="{28A0092B-C50C-407E-A947-70E740481C1C}">
                 <a14:useLocalDpi xmlns:a14="http://schemas.microsoft.com/office/drawing/2010/main" val="0"/>
@@ -22025,7 +24064,7 @@
             <p:nvPr/>
           </p:nvPicPr>
           <p:blipFill>
-            <a:blip r:embed="rId3">
+            <a:blip r:embed="rId4">
               <a:extLst/>
             </a:blip>
             <a:stretch>
@@ -22138,7 +24177,7 @@
             <p:nvPr/>
           </p:nvPicPr>
           <p:blipFill>
-            <a:blip r:embed="rId3">
+            <a:blip r:embed="rId4">
               <a:extLst/>
             </a:blip>
             <a:stretch>
@@ -22251,7 +24290,7 @@
             <p:nvPr/>
           </p:nvPicPr>
           <p:blipFill>
-            <a:blip r:embed="rId3">
+            <a:blip r:embed="rId4">
               <a:extLst/>
             </a:blip>
             <a:stretch>
@@ -22278,7 +24317,7 @@
           <p:nvPr/>
         </p:nvPicPr>
         <p:blipFill>
-          <a:blip r:embed="rId4"/>
+          <a:blip r:embed="rId5"/>
           <a:stretch>
             <a:fillRect/>
           </a:stretch>
@@ -22302,7 +24341,7 @@
           <p:nvPr/>
         </p:nvPicPr>
         <p:blipFill>
-          <a:blip r:embed="rId5"/>
+          <a:blip r:embed="rId6"/>
           <a:stretch>
             <a:fillRect/>
           </a:stretch>
@@ -22326,7 +24365,7 @@
           <p:nvPr/>
         </p:nvPicPr>
         <p:blipFill>
-          <a:blip r:embed="rId6"/>
+          <a:blip r:embed="rId7"/>
           <a:stretch>
             <a:fillRect/>
           </a:stretch>
@@ -22350,7 +24389,7 @@
           <p:nvPr/>
         </p:nvPicPr>
         <p:blipFill>
-          <a:blip r:embed="rId7"/>
+          <a:blip r:embed="rId8"/>
           <a:stretch>
             <a:fillRect/>
           </a:stretch>
@@ -22465,7 +24504,7 @@
           <p:nvPr/>
         </p:nvPicPr>
         <p:blipFill>
-          <a:blip r:embed="rId3">
+          <a:blip r:embed="rId4">
             <a:duotone>
               <a:schemeClr val="accent5">
                 <a:shade val="45000"/>
@@ -22498,7 +24537,7 @@
           <p:nvPr/>
         </p:nvPicPr>
         <p:blipFill>
-          <a:blip r:embed="rId8"/>
+          <a:blip r:embed="rId9"/>
           <a:stretch>
             <a:fillRect/>
           </a:stretch>
@@ -22604,8 +24643,16 @@
               <a:buNone/>
             </a:pPr>
             <a:r>
-              <a:rPr lang="en-GB" sz="1800" smtClean="0"/>
-              <a:t>Can my constraints be satisfyed? Which services shall I ask for?  </a:t>
+              <a:rPr lang="en-GB" sz="1800" dirty="0" smtClean="0"/>
+              <a:t>Can my constraints be </a:t>
+            </a:r>
+            <a:r>
+              <a:rPr lang="en-GB" sz="1800" dirty="0" err="1" smtClean="0"/>
+              <a:t>satisfyed</a:t>
+            </a:r>
+            <a:r>
+              <a:rPr lang="en-GB" sz="1800" dirty="0" smtClean="0"/>
+              <a:t>? Which services shall I ask for?  </a:t>
             </a:r>
           </a:p>
           <a:p>
@@ -22613,10 +24660,18 @@
               <a:buNone/>
             </a:pPr>
             <a:r>
-              <a:rPr lang="en-GB" sz="1800" smtClean="0"/>
-              <a:t>How can ressources be saved for next query?</a:t>
-            </a:r>
-            <a:endParaRPr lang="en-GB" sz="1800"/>
+              <a:rPr lang="en-GB" sz="1800" dirty="0" smtClean="0"/>
+              <a:t>How can </a:t>
+            </a:r>
+            <a:r>
+              <a:rPr lang="en-GB" sz="1800" dirty="0" err="1" smtClean="0"/>
+              <a:t>ressources</a:t>
+            </a:r>
+            <a:r>
+              <a:rPr lang="en-GB" sz="1800" dirty="0" smtClean="0"/>
+              <a:t> be saved for next query?</a:t>
+            </a:r>
+            <a:endParaRPr lang="en-GB" sz="1800" dirty="0"/>
           </a:p>
         </p:txBody>
       </p:sp>
@@ -22718,7 +24773,7 @@
           <p:nvPr/>
         </p:nvPicPr>
         <p:blipFill>
-          <a:blip r:embed="rId2" cstate="print">
+          <a:blip r:embed="rId3" cstate="print">
             <a:extLst>
               <a:ext uri="{28A0092B-C50C-407E-A947-70E740481C1C}">
                 <a14:useLocalDpi xmlns:a14="http://schemas.microsoft.com/office/drawing/2010/main" val="0"/>
@@ -22982,7 +25037,7 @@
           <p:nvPr/>
         </p:nvPicPr>
         <p:blipFill>
-          <a:blip r:embed="rId2" cstate="print">
+          <a:blip r:embed="rId3" cstate="print">
             <a:extLst>
               <a:ext uri="{28A0092B-C50C-407E-A947-70E740481C1C}">
                 <a14:useLocalDpi xmlns:a14="http://schemas.microsoft.com/office/drawing/2010/main" val="0"/>
@@ -23012,7 +25067,7 @@
           <p:nvPr/>
         </p:nvPicPr>
         <p:blipFill>
-          <a:blip r:embed="rId2" cstate="print">
+          <a:blip r:embed="rId3" cstate="print">
             <a:extLst>
               <a:ext uri="{28A0092B-C50C-407E-A947-70E740481C1C}">
                 <a14:useLocalDpi xmlns:a14="http://schemas.microsoft.com/office/drawing/2010/main" val="0"/>
@@ -23042,7 +25097,7 @@
           <p:nvPr/>
         </p:nvPicPr>
         <p:blipFill>
-          <a:blip r:embed="rId2" cstate="print">
+          <a:blip r:embed="rId3" cstate="print">
             <a:extLst>
               <a:ext uri="{28A0092B-C50C-407E-A947-70E740481C1C}">
                 <a14:useLocalDpi xmlns:a14="http://schemas.microsoft.com/office/drawing/2010/main" val="0"/>
@@ -23234,7 +25289,7 @@
           <p:nvPr/>
         </p:nvPicPr>
         <p:blipFill>
-          <a:blip r:embed="rId3">
+          <a:blip r:embed="rId4">
             <a:duotone>
               <a:schemeClr val="accent5">
                 <a:shade val="45000"/>
@@ -23328,7 +25383,7 @@
             <p:nvPr/>
           </p:nvPicPr>
           <p:blipFill>
-            <a:blip r:embed="rId3">
+            <a:blip r:embed="rId4">
               <a:extLst/>
             </a:blip>
             <a:stretch>
@@ -23416,7 +25471,7 @@
             <p:nvPr/>
           </p:nvPicPr>
           <p:blipFill>
-            <a:blip r:embed="rId3">
+            <a:blip r:embed="rId4">
               <a:extLst/>
             </a:blip>
             <a:stretch>
@@ -23504,7 +25559,7 @@
             <p:nvPr/>
           </p:nvPicPr>
           <p:blipFill>
-            <a:blip r:embed="rId3">
+            <a:blip r:embed="rId4">
               <a:extLst/>
             </a:blip>
             <a:stretch>
@@ -23531,7 +25586,7 @@
           <p:nvPr/>
         </p:nvPicPr>
         <p:blipFill>
-          <a:blip r:embed="rId4"/>
+          <a:blip r:embed="rId5"/>
           <a:stretch>
             <a:fillRect/>
           </a:stretch>
@@ -23555,7 +25610,7 @@
           <p:nvPr/>
         </p:nvPicPr>
         <p:blipFill>
-          <a:blip r:embed="rId5"/>
+          <a:blip r:embed="rId6"/>
           <a:stretch>
             <a:fillRect/>
           </a:stretch>
@@ -23579,7 +25634,7 @@
           <p:nvPr/>
         </p:nvPicPr>
         <p:blipFill>
-          <a:blip r:embed="rId6"/>
+          <a:blip r:embed="rId7"/>
           <a:stretch>
             <a:fillRect/>
           </a:stretch>
@@ -23856,7 +25911,7 @@
           <p:nvPr/>
         </p:nvPicPr>
         <p:blipFill>
-          <a:blip r:embed="rId3">
+          <a:blip r:embed="rId4">
             <a:duotone>
               <a:schemeClr val="accent3">
                 <a:shade val="45000"/>
@@ -23889,7 +25944,7 @@
           <p:nvPr/>
         </p:nvPicPr>
         <p:blipFill>
-          <a:blip r:embed="rId7"/>
+          <a:blip r:embed="rId8"/>
           <a:stretch>
             <a:fillRect/>
           </a:stretch>
@@ -23984,7 +26039,7 @@
           <p:nvPr/>
         </p:nvPicPr>
         <p:blipFill>
-          <a:blip r:embed="rId8">
+          <a:blip r:embed="rId9">
             <a:extLst>
               <a:ext uri="{28A0092B-C50C-407E-A947-70E740481C1C}">
                 <a14:useLocalDpi xmlns:a14="http://schemas.microsoft.com/office/drawing/2010/main" val="0"/>
@@ -25506,11 +27561,11 @@
   <p:clrMapOvr>
     <a:masterClrMapping/>
   </p:clrMapOvr>
-  <mc:AlternateContent xmlns:mc="http://schemas.openxmlformats.org/markup-compatibility/2006">
-    <mc:Choice xmlns:p14="http://schemas.microsoft.com/office/powerpoint/2010/main" Requires="p14">
+  <mc:AlternateContent xmlns:mc="http://schemas.openxmlformats.org/markup-compatibility/2006" xmlns:p14="http://schemas.microsoft.com/office/powerpoint/2010/main">
+    <mc:Choice Requires="p14">
       <p:transition spd="slow" p14:dur="2000"/>
     </mc:Choice>
-    <mc:Fallback>
+    <mc:Fallback xmlns="">
       <p:transition xmlns:p14="http://schemas.microsoft.com/office/powerpoint/2010/main" spd="slow"/>
     </mc:Fallback>
   </mc:AlternateContent>

--- a/Journee-ARC6/cloud-benani-vargas-ghedira-musicante.pptx
+++ b/Journee-ARC6/cloud-benani-vargas-ghedira-musicante.pptx
@@ -124,7 +124,7 @@
   </p:defaultTextStyle>
   <p:extLst>
     <p:ext uri="{EFAFB233-063F-42B5-8137-9DF3F51BA10A}">
-      <p15:sldGuideLst xmlns:p15="http://schemas.microsoft.com/office/powerpoint/2012/main" xmlns="">
+      <p15:sldGuideLst xmlns="" xmlns:p15="http://schemas.microsoft.com/office/powerpoint/2012/main">
         <p15:guide id="1" orient="horz" pos="1620">
           <p15:clr>
             <a:srgbClr val="A4A3A4"/>
@@ -223,7 +223,7 @@
           <a:p>
             <a:fld id="{A77E57C5-5813-5747-A65D-14904BC3B28A}" type="datetimeFigureOut">
               <a:rPr lang="fr-FR" smtClean="0"/>
-              <a:t>13/06/2014</a:t>
+              <a:t>15/06/2014</a:t>
             </a:fld>
             <a:endParaRPr lang="es-ES_tradnl"/>
           </a:p>
@@ -389,7 +389,7 @@
           <a:p>
             <a:fld id="{80840C0A-9A0E-6F48-97E1-1968C32D5906}" type="datetimeFigureOut">
               <a:rPr lang="fr-FR" smtClean="0"/>
-              <a:t>13/06/2014</a:t>
+              <a:t>15/06/2014</a:t>
             </a:fld>
             <a:endParaRPr lang="es-ES_tradnl"/>
           </a:p>
@@ -800,6 +800,55 @@
           <a:bodyPr/>
           <a:lstStyle/>
           <a:p>
+            <a:r>
+              <a:rPr lang="en-GB" dirty="0" smtClean="0"/>
+              <a:t>In order to integrate SLAs</a:t>
+            </a:r>
+            <a:r>
+              <a:rPr lang="en-GB" baseline="0" dirty="0" smtClean="0"/>
+              <a:t> from services and cloud providers with user preferences we extend the following SLA model:</a:t>
+            </a:r>
+          </a:p>
+          <a:p>
+            <a:r>
+              <a:rPr lang="en-GB" baseline="0" dirty="0" smtClean="0"/>
+              <a:t>That represents SLA as a concept consisting of Obligations, Parameters established among Parties (shown in white boxes) </a:t>
+            </a:r>
+          </a:p>
+          <a:p>
+            <a:r>
+              <a:rPr lang="en-GB" baseline="0" dirty="0" smtClean="0"/>
+              <a:t>We model particularly SLA established between a User and a Cloud provider, and the SLA that a cloud provider associates to a given Service (violet boxes)</a:t>
+            </a:r>
+          </a:p>
+          <a:p>
+            <a:r>
+              <a:rPr lang="en-GB" baseline="0" dirty="0" smtClean="0"/>
+              <a:t>An Integrated is associated to the Concepts of a Query that is implemented by a Service composition (yellow boxes)</a:t>
+            </a:r>
+          </a:p>
+          <a:p>
+            <a:r>
+              <a:rPr lang="en-GB" baseline="0" dirty="0" smtClean="0"/>
+              <a:t>The integrated SLA has Negotiation Rules (pink box) that express Guaranties that the services implicated in the Query have to honour. </a:t>
+            </a:r>
+          </a:p>
+          <a:p>
+            <a:endParaRPr lang="en-GB" baseline="0" dirty="0" smtClean="0"/>
+          </a:p>
+          <a:p>
+            <a:r>
+              <a:rPr lang="en-GB" baseline="0" dirty="0" smtClean="0"/>
+              <a:t>To illustrate the use of the model here an example:</a:t>
+            </a:r>
+          </a:p>
+          <a:p>
+            <a:endParaRPr lang="en-GB" baseline="0" dirty="0" smtClean="0"/>
+          </a:p>
+          <a:p>
+            <a:endParaRPr lang="en-GB" baseline="0" dirty="0" smtClean="0"/>
+          </a:p>
+          <a:p>
             <a:endParaRPr lang="en-GB" dirty="0"/>
           </a:p>
         </p:txBody>
@@ -821,6 +870,125 @@
           <a:p>
             <a:fld id="{57E0BC2A-8237-8C45-84CA-A7F136E6A562}" type="slidenum">
               <a:rPr lang="es-ES_tradnl" smtClean="0"/>
+              <a:t>10</a:t>
+            </a:fld>
+            <a:endParaRPr lang="es-ES_tradnl"/>
+          </a:p>
+        </p:txBody>
+      </p:sp>
+    </p:spTree>
+    <p:extLst>
+      <p:ext uri="{BB962C8B-B14F-4D97-AF65-F5344CB8AC3E}">
+        <p14:creationId xmlns:p14="http://schemas.microsoft.com/office/powerpoint/2010/main" val="2633287569"/>
+      </p:ext>
+    </p:extLst>
+  </p:cSld>
+  <p:clrMapOvr>
+    <a:masterClrMapping/>
+  </p:clrMapOvr>
+</p:notes>
+</file>
+
+<file path=ppt/notesSlides/notesSlide11.xml><?xml version="1.0" encoding="utf-8"?>
+<p:notes xmlns:a="http://schemas.openxmlformats.org/drawingml/2006/main" xmlns:r="http://schemas.openxmlformats.org/officeDocument/2006/relationships" xmlns:p="http://schemas.openxmlformats.org/presentationml/2006/main">
+  <p:cSld>
+    <p:spTree>
+      <p:nvGrpSpPr>
+        <p:cNvPr id="1" name=""/>
+        <p:cNvGrpSpPr/>
+        <p:nvPr/>
+      </p:nvGrpSpPr>
+      <p:grpSpPr>
+        <a:xfrm>
+          <a:off x="0" y="0"/>
+          <a:ext cx="0" cy="0"/>
+          <a:chOff x="0" y="0"/>
+          <a:chExt cx="0" cy="0"/>
+        </a:xfrm>
+      </p:grpSpPr>
+      <p:sp>
+        <p:nvSpPr>
+          <p:cNvPr id="2" name="Espace réservé de l'image des diapositives 1"/>
+          <p:cNvSpPr>
+            <a:spLocks noGrp="1" noRot="1" noChangeAspect="1"/>
+          </p:cNvSpPr>
+          <p:nvPr>
+            <p:ph type="sldImg"/>
+          </p:nvPr>
+        </p:nvSpPr>
+        <p:spPr/>
+      </p:sp>
+      <p:sp>
+        <p:nvSpPr>
+          <p:cNvPr id="3" name="Espace réservé des commentaires 2"/>
+          <p:cNvSpPr>
+            <a:spLocks noGrp="1"/>
+          </p:cNvSpPr>
+          <p:nvPr>
+            <p:ph type="body" idx="1"/>
+          </p:nvPr>
+        </p:nvSpPr>
+        <p:spPr/>
+        <p:txBody>
+          <a:bodyPr/>
+          <a:lstStyle/>
+          <a:p>
+            <a:r>
+              <a:rPr lang="en-GB" dirty="0" smtClean="0"/>
+              <a:t>We model the SLA established</a:t>
+            </a:r>
+            <a:r>
+              <a:rPr lang="en-GB" baseline="0" dirty="0" smtClean="0"/>
+              <a:t> for instance through the most simple subscription to Azure with a cost of O,O5 dollar cents per call, 8 Gb of I/O per month, free data transfer cost within the same regions, and 1 GB storage space.</a:t>
+            </a:r>
+          </a:p>
+          <a:p>
+            <a:endParaRPr lang="en-GB" baseline="0" dirty="0" smtClean="0"/>
+          </a:p>
+          <a:p>
+            <a:r>
+              <a:rPr lang="en-GB" baseline="0" dirty="0" smtClean="0"/>
+              <a:t>On the other hand we have the user preferences for the query we propose in our example. She can pay at most 5 USD as the total query cost, she only want green energy providers involved in the results, with 85% of precision of the data in with a total response of 0,01 seconds. </a:t>
+            </a:r>
+          </a:p>
+          <a:p>
+            <a:endParaRPr lang="en-GB" baseline="0" dirty="0" smtClean="0"/>
+          </a:p>
+          <a:p>
+            <a:r>
+              <a:rPr lang="en-GB" baseline="0" dirty="0" smtClean="0"/>
+              <a:t>Finally the integrated SLA couples both statements and leads to a set of constraints that have to do </a:t>
+            </a:r>
+          </a:p>
+          <a:p>
+            <a:pPr marL="171450" indent="-171450">
+              <a:buFontTx/>
+              <a:buChar char="-"/>
+            </a:pPr>
+            <a:r>
+              <a:rPr lang="en-GB" baseline="0" dirty="0" smtClean="0"/>
+              <a:t>With the total query cost, the response time, the availability of services, the freshness of data, the precision and provenance of services and the size of  partial results that can be stored</a:t>
+            </a:r>
+          </a:p>
+        </p:txBody>
+      </p:sp>
+      <p:sp>
+        <p:nvSpPr>
+          <p:cNvPr id="4" name="Espace réservé du numéro de diapositive 3"/>
+          <p:cNvSpPr>
+            <a:spLocks noGrp="1"/>
+          </p:cNvSpPr>
+          <p:nvPr>
+            <p:ph type="sldNum" sz="quarter" idx="10"/>
+          </p:nvPr>
+        </p:nvSpPr>
+        <p:spPr/>
+        <p:txBody>
+          <a:bodyPr/>
+          <a:lstStyle/>
+          <a:p>
+            <a:fld id="{57E0BC2A-8237-8C45-84CA-A7F136E6A562}" type="slidenum">
+              <a:rPr lang="es-ES_tradnl" smtClean="0"/>
               <a:t>11</a:t>
             </a:fld>
             <a:endParaRPr lang="es-ES_tradnl"/>
@@ -840,7 +1008,150 @@
 </p:notes>
 </file>
 
-<file path=ppt/notesSlides/notesSlide11.xml><?xml version="1.0" encoding="utf-8"?>
+<file path=ppt/notesSlides/notesSlide12.xml><?xml version="1.0" encoding="utf-8"?>
+<p:notes xmlns:a="http://schemas.openxmlformats.org/drawingml/2006/main" xmlns:r="http://schemas.openxmlformats.org/officeDocument/2006/relationships" xmlns:p="http://schemas.openxmlformats.org/presentationml/2006/main">
+  <p:cSld>
+    <p:spTree>
+      <p:nvGrpSpPr>
+        <p:cNvPr id="1" name=""/>
+        <p:cNvGrpSpPr/>
+        <p:nvPr/>
+      </p:nvGrpSpPr>
+      <p:grpSpPr>
+        <a:xfrm>
+          <a:off x="0" y="0"/>
+          <a:ext cx="0" cy="0"/>
+          <a:chOff x="0" y="0"/>
+          <a:chExt cx="0" cy="0"/>
+        </a:xfrm>
+      </p:grpSpPr>
+      <p:sp>
+        <p:nvSpPr>
+          <p:cNvPr id="2" name="Espace réservé de l'image des diapositives 1"/>
+          <p:cNvSpPr>
+            <a:spLocks noGrp="1" noRot="1" noChangeAspect="1"/>
+          </p:cNvSpPr>
+          <p:nvPr>
+            <p:ph type="sldImg"/>
+          </p:nvPr>
+        </p:nvSpPr>
+        <p:spPr/>
+      </p:sp>
+      <p:sp>
+        <p:nvSpPr>
+          <p:cNvPr id="3" name="Espace réservé des commentaires 2"/>
+          <p:cNvSpPr>
+            <a:spLocks noGrp="1"/>
+          </p:cNvSpPr>
+          <p:nvPr>
+            <p:ph type="body" idx="1"/>
+          </p:nvPr>
+        </p:nvSpPr>
+        <p:spPr/>
+        <p:txBody>
+          <a:bodyPr/>
+          <a:lstStyle/>
+          <a:p>
+            <a:r>
+              <a:rPr lang="en-GB" dirty="0" smtClean="0"/>
+              <a:t>In order to conclude:</a:t>
+            </a:r>
+          </a:p>
+          <a:p>
+            <a:pPr marL="171450" indent="-171450">
+              <a:buFontTx/>
+              <a:buChar char="-"/>
+            </a:pPr>
+            <a:r>
+              <a:rPr lang="en-GB" dirty="0" smtClean="0"/>
+              <a:t>We believe</a:t>
+            </a:r>
+            <a:r>
+              <a:rPr lang="en-GB" baseline="0" dirty="0" smtClean="0"/>
+              <a:t> that current big data settings impose to consider SLA and different data delivery models</a:t>
+            </a:r>
+          </a:p>
+          <a:p>
+            <a:pPr marL="171450" indent="-171450">
+              <a:buFontTx/>
+              <a:buChar char="-"/>
+            </a:pPr>
+            <a:r>
+              <a:rPr lang="en-GB" baseline="0" dirty="0" smtClean="0"/>
+              <a:t>In this context, the complexity of query evaluation includes steps that imply greedy computations that call to revisit well – known solutions in parallel and cloud distributed platforms</a:t>
+            </a:r>
+          </a:p>
+          <a:p>
+            <a:pPr marL="171450" indent="-171450">
+              <a:buFontTx/>
+              <a:buChar char="-"/>
+            </a:pPr>
+            <a:r>
+              <a:rPr lang="en-GB" baseline="0" dirty="0" smtClean="0"/>
+              <a:t>We aim at developing data integration strategies and algorithms guided by SLA constraints that can be then applied to energy consumption applications</a:t>
+            </a:r>
+          </a:p>
+          <a:p>
+            <a:pPr marL="0" indent="0">
+              <a:buFontTx/>
+              <a:buNone/>
+            </a:pPr>
+            <a:endParaRPr lang="en-GB" baseline="0" dirty="0" smtClean="0"/>
+          </a:p>
+          <a:p>
+            <a:pPr marL="0" indent="0">
+              <a:buFontTx/>
+              <a:buNone/>
+            </a:pPr>
+            <a:r>
+              <a:rPr lang="en-GB" baseline="0" dirty="0" smtClean="0"/>
+              <a:t>Our hints are= SLA modelling and integration as shown today, automatic learning for reduces overhead, defining business models for delivering </a:t>
+            </a:r>
+            <a:r>
+              <a:rPr lang="en-GB" baseline="0" smtClean="0"/>
+              <a:t>query results.</a:t>
+            </a:r>
+            <a:endParaRPr lang="en-GB" dirty="0" smtClean="0"/>
+          </a:p>
+        </p:txBody>
+      </p:sp>
+      <p:sp>
+        <p:nvSpPr>
+          <p:cNvPr id="4" name="Espace réservé du numéro de diapositive 3"/>
+          <p:cNvSpPr>
+            <a:spLocks noGrp="1"/>
+          </p:cNvSpPr>
+          <p:nvPr>
+            <p:ph type="sldNum" sz="quarter" idx="10"/>
+          </p:nvPr>
+        </p:nvSpPr>
+        <p:spPr/>
+        <p:txBody>
+          <a:bodyPr/>
+          <a:lstStyle/>
+          <a:p>
+            <a:fld id="{57E0BC2A-8237-8C45-84CA-A7F136E6A562}" type="slidenum">
+              <a:rPr lang="es-ES_tradnl" smtClean="0"/>
+              <a:t>12</a:t>
+            </a:fld>
+            <a:endParaRPr lang="es-ES_tradnl"/>
+          </a:p>
+        </p:txBody>
+      </p:sp>
+    </p:spTree>
+    <p:extLst>
+      <p:ext uri="{BB962C8B-B14F-4D97-AF65-F5344CB8AC3E}">
+        <p14:creationId xmlns:p14="http://schemas.microsoft.com/office/powerpoint/2010/main" val="3169255767"/>
+      </p:ext>
+    </p:extLst>
+  </p:cSld>
+  <p:clrMapOvr>
+    <a:masterClrMapping/>
+  </p:clrMapOvr>
+</p:notes>
+</file>
+
+<file path=ppt/notesSlides/notesSlide13.xml><?xml version="1.0" encoding="utf-8"?>
 <p:notes xmlns:a="http://schemas.openxmlformats.org/drawingml/2006/main" xmlns:r="http://schemas.openxmlformats.org/officeDocument/2006/relationships" xmlns:p="http://schemas.openxmlformats.org/presentationml/2006/main">
   <p:cSld>
     <p:spTree>
@@ -3278,7 +3589,7 @@
           <a:p>
             <a:fld id="{08173A4C-CE70-0842-955E-7836C9977CD0}" type="datetime1">
               <a:rPr lang="fr-FR" smtClean="0"/>
-              <a:t>13/06/2014</a:t>
+              <a:t>15/06/2014</a:t>
             </a:fld>
             <a:endParaRPr lang="en-GB"/>
           </a:p>
@@ -3540,7 +3851,7 @@
           <a:p>
             <a:fld id="{FFCC69C8-B675-1649-A9BD-41EBD27C87D2}" type="datetime1">
               <a:rPr lang="fr-FR" smtClean="0"/>
-              <a:t>13/06/2014</a:t>
+              <a:t>15/06/2014</a:t>
             </a:fld>
             <a:endParaRPr lang="en-GB"/>
           </a:p>
@@ -3775,7 +4086,7 @@
           <a:p>
             <a:fld id="{4BAE475C-31E1-764F-AEF6-3694F06675D0}" type="datetime1">
               <a:rPr lang="fr-FR" smtClean="0"/>
-              <a:t>13/06/2014</a:t>
+              <a:t>15/06/2014</a:t>
             </a:fld>
             <a:endParaRPr lang="en-GB"/>
           </a:p>
@@ -4240,7 +4551,7 @@
             </a:pPr>
             <a:fld id="{D302CF7C-A13E-A345-84DA-F5AB6E7DF0E9}" type="datetime1">
               <a:rPr lang="fr-FR" smtClean="0"/>
-              <a:t>13/06/2014</a:t>
+              <a:t>15/06/2014</a:t>
             </a:fld>
             <a:endParaRPr lang="en-GB"/>
           </a:p>
@@ -4457,7 +4768,7 @@
           <a:p>
             <a:fld id="{825AAD87-5DB6-FD45-9B91-4F6BC3D3F595}" type="datetime1">
               <a:rPr lang="fr-FR" smtClean="0"/>
-              <a:t>13/06/2014</a:t>
+              <a:t>15/06/2014</a:t>
             </a:fld>
             <a:endParaRPr lang="en-US"/>
           </a:p>
@@ -4835,7 +5146,7 @@
           <a:p>
             <a:fld id="{A730A38C-46F8-1741-9A21-08C25CCF77B8}" type="datetime1">
               <a:rPr lang="fr-FR" smtClean="0"/>
-              <a:t>13/06/2014</a:t>
+              <a:t>15/06/2014</a:t>
             </a:fld>
             <a:endParaRPr lang="en-US"/>
           </a:p>
@@ -5418,7 +5729,7 @@
           <a:p>
             <a:fld id="{07A11159-4733-984B-82E6-F506241142AC}" type="datetime1">
               <a:rPr lang="fr-FR" smtClean="0"/>
-              <a:t>13/06/2014</a:t>
+              <a:t>15/06/2014</a:t>
             </a:fld>
             <a:endParaRPr lang="en-US"/>
           </a:p>
@@ -5637,7 +5948,7 @@
           <a:p>
             <a:fld id="{EDA3E0B9-CC88-8645-9C27-FEB189175B0D}" type="datetime1">
               <a:rPr lang="fr-FR" smtClean="0"/>
-              <a:t>13/06/2014</a:t>
+              <a:t>15/06/2014</a:t>
             </a:fld>
             <a:endParaRPr lang="en-GB"/>
           </a:p>
@@ -5944,7 +6255,7 @@
           <a:p>
             <a:fld id="{7DE04ABD-EA59-D340-8A4B-D382B3BF6F0B}" type="datetime1">
               <a:rPr lang="fr-FR" smtClean="0"/>
-              <a:t>13/06/2014</a:t>
+              <a:t>15/06/2014</a:t>
             </a:fld>
             <a:endParaRPr lang="en-GB"/>
           </a:p>
@@ -6246,7 +6557,7 @@
           <a:p>
             <a:fld id="{D5501940-797B-154C-B283-2D29903CC2BA}" type="datetime1">
               <a:rPr lang="fr-FR" smtClean="0"/>
-              <a:t>13/06/2014</a:t>
+              <a:t>15/06/2014</a:t>
             </a:fld>
             <a:endParaRPr lang="en-GB"/>
           </a:p>
@@ -6668,7 +6979,7 @@
           <a:p>
             <a:fld id="{2D40B61E-7161-8349-B1B0-1706419BC512}" type="datetime1">
               <a:rPr lang="fr-FR" smtClean="0"/>
-              <a:t>13/06/2014</a:t>
+              <a:t>15/06/2014</a:t>
             </a:fld>
             <a:endParaRPr lang="en-GB"/>
           </a:p>
@@ -6830,7 +7141,7 @@
           <a:p>
             <a:fld id="{F1F996EE-AEA5-7247-84F6-5653F10EA78E}" type="datetime1">
               <a:rPr lang="fr-FR" smtClean="0"/>
-              <a:t>13/06/2014</a:t>
+              <a:t>15/06/2014</a:t>
             </a:fld>
             <a:endParaRPr lang="en-GB"/>
           </a:p>
@@ -6925,7 +7236,7 @@
           <a:p>
             <a:fld id="{970A5426-907C-B84D-976B-85288A8ADDB1}" type="datetime1">
               <a:rPr lang="fr-FR" smtClean="0"/>
-              <a:t>13/06/2014</a:t>
+              <a:t>15/06/2014</a:t>
             </a:fld>
             <a:endParaRPr lang="en-GB"/>
           </a:p>
@@ -7303,7 +7614,7 @@
           <a:p>
             <a:fld id="{7C8B3765-6DE2-FF46-A407-C716D7CC1B8C}" type="datetime1">
               <a:rPr lang="fr-FR" smtClean="0"/>
-              <a:t>13/06/2014</a:t>
+              <a:t>15/06/2014</a:t>
             </a:fld>
             <a:endParaRPr lang="en-GB"/>
           </a:p>
@@ -7592,7 +7903,7 @@
           <a:p>
             <a:fld id="{44F34D2A-E81D-7F49-85D1-AFDCEF49289D}" type="datetime1">
               <a:rPr lang="fr-FR" smtClean="0"/>
-              <a:t>13/06/2014</a:t>
+              <a:t>15/06/2014</a:t>
             </a:fld>
             <a:endParaRPr lang="en-GB"/>
           </a:p>
@@ -7803,7 +8114,7 @@
           <a:p>
             <a:fld id="{A4430339-9F7B-9E4D-B5EF-3BC3BAD6E4FA}" type="datetime1">
               <a:rPr lang="fr-FR" smtClean="0"/>
-              <a:t>13/06/2014</a:t>
+              <a:t>15/06/2014</a:t>
             </a:fld>
             <a:endParaRPr lang="en-GB"/>
           </a:p>
@@ -8476,11 +8787,7 @@
             </a:r>
             <a:r>
               <a:rPr lang="en-GB" sz="1700" cap="small" dirty="0" smtClean="0"/>
-              <a:t>, </a:t>
-            </a:r>
-            <a:r>
-              <a:rPr lang="en-GB" sz="1700" cap="small" dirty="0" smtClean="0"/>
-              <a:t>M. </a:t>
+              <a:t>, M. </a:t>
             </a:r>
             <a:r>
               <a:rPr lang="en-GB" sz="1700" cap="small" dirty="0" err="1" smtClean="0"/>
@@ -8673,7 +8980,7 @@
           <p:nvPr/>
         </p:nvPicPr>
         <p:blipFill>
-          <a:blip r:embed="rId2">
+          <a:blip r:embed="rId3">
             <a:extLst>
               <a:ext uri="{28A0092B-C50C-407E-A947-70E740481C1C}">
                 <a14:useLocalDpi xmlns:a14="http://schemas.microsoft.com/office/drawing/2010/main" val="0"/>
@@ -15173,7 +15480,6 @@
               <a:rPr lang="en-GB" sz="1700" dirty="0" smtClean="0"/>
               <a:t> </a:t>
             </a:r>
-            <a:endParaRPr lang="en-GB" sz="1700" dirty="0" smtClean="0"/>
           </a:p>
         </p:txBody>
       </p:sp>
@@ -15332,15 +15638,7 @@
           <a:p>
             <a:r>
               <a:rPr lang="en-GB" dirty="0" smtClean="0"/>
-              <a:t>Guide energy stock exchange mechanism that enables a timely </a:t>
-            </a:r>
-            <a:r>
-              <a:rPr lang="en-GB" dirty="0" smtClean="0"/>
-              <a:t>provision </a:t>
-            </a:r>
-            <a:r>
-              <a:rPr lang="en-GB" dirty="0" smtClean="0"/>
-              <a:t>of energy from consumers and producers located in a given region (e.g., the same city) </a:t>
+              <a:t>Guide energy stock exchange mechanism that enables a timely provision of energy from consumers and producers located in a given region (e.g., the same city) </a:t>
             </a:r>
           </a:p>
           <a:p>
@@ -27842,7 +28140,7 @@
   <a:extraClrSchemeLst/>
   <a:extLst>
     <a:ext uri="{05A4C25C-085E-4340-85A3-A5531E510DB2}">
-      <thm15:themeFamily xmlns:thm15="http://schemas.microsoft.com/office/thememl/2012/main" xmlns="" name="Dividend" id="{9697A71B-4AB7-4A1A-BD5B-BB2D22835B57}" vid="{C21699FF-00E4-43C8-BBCC-D7E5536C3717}"/>
+      <thm15:themeFamily xmlns="" xmlns:thm15="http://schemas.microsoft.com/office/thememl/2012/main" name="Dividend" id="{9697A71B-4AB7-4A1A-BD5B-BB2D22835B57}" vid="{C21699FF-00E4-43C8-BBCC-D7E5536C3717}"/>
     </a:ext>
   </a:extLst>
 </a:theme>
